--- a/ゼミ発表資料/1821005_1206.pptx
+++ b/ゼミ発表資料/1821005_1206.pptx
@@ -5,7 +5,7 @@
     <p:sldMasterId id="2147483660" r:id="rId1"/>
   </p:sldMasterIdLst>
   <p:notesMasterIdLst>
-    <p:notesMasterId r:id="rId29"/>
+    <p:notesMasterId r:id="rId31"/>
   </p:notesMasterIdLst>
   <p:sldIdLst>
     <p:sldId id="256" r:id="rId2"/>
@@ -22,19 +22,21 @@
     <p:sldId id="264" r:id="rId13"/>
     <p:sldId id="267" r:id="rId14"/>
     <p:sldId id="286" r:id="rId15"/>
-    <p:sldId id="271" r:id="rId16"/>
-    <p:sldId id="272" r:id="rId17"/>
-    <p:sldId id="273" r:id="rId18"/>
-    <p:sldId id="274" r:id="rId19"/>
-    <p:sldId id="275" r:id="rId20"/>
-    <p:sldId id="277" r:id="rId21"/>
-    <p:sldId id="278" r:id="rId22"/>
-    <p:sldId id="279" r:id="rId23"/>
-    <p:sldId id="281" r:id="rId24"/>
-    <p:sldId id="282" r:id="rId25"/>
-    <p:sldId id="283" r:id="rId26"/>
-    <p:sldId id="285" r:id="rId27"/>
-    <p:sldId id="287" r:id="rId28"/>
+    <p:sldId id="289" r:id="rId16"/>
+    <p:sldId id="271" r:id="rId17"/>
+    <p:sldId id="272" r:id="rId18"/>
+    <p:sldId id="273" r:id="rId19"/>
+    <p:sldId id="274" r:id="rId20"/>
+    <p:sldId id="290" r:id="rId21"/>
+    <p:sldId id="275" r:id="rId22"/>
+    <p:sldId id="277" r:id="rId23"/>
+    <p:sldId id="278" r:id="rId24"/>
+    <p:sldId id="279" r:id="rId25"/>
+    <p:sldId id="281" r:id="rId26"/>
+    <p:sldId id="282" r:id="rId27"/>
+    <p:sldId id="283" r:id="rId28"/>
+    <p:sldId id="285" r:id="rId29"/>
+    <p:sldId id="287" r:id="rId30"/>
   </p:sldIdLst>
   <p:sldSz cx="9144000" cy="6858000" type="screen4x3"/>
   <p:notesSz cx="6858000" cy="9144000"/>
@@ -223,7 +225,7 @@
           <a:p>
             <a:fld id="{D359827B-A45A-42A3-8D19-3E0C9B79B6AF}" type="datetimeFigureOut">
               <a:rPr kumimoji="1" lang="ja-JP" altLang="en-US" smtClean="0"/>
-              <a:t>2021/11/30</a:t>
+              <a:t>2021/12/6</a:t>
             </a:fld>
             <a:endParaRPr kumimoji="1" lang="ja-JP" altLang="en-US"/>
           </a:p>
@@ -834,7 +836,7 @@
           <a:p>
             <a:fld id="{4443CE40-FC38-4584-BE39-B2B04D0D6E7E}" type="slidenum">
               <a:rPr kumimoji="1" lang="ja-JP" altLang="en-US" smtClean="0"/>
-              <a:t>25</a:t>
+              <a:t>27</a:t>
             </a:fld>
             <a:endParaRPr kumimoji="1" lang="ja-JP" altLang="en-US"/>
           </a:p>
@@ -984,7 +986,7 @@
           <a:p>
             <a:fld id="{F97256E2-A65E-4B77-B264-911586924883}" type="datetime1">
               <a:rPr kumimoji="1" lang="ja-JP" altLang="en-US" smtClean="0"/>
-              <a:t>2021/11/30</a:t>
+              <a:t>2021/12/6</a:t>
             </a:fld>
             <a:endParaRPr kumimoji="1" lang="ja-JP" altLang="en-US"/>
           </a:p>
@@ -1186,7 +1188,7 @@
           <a:p>
             <a:fld id="{7D14B865-5DC8-45B1-AA67-F8656352C909}" type="datetime1">
               <a:rPr kumimoji="1" lang="ja-JP" altLang="en-US" smtClean="0"/>
-              <a:t>2021/11/30</a:t>
+              <a:t>2021/12/6</a:t>
             </a:fld>
             <a:endParaRPr kumimoji="1" lang="ja-JP" altLang="en-US"/>
           </a:p>
@@ -1398,7 +1400,7 @@
           <a:p>
             <a:fld id="{02A15EFD-2DFF-458B-A902-73BF4EFB1164}" type="datetime1">
               <a:rPr kumimoji="1" lang="ja-JP" altLang="en-US" smtClean="0"/>
-              <a:t>2021/11/30</a:t>
+              <a:t>2021/12/6</a:t>
             </a:fld>
             <a:endParaRPr kumimoji="1" lang="ja-JP" altLang="en-US"/>
           </a:p>
@@ -1600,7 +1602,7 @@
           <a:p>
             <a:fld id="{9EBF459C-F29A-4B20-A8B3-856EFF20B301}" type="datetime1">
               <a:rPr kumimoji="1" lang="ja-JP" altLang="en-US" smtClean="0"/>
-              <a:t>2021/11/30</a:t>
+              <a:t>2021/12/6</a:t>
             </a:fld>
             <a:endParaRPr kumimoji="1" lang="ja-JP" altLang="en-US"/>
           </a:p>
@@ -1844,7 +1846,7 @@
           <a:p>
             <a:fld id="{E2F1D19E-D3ED-426D-8C0C-A7E859C70D82}" type="datetime1">
               <a:rPr kumimoji="1" lang="ja-JP" altLang="en-US" smtClean="0"/>
-              <a:t>2021/11/30</a:t>
+              <a:t>2021/12/6</a:t>
             </a:fld>
             <a:endParaRPr kumimoji="1" lang="ja-JP" altLang="en-US"/>
           </a:p>
@@ -2140,7 +2142,7 @@
           <a:p>
             <a:fld id="{AC85B4AF-0CA0-4CE4-B5F2-9615981BDB42}" type="datetime1">
               <a:rPr kumimoji="1" lang="ja-JP" altLang="en-US" smtClean="0"/>
-              <a:t>2021/11/30</a:t>
+              <a:t>2021/12/6</a:t>
             </a:fld>
             <a:endParaRPr kumimoji="1" lang="ja-JP" altLang="en-US"/>
           </a:p>
@@ -2571,7 +2573,7 @@
           <a:p>
             <a:fld id="{41CEF983-C0A5-4267-8E2C-E552BBDE4CE2}" type="datetime1">
               <a:rPr kumimoji="1" lang="ja-JP" altLang="en-US" smtClean="0"/>
-              <a:t>2021/11/30</a:t>
+              <a:t>2021/12/6</a:t>
             </a:fld>
             <a:endParaRPr kumimoji="1" lang="ja-JP" altLang="en-US"/>
           </a:p>
@@ -2689,7 +2691,7 @@
           <a:p>
             <a:fld id="{88BDB93D-AD42-430C-B431-09BCC7ABE956}" type="datetime1">
               <a:rPr kumimoji="1" lang="ja-JP" altLang="en-US" smtClean="0"/>
-              <a:t>2021/11/30</a:t>
+              <a:t>2021/12/6</a:t>
             </a:fld>
             <a:endParaRPr kumimoji="1" lang="ja-JP" altLang="en-US"/>
           </a:p>
@@ -2784,7 +2786,7 @@
           <a:p>
             <a:fld id="{D271579B-5523-45D2-8886-921D1D44EEED}" type="datetime1">
               <a:rPr kumimoji="1" lang="ja-JP" altLang="en-US" smtClean="0"/>
-              <a:t>2021/11/30</a:t>
+              <a:t>2021/12/6</a:t>
             </a:fld>
             <a:endParaRPr kumimoji="1" lang="ja-JP" altLang="en-US"/>
           </a:p>
@@ -3093,7 +3095,7 @@
           <a:p>
             <a:fld id="{0E7742D9-CD6D-4362-A175-904BAA441680}" type="datetime1">
               <a:rPr kumimoji="1" lang="ja-JP" altLang="en-US" smtClean="0"/>
-              <a:t>2021/11/30</a:t>
+              <a:t>2021/12/6</a:t>
             </a:fld>
             <a:endParaRPr kumimoji="1" lang="ja-JP" altLang="en-US"/>
           </a:p>
@@ -3350,7 +3352,7 @@
           <a:p>
             <a:fld id="{81F08DD8-F1CF-472A-B406-5FCD361CD16E}" type="datetime1">
               <a:rPr kumimoji="1" lang="ja-JP" altLang="en-US" smtClean="0"/>
-              <a:t>2021/11/30</a:t>
+              <a:t>2021/12/6</a:t>
             </a:fld>
             <a:endParaRPr kumimoji="1" lang="ja-JP" altLang="en-US"/>
           </a:p>
@@ -3595,7 +3597,7 @@
           <a:p>
             <a:fld id="{12578FE9-280D-4954-B807-C67AC8024AE2}" type="datetime1">
               <a:rPr kumimoji="1" lang="ja-JP" altLang="en-US" smtClean="0"/>
-              <a:t>2021/11/30</a:t>
+              <a:t>2021/12/6</a:t>
             </a:fld>
             <a:endParaRPr kumimoji="1" lang="ja-JP" altLang="en-US"/>
           </a:p>
@@ -4055,7 +4057,6 @@
               <a:rPr kumimoji="1" lang="en-US" altLang="ja-JP" dirty="0" smtClean="0"/>
               <a:t>2021/12/06</a:t>
             </a:r>
-            <a:endParaRPr kumimoji="1" lang="en-US" altLang="ja-JP" dirty="0" smtClean="0"/>
           </a:p>
           <a:p>
             <a:r>
@@ -5213,231 +5214,741 @@
           <a:chExt cx="0" cy="0"/>
         </a:xfrm>
       </p:grpSpPr>
-      <p:sp>
-        <p:nvSpPr>
-          <p:cNvPr id="2" name="タイトル 1"/>
-          <p:cNvSpPr>
-            <a:spLocks noGrp="1"/>
-          </p:cNvSpPr>
-          <p:nvPr>
-            <p:ph type="title"/>
-          </p:nvPr>
-        </p:nvSpPr>
-        <p:spPr/>
-        <p:txBody>
-          <a:bodyPr/>
-          <a:lstStyle/>
-          <a:p>
-            <a:r>
-              <a:rPr kumimoji="1" lang="en-US" altLang="ja-JP" dirty="0" err="1" smtClean="0"/>
-              <a:t>Alexnet</a:t>
-            </a:r>
-            <a:r>
-              <a:rPr kumimoji="1" lang="ja-JP" altLang="en-US" dirty="0" smtClean="0"/>
-              <a:t>のモデル作成</a:t>
-            </a:r>
-            <a:endParaRPr kumimoji="1" lang="ja-JP" altLang="en-US" dirty="0"/>
-          </a:p>
-        </p:txBody>
-      </p:sp>
-      <p:sp>
-        <p:nvSpPr>
-          <p:cNvPr id="3" name="コンテンツ プレースホルダー 2"/>
-          <p:cNvSpPr>
-            <a:spLocks noGrp="1"/>
-          </p:cNvSpPr>
-          <p:nvPr>
-            <p:ph idx="1"/>
-          </p:nvPr>
-        </p:nvSpPr>
-        <p:spPr/>
-        <p:txBody>
-          <a:bodyPr>
-            <a:normAutofit lnSpcReduction="10000"/>
-          </a:bodyPr>
-          <a:lstStyle/>
-          <a:p>
-            <a:r>
-              <a:rPr lang="en-US" altLang="ja-JP" dirty="0" err="1" smtClean="0"/>
-              <a:t>Alexnet</a:t>
-            </a:r>
-            <a:r>
-              <a:rPr lang="ja-JP" altLang="en-US" dirty="0" smtClean="0"/>
-              <a:t>について</a:t>
-            </a:r>
-            <a:endParaRPr lang="en-US" altLang="ja-JP" dirty="0" smtClean="0"/>
-          </a:p>
-          <a:p>
-            <a:pPr lvl="1"/>
-            <a:r>
-              <a:rPr lang="en-US" altLang="ja-JP" dirty="0" smtClean="0"/>
-              <a:t>2012</a:t>
-            </a:r>
-            <a:r>
-              <a:rPr lang="ja-JP" altLang="en-US" dirty="0"/>
-              <a:t>年の</a:t>
-            </a:r>
-            <a:r>
-              <a:rPr lang="en-US" altLang="ja-JP" dirty="0"/>
-              <a:t>ImageNet</a:t>
-            </a:r>
-            <a:r>
-              <a:rPr lang="ja-JP" altLang="en-US" dirty="0"/>
-              <a:t>を用いた画像認識コンペ</a:t>
-            </a:r>
-            <a:r>
-              <a:rPr lang="en-US" altLang="ja-JP" dirty="0"/>
-              <a:t>ILSVRC</a:t>
-            </a:r>
-            <a:r>
-              <a:rPr lang="ja-JP" altLang="en-US" dirty="0"/>
-              <a:t>でチャンピオンに輝き，</a:t>
-            </a:r>
-            <a:r>
-              <a:rPr lang="en-US" altLang="ja-JP" dirty="0"/>
-              <a:t>Deep Learning</a:t>
-            </a:r>
-            <a:r>
-              <a:rPr lang="ja-JP" altLang="en-US" dirty="0"/>
-              <a:t>の火付け役となった</a:t>
-            </a:r>
-            <a:r>
-              <a:rPr lang="ja-JP" altLang="en-US" dirty="0" smtClean="0"/>
-              <a:t>モデル．</a:t>
-            </a:r>
-            <a:endParaRPr lang="en-US" altLang="ja-JP" dirty="0" smtClean="0"/>
-          </a:p>
-          <a:p>
-            <a:pPr lvl="1"/>
-            <a:r>
-              <a:rPr lang="en-US" altLang="ja-JP" dirty="0" smtClean="0"/>
-              <a:t>5</a:t>
-            </a:r>
-            <a:r>
-              <a:rPr lang="ja-JP" altLang="en-US" dirty="0" err="1"/>
-              <a:t>つの</a:t>
-            </a:r>
-            <a:r>
-              <a:rPr lang="ja-JP" altLang="en-US" dirty="0" smtClean="0"/>
-              <a:t>畳み込み層</a:t>
-            </a:r>
-            <a:r>
-              <a:rPr lang="ja-JP" altLang="en-US" dirty="0"/>
-              <a:t>，</a:t>
-            </a:r>
-            <a:r>
-              <a:rPr lang="en-US" altLang="ja-JP" dirty="0"/>
-              <a:t>3</a:t>
-            </a:r>
-            <a:r>
-              <a:rPr lang="ja-JP" altLang="en-US" dirty="0" err="1"/>
-              <a:t>つの</a:t>
-            </a:r>
-            <a:r>
-              <a:rPr lang="ja-JP" altLang="en-US" dirty="0"/>
-              <a:t>全結合層などから構成</a:t>
-            </a:r>
-            <a:r>
-              <a:rPr lang="ja-JP" altLang="en-US" dirty="0" smtClean="0"/>
-              <a:t>されて</a:t>
-            </a:r>
-            <a:r>
-              <a:rPr lang="ja-JP" altLang="en-US" dirty="0"/>
-              <a:t>いる</a:t>
-            </a:r>
-            <a:r>
-              <a:rPr lang="ja-JP" altLang="en-US" dirty="0" smtClean="0"/>
-              <a:t>．</a:t>
-            </a:r>
-            <a:endParaRPr lang="en-US" altLang="ja-JP" dirty="0" smtClean="0"/>
-          </a:p>
-          <a:p>
-            <a:endParaRPr kumimoji="1" lang="en-US" altLang="ja-JP" dirty="0" smtClean="0"/>
-          </a:p>
-          <a:p>
-            <a:r>
-              <a:rPr kumimoji="1" lang="ja-JP" altLang="en-US" dirty="0" smtClean="0"/>
-              <a:t>下記のサイトを参考に作成</a:t>
-            </a:r>
-            <a:endParaRPr kumimoji="1" lang="en-US" altLang="ja-JP" dirty="0"/>
-          </a:p>
-          <a:p>
-            <a:pPr lvl="1"/>
-            <a:r>
-              <a:rPr lang="en-US" altLang="ja-JP" dirty="0">
-                <a:hlinkClick r:id="rId2"/>
-              </a:rPr>
-              <a:t>https://</a:t>
-            </a:r>
-            <a:r>
-              <a:rPr lang="en-US" altLang="ja-JP" dirty="0" smtClean="0">
-                <a:hlinkClick r:id="rId2"/>
-              </a:rPr>
-              <a:t>qiita.com/URAN110/items/ea2bfc8f7ba2fc858de3</a:t>
-            </a:r>
-            <a:endParaRPr lang="en-US" altLang="ja-JP" dirty="0" smtClean="0"/>
-          </a:p>
-          <a:p>
-            <a:r>
-              <a:rPr lang="ja-JP" altLang="en-US" dirty="0"/>
-              <a:t>学習に</a:t>
-            </a:r>
-            <a:r>
-              <a:rPr lang="ja-JP" altLang="en-US" dirty="0" smtClean="0"/>
-              <a:t>は，</a:t>
-            </a:r>
-            <a:r>
-              <a:rPr lang="en-US" altLang="ja-JP" dirty="0" smtClean="0"/>
-              <a:t>Cifar10</a:t>
-            </a:r>
-            <a:r>
-              <a:rPr lang="ja-JP" altLang="en-US" dirty="0" smtClean="0"/>
-              <a:t>を使用．</a:t>
-            </a:r>
-            <a:endParaRPr lang="en-US" altLang="ja-JP" dirty="0" smtClean="0"/>
-          </a:p>
-        </p:txBody>
-      </p:sp>
-      <p:sp>
-        <p:nvSpPr>
-          <p:cNvPr id="4" name="スライド番号プレースホルダー 3"/>
-          <p:cNvSpPr>
-            <a:spLocks noGrp="1"/>
-          </p:cNvSpPr>
-          <p:nvPr>
-            <p:ph type="sldNum" sz="quarter" idx="12"/>
-          </p:nvPr>
-        </p:nvSpPr>
-        <p:spPr/>
-        <p:txBody>
-          <a:bodyPr/>
-          <a:lstStyle/>
-          <a:p>
-            <a:fld id="{768BF403-63E9-4BE6-AA0B-408C483EA9DC}" type="slidenum">
-              <a:rPr kumimoji="1" lang="ja-JP" altLang="en-US" smtClean="0"/>
-              <a:t>15</a:t>
-            </a:fld>
-            <a:endParaRPr kumimoji="1" lang="ja-JP" altLang="en-US"/>
-          </a:p>
-        </p:txBody>
-      </p:sp>
+      <p:grpSp>
+        <p:nvGrpSpPr>
+          <p:cNvPr id="30" name="グループ化 29"/>
+          <p:cNvGrpSpPr/>
+          <p:nvPr/>
+        </p:nvGrpSpPr>
+        <p:grpSpPr>
+          <a:xfrm>
+            <a:off x="971423" y="1902925"/>
+            <a:ext cx="7443790" cy="2968284"/>
+            <a:chOff x="396872" y="1253063"/>
+            <a:chExt cx="9925053" cy="3957712"/>
+          </a:xfrm>
+        </p:grpSpPr>
+        <p:grpSp>
+          <p:nvGrpSpPr>
+            <p:cNvPr id="27" name="グループ化 26"/>
+            <p:cNvGrpSpPr/>
+            <p:nvPr/>
+          </p:nvGrpSpPr>
+          <p:grpSpPr>
+            <a:xfrm>
+              <a:off x="396872" y="1253063"/>
+              <a:ext cx="9925053" cy="3957712"/>
+              <a:chOff x="396872" y="1253063"/>
+              <a:chExt cx="9925053" cy="3957712"/>
+            </a:xfrm>
+          </p:grpSpPr>
+          <p:sp>
+            <p:nvSpPr>
+              <p:cNvPr id="3" name="角丸四角形 2"/>
+              <p:cNvSpPr/>
+              <p:nvPr/>
+            </p:nvSpPr>
+            <p:spPr>
+              <a:xfrm>
+                <a:off x="3619499" y="3911597"/>
+                <a:ext cx="1591733" cy="956733"/>
+              </a:xfrm>
+              <a:prstGeom prst="roundRect">
+                <a:avLst/>
+              </a:prstGeom>
+            </p:spPr>
+            <p:style>
+              <a:lnRef idx="2">
+                <a:schemeClr val="accent1">
+                  <a:shade val="50000"/>
+                </a:schemeClr>
+              </a:lnRef>
+              <a:fillRef idx="1">
+                <a:schemeClr val="accent1"/>
+              </a:fillRef>
+              <a:effectRef idx="0">
+                <a:schemeClr val="accent1"/>
+              </a:effectRef>
+              <a:fontRef idx="minor">
+                <a:schemeClr val="lt1"/>
+              </a:fontRef>
+            </p:style>
+            <p:txBody>
+              <a:bodyPr rtlCol="0" anchor="ctr"/>
+              <a:lstStyle/>
+              <a:p>
+                <a:pPr algn="ctr"/>
+                <a:r>
+                  <a:rPr lang="en-US" altLang="ja-JP" sz="1350" dirty="0" err="1"/>
+                  <a:t>s</a:t>
+                </a:r>
+                <a:r>
+                  <a:rPr lang="en-US" altLang="ja-JP" sz="1350" dirty="0" err="1"/>
+                  <a:t>earch_image.jpynb</a:t>
+                </a:r>
+                <a:endParaRPr lang="ja-JP" altLang="en-US" sz="1350" dirty="0"/>
+              </a:p>
+            </p:txBody>
+          </p:sp>
+          <p:grpSp>
+            <p:nvGrpSpPr>
+              <p:cNvPr id="23" name="グループ化 22"/>
+              <p:cNvGrpSpPr/>
+              <p:nvPr/>
+            </p:nvGrpSpPr>
+            <p:grpSpPr>
+              <a:xfrm>
+                <a:off x="396872" y="1253063"/>
+                <a:ext cx="9925053" cy="3742268"/>
+                <a:chOff x="396872" y="1253063"/>
+                <a:chExt cx="9925053" cy="3742268"/>
+              </a:xfrm>
+            </p:grpSpPr>
+            <p:grpSp>
+              <p:nvGrpSpPr>
+                <p:cNvPr id="16" name="グループ化 15"/>
+                <p:cNvGrpSpPr/>
+                <p:nvPr/>
+              </p:nvGrpSpPr>
+              <p:grpSpPr>
+                <a:xfrm>
+                  <a:off x="396872" y="1253063"/>
+                  <a:ext cx="8036988" cy="1549400"/>
+                  <a:chOff x="396872" y="1253063"/>
+                  <a:chExt cx="8036988" cy="1549400"/>
+                </a:xfrm>
+              </p:grpSpPr>
+              <p:sp>
+                <p:nvSpPr>
+                  <p:cNvPr id="4" name="角丸四角形 3"/>
+                  <p:cNvSpPr/>
+                  <p:nvPr/>
+                </p:nvSpPr>
+                <p:spPr>
+                  <a:xfrm>
+                    <a:off x="6842127" y="1253063"/>
+                    <a:ext cx="1591733" cy="956733"/>
+                  </a:xfrm>
+                  <a:prstGeom prst="roundRect">
+                    <a:avLst/>
+                  </a:prstGeom>
+                </p:spPr>
+                <p:style>
+                  <a:lnRef idx="2">
+                    <a:schemeClr val="accent1">
+                      <a:shade val="50000"/>
+                    </a:schemeClr>
+                  </a:lnRef>
+                  <a:fillRef idx="1">
+                    <a:schemeClr val="accent1"/>
+                  </a:fillRef>
+                  <a:effectRef idx="0">
+                    <a:schemeClr val="accent1"/>
+                  </a:effectRef>
+                  <a:fontRef idx="minor">
+                    <a:schemeClr val="lt1"/>
+                  </a:fontRef>
+                </p:style>
+                <p:txBody>
+                  <a:bodyPr rtlCol="0" anchor="ctr"/>
+                  <a:lstStyle/>
+                  <a:p>
+                    <a:pPr algn="ctr"/>
+                    <a:r>
+                      <a:rPr lang="en-US" altLang="ja-JP" sz="1350" dirty="0"/>
+                      <a:t>c</a:t>
+                    </a:r>
+                    <a:r>
+                      <a:rPr lang="en-US" altLang="ja-JP" sz="1350" dirty="0"/>
+                      <a:t>ifar10_vector_pickle.jpynb</a:t>
+                    </a:r>
+                    <a:endParaRPr lang="ja-JP" altLang="en-US" sz="1350" dirty="0"/>
+                  </a:p>
+                </p:txBody>
+              </p:sp>
+              <p:grpSp>
+                <p:nvGrpSpPr>
+                  <p:cNvPr id="12" name="グループ化 11"/>
+                  <p:cNvGrpSpPr/>
+                  <p:nvPr/>
+                </p:nvGrpSpPr>
+                <p:grpSpPr>
+                  <a:xfrm>
+                    <a:off x="396872" y="1253063"/>
+                    <a:ext cx="4772027" cy="1549400"/>
+                    <a:chOff x="396872" y="1253063"/>
+                    <a:chExt cx="4772027" cy="1549400"/>
+                  </a:xfrm>
+                </p:grpSpPr>
+                <p:sp>
+                  <p:nvSpPr>
+                    <p:cNvPr id="2" name="角丸四角形 1"/>
+                    <p:cNvSpPr/>
+                    <p:nvPr/>
+                  </p:nvSpPr>
+                  <p:spPr>
+                    <a:xfrm>
+                      <a:off x="396872" y="1253063"/>
+                      <a:ext cx="1591733" cy="956733"/>
+                    </a:xfrm>
+                    <a:prstGeom prst="roundRect">
+                      <a:avLst/>
+                    </a:prstGeom>
+                  </p:spPr>
+                  <p:style>
+                    <a:lnRef idx="2">
+                      <a:schemeClr val="accent1">
+                        <a:shade val="50000"/>
+                      </a:schemeClr>
+                    </a:lnRef>
+                    <a:fillRef idx="1">
+                      <a:schemeClr val="accent1"/>
+                    </a:fillRef>
+                    <a:effectRef idx="0">
+                      <a:schemeClr val="accent1"/>
+                    </a:effectRef>
+                    <a:fontRef idx="minor">
+                      <a:schemeClr val="lt1"/>
+                    </a:fontRef>
+                  </p:style>
+                  <p:txBody>
+                    <a:bodyPr rtlCol="0" anchor="ctr"/>
+                    <a:lstStyle/>
+                    <a:p>
+                      <a:pPr algn="ctr"/>
+                      <a:r>
+                        <a:rPr lang="en-US" altLang="ja-JP" sz="1350" dirty="0" err="1"/>
+                        <a:t>c</a:t>
+                      </a:r>
+                      <a:r>
+                        <a:rPr lang="en-US" altLang="ja-JP" sz="1350" dirty="0" err="1"/>
+                        <a:t>reate_model.jpynb</a:t>
+                      </a:r>
+                      <a:endParaRPr lang="ja-JP" altLang="en-US" sz="1350" dirty="0"/>
+                    </a:p>
+                  </p:txBody>
+                </p:sp>
+                <p:sp>
+                  <p:nvSpPr>
+                    <p:cNvPr id="5" name="フローチャート: 複数書類 4"/>
+                    <p:cNvSpPr/>
+                    <p:nvPr/>
+                  </p:nvSpPr>
+                  <p:spPr>
+                    <a:xfrm>
+                      <a:off x="3661833" y="1253063"/>
+                      <a:ext cx="1507066" cy="1549400"/>
+                    </a:xfrm>
+                    <a:prstGeom prst="flowChartMultidocument">
+                      <a:avLst/>
+                    </a:prstGeom>
+                    <a:solidFill>
+                      <a:schemeClr val="bg1"/>
+                    </a:solidFill>
+                    <a:ln>
+                      <a:solidFill>
+                        <a:schemeClr val="tx1"/>
+                      </a:solidFill>
+                    </a:ln>
+                  </p:spPr>
+                  <p:style>
+                    <a:lnRef idx="2">
+                      <a:schemeClr val="accent1">
+                        <a:shade val="50000"/>
+                      </a:schemeClr>
+                    </a:lnRef>
+                    <a:fillRef idx="1">
+                      <a:schemeClr val="accent1"/>
+                    </a:fillRef>
+                    <a:effectRef idx="0">
+                      <a:schemeClr val="accent1"/>
+                    </a:effectRef>
+                    <a:fontRef idx="minor">
+                      <a:schemeClr val="lt1"/>
+                    </a:fontRef>
+                  </p:style>
+                  <p:txBody>
+                    <a:bodyPr rtlCol="0" anchor="ctr"/>
+                    <a:lstStyle/>
+                    <a:p>
+                      <a:pPr algn="ctr"/>
+                      <a:r>
+                        <a:rPr lang="en-US" altLang="ja-JP" sz="1350" dirty="0">
+                          <a:solidFill>
+                            <a:schemeClr val="tx1"/>
+                          </a:solidFill>
+                        </a:rPr>
+                        <a:t>model</a:t>
+                      </a:r>
+                      <a:endParaRPr lang="ja-JP" altLang="en-US" sz="1350" dirty="0">
+                        <a:solidFill>
+                          <a:schemeClr val="tx1"/>
+                        </a:solidFill>
+                      </a:endParaRPr>
+                    </a:p>
+                  </p:txBody>
+                </p:sp>
+                <p:cxnSp>
+                  <p:nvCxnSpPr>
+                    <p:cNvPr id="7" name="直線矢印コネクタ 6"/>
+                    <p:cNvCxnSpPr>
+                      <a:stCxn id="2" idx="3"/>
+                    </p:cNvCxnSpPr>
+                    <p:nvPr/>
+                  </p:nvCxnSpPr>
+                  <p:spPr>
+                    <a:xfrm flipV="1">
+                      <a:off x="1988605" y="1731429"/>
+                      <a:ext cx="1706034" cy="1"/>
+                    </a:xfrm>
+                    <a:prstGeom prst="straightConnector1">
+                      <a:avLst/>
+                    </a:prstGeom>
+                    <a:ln>
+                      <a:tailEnd type="triangle"/>
+                    </a:ln>
+                  </p:spPr>
+                  <p:style>
+                    <a:lnRef idx="1">
+                      <a:schemeClr val="accent1"/>
+                    </a:lnRef>
+                    <a:fillRef idx="0">
+                      <a:schemeClr val="accent1"/>
+                    </a:fillRef>
+                    <a:effectRef idx="0">
+                      <a:schemeClr val="accent1"/>
+                    </a:effectRef>
+                    <a:fontRef idx="minor">
+                      <a:schemeClr val="tx1"/>
+                    </a:fontRef>
+                  </p:style>
+                </p:cxnSp>
+                <p:sp>
+                  <p:nvSpPr>
+                    <p:cNvPr id="8" name="テキスト ボックス 7"/>
+                    <p:cNvSpPr txBox="1"/>
+                    <p:nvPr/>
+                  </p:nvSpPr>
+                  <p:spPr>
+                    <a:xfrm>
+                      <a:off x="2102907" y="1253063"/>
+                      <a:ext cx="1411817" cy="400109"/>
+                    </a:xfrm>
+                    <a:prstGeom prst="rect">
+                      <a:avLst/>
+                    </a:prstGeom>
+                    <a:noFill/>
+                  </p:spPr>
+                  <p:txBody>
+                    <a:bodyPr wrap="square" rtlCol="0">
+                      <a:spAutoFit/>
+                    </a:bodyPr>
+                    <a:lstStyle/>
+                    <a:p>
+                      <a:r>
+                        <a:rPr lang="en-US" altLang="ja-JP" sz="1350" dirty="0"/>
+                        <a:t>m</a:t>
+                      </a:r>
+                      <a:r>
+                        <a:rPr lang="en-US" altLang="ja-JP" sz="1350" dirty="0"/>
+                        <a:t>odel</a:t>
+                      </a:r>
+                      <a:r>
+                        <a:rPr lang="ja-JP" altLang="en-US" sz="1350" dirty="0"/>
+                        <a:t>作成</a:t>
+                      </a:r>
+                      <a:endParaRPr lang="ja-JP" altLang="en-US" sz="1350" dirty="0"/>
+                    </a:p>
+                  </p:txBody>
+                </p:sp>
+              </p:grpSp>
+              <p:cxnSp>
+                <p:nvCxnSpPr>
+                  <p:cNvPr id="14" name="直線矢印コネクタ 13"/>
+                  <p:cNvCxnSpPr>
+                    <a:endCxn id="4" idx="1"/>
+                  </p:cNvCxnSpPr>
+                  <p:nvPr/>
+                </p:nvCxnSpPr>
+                <p:spPr>
+                  <a:xfrm>
+                    <a:off x="5168899" y="1731429"/>
+                    <a:ext cx="1673228" cy="1"/>
+                  </a:xfrm>
+                  <a:prstGeom prst="straightConnector1">
+                    <a:avLst/>
+                  </a:prstGeom>
+                  <a:ln>
+                    <a:tailEnd type="triangle"/>
+                  </a:ln>
+                </p:spPr>
+                <p:style>
+                  <a:lnRef idx="1">
+                    <a:schemeClr val="accent1"/>
+                  </a:lnRef>
+                  <a:fillRef idx="0">
+                    <a:schemeClr val="accent1"/>
+                  </a:fillRef>
+                  <a:effectRef idx="0">
+                    <a:schemeClr val="accent1"/>
+                  </a:effectRef>
+                  <a:fontRef idx="minor">
+                    <a:schemeClr val="tx1"/>
+                  </a:fontRef>
+                </p:style>
+              </p:cxnSp>
+              <p:sp>
+                <p:nvSpPr>
+                  <p:cNvPr id="15" name="テキスト ボックス 14"/>
+                  <p:cNvSpPr txBox="1"/>
+                  <p:nvPr/>
+                </p:nvSpPr>
+                <p:spPr>
+                  <a:xfrm>
+                    <a:off x="5253565" y="1253063"/>
+                    <a:ext cx="1673228" cy="400109"/>
+                  </a:xfrm>
+                  <a:prstGeom prst="rect">
+                    <a:avLst/>
+                  </a:prstGeom>
+                  <a:noFill/>
+                </p:spPr>
+                <p:txBody>
+                  <a:bodyPr wrap="square" rtlCol="0">
+                    <a:spAutoFit/>
+                  </a:bodyPr>
+                  <a:lstStyle/>
+                  <a:p>
+                    <a:r>
+                      <a:rPr lang="en-US" altLang="ja-JP" sz="1350" dirty="0"/>
+                      <a:t>Model</a:t>
+                    </a:r>
+                    <a:r>
+                      <a:rPr lang="ja-JP" altLang="en-US" sz="1350" dirty="0"/>
+                      <a:t>読込</a:t>
+                    </a:r>
+                    <a:endParaRPr lang="ja-JP" altLang="en-US" sz="1350" dirty="0"/>
+                  </a:p>
+                </p:txBody>
+              </p:sp>
+            </p:grpSp>
+            <p:sp>
+              <p:nvSpPr>
+                <p:cNvPr id="17" name="フローチャート: 磁気ディスク 16"/>
+                <p:cNvSpPr/>
+                <p:nvPr/>
+              </p:nvSpPr>
+              <p:spPr>
+                <a:xfrm>
+                  <a:off x="6808789" y="3784598"/>
+                  <a:ext cx="1658407" cy="1210733"/>
+                </a:xfrm>
+                <a:prstGeom prst="flowChartMagneticDisk">
+                  <a:avLst/>
+                </a:prstGeom>
+                <a:solidFill>
+                  <a:schemeClr val="bg1"/>
+                </a:solidFill>
+                <a:ln>
+                  <a:solidFill>
+                    <a:schemeClr val="tx1"/>
+                  </a:solidFill>
+                </a:ln>
+              </p:spPr>
+              <p:style>
+                <a:lnRef idx="2">
+                  <a:schemeClr val="accent1">
+                    <a:shade val="50000"/>
+                  </a:schemeClr>
+                </a:lnRef>
+                <a:fillRef idx="1">
+                  <a:schemeClr val="accent1"/>
+                </a:fillRef>
+                <a:effectRef idx="0">
+                  <a:schemeClr val="accent1"/>
+                </a:effectRef>
+                <a:fontRef idx="minor">
+                  <a:schemeClr val="lt1"/>
+                </a:fontRef>
+              </p:style>
+              <p:txBody>
+                <a:bodyPr rtlCol="0" anchor="ctr"/>
+                <a:lstStyle/>
+                <a:p>
+                  <a:pPr algn="ctr"/>
+                  <a:r>
+                    <a:rPr lang="ja-JP" altLang="en-US" sz="1350" dirty="0">
+                      <a:solidFill>
+                        <a:schemeClr val="tx1"/>
+                      </a:solidFill>
+                    </a:rPr>
+                    <a:t>特徴</a:t>
+                  </a:r>
+                  <a:r>
+                    <a:rPr lang="ja-JP" altLang="en-US" sz="1350" dirty="0">
+                      <a:solidFill>
+                        <a:schemeClr val="tx1"/>
+                      </a:solidFill>
+                    </a:rPr>
+                    <a:t>ベクトル</a:t>
+                  </a:r>
+                  <a:endParaRPr lang="ja-JP" altLang="en-US" sz="1350" dirty="0">
+                    <a:solidFill>
+                      <a:schemeClr val="tx1"/>
+                    </a:solidFill>
+                  </a:endParaRPr>
+                </a:p>
+              </p:txBody>
+            </p:sp>
+            <p:cxnSp>
+              <p:nvCxnSpPr>
+                <p:cNvPr id="19" name="直線矢印コネクタ 18"/>
+                <p:cNvCxnSpPr>
+                  <a:stCxn id="4" idx="2"/>
+                  <a:endCxn id="17" idx="1"/>
+                </p:cNvCxnSpPr>
+                <p:nvPr/>
+              </p:nvCxnSpPr>
+              <p:spPr>
+                <a:xfrm flipH="1">
+                  <a:off x="7637993" y="2209796"/>
+                  <a:ext cx="1" cy="1574802"/>
+                </a:xfrm>
+                <a:prstGeom prst="straightConnector1">
+                  <a:avLst/>
+                </a:prstGeom>
+                <a:ln>
+                  <a:tailEnd type="triangle"/>
+                </a:ln>
+              </p:spPr>
+              <p:style>
+                <a:lnRef idx="1">
+                  <a:schemeClr val="accent1"/>
+                </a:lnRef>
+                <a:fillRef idx="0">
+                  <a:schemeClr val="accent1"/>
+                </a:fillRef>
+                <a:effectRef idx="0">
+                  <a:schemeClr val="accent1"/>
+                </a:effectRef>
+                <a:fontRef idx="minor">
+                  <a:schemeClr val="tx1"/>
+                </a:fontRef>
+              </p:style>
+            </p:cxnSp>
+            <p:sp>
+              <p:nvSpPr>
+                <p:cNvPr id="22" name="テキスト ボックス 21"/>
+                <p:cNvSpPr txBox="1"/>
+                <p:nvPr/>
+              </p:nvSpPr>
+              <p:spPr>
+                <a:xfrm>
+                  <a:off x="7637992" y="2812531"/>
+                  <a:ext cx="2683933" cy="400109"/>
+                </a:xfrm>
+                <a:prstGeom prst="rect">
+                  <a:avLst/>
+                </a:prstGeom>
+                <a:noFill/>
+              </p:spPr>
+              <p:txBody>
+                <a:bodyPr wrap="square" rtlCol="0">
+                  <a:spAutoFit/>
+                </a:bodyPr>
+                <a:lstStyle/>
+                <a:p>
+                  <a:r>
+                    <a:rPr lang="ja-JP" altLang="en-US" sz="1350" dirty="0"/>
+                    <a:t>特徴ベクトル抽出</a:t>
+                  </a:r>
+                  <a:endParaRPr lang="ja-JP" altLang="en-US" sz="1350" dirty="0"/>
+                </a:p>
+              </p:txBody>
+            </p:sp>
+          </p:grpSp>
+          <p:cxnSp>
+            <p:nvCxnSpPr>
+              <p:cNvPr id="25" name="直線矢印コネクタ 24"/>
+              <p:cNvCxnSpPr>
+                <a:stCxn id="17" idx="2"/>
+                <a:endCxn id="3" idx="3"/>
+              </p:cNvCxnSpPr>
+              <p:nvPr/>
+            </p:nvCxnSpPr>
+            <p:spPr>
+              <a:xfrm flipH="1" flipV="1">
+                <a:off x="5211232" y="4389964"/>
+                <a:ext cx="1597557" cy="1"/>
+              </a:xfrm>
+              <a:prstGeom prst="straightConnector1">
+                <a:avLst/>
+              </a:prstGeom>
+              <a:ln>
+                <a:tailEnd type="triangle"/>
+              </a:ln>
+            </p:spPr>
+            <p:style>
+              <a:lnRef idx="1">
+                <a:schemeClr val="accent1"/>
+              </a:lnRef>
+              <a:fillRef idx="0">
+                <a:schemeClr val="accent1"/>
+              </a:fillRef>
+              <a:effectRef idx="0">
+                <a:schemeClr val="accent1"/>
+              </a:effectRef>
+              <a:fontRef idx="minor">
+                <a:schemeClr val="tx1"/>
+              </a:fontRef>
+            </p:style>
+          </p:cxnSp>
+          <p:sp>
+            <p:nvSpPr>
+              <p:cNvPr id="26" name="テキスト ボックス 25"/>
+              <p:cNvSpPr txBox="1"/>
+              <p:nvPr/>
+            </p:nvSpPr>
+            <p:spPr>
+              <a:xfrm>
+                <a:off x="4921779" y="4810666"/>
+                <a:ext cx="2336800" cy="400109"/>
+              </a:xfrm>
+              <a:prstGeom prst="rect">
+                <a:avLst/>
+              </a:prstGeom>
+              <a:noFill/>
+            </p:spPr>
+            <p:txBody>
+              <a:bodyPr wrap="square" rtlCol="0">
+                <a:spAutoFit/>
+              </a:bodyPr>
+              <a:lstStyle/>
+              <a:p>
+                <a:r>
+                  <a:rPr lang="ja-JP" altLang="en-US" sz="1350" dirty="0"/>
+                  <a:t>特徴</a:t>
+                </a:r>
+                <a:r>
+                  <a:rPr lang="ja-JP" altLang="en-US" sz="1350" dirty="0"/>
+                  <a:t>ベクトル読込</a:t>
+                </a:r>
+                <a:endParaRPr lang="ja-JP" altLang="en-US" sz="1350" dirty="0"/>
+              </a:p>
+            </p:txBody>
+          </p:sp>
+        </p:grpSp>
+        <p:sp>
+          <p:nvSpPr>
+            <p:cNvPr id="28" name="右矢印 27"/>
+            <p:cNvSpPr/>
+            <p:nvPr/>
+          </p:nvSpPr>
+          <p:spPr>
+            <a:xfrm rot="10800000">
+              <a:off x="2490255" y="4089395"/>
+              <a:ext cx="702734" cy="601136"/>
+            </a:xfrm>
+            <a:prstGeom prst="rightArrow">
+              <a:avLst/>
+            </a:prstGeom>
+          </p:spPr>
+          <p:style>
+            <a:lnRef idx="2">
+              <a:schemeClr val="accent1">
+                <a:shade val="50000"/>
+              </a:schemeClr>
+            </a:lnRef>
+            <a:fillRef idx="1">
+              <a:schemeClr val="accent1"/>
+            </a:fillRef>
+            <a:effectRef idx="0">
+              <a:schemeClr val="accent1"/>
+            </a:effectRef>
+            <a:fontRef idx="minor">
+              <a:schemeClr val="lt1"/>
+            </a:fontRef>
+          </p:style>
+          <p:txBody>
+            <a:bodyPr rtlCol="0" anchor="ctr"/>
+            <a:lstStyle/>
+            <a:p>
+              <a:pPr algn="ctr"/>
+              <a:endParaRPr lang="ja-JP" altLang="en-US" sz="1350"/>
+            </a:p>
+          </p:txBody>
+        </p:sp>
+        <p:sp>
+          <p:nvSpPr>
+            <p:cNvPr id="29" name="対角する 2 つの角を切り取った四角形 28"/>
+            <p:cNvSpPr/>
+            <p:nvPr/>
+          </p:nvSpPr>
+          <p:spPr>
+            <a:xfrm>
+              <a:off x="472011" y="3911597"/>
+              <a:ext cx="1591733" cy="1083732"/>
+            </a:xfrm>
+            <a:prstGeom prst="snip2DiagRect">
+              <a:avLst/>
+            </a:prstGeom>
+            <a:solidFill>
+              <a:schemeClr val="bg1"/>
+            </a:solidFill>
+            <a:ln>
+              <a:solidFill>
+                <a:schemeClr val="tx1"/>
+              </a:solidFill>
+            </a:ln>
+          </p:spPr>
+          <p:style>
+            <a:lnRef idx="2">
+              <a:schemeClr val="accent1">
+                <a:shade val="50000"/>
+              </a:schemeClr>
+            </a:lnRef>
+            <a:fillRef idx="1">
+              <a:schemeClr val="accent1"/>
+            </a:fillRef>
+            <a:effectRef idx="0">
+              <a:schemeClr val="accent1"/>
+            </a:effectRef>
+            <a:fontRef idx="minor">
+              <a:schemeClr val="lt1"/>
+            </a:fontRef>
+          </p:style>
+          <p:txBody>
+            <a:bodyPr rtlCol="0" anchor="ctr"/>
+            <a:lstStyle/>
+            <a:p>
+              <a:pPr algn="ctr"/>
+              <a:r>
+                <a:rPr lang="en-US" altLang="ja-JP" sz="1350" dirty="0">
+                  <a:solidFill>
+                    <a:schemeClr val="tx1"/>
+                  </a:solidFill>
+                </a:rPr>
+                <a:t>score</a:t>
+              </a:r>
+              <a:endParaRPr lang="ja-JP" altLang="en-US" sz="1350" dirty="0">
+                <a:solidFill>
+                  <a:schemeClr val="tx1"/>
+                </a:solidFill>
+              </a:endParaRPr>
+            </a:p>
+          </p:txBody>
+        </p:sp>
+      </p:grpSp>
     </p:spTree>
     <p:extLst>
       <p:ext uri="{BB962C8B-B14F-4D97-AF65-F5344CB8AC3E}">
-        <p14:creationId xmlns:p14="http://schemas.microsoft.com/office/powerpoint/2010/main" val="1140017668"/>
+        <p14:creationId xmlns:p14="http://schemas.microsoft.com/office/powerpoint/2010/main" val="745635476"/>
       </p:ext>
     </p:extLst>
   </p:cSld>
   <p:clrMapOvr>
     <a:masterClrMapping/>
   </p:clrMapOvr>
-  <p:timing>
-    <p:tnLst>
-      <p:par>
-        <p:cTn id="1" dur="indefinite" restart="never" nodeType="tmRoot"/>
-      </p:par>
-    </p:tnLst>
-  </p:timing>
 </p:sld>
 </file>
 
@@ -5458,35 +5969,194 @@
           <a:chExt cx="0" cy="0"/>
         </a:xfrm>
       </p:grpSpPr>
-      <p:pic>
-        <p:nvPicPr>
-          <p:cNvPr id="4" name="コンテンツ プレースホルダー 3"/>
-          <p:cNvPicPr>
-            <a:picLocks noGrp="1"/>
-          </p:cNvPicPr>
+      <p:sp>
+        <p:nvSpPr>
+          <p:cNvPr id="2" name="タイトル 1"/>
+          <p:cNvSpPr>
+            <a:spLocks noGrp="1"/>
+          </p:cNvSpPr>
+          <p:nvPr>
+            <p:ph type="title"/>
+          </p:nvPr>
+        </p:nvSpPr>
+        <p:spPr/>
+        <p:txBody>
+          <a:bodyPr/>
+          <a:lstStyle/>
+          <a:p>
+            <a:r>
+              <a:rPr kumimoji="1" lang="en-US" altLang="ja-JP" dirty="0" err="1" smtClean="0"/>
+              <a:t>Alexnet</a:t>
+            </a:r>
+            <a:r>
+              <a:rPr kumimoji="1" lang="ja-JP" altLang="en-US" dirty="0" smtClean="0"/>
+              <a:t>のモデル作成</a:t>
+            </a:r>
+            <a:endParaRPr kumimoji="1" lang="ja-JP" altLang="en-US" dirty="0"/>
+          </a:p>
+        </p:txBody>
+      </p:sp>
+      <p:sp>
+        <p:nvSpPr>
+          <p:cNvPr id="3" name="コンテンツ プレースホルダー 2"/>
+          <p:cNvSpPr>
+            <a:spLocks noGrp="1"/>
+          </p:cNvSpPr>
           <p:nvPr>
             <p:ph idx="1"/>
           </p:nvPr>
-        </p:nvPicPr>
-        <p:blipFill>
-          <a:blip r:embed="rId2"/>
-          <a:stretch>
-            <a:fillRect/>
-          </a:stretch>
-        </p:blipFill>
-        <p:spPr>
-          <a:xfrm>
-            <a:off x="1588168" y="108283"/>
-            <a:ext cx="6003758" cy="6641433"/>
-          </a:xfrm>
-          <a:prstGeom prst="rect">
-            <a:avLst/>
-          </a:prstGeom>
-        </p:spPr>
-      </p:pic>
-      <p:sp>
-        <p:nvSpPr>
-          <p:cNvPr id="2" name="スライド番号プレースホルダー 1"/>
+        </p:nvSpPr>
+        <p:spPr/>
+        <p:txBody>
+          <a:bodyPr>
+            <a:normAutofit lnSpcReduction="10000"/>
+          </a:bodyPr>
+          <a:lstStyle/>
+          <a:p>
+            <a:r>
+              <a:rPr lang="en-US" altLang="ja-JP" dirty="0" err="1" smtClean="0"/>
+              <a:t>Alexnet</a:t>
+            </a:r>
+            <a:r>
+              <a:rPr lang="ja-JP" altLang="en-US" dirty="0" smtClean="0"/>
+              <a:t>について</a:t>
+            </a:r>
+            <a:endParaRPr lang="en-US" altLang="ja-JP" dirty="0" smtClean="0"/>
+          </a:p>
+          <a:p>
+            <a:pPr lvl="1"/>
+            <a:r>
+              <a:rPr lang="en-US" altLang="ja-JP" dirty="0" smtClean="0"/>
+              <a:t>2012</a:t>
+            </a:r>
+            <a:r>
+              <a:rPr lang="ja-JP" altLang="en-US" dirty="0"/>
+              <a:t>年の</a:t>
+            </a:r>
+            <a:r>
+              <a:rPr lang="en-US" altLang="ja-JP" dirty="0"/>
+              <a:t>ImageNet</a:t>
+            </a:r>
+            <a:r>
+              <a:rPr lang="ja-JP" altLang="en-US" dirty="0"/>
+              <a:t>を用いた画像認識コンペ</a:t>
+            </a:r>
+            <a:r>
+              <a:rPr lang="en-US" altLang="ja-JP" dirty="0"/>
+              <a:t>ILSVRC</a:t>
+            </a:r>
+            <a:r>
+              <a:rPr lang="ja-JP" altLang="en-US" dirty="0"/>
+              <a:t>でチャンピオンに輝き，</a:t>
+            </a:r>
+            <a:r>
+              <a:rPr lang="en-US" altLang="ja-JP" dirty="0"/>
+              <a:t>Deep Learning</a:t>
+            </a:r>
+            <a:r>
+              <a:rPr lang="ja-JP" altLang="en-US" dirty="0"/>
+              <a:t>の火付け役となった</a:t>
+            </a:r>
+            <a:r>
+              <a:rPr lang="ja-JP" altLang="en-US" dirty="0" smtClean="0"/>
+              <a:t>モデル．</a:t>
+            </a:r>
+            <a:endParaRPr lang="en-US" altLang="ja-JP" dirty="0" smtClean="0"/>
+          </a:p>
+          <a:p>
+            <a:pPr lvl="1"/>
+            <a:r>
+              <a:rPr lang="en-US" altLang="ja-JP" dirty="0" smtClean="0"/>
+              <a:t>5</a:t>
+            </a:r>
+            <a:r>
+              <a:rPr lang="ja-JP" altLang="en-US" dirty="0" err="1"/>
+              <a:t>つの</a:t>
+            </a:r>
+            <a:r>
+              <a:rPr lang="ja-JP" altLang="en-US" dirty="0" smtClean="0"/>
+              <a:t>畳み込み層</a:t>
+            </a:r>
+            <a:r>
+              <a:rPr lang="ja-JP" altLang="en-US" dirty="0"/>
+              <a:t>，</a:t>
+            </a:r>
+            <a:r>
+              <a:rPr lang="en-US" altLang="ja-JP" dirty="0"/>
+              <a:t>3</a:t>
+            </a:r>
+            <a:r>
+              <a:rPr lang="ja-JP" altLang="en-US" dirty="0" err="1"/>
+              <a:t>つの</a:t>
+            </a:r>
+            <a:r>
+              <a:rPr lang="ja-JP" altLang="en-US" dirty="0"/>
+              <a:t>全結合層などから構成</a:t>
+            </a:r>
+            <a:r>
+              <a:rPr lang="ja-JP" altLang="en-US" dirty="0" smtClean="0"/>
+              <a:t>されて</a:t>
+            </a:r>
+            <a:r>
+              <a:rPr lang="ja-JP" altLang="en-US" dirty="0"/>
+              <a:t>いる</a:t>
+            </a:r>
+            <a:r>
+              <a:rPr lang="ja-JP" altLang="en-US" dirty="0" smtClean="0"/>
+              <a:t>．</a:t>
+            </a:r>
+            <a:endParaRPr lang="en-US" altLang="ja-JP" dirty="0" smtClean="0"/>
+          </a:p>
+          <a:p>
+            <a:endParaRPr kumimoji="1" lang="en-US" altLang="ja-JP" dirty="0" smtClean="0"/>
+          </a:p>
+          <a:p>
+            <a:r>
+              <a:rPr kumimoji="1" lang="ja-JP" altLang="en-US" dirty="0" smtClean="0"/>
+              <a:t>下記のサイトを参考に作成</a:t>
+            </a:r>
+            <a:endParaRPr kumimoji="1" lang="en-US" altLang="ja-JP" dirty="0"/>
+          </a:p>
+          <a:p>
+            <a:pPr lvl="1"/>
+            <a:r>
+              <a:rPr lang="en-US" altLang="ja-JP" dirty="0">
+                <a:hlinkClick r:id="rId2"/>
+              </a:rPr>
+              <a:t>https://</a:t>
+            </a:r>
+            <a:r>
+              <a:rPr lang="en-US" altLang="ja-JP" dirty="0" smtClean="0">
+                <a:hlinkClick r:id="rId2"/>
+              </a:rPr>
+              <a:t>qiita.com/URAN110/items/ea2bfc8f7ba2fc858de3</a:t>
+            </a:r>
+            <a:endParaRPr lang="en-US" altLang="ja-JP" dirty="0" smtClean="0"/>
+          </a:p>
+          <a:p>
+            <a:r>
+              <a:rPr lang="ja-JP" altLang="en-US" dirty="0"/>
+              <a:t>学習に</a:t>
+            </a:r>
+            <a:r>
+              <a:rPr lang="ja-JP" altLang="en-US" dirty="0" smtClean="0"/>
+              <a:t>は，</a:t>
+            </a:r>
+            <a:r>
+              <a:rPr lang="en-US" altLang="ja-JP" dirty="0" smtClean="0"/>
+              <a:t>Cifar10</a:t>
+            </a:r>
+            <a:r>
+              <a:rPr lang="ja-JP" altLang="en-US" dirty="0" smtClean="0"/>
+              <a:t>を使用．</a:t>
+            </a:r>
+            <a:endParaRPr lang="en-US" altLang="ja-JP" dirty="0" smtClean="0"/>
+          </a:p>
+        </p:txBody>
+      </p:sp>
+      <p:sp>
+        <p:nvSpPr>
+          <p:cNvPr id="4" name="スライド番号プレースホルダー 3"/>
           <p:cNvSpPr>
             <a:spLocks noGrp="1"/>
           </p:cNvSpPr>
@@ -5510,7 +6180,7 @@
     </p:spTree>
     <p:extLst>
       <p:ext uri="{BB962C8B-B14F-4D97-AF65-F5344CB8AC3E}">
-        <p14:creationId xmlns:p14="http://schemas.microsoft.com/office/powerpoint/2010/main" val="2567360017"/>
+        <p14:creationId xmlns:p14="http://schemas.microsoft.com/office/powerpoint/2010/main" val="1140017668"/>
       </p:ext>
     </p:extLst>
   </p:cSld>
@@ -5554,15 +6224,16 @@
             <p:ph idx="1"/>
           </p:nvPr>
         </p:nvPicPr>
-        <p:blipFill rotWithShape="1">
+        <p:blipFill>
           <a:blip r:embed="rId2"/>
-          <a:srcRect t="61148"/>
-          <a:stretch/>
+          <a:stretch>
+            <a:fillRect/>
+          </a:stretch>
         </p:blipFill>
         <p:spPr>
           <a:xfrm>
-            <a:off x="382755" y="2658978"/>
-            <a:ext cx="8378490" cy="2129589"/>
+            <a:off x="1588168" y="108283"/>
+            <a:ext cx="6003758" cy="6641433"/>
           </a:xfrm>
           <a:prstGeom prst="rect">
             <a:avLst/>
@@ -5571,36 +6242,6 @@
       </p:pic>
       <p:sp>
         <p:nvSpPr>
-          <p:cNvPr id="5" name="テキスト ボックス 4"/>
-          <p:cNvSpPr txBox="1"/>
-          <p:nvPr/>
-        </p:nvSpPr>
-        <p:spPr>
-          <a:xfrm>
-            <a:off x="382755" y="2015066"/>
-            <a:ext cx="5401733" cy="369332"/>
-          </a:xfrm>
-          <a:prstGeom prst="rect">
-            <a:avLst/>
-          </a:prstGeom>
-          <a:noFill/>
-        </p:spPr>
-        <p:txBody>
-          <a:bodyPr wrap="square" rtlCol="0">
-            <a:spAutoFit/>
-          </a:bodyPr>
-          <a:lstStyle/>
-          <a:p>
-            <a:r>
-              <a:rPr kumimoji="1" lang="ja-JP" altLang="en-US" dirty="0" smtClean="0"/>
-              <a:t>作成した学習済みモデルで，予測ベクトルを表示．</a:t>
-            </a:r>
-            <a:endParaRPr kumimoji="1" lang="ja-JP" altLang="en-US" dirty="0"/>
-          </a:p>
-        </p:txBody>
-      </p:sp>
-      <p:sp>
-        <p:nvSpPr>
           <p:cNvPr id="2" name="スライド番号プレースホルダー 1"/>
           <p:cNvSpPr>
             <a:spLocks noGrp="1"/>
@@ -5625,7 +6266,7 @@
     </p:spTree>
     <p:extLst>
       <p:ext uri="{BB962C8B-B14F-4D97-AF65-F5344CB8AC3E}">
-        <p14:creationId xmlns:p14="http://schemas.microsoft.com/office/powerpoint/2010/main" val="1614569651"/>
+        <p14:creationId xmlns:p14="http://schemas.microsoft.com/office/powerpoint/2010/main" val="2567360017"/>
       </p:ext>
     </p:extLst>
   </p:cSld>
@@ -5659,6 +6300,121 @@
           <a:chExt cx="0" cy="0"/>
         </a:xfrm>
       </p:grpSpPr>
+      <p:pic>
+        <p:nvPicPr>
+          <p:cNvPr id="4" name="コンテンツ プレースホルダー 3"/>
+          <p:cNvPicPr>
+            <a:picLocks noGrp="1"/>
+          </p:cNvPicPr>
+          <p:nvPr>
+            <p:ph idx="1"/>
+          </p:nvPr>
+        </p:nvPicPr>
+        <p:blipFill rotWithShape="1">
+          <a:blip r:embed="rId2"/>
+          <a:srcRect t="61148"/>
+          <a:stretch/>
+        </p:blipFill>
+        <p:spPr>
+          <a:xfrm>
+            <a:off x="382755" y="2658978"/>
+            <a:ext cx="8378490" cy="2129589"/>
+          </a:xfrm>
+          <a:prstGeom prst="rect">
+            <a:avLst/>
+          </a:prstGeom>
+        </p:spPr>
+      </p:pic>
+      <p:sp>
+        <p:nvSpPr>
+          <p:cNvPr id="5" name="テキスト ボックス 4"/>
+          <p:cNvSpPr txBox="1"/>
+          <p:nvPr/>
+        </p:nvSpPr>
+        <p:spPr>
+          <a:xfrm>
+            <a:off x="382755" y="2015066"/>
+            <a:ext cx="5401733" cy="369332"/>
+          </a:xfrm>
+          <a:prstGeom prst="rect">
+            <a:avLst/>
+          </a:prstGeom>
+          <a:noFill/>
+        </p:spPr>
+        <p:txBody>
+          <a:bodyPr wrap="square" rtlCol="0">
+            <a:spAutoFit/>
+          </a:bodyPr>
+          <a:lstStyle/>
+          <a:p>
+            <a:r>
+              <a:rPr kumimoji="1" lang="ja-JP" altLang="en-US" dirty="0" smtClean="0"/>
+              <a:t>作成した学習済みモデルで，予測ベクトルを表示．</a:t>
+            </a:r>
+            <a:endParaRPr kumimoji="1" lang="ja-JP" altLang="en-US" dirty="0"/>
+          </a:p>
+        </p:txBody>
+      </p:sp>
+      <p:sp>
+        <p:nvSpPr>
+          <p:cNvPr id="2" name="スライド番号プレースホルダー 1"/>
+          <p:cNvSpPr>
+            <a:spLocks noGrp="1"/>
+          </p:cNvSpPr>
+          <p:nvPr>
+            <p:ph type="sldNum" sz="quarter" idx="12"/>
+          </p:nvPr>
+        </p:nvSpPr>
+        <p:spPr/>
+        <p:txBody>
+          <a:bodyPr/>
+          <a:lstStyle/>
+          <a:p>
+            <a:fld id="{768BF403-63E9-4BE6-AA0B-408C483EA9DC}" type="slidenum">
+              <a:rPr kumimoji="1" lang="ja-JP" altLang="en-US" smtClean="0"/>
+              <a:t>18</a:t>
+            </a:fld>
+            <a:endParaRPr kumimoji="1" lang="ja-JP" altLang="en-US"/>
+          </a:p>
+        </p:txBody>
+      </p:sp>
+    </p:spTree>
+    <p:extLst>
+      <p:ext uri="{BB962C8B-B14F-4D97-AF65-F5344CB8AC3E}">
+        <p14:creationId xmlns:p14="http://schemas.microsoft.com/office/powerpoint/2010/main" val="1614569651"/>
+      </p:ext>
+    </p:extLst>
+  </p:cSld>
+  <p:clrMapOvr>
+    <a:masterClrMapping/>
+  </p:clrMapOvr>
+  <p:timing>
+    <p:tnLst>
+      <p:par>
+        <p:cTn id="1" dur="indefinite" restart="never" nodeType="tmRoot"/>
+      </p:par>
+    </p:tnLst>
+  </p:timing>
+</p:sld>
+</file>
+
+<file path=ppt/slides/slide19.xml><?xml version="1.0" encoding="utf-8"?>
+<p:sld xmlns:a="http://schemas.openxmlformats.org/drawingml/2006/main" xmlns:r="http://schemas.openxmlformats.org/officeDocument/2006/relationships" xmlns:p="http://schemas.openxmlformats.org/presentationml/2006/main">
+  <p:cSld>
+    <p:spTree>
+      <p:nvGrpSpPr>
+        <p:cNvPr id="1" name=""/>
+        <p:cNvGrpSpPr/>
+        <p:nvPr/>
+      </p:nvGrpSpPr>
+      <p:grpSpPr>
+        <a:xfrm>
+          <a:off x="0" y="0"/>
+          <a:ext cx="0" cy="0"/>
+          <a:chOff x="0" y="0"/>
+          <a:chExt cx="0" cy="0"/>
+        </a:xfrm>
+      </p:grpSpPr>
       <p:sp>
         <p:nvSpPr>
           <p:cNvPr id="2" name="タイトル 1"/>
@@ -5768,7 +6524,7 @@
           <a:p>
             <a:fld id="{768BF403-63E9-4BE6-AA0B-408C483EA9DC}" type="slidenum">
               <a:rPr kumimoji="1" lang="ja-JP" altLang="en-US" smtClean="0"/>
-              <a:t>18</a:t>
+              <a:t>19</a:t>
             </a:fld>
             <a:endParaRPr kumimoji="1" lang="ja-JP" altLang="en-US"/>
           </a:p>
@@ -5794,7 +6550,879 @@
 </p:sld>
 </file>
 
-<file path=ppt/slides/slide19.xml><?xml version="1.0" encoding="utf-8"?>
+<file path=ppt/slides/slide2.xml><?xml version="1.0" encoding="utf-8"?>
+<p:sld xmlns:a="http://schemas.openxmlformats.org/drawingml/2006/main" xmlns:r="http://schemas.openxmlformats.org/officeDocument/2006/relationships" xmlns:p="http://schemas.openxmlformats.org/presentationml/2006/main" show="0">
+  <p:cSld>
+    <p:spTree>
+      <p:nvGrpSpPr>
+        <p:cNvPr id="1" name=""/>
+        <p:cNvGrpSpPr/>
+        <p:nvPr/>
+      </p:nvGrpSpPr>
+      <p:grpSpPr>
+        <a:xfrm>
+          <a:off x="0" y="0"/>
+          <a:ext cx="0" cy="0"/>
+          <a:chOff x="0" y="0"/>
+          <a:chExt cx="0" cy="0"/>
+        </a:xfrm>
+      </p:grpSpPr>
+      <p:sp>
+        <p:nvSpPr>
+          <p:cNvPr id="2" name="タイトル 1"/>
+          <p:cNvSpPr>
+            <a:spLocks noGrp="1"/>
+          </p:cNvSpPr>
+          <p:nvPr>
+            <p:ph type="title"/>
+          </p:nvPr>
+        </p:nvSpPr>
+        <p:spPr/>
+        <p:txBody>
+          <a:bodyPr/>
+          <a:lstStyle/>
+          <a:p>
+            <a:r>
+              <a:rPr kumimoji="1" lang="ja-JP" altLang="en-US" dirty="0"/>
+              <a:t>関連研究</a:t>
+            </a:r>
+          </a:p>
+        </p:txBody>
+      </p:sp>
+      <p:sp>
+        <p:nvSpPr>
+          <p:cNvPr id="3" name="コンテンツ プレースホルダー 2"/>
+          <p:cNvSpPr>
+            <a:spLocks noGrp="1"/>
+          </p:cNvSpPr>
+          <p:nvPr>
+            <p:ph idx="1"/>
+          </p:nvPr>
+        </p:nvSpPr>
+        <p:spPr/>
+        <p:txBody>
+          <a:bodyPr>
+            <a:normAutofit lnSpcReduction="10000"/>
+          </a:bodyPr>
+          <a:lstStyle/>
+          <a:p>
+            <a:r>
+              <a:rPr lang="ja-JP" altLang="en-US" sz="1800" dirty="0">
+                <a:latin typeface="+mj-ea"/>
+                <a:ea typeface="+mj-ea"/>
+              </a:rPr>
+              <a:t>深層学習による画像</a:t>
+            </a:r>
+            <a:r>
+              <a:rPr lang="ja-JP" altLang="en-US" sz="1800" dirty="0" smtClean="0">
+                <a:latin typeface="+mj-ea"/>
+                <a:ea typeface="+mj-ea"/>
+              </a:rPr>
+              <a:t>認識，特徴量抽出</a:t>
+            </a:r>
+            <a:r>
+              <a:rPr lang="en-US" altLang="ja-JP" sz="1800" dirty="0">
+                <a:latin typeface="+mj-ea"/>
+                <a:ea typeface="+mj-ea"/>
+              </a:rPr>
+              <a:t/>
+            </a:r>
+            <a:br>
+              <a:rPr lang="en-US" altLang="ja-JP" sz="1800" dirty="0">
+                <a:latin typeface="+mj-ea"/>
+                <a:ea typeface="+mj-ea"/>
+              </a:rPr>
+            </a:br>
+            <a:r>
+              <a:rPr lang="en-US" altLang="ja-JP" sz="1800" dirty="0">
+                <a:latin typeface="+mj-ea"/>
+                <a:ea typeface="+mj-ea"/>
+              </a:rPr>
+              <a:t>[</a:t>
+            </a:r>
+            <a:r>
+              <a:rPr lang="ja-JP" altLang="en-US" sz="1800" dirty="0">
+                <a:latin typeface="+mj-ea"/>
+                <a:ea typeface="+mj-ea"/>
+              </a:rPr>
+              <a:t>中山</a:t>
+            </a:r>
+            <a:r>
+              <a:rPr lang="en-US" altLang="ja-JP" sz="1800" dirty="0">
+                <a:latin typeface="+mj-ea"/>
+                <a:ea typeface="+mj-ea"/>
+              </a:rPr>
+              <a:t>2015] </a:t>
+            </a:r>
+            <a:r>
+              <a:rPr lang="ja-JP" altLang="en-US" sz="1800" dirty="0">
+                <a:latin typeface="+mj-ea"/>
+                <a:ea typeface="+mj-ea"/>
+              </a:rPr>
+              <a:t>中山秀樹，「深層畳み込みニューラルネットワークによる画像特徴抽出と転移学習」，信学技報，</a:t>
+            </a:r>
+            <a:r>
+              <a:rPr lang="en-US" altLang="ja-JP" sz="1800" dirty="0">
+                <a:latin typeface="+mj-ea"/>
+                <a:ea typeface="+mj-ea"/>
+              </a:rPr>
+              <a:t>pp.1-pp.6</a:t>
+            </a:r>
+            <a:r>
+              <a:rPr lang="ja-JP" altLang="en-US" sz="1800" dirty="0">
+                <a:latin typeface="+mj-ea"/>
+                <a:ea typeface="+mj-ea"/>
+              </a:rPr>
+              <a:t>，</a:t>
+            </a:r>
+            <a:r>
+              <a:rPr lang="en-US" altLang="ja-JP" sz="1800" dirty="0">
+                <a:latin typeface="+mj-ea"/>
+                <a:ea typeface="+mj-ea"/>
+              </a:rPr>
+              <a:t>2015</a:t>
+            </a:r>
+          </a:p>
+          <a:p>
+            <a:endParaRPr kumimoji="1" lang="en-US" altLang="ja-JP" sz="1800" dirty="0">
+              <a:latin typeface="+mj-ea"/>
+              <a:ea typeface="+mj-ea"/>
+            </a:endParaRPr>
+          </a:p>
+          <a:p>
+            <a:r>
+              <a:rPr kumimoji="1" lang="en-US" altLang="ja-JP" sz="1800" dirty="0">
+                <a:latin typeface="+mj-ea"/>
+                <a:ea typeface="+mj-ea"/>
+              </a:rPr>
+              <a:t>SIFT</a:t>
+            </a:r>
+            <a:r>
+              <a:rPr kumimoji="1" lang="ja-JP" altLang="en-US" sz="1800" dirty="0">
+                <a:latin typeface="+mj-ea"/>
+                <a:ea typeface="+mj-ea"/>
+              </a:rPr>
+              <a:t>による画像特徴抽出</a:t>
+            </a:r>
+            <a:r>
+              <a:rPr kumimoji="1" lang="en-US" altLang="ja-JP" sz="1800" dirty="0">
+                <a:latin typeface="+mj-ea"/>
+                <a:ea typeface="+mj-ea"/>
+              </a:rPr>
+              <a:t/>
+            </a:r>
+            <a:br>
+              <a:rPr kumimoji="1" lang="en-US" altLang="ja-JP" sz="1800" dirty="0">
+                <a:latin typeface="+mj-ea"/>
+                <a:ea typeface="+mj-ea"/>
+              </a:rPr>
+            </a:br>
+            <a:r>
+              <a:rPr kumimoji="1" lang="en-US" altLang="ja-JP" sz="1800" dirty="0">
+                <a:latin typeface="+mj-ea"/>
+                <a:ea typeface="+mj-ea"/>
+              </a:rPr>
+              <a:t>[</a:t>
+            </a:r>
+            <a:r>
+              <a:rPr kumimoji="1" lang="ja-JP" altLang="en-US" sz="1800" dirty="0">
+                <a:latin typeface="+mj-ea"/>
+                <a:ea typeface="+mj-ea"/>
+              </a:rPr>
+              <a:t>藤吉</a:t>
+            </a:r>
+            <a:r>
+              <a:rPr kumimoji="1" lang="en-US" altLang="ja-JP" sz="1800" dirty="0">
+                <a:latin typeface="+mj-ea"/>
+                <a:ea typeface="+mj-ea"/>
+              </a:rPr>
+              <a:t>2007</a:t>
+            </a:r>
+            <a:r>
+              <a:rPr kumimoji="1" lang="en-US" altLang="ja-JP" sz="1800" dirty="0" smtClean="0">
+                <a:latin typeface="+mj-ea"/>
+                <a:ea typeface="+mj-ea"/>
+              </a:rPr>
+              <a:t>]</a:t>
+            </a:r>
+            <a:r>
+              <a:rPr kumimoji="1" lang="ja-JP" altLang="en-US" sz="1800" dirty="0" smtClean="0">
+                <a:latin typeface="+mj-ea"/>
+                <a:ea typeface="+mj-ea"/>
+              </a:rPr>
+              <a:t>　</a:t>
+            </a:r>
+            <a:r>
+              <a:rPr lang="ja-JP" altLang="en-US" sz="1800" dirty="0" smtClean="0">
+                <a:latin typeface="+mj-ea"/>
+                <a:ea typeface="+mj-ea"/>
+              </a:rPr>
+              <a:t>藤吉 </a:t>
+            </a:r>
+            <a:r>
+              <a:rPr lang="ja-JP" altLang="en-US" sz="1800" dirty="0">
+                <a:latin typeface="+mj-ea"/>
+                <a:ea typeface="+mj-ea"/>
+              </a:rPr>
+              <a:t>弘</a:t>
+            </a:r>
+            <a:r>
+              <a:rPr lang="ja-JP" altLang="en-US" sz="1800" dirty="0" smtClean="0">
+                <a:latin typeface="+mj-ea"/>
+                <a:ea typeface="+mj-ea"/>
+              </a:rPr>
+              <a:t>亘，</a:t>
+            </a:r>
+            <a:r>
+              <a:rPr kumimoji="1" lang="ja-JP" altLang="en-US" sz="1800" dirty="0" smtClean="0">
+                <a:latin typeface="+mj-ea"/>
+                <a:ea typeface="+mj-ea"/>
+              </a:rPr>
+              <a:t>「</a:t>
+            </a:r>
+            <a:r>
+              <a:rPr kumimoji="1" lang="en-US" altLang="ja-JP" sz="1800" dirty="0">
+                <a:latin typeface="+mj-ea"/>
+                <a:ea typeface="+mj-ea"/>
+              </a:rPr>
+              <a:t>Gradient</a:t>
+            </a:r>
+            <a:r>
+              <a:rPr kumimoji="1" lang="ja-JP" altLang="en-US" sz="1800" dirty="0">
+                <a:latin typeface="+mj-ea"/>
+                <a:ea typeface="+mj-ea"/>
+              </a:rPr>
+              <a:t>ベースの特徴抽出　</a:t>
+            </a:r>
+            <a:r>
+              <a:rPr kumimoji="1" lang="en-US" altLang="ja-JP" sz="1800" dirty="0">
+                <a:latin typeface="+mj-ea"/>
+                <a:ea typeface="+mj-ea"/>
+              </a:rPr>
+              <a:t>–SIFT</a:t>
+            </a:r>
+            <a:r>
+              <a:rPr kumimoji="1" lang="ja-JP" altLang="en-US" sz="1800" dirty="0">
+                <a:latin typeface="+mj-ea"/>
+                <a:ea typeface="+mj-ea"/>
+              </a:rPr>
+              <a:t>と</a:t>
+            </a:r>
+            <a:r>
+              <a:rPr kumimoji="1" lang="en-US" altLang="ja-JP" sz="1800" dirty="0">
+                <a:latin typeface="+mj-ea"/>
+                <a:ea typeface="+mj-ea"/>
+              </a:rPr>
+              <a:t>HOG-</a:t>
+            </a:r>
+            <a:r>
+              <a:rPr kumimoji="1" lang="ja-JP" altLang="en-US" sz="1800" dirty="0" smtClean="0">
+                <a:latin typeface="+mj-ea"/>
+                <a:ea typeface="+mj-ea"/>
+              </a:rPr>
+              <a:t>」</a:t>
+            </a:r>
+            <a:r>
+              <a:rPr lang="ja-JP" altLang="en-US" sz="1800" dirty="0">
+                <a:latin typeface="+mj-ea"/>
+                <a:ea typeface="+mj-ea"/>
+              </a:rPr>
+              <a:t>，</a:t>
+            </a:r>
+            <a:r>
+              <a:rPr kumimoji="1" lang="ja-JP" altLang="en-US" sz="1800" dirty="0" smtClean="0">
+                <a:latin typeface="+mj-ea"/>
+                <a:ea typeface="+mj-ea"/>
+              </a:rPr>
+              <a:t>社団法人　情報</a:t>
+            </a:r>
+            <a:r>
+              <a:rPr kumimoji="1" lang="ja-JP" altLang="en-US" sz="1800" dirty="0">
+                <a:latin typeface="+mj-ea"/>
+                <a:ea typeface="+mj-ea"/>
+              </a:rPr>
+              <a:t>処理学会　研究</a:t>
+            </a:r>
+            <a:r>
+              <a:rPr kumimoji="1" lang="ja-JP" altLang="en-US" sz="1800" dirty="0" smtClean="0">
+                <a:latin typeface="+mj-ea"/>
+                <a:ea typeface="+mj-ea"/>
+              </a:rPr>
+              <a:t>報告，</a:t>
+            </a:r>
+            <a:r>
+              <a:rPr kumimoji="1" lang="en-US" altLang="ja-JP" sz="1800" dirty="0" smtClean="0">
+                <a:latin typeface="+mj-ea"/>
+                <a:ea typeface="+mj-ea"/>
+              </a:rPr>
+              <a:t>pp.1-pp.14</a:t>
+            </a:r>
+            <a:r>
+              <a:rPr lang="ja-JP" altLang="en-US" sz="1800" dirty="0" err="1">
+                <a:latin typeface="+mj-ea"/>
+                <a:ea typeface="+mj-ea"/>
+              </a:rPr>
+              <a:t>，</a:t>
+            </a:r>
+            <a:r>
+              <a:rPr lang="en-US" altLang="ja-JP" sz="1800" dirty="0" smtClean="0">
+                <a:latin typeface="+mj-ea"/>
+              </a:rPr>
+              <a:t>2007/9/4</a:t>
+            </a:r>
+            <a:endParaRPr kumimoji="1" lang="en-US" altLang="ja-JP" sz="1800" dirty="0">
+              <a:latin typeface="+mj-ea"/>
+              <a:ea typeface="+mj-ea"/>
+            </a:endParaRPr>
+          </a:p>
+          <a:p>
+            <a:pPr marL="0" indent="0">
+              <a:buNone/>
+            </a:pPr>
+            <a:r>
+              <a:rPr lang="ja-JP" altLang="en-US" sz="1800" dirty="0">
+                <a:latin typeface="+mj-ea"/>
+                <a:ea typeface="+mj-ea"/>
+              </a:rPr>
+              <a:t>　　</a:t>
+            </a:r>
+            <a:endParaRPr kumimoji="1" lang="en-US" altLang="ja-JP" sz="1800" dirty="0">
+              <a:latin typeface="+mj-ea"/>
+              <a:ea typeface="+mj-ea"/>
+            </a:endParaRPr>
+          </a:p>
+          <a:p>
+            <a:r>
+              <a:rPr lang="ja-JP" altLang="en-US" sz="1800" dirty="0">
+                <a:latin typeface="+mj-ea"/>
+                <a:ea typeface="+mj-ea"/>
+              </a:rPr>
+              <a:t>深層学習と</a:t>
+            </a:r>
+            <a:r>
+              <a:rPr lang="en-US" altLang="ja-JP" sz="1800" dirty="0">
+                <a:latin typeface="+mj-ea"/>
+                <a:ea typeface="+mj-ea"/>
+              </a:rPr>
+              <a:t>SIFT</a:t>
+            </a:r>
+            <a:r>
+              <a:rPr lang="ja-JP" altLang="en-US" sz="1800" dirty="0">
+                <a:latin typeface="+mj-ea"/>
+                <a:ea typeface="+mj-ea"/>
+              </a:rPr>
+              <a:t>の性能評価</a:t>
+            </a:r>
+            <a:r>
+              <a:rPr lang="en-US" altLang="ja-JP" sz="1800" dirty="0">
+                <a:latin typeface="+mj-ea"/>
+                <a:ea typeface="+mj-ea"/>
+              </a:rPr>
+              <a:t/>
+            </a:r>
+            <a:br>
+              <a:rPr lang="en-US" altLang="ja-JP" sz="1800" dirty="0">
+                <a:latin typeface="+mj-ea"/>
+                <a:ea typeface="+mj-ea"/>
+              </a:rPr>
+            </a:br>
+            <a:r>
+              <a:rPr lang="en-US" altLang="ja-JP" sz="1800" dirty="0">
+                <a:latin typeface="+mj-ea"/>
+                <a:ea typeface="+mj-ea"/>
+              </a:rPr>
+              <a:t>[Ke2016</a:t>
+            </a:r>
+            <a:r>
+              <a:rPr lang="en-US" altLang="ja-JP" sz="1800" dirty="0" smtClean="0">
+                <a:latin typeface="+mj-ea"/>
+                <a:ea typeface="+mj-ea"/>
+              </a:rPr>
+              <a:t>]</a:t>
+            </a:r>
+            <a:r>
+              <a:rPr lang="en-US" altLang="ja-JP" sz="1800" dirty="0">
+                <a:latin typeface="+mj-ea"/>
+              </a:rPr>
+              <a:t> </a:t>
+            </a:r>
+            <a:r>
+              <a:rPr lang="en-US" altLang="ja-JP" sz="1800" dirty="0" err="1">
+                <a:latin typeface="+mj-ea"/>
+              </a:rPr>
+              <a:t>Ke</a:t>
+            </a:r>
+            <a:r>
+              <a:rPr lang="en-US" altLang="ja-JP" sz="1800" dirty="0">
+                <a:latin typeface="+mj-ea"/>
+              </a:rPr>
+              <a:t> </a:t>
+            </a:r>
+            <a:r>
+              <a:rPr lang="en-US" altLang="ja-JP" sz="1800" dirty="0" smtClean="0">
+                <a:latin typeface="+mj-ea"/>
+              </a:rPr>
+              <a:t>Yan</a:t>
+            </a:r>
+            <a:r>
+              <a:rPr lang="ja-JP" altLang="en-US" sz="1800" dirty="0" err="1" smtClean="0">
+                <a:latin typeface="+mj-ea"/>
+              </a:rPr>
+              <a:t>，</a:t>
+            </a:r>
+            <a:r>
+              <a:rPr lang="en-US" altLang="ja-JP" sz="1800" dirty="0" err="1" smtClean="0">
+                <a:latin typeface="+mj-ea"/>
+              </a:rPr>
+              <a:t>Yaowei</a:t>
+            </a:r>
+            <a:r>
+              <a:rPr lang="en-US" altLang="ja-JP" sz="1800" dirty="0" smtClean="0">
+                <a:latin typeface="+mj-ea"/>
+              </a:rPr>
+              <a:t> </a:t>
+            </a:r>
+            <a:r>
+              <a:rPr lang="en-US" altLang="ja-JP" sz="1800" dirty="0">
+                <a:latin typeface="+mj-ea"/>
+              </a:rPr>
+              <a:t>Wang</a:t>
+            </a:r>
+            <a:r>
+              <a:rPr lang="en-US" altLang="ja-JP" sz="800" dirty="0" smtClean="0">
+                <a:latin typeface="+mj-ea"/>
+              </a:rPr>
+              <a:t>;</a:t>
+            </a:r>
+            <a:r>
+              <a:rPr lang="ja-JP" altLang="en-US" sz="1800" dirty="0">
+                <a:latin typeface="+mj-ea"/>
+              </a:rPr>
+              <a:t>，</a:t>
+            </a:r>
+            <a:r>
+              <a:rPr lang="en-US" altLang="ja-JP" sz="1800" dirty="0" smtClean="0">
+                <a:latin typeface="+mj-ea"/>
+              </a:rPr>
+              <a:t> </a:t>
+            </a:r>
+            <a:r>
+              <a:rPr lang="en-US" altLang="ja-JP" sz="1800" dirty="0" err="1">
+                <a:latin typeface="+mj-ea"/>
+              </a:rPr>
+              <a:t>Dawei</a:t>
+            </a:r>
+            <a:r>
+              <a:rPr lang="en-US" altLang="ja-JP" sz="1800" dirty="0">
+                <a:latin typeface="+mj-ea"/>
+              </a:rPr>
+              <a:t> </a:t>
+            </a:r>
+            <a:r>
+              <a:rPr lang="en-US" altLang="ja-JP" sz="1800" dirty="0" smtClean="0">
+                <a:latin typeface="+mj-ea"/>
+              </a:rPr>
+              <a:t>Liang</a:t>
+            </a:r>
+            <a:r>
+              <a:rPr lang="ja-JP" altLang="en-US" sz="1800" dirty="0" err="1" smtClean="0">
+                <a:latin typeface="+mj-ea"/>
+              </a:rPr>
+              <a:t>，</a:t>
+            </a:r>
+            <a:r>
+              <a:rPr lang="en-US" altLang="ja-JP" sz="1800" dirty="0" smtClean="0">
+                <a:latin typeface="+mj-ea"/>
+              </a:rPr>
+              <a:t> </a:t>
+            </a:r>
+            <a:r>
+              <a:rPr lang="en-US" altLang="ja-JP" sz="1800" dirty="0" err="1">
+                <a:latin typeface="+mj-ea"/>
+              </a:rPr>
+              <a:t>Tiejun</a:t>
+            </a:r>
+            <a:r>
+              <a:rPr lang="en-US" altLang="ja-JP" sz="1800" dirty="0">
+                <a:latin typeface="+mj-ea"/>
+              </a:rPr>
+              <a:t> </a:t>
+            </a:r>
+            <a:r>
+              <a:rPr lang="en-US" altLang="ja-JP" sz="1800" dirty="0" smtClean="0">
+                <a:latin typeface="+mj-ea"/>
+              </a:rPr>
+              <a:t>Huang</a:t>
+            </a:r>
+            <a:r>
+              <a:rPr lang="ja-JP" altLang="en-US" sz="1800" dirty="0" err="1" smtClean="0">
+                <a:latin typeface="+mj-ea"/>
+              </a:rPr>
+              <a:t>，</a:t>
+            </a:r>
+            <a:r>
+              <a:rPr lang="en-US" altLang="ja-JP" sz="1800" dirty="0" err="1" smtClean="0">
+                <a:latin typeface="+mj-ea"/>
+              </a:rPr>
+              <a:t>Yonghong</a:t>
+            </a:r>
+            <a:r>
+              <a:rPr lang="en-US" altLang="ja-JP" sz="1800" dirty="0" smtClean="0">
+                <a:latin typeface="+mj-ea"/>
+              </a:rPr>
+              <a:t> Tian</a:t>
+            </a:r>
+            <a:r>
+              <a:rPr lang="ja-JP" altLang="en-US" sz="1800" dirty="0" smtClean="0">
+                <a:latin typeface="+mj-ea"/>
+                <a:ea typeface="+mj-ea"/>
+              </a:rPr>
+              <a:t>「</a:t>
+            </a:r>
+            <a:r>
+              <a:rPr lang="en-US" altLang="ja-JP" sz="1800" dirty="0">
+                <a:latin typeface="+mj-ea"/>
+                <a:ea typeface="+mj-ea"/>
+              </a:rPr>
+              <a:t>CNN vs. SIFT for Image Retrieval: Alternative or</a:t>
+            </a:r>
+            <a:r>
+              <a:rPr lang="ja-JP" altLang="en-US" sz="1800" dirty="0">
+                <a:latin typeface="+mj-ea"/>
+                <a:ea typeface="+mj-ea"/>
+              </a:rPr>
+              <a:t> </a:t>
+            </a:r>
+            <a:r>
+              <a:rPr lang="en-US" altLang="ja-JP" sz="1800" dirty="0">
+                <a:latin typeface="+mj-ea"/>
+                <a:ea typeface="+mj-ea"/>
+              </a:rPr>
+              <a:t>Complementary?</a:t>
+            </a:r>
+            <a:r>
+              <a:rPr lang="ja-JP" altLang="en-US" sz="1800" dirty="0" smtClean="0">
+                <a:latin typeface="+mj-ea"/>
+                <a:ea typeface="+mj-ea"/>
+              </a:rPr>
+              <a:t>」，</a:t>
+            </a:r>
+            <a:r>
+              <a:rPr lang="en-US" altLang="ja-JP" sz="1800" dirty="0">
+                <a:solidFill>
+                  <a:srgbClr val="333333"/>
+                </a:solidFill>
+                <a:latin typeface="+mj-ea"/>
+              </a:rPr>
+              <a:t> </a:t>
+            </a:r>
+          </a:p>
+          <a:p>
+            <a:pPr marL="0" indent="0" algn="just">
+              <a:buNone/>
+            </a:pPr>
+            <a:r>
+              <a:rPr lang="ja-JP" altLang="en-US" sz="1800" dirty="0" smtClean="0">
+                <a:solidFill>
+                  <a:srgbClr val="333333"/>
+                </a:solidFill>
+                <a:latin typeface="+mj-ea"/>
+              </a:rPr>
+              <a:t>　</a:t>
+            </a:r>
+            <a:r>
+              <a:rPr lang="en-US" altLang="ja-JP" sz="1800" dirty="0" smtClean="0">
+                <a:solidFill>
+                  <a:srgbClr val="333333"/>
+                </a:solidFill>
+                <a:latin typeface="+mj-ea"/>
+              </a:rPr>
+              <a:t>MM </a:t>
+            </a:r>
+            <a:r>
+              <a:rPr lang="en-US" altLang="ja-JP" sz="1800" dirty="0">
+                <a:solidFill>
+                  <a:srgbClr val="333333"/>
+                </a:solidFill>
+                <a:latin typeface="+mj-ea"/>
+              </a:rPr>
+              <a:t>‘16: Proceedings of the 24th ACM international </a:t>
+            </a:r>
+            <a:r>
+              <a:rPr lang="en-US" altLang="ja-JP" sz="1800" dirty="0" smtClean="0">
+                <a:solidFill>
+                  <a:srgbClr val="333333"/>
+                </a:solidFill>
+                <a:latin typeface="+mj-ea"/>
+              </a:rPr>
+              <a:t>conference </a:t>
+            </a:r>
+            <a:r>
+              <a:rPr lang="en-US" altLang="ja-JP" sz="1800" dirty="0">
+                <a:solidFill>
+                  <a:srgbClr val="333333"/>
+                </a:solidFill>
+                <a:latin typeface="+mj-ea"/>
+              </a:rPr>
+              <a:t>on </a:t>
+            </a:r>
+            <a:r>
+              <a:rPr lang="en-US" altLang="ja-JP" sz="1800" dirty="0" smtClean="0">
+                <a:solidFill>
+                  <a:srgbClr val="333333"/>
+                </a:solidFill>
+                <a:latin typeface="+mj-ea"/>
+              </a:rPr>
+              <a:t>Multimedia</a:t>
+            </a:r>
+            <a:r>
+              <a:rPr lang="ja-JP" altLang="en-US" sz="1800" dirty="0" err="1" smtClean="0">
+                <a:solidFill>
+                  <a:srgbClr val="333333"/>
+                </a:solidFill>
+                <a:latin typeface="+mj-ea"/>
+              </a:rPr>
+              <a:t>，</a:t>
+            </a:r>
+            <a:r>
+              <a:rPr lang="en-US" altLang="ja-JP" sz="1800" dirty="0" smtClean="0">
+                <a:solidFill>
+                  <a:srgbClr val="333333"/>
+                </a:solidFill>
+                <a:latin typeface="+mj-ea"/>
+              </a:rPr>
+              <a:t>pp.407-pp.411</a:t>
+            </a:r>
+            <a:r>
+              <a:rPr lang="ja-JP" altLang="en-US" sz="1800" dirty="0" err="1" smtClean="0">
+                <a:solidFill>
+                  <a:srgbClr val="333333"/>
+                </a:solidFill>
+                <a:latin typeface="+mj-ea"/>
+              </a:rPr>
+              <a:t>，</a:t>
+            </a:r>
+            <a:r>
+              <a:rPr kumimoji="1" lang="en-US" altLang="ja-JP" sz="1800" dirty="0" smtClean="0">
+                <a:latin typeface="+mj-ea"/>
+                <a:ea typeface="+mj-ea"/>
+              </a:rPr>
+              <a:t>2016/10/01 </a:t>
+            </a:r>
+            <a:endParaRPr lang="en-US" altLang="ja-JP" sz="1800" dirty="0">
+              <a:solidFill>
+                <a:srgbClr val="333333"/>
+              </a:solidFill>
+              <a:latin typeface="+mj-ea"/>
+              <a:ea typeface="+mj-ea"/>
+            </a:endParaRPr>
+          </a:p>
+          <a:p>
+            <a:pPr marL="0" indent="0">
+              <a:buNone/>
+            </a:pPr>
+            <a:r>
+              <a:rPr lang="ja-JP" altLang="en-US" sz="1800" dirty="0">
+                <a:latin typeface="+mj-ea"/>
+                <a:ea typeface="+mj-ea"/>
+              </a:rPr>
+              <a:t>　　</a:t>
+            </a:r>
+            <a:endParaRPr kumimoji="1" lang="ja-JP" altLang="en-US" sz="1800" dirty="0">
+              <a:latin typeface="+mj-ea"/>
+              <a:ea typeface="+mj-ea"/>
+            </a:endParaRPr>
+          </a:p>
+        </p:txBody>
+      </p:sp>
+      <p:sp>
+        <p:nvSpPr>
+          <p:cNvPr id="4" name="スライド番号プレースホルダー 3"/>
+          <p:cNvSpPr>
+            <a:spLocks noGrp="1"/>
+          </p:cNvSpPr>
+          <p:nvPr>
+            <p:ph type="sldNum" sz="quarter" idx="12"/>
+          </p:nvPr>
+        </p:nvSpPr>
+        <p:spPr/>
+        <p:txBody>
+          <a:bodyPr/>
+          <a:lstStyle/>
+          <a:p>
+            <a:fld id="{B4451160-128F-4DAD-AE29-4A8CC0E7B9E9}" type="slidenum">
+              <a:rPr kumimoji="1" lang="ja-JP" altLang="en-US" sz="3200" smtClean="0"/>
+              <a:t>2</a:t>
+            </a:fld>
+            <a:endParaRPr kumimoji="1" lang="ja-JP" altLang="en-US" sz="3200" dirty="0"/>
+          </a:p>
+        </p:txBody>
+      </p:sp>
+    </p:spTree>
+    <p:extLst>
+      <p:ext uri="{BB962C8B-B14F-4D97-AF65-F5344CB8AC3E}">
+        <p14:creationId xmlns:p14="http://schemas.microsoft.com/office/powerpoint/2010/main" val="524967261"/>
+      </p:ext>
+    </p:extLst>
+  </p:cSld>
+  <p:clrMapOvr>
+    <a:masterClrMapping/>
+  </p:clrMapOvr>
+  <mc:AlternateContent xmlns:mc="http://schemas.openxmlformats.org/markup-compatibility/2006" xmlns:p14="http://schemas.microsoft.com/office/powerpoint/2010/main">
+    <mc:Choice Requires="p14">
+      <p:transition spd="slow" p14:dur="2000"/>
+    </mc:Choice>
+    <mc:Fallback xmlns="">
+      <p:transition spd="slow"/>
+    </mc:Fallback>
+  </mc:AlternateContent>
+  <p:timing>
+    <p:tnLst>
+      <p:par>
+        <p:cTn id="1" dur="indefinite" restart="never" nodeType="tmRoot"/>
+      </p:par>
+    </p:tnLst>
+  </p:timing>
+</p:sld>
+</file>
+
+<file path=ppt/slides/slide20.xml><?xml version="1.0" encoding="utf-8"?>
+<p:sld xmlns:a="http://schemas.openxmlformats.org/drawingml/2006/main" xmlns:r="http://schemas.openxmlformats.org/officeDocument/2006/relationships" xmlns:p="http://schemas.openxmlformats.org/presentationml/2006/main">
+  <p:cSld>
+    <p:spTree>
+      <p:nvGrpSpPr>
+        <p:cNvPr id="1" name=""/>
+        <p:cNvGrpSpPr/>
+        <p:nvPr/>
+      </p:nvGrpSpPr>
+      <p:grpSpPr>
+        <a:xfrm>
+          <a:off x="0" y="0"/>
+          <a:ext cx="0" cy="0"/>
+          <a:chOff x="0" y="0"/>
+          <a:chExt cx="0" cy="0"/>
+        </a:xfrm>
+      </p:grpSpPr>
+      <p:grpSp>
+        <p:nvGrpSpPr>
+          <p:cNvPr id="5" name="グループ化 4"/>
+          <p:cNvGrpSpPr/>
+          <p:nvPr/>
+        </p:nvGrpSpPr>
+        <p:grpSpPr>
+          <a:xfrm>
+            <a:off x="2401492" y="1230229"/>
+            <a:ext cx="4571714" cy="4062555"/>
+            <a:chOff x="3201989" y="497305"/>
+            <a:chExt cx="6095618" cy="5416740"/>
+          </a:xfrm>
+        </p:grpSpPr>
+        <p:pic>
+          <p:nvPicPr>
+            <p:cNvPr id="2" name="図 1"/>
+            <p:cNvPicPr>
+              <a:picLocks noChangeAspect="1"/>
+            </p:cNvPicPr>
+            <p:nvPr/>
+          </p:nvPicPr>
+          <p:blipFill rotWithShape="1">
+            <a:blip r:embed="rId2"/>
+            <a:srcRect l="-1611" t="61417" r="1" b="10554"/>
+            <a:stretch/>
+          </p:blipFill>
+          <p:spPr>
+            <a:xfrm>
+              <a:off x="3201989" y="497305"/>
+              <a:ext cx="6095618" cy="1860885"/>
+            </a:xfrm>
+            <a:prstGeom prst="rect">
+              <a:avLst/>
+            </a:prstGeom>
+          </p:spPr>
+        </p:pic>
+        <p:pic>
+          <p:nvPicPr>
+            <p:cNvPr id="3" name="図 2"/>
+            <p:cNvPicPr>
+              <a:picLocks noChangeAspect="1"/>
+            </p:cNvPicPr>
+            <p:nvPr/>
+          </p:nvPicPr>
+          <p:blipFill rotWithShape="1">
+            <a:blip r:embed="rId3"/>
+            <a:srcRect b="26403"/>
+            <a:stretch/>
+          </p:blipFill>
+          <p:spPr>
+            <a:xfrm>
+              <a:off x="3664415" y="3850106"/>
+              <a:ext cx="5633192" cy="2063939"/>
+            </a:xfrm>
+            <a:prstGeom prst="rect">
+              <a:avLst/>
+            </a:prstGeom>
+          </p:spPr>
+        </p:pic>
+        <p:sp>
+          <p:nvSpPr>
+            <p:cNvPr id="4" name="下矢印 3"/>
+            <p:cNvSpPr/>
+            <p:nvPr/>
+          </p:nvSpPr>
+          <p:spPr>
+            <a:xfrm>
+              <a:off x="5670884" y="2590801"/>
+              <a:ext cx="721895" cy="1026694"/>
+            </a:xfrm>
+            <a:prstGeom prst="downArrow">
+              <a:avLst/>
+            </a:prstGeom>
+          </p:spPr>
+          <p:style>
+            <a:lnRef idx="2">
+              <a:schemeClr val="accent1">
+                <a:shade val="50000"/>
+              </a:schemeClr>
+            </a:lnRef>
+            <a:fillRef idx="1">
+              <a:schemeClr val="accent1"/>
+            </a:fillRef>
+            <a:effectRef idx="0">
+              <a:schemeClr val="accent1"/>
+            </a:effectRef>
+            <a:fontRef idx="minor">
+              <a:schemeClr val="lt1"/>
+            </a:fontRef>
+          </p:style>
+          <p:txBody>
+            <a:bodyPr rot="0" spcFirstLastPara="0" vertOverflow="overflow" horzOverflow="overflow" vert="horz" wrap="square" lIns="68580" tIns="34290" rIns="68580" bIns="34290" numCol="1" spcCol="0" rtlCol="0" fromWordArt="0" anchor="ctr" anchorCtr="0" forceAA="0" compatLnSpc="1">
+              <a:prstTxWarp prst="textNoShape">
+                <a:avLst/>
+              </a:prstTxWarp>
+              <a:noAutofit/>
+            </a:bodyPr>
+            <a:lstStyle/>
+            <a:p>
+              <a:pPr algn="ctr"/>
+              <a:endParaRPr lang="ja-JP" altLang="en-US" sz="1350"/>
+            </a:p>
+          </p:txBody>
+        </p:sp>
+      </p:grpSp>
+    </p:spTree>
+    <p:extLst>
+      <p:ext uri="{BB962C8B-B14F-4D97-AF65-F5344CB8AC3E}">
+        <p14:creationId xmlns:p14="http://schemas.microsoft.com/office/powerpoint/2010/main" val="3699749314"/>
+      </p:ext>
+    </p:extLst>
+  </p:cSld>
+  <p:clrMapOvr>
+    <a:masterClrMapping/>
+  </p:clrMapOvr>
+</p:sld>
+</file>
+
+<file path=ppt/slides/slide21.xml><?xml version="1.0" encoding="utf-8"?>
 <p:sld xmlns:a="http://schemas.openxmlformats.org/drawingml/2006/main" xmlns:r="http://schemas.openxmlformats.org/officeDocument/2006/relationships" xmlns:p="http://schemas.openxmlformats.org/presentationml/2006/main">
   <p:cSld>
     <p:spTree>
@@ -6181,7 +7809,7 @@
           <a:p>
             <a:fld id="{768BF403-63E9-4BE6-AA0B-408C483EA9DC}" type="slidenum">
               <a:rPr kumimoji="1" lang="ja-JP" altLang="en-US" smtClean="0"/>
-              <a:t>19</a:t>
+              <a:t>21</a:t>
             </a:fld>
             <a:endParaRPr kumimoji="1" lang="ja-JP" altLang="en-US"/>
           </a:p>
@@ -6207,743 +7835,7 @@
 </p:sld>
 </file>
 
-<file path=ppt/slides/slide2.xml><?xml version="1.0" encoding="utf-8"?>
-<p:sld xmlns:a="http://schemas.openxmlformats.org/drawingml/2006/main" xmlns:r="http://schemas.openxmlformats.org/officeDocument/2006/relationships" xmlns:p="http://schemas.openxmlformats.org/presentationml/2006/main" show="0">
-  <p:cSld>
-    <p:spTree>
-      <p:nvGrpSpPr>
-        <p:cNvPr id="1" name=""/>
-        <p:cNvGrpSpPr/>
-        <p:nvPr/>
-      </p:nvGrpSpPr>
-      <p:grpSpPr>
-        <a:xfrm>
-          <a:off x="0" y="0"/>
-          <a:ext cx="0" cy="0"/>
-          <a:chOff x="0" y="0"/>
-          <a:chExt cx="0" cy="0"/>
-        </a:xfrm>
-      </p:grpSpPr>
-      <p:sp>
-        <p:nvSpPr>
-          <p:cNvPr id="2" name="タイトル 1"/>
-          <p:cNvSpPr>
-            <a:spLocks noGrp="1"/>
-          </p:cNvSpPr>
-          <p:nvPr>
-            <p:ph type="title"/>
-          </p:nvPr>
-        </p:nvSpPr>
-        <p:spPr/>
-        <p:txBody>
-          <a:bodyPr/>
-          <a:lstStyle/>
-          <a:p>
-            <a:r>
-              <a:rPr kumimoji="1" lang="ja-JP" altLang="en-US" dirty="0"/>
-              <a:t>関連研究</a:t>
-            </a:r>
-          </a:p>
-        </p:txBody>
-      </p:sp>
-      <p:sp>
-        <p:nvSpPr>
-          <p:cNvPr id="3" name="コンテンツ プレースホルダー 2"/>
-          <p:cNvSpPr>
-            <a:spLocks noGrp="1"/>
-          </p:cNvSpPr>
-          <p:nvPr>
-            <p:ph idx="1"/>
-          </p:nvPr>
-        </p:nvSpPr>
-        <p:spPr/>
-        <p:txBody>
-          <a:bodyPr>
-            <a:normAutofit lnSpcReduction="10000"/>
-          </a:bodyPr>
-          <a:lstStyle/>
-          <a:p>
-            <a:r>
-              <a:rPr lang="ja-JP" altLang="en-US" sz="1800" dirty="0">
-                <a:latin typeface="+mj-ea"/>
-                <a:ea typeface="+mj-ea"/>
-              </a:rPr>
-              <a:t>深層学習による画像</a:t>
-            </a:r>
-            <a:r>
-              <a:rPr lang="ja-JP" altLang="en-US" sz="1800" dirty="0" smtClean="0">
-                <a:latin typeface="+mj-ea"/>
-                <a:ea typeface="+mj-ea"/>
-              </a:rPr>
-              <a:t>認識，特徴量抽出</a:t>
-            </a:r>
-            <a:r>
-              <a:rPr lang="en-US" altLang="ja-JP" sz="1800" dirty="0">
-                <a:latin typeface="+mj-ea"/>
-                <a:ea typeface="+mj-ea"/>
-              </a:rPr>
-              <a:t/>
-            </a:r>
-            <a:br>
-              <a:rPr lang="en-US" altLang="ja-JP" sz="1800" dirty="0">
-                <a:latin typeface="+mj-ea"/>
-                <a:ea typeface="+mj-ea"/>
-              </a:rPr>
-            </a:br>
-            <a:r>
-              <a:rPr lang="en-US" altLang="ja-JP" sz="1800" dirty="0">
-                <a:latin typeface="+mj-ea"/>
-                <a:ea typeface="+mj-ea"/>
-              </a:rPr>
-              <a:t>[</a:t>
-            </a:r>
-            <a:r>
-              <a:rPr lang="ja-JP" altLang="en-US" sz="1800" dirty="0">
-                <a:latin typeface="+mj-ea"/>
-                <a:ea typeface="+mj-ea"/>
-              </a:rPr>
-              <a:t>中山</a:t>
-            </a:r>
-            <a:r>
-              <a:rPr lang="en-US" altLang="ja-JP" sz="1800" dirty="0">
-                <a:latin typeface="+mj-ea"/>
-                <a:ea typeface="+mj-ea"/>
-              </a:rPr>
-              <a:t>2015] </a:t>
-            </a:r>
-            <a:r>
-              <a:rPr lang="ja-JP" altLang="en-US" sz="1800" dirty="0">
-                <a:latin typeface="+mj-ea"/>
-                <a:ea typeface="+mj-ea"/>
-              </a:rPr>
-              <a:t>中山秀樹，「深層畳み込みニューラルネットワークによる画像特徴抽出と転移学習」，信学技報，</a:t>
-            </a:r>
-            <a:r>
-              <a:rPr lang="en-US" altLang="ja-JP" sz="1800" dirty="0">
-                <a:latin typeface="+mj-ea"/>
-                <a:ea typeface="+mj-ea"/>
-              </a:rPr>
-              <a:t>pp.1-pp.6</a:t>
-            </a:r>
-            <a:r>
-              <a:rPr lang="ja-JP" altLang="en-US" sz="1800" dirty="0">
-                <a:latin typeface="+mj-ea"/>
-                <a:ea typeface="+mj-ea"/>
-              </a:rPr>
-              <a:t>，</a:t>
-            </a:r>
-            <a:r>
-              <a:rPr lang="en-US" altLang="ja-JP" sz="1800" dirty="0">
-                <a:latin typeface="+mj-ea"/>
-                <a:ea typeface="+mj-ea"/>
-              </a:rPr>
-              <a:t>2015</a:t>
-            </a:r>
-          </a:p>
-          <a:p>
-            <a:endParaRPr kumimoji="1" lang="en-US" altLang="ja-JP" sz="1800" dirty="0">
-              <a:latin typeface="+mj-ea"/>
-              <a:ea typeface="+mj-ea"/>
-            </a:endParaRPr>
-          </a:p>
-          <a:p>
-            <a:r>
-              <a:rPr kumimoji="1" lang="en-US" altLang="ja-JP" sz="1800" dirty="0">
-                <a:latin typeface="+mj-ea"/>
-                <a:ea typeface="+mj-ea"/>
-              </a:rPr>
-              <a:t>SIFT</a:t>
-            </a:r>
-            <a:r>
-              <a:rPr kumimoji="1" lang="ja-JP" altLang="en-US" sz="1800" dirty="0">
-                <a:latin typeface="+mj-ea"/>
-                <a:ea typeface="+mj-ea"/>
-              </a:rPr>
-              <a:t>による画像特徴抽出</a:t>
-            </a:r>
-            <a:r>
-              <a:rPr kumimoji="1" lang="en-US" altLang="ja-JP" sz="1800" dirty="0">
-                <a:latin typeface="+mj-ea"/>
-                <a:ea typeface="+mj-ea"/>
-              </a:rPr>
-              <a:t/>
-            </a:r>
-            <a:br>
-              <a:rPr kumimoji="1" lang="en-US" altLang="ja-JP" sz="1800" dirty="0">
-                <a:latin typeface="+mj-ea"/>
-                <a:ea typeface="+mj-ea"/>
-              </a:rPr>
-            </a:br>
-            <a:r>
-              <a:rPr kumimoji="1" lang="en-US" altLang="ja-JP" sz="1800" dirty="0">
-                <a:latin typeface="+mj-ea"/>
-                <a:ea typeface="+mj-ea"/>
-              </a:rPr>
-              <a:t>[</a:t>
-            </a:r>
-            <a:r>
-              <a:rPr kumimoji="1" lang="ja-JP" altLang="en-US" sz="1800" dirty="0">
-                <a:latin typeface="+mj-ea"/>
-                <a:ea typeface="+mj-ea"/>
-              </a:rPr>
-              <a:t>藤吉</a:t>
-            </a:r>
-            <a:r>
-              <a:rPr kumimoji="1" lang="en-US" altLang="ja-JP" sz="1800" dirty="0">
-                <a:latin typeface="+mj-ea"/>
-                <a:ea typeface="+mj-ea"/>
-              </a:rPr>
-              <a:t>2007</a:t>
-            </a:r>
-            <a:r>
-              <a:rPr kumimoji="1" lang="en-US" altLang="ja-JP" sz="1800" dirty="0" smtClean="0">
-                <a:latin typeface="+mj-ea"/>
-                <a:ea typeface="+mj-ea"/>
-              </a:rPr>
-              <a:t>]</a:t>
-            </a:r>
-            <a:r>
-              <a:rPr kumimoji="1" lang="ja-JP" altLang="en-US" sz="1800" dirty="0" smtClean="0">
-                <a:latin typeface="+mj-ea"/>
-                <a:ea typeface="+mj-ea"/>
-              </a:rPr>
-              <a:t>　</a:t>
-            </a:r>
-            <a:r>
-              <a:rPr lang="ja-JP" altLang="en-US" sz="1800" dirty="0" smtClean="0">
-                <a:latin typeface="+mj-ea"/>
-                <a:ea typeface="+mj-ea"/>
-              </a:rPr>
-              <a:t>藤吉 </a:t>
-            </a:r>
-            <a:r>
-              <a:rPr lang="ja-JP" altLang="en-US" sz="1800" dirty="0">
-                <a:latin typeface="+mj-ea"/>
-                <a:ea typeface="+mj-ea"/>
-              </a:rPr>
-              <a:t>弘</a:t>
-            </a:r>
-            <a:r>
-              <a:rPr lang="ja-JP" altLang="en-US" sz="1800" dirty="0" smtClean="0">
-                <a:latin typeface="+mj-ea"/>
-                <a:ea typeface="+mj-ea"/>
-              </a:rPr>
-              <a:t>亘，</a:t>
-            </a:r>
-            <a:r>
-              <a:rPr kumimoji="1" lang="ja-JP" altLang="en-US" sz="1800" dirty="0" smtClean="0">
-                <a:latin typeface="+mj-ea"/>
-                <a:ea typeface="+mj-ea"/>
-              </a:rPr>
-              <a:t>「</a:t>
-            </a:r>
-            <a:r>
-              <a:rPr kumimoji="1" lang="en-US" altLang="ja-JP" sz="1800" dirty="0">
-                <a:latin typeface="+mj-ea"/>
-                <a:ea typeface="+mj-ea"/>
-              </a:rPr>
-              <a:t>Gradient</a:t>
-            </a:r>
-            <a:r>
-              <a:rPr kumimoji="1" lang="ja-JP" altLang="en-US" sz="1800" dirty="0">
-                <a:latin typeface="+mj-ea"/>
-                <a:ea typeface="+mj-ea"/>
-              </a:rPr>
-              <a:t>ベースの特徴抽出　</a:t>
-            </a:r>
-            <a:r>
-              <a:rPr kumimoji="1" lang="en-US" altLang="ja-JP" sz="1800" dirty="0">
-                <a:latin typeface="+mj-ea"/>
-                <a:ea typeface="+mj-ea"/>
-              </a:rPr>
-              <a:t>–SIFT</a:t>
-            </a:r>
-            <a:r>
-              <a:rPr kumimoji="1" lang="ja-JP" altLang="en-US" sz="1800" dirty="0">
-                <a:latin typeface="+mj-ea"/>
-                <a:ea typeface="+mj-ea"/>
-              </a:rPr>
-              <a:t>と</a:t>
-            </a:r>
-            <a:r>
-              <a:rPr kumimoji="1" lang="en-US" altLang="ja-JP" sz="1800" dirty="0">
-                <a:latin typeface="+mj-ea"/>
-                <a:ea typeface="+mj-ea"/>
-              </a:rPr>
-              <a:t>HOG-</a:t>
-            </a:r>
-            <a:r>
-              <a:rPr kumimoji="1" lang="ja-JP" altLang="en-US" sz="1800" dirty="0" smtClean="0">
-                <a:latin typeface="+mj-ea"/>
-                <a:ea typeface="+mj-ea"/>
-              </a:rPr>
-              <a:t>」</a:t>
-            </a:r>
-            <a:r>
-              <a:rPr lang="ja-JP" altLang="en-US" sz="1800" dirty="0">
-                <a:latin typeface="+mj-ea"/>
-                <a:ea typeface="+mj-ea"/>
-              </a:rPr>
-              <a:t>，</a:t>
-            </a:r>
-            <a:r>
-              <a:rPr kumimoji="1" lang="ja-JP" altLang="en-US" sz="1800" dirty="0" smtClean="0">
-                <a:latin typeface="+mj-ea"/>
-                <a:ea typeface="+mj-ea"/>
-              </a:rPr>
-              <a:t>社団法人　情報</a:t>
-            </a:r>
-            <a:r>
-              <a:rPr kumimoji="1" lang="ja-JP" altLang="en-US" sz="1800" dirty="0">
-                <a:latin typeface="+mj-ea"/>
-                <a:ea typeface="+mj-ea"/>
-              </a:rPr>
-              <a:t>処理学会　研究</a:t>
-            </a:r>
-            <a:r>
-              <a:rPr kumimoji="1" lang="ja-JP" altLang="en-US" sz="1800" dirty="0" smtClean="0">
-                <a:latin typeface="+mj-ea"/>
-                <a:ea typeface="+mj-ea"/>
-              </a:rPr>
-              <a:t>報告，</a:t>
-            </a:r>
-            <a:r>
-              <a:rPr kumimoji="1" lang="en-US" altLang="ja-JP" sz="1800" dirty="0" smtClean="0">
-                <a:latin typeface="+mj-ea"/>
-                <a:ea typeface="+mj-ea"/>
-              </a:rPr>
-              <a:t>pp.1-pp.14</a:t>
-            </a:r>
-            <a:r>
-              <a:rPr lang="ja-JP" altLang="en-US" sz="1800" dirty="0" err="1">
-                <a:latin typeface="+mj-ea"/>
-                <a:ea typeface="+mj-ea"/>
-              </a:rPr>
-              <a:t>，</a:t>
-            </a:r>
-            <a:r>
-              <a:rPr lang="en-US" altLang="ja-JP" sz="1800" dirty="0" smtClean="0">
-                <a:latin typeface="+mj-ea"/>
-              </a:rPr>
-              <a:t>2007/9/4</a:t>
-            </a:r>
-            <a:endParaRPr kumimoji="1" lang="en-US" altLang="ja-JP" sz="1800" dirty="0">
-              <a:latin typeface="+mj-ea"/>
-              <a:ea typeface="+mj-ea"/>
-            </a:endParaRPr>
-          </a:p>
-          <a:p>
-            <a:pPr marL="0" indent="0">
-              <a:buNone/>
-            </a:pPr>
-            <a:r>
-              <a:rPr lang="ja-JP" altLang="en-US" sz="1800" dirty="0">
-                <a:latin typeface="+mj-ea"/>
-                <a:ea typeface="+mj-ea"/>
-              </a:rPr>
-              <a:t>　　</a:t>
-            </a:r>
-            <a:endParaRPr kumimoji="1" lang="en-US" altLang="ja-JP" sz="1800" dirty="0">
-              <a:latin typeface="+mj-ea"/>
-              <a:ea typeface="+mj-ea"/>
-            </a:endParaRPr>
-          </a:p>
-          <a:p>
-            <a:r>
-              <a:rPr lang="ja-JP" altLang="en-US" sz="1800" dirty="0">
-                <a:latin typeface="+mj-ea"/>
-                <a:ea typeface="+mj-ea"/>
-              </a:rPr>
-              <a:t>深層学習と</a:t>
-            </a:r>
-            <a:r>
-              <a:rPr lang="en-US" altLang="ja-JP" sz="1800" dirty="0">
-                <a:latin typeface="+mj-ea"/>
-                <a:ea typeface="+mj-ea"/>
-              </a:rPr>
-              <a:t>SIFT</a:t>
-            </a:r>
-            <a:r>
-              <a:rPr lang="ja-JP" altLang="en-US" sz="1800" dirty="0">
-                <a:latin typeface="+mj-ea"/>
-                <a:ea typeface="+mj-ea"/>
-              </a:rPr>
-              <a:t>の性能評価</a:t>
-            </a:r>
-            <a:r>
-              <a:rPr lang="en-US" altLang="ja-JP" sz="1800" dirty="0">
-                <a:latin typeface="+mj-ea"/>
-                <a:ea typeface="+mj-ea"/>
-              </a:rPr>
-              <a:t/>
-            </a:r>
-            <a:br>
-              <a:rPr lang="en-US" altLang="ja-JP" sz="1800" dirty="0">
-                <a:latin typeface="+mj-ea"/>
-                <a:ea typeface="+mj-ea"/>
-              </a:rPr>
-            </a:br>
-            <a:r>
-              <a:rPr lang="en-US" altLang="ja-JP" sz="1800" dirty="0">
-                <a:latin typeface="+mj-ea"/>
-                <a:ea typeface="+mj-ea"/>
-              </a:rPr>
-              <a:t>[Ke2016</a:t>
-            </a:r>
-            <a:r>
-              <a:rPr lang="en-US" altLang="ja-JP" sz="1800" dirty="0" smtClean="0">
-                <a:latin typeface="+mj-ea"/>
-                <a:ea typeface="+mj-ea"/>
-              </a:rPr>
-              <a:t>]</a:t>
-            </a:r>
-            <a:r>
-              <a:rPr lang="en-US" altLang="ja-JP" sz="1800" dirty="0">
-                <a:latin typeface="+mj-ea"/>
-              </a:rPr>
-              <a:t> </a:t>
-            </a:r>
-            <a:r>
-              <a:rPr lang="en-US" altLang="ja-JP" sz="1800" dirty="0" err="1">
-                <a:latin typeface="+mj-ea"/>
-              </a:rPr>
-              <a:t>Ke</a:t>
-            </a:r>
-            <a:r>
-              <a:rPr lang="en-US" altLang="ja-JP" sz="1800" dirty="0">
-                <a:latin typeface="+mj-ea"/>
-              </a:rPr>
-              <a:t> </a:t>
-            </a:r>
-            <a:r>
-              <a:rPr lang="en-US" altLang="ja-JP" sz="1800" dirty="0" smtClean="0">
-                <a:latin typeface="+mj-ea"/>
-              </a:rPr>
-              <a:t>Yan</a:t>
-            </a:r>
-            <a:r>
-              <a:rPr lang="ja-JP" altLang="en-US" sz="1800" dirty="0" err="1" smtClean="0">
-                <a:latin typeface="+mj-ea"/>
-              </a:rPr>
-              <a:t>，</a:t>
-            </a:r>
-            <a:r>
-              <a:rPr lang="en-US" altLang="ja-JP" sz="1800" dirty="0" err="1" smtClean="0">
-                <a:latin typeface="+mj-ea"/>
-              </a:rPr>
-              <a:t>Yaowei</a:t>
-            </a:r>
-            <a:r>
-              <a:rPr lang="en-US" altLang="ja-JP" sz="1800" dirty="0" smtClean="0">
-                <a:latin typeface="+mj-ea"/>
-              </a:rPr>
-              <a:t> </a:t>
-            </a:r>
-            <a:r>
-              <a:rPr lang="en-US" altLang="ja-JP" sz="1800" dirty="0">
-                <a:latin typeface="+mj-ea"/>
-              </a:rPr>
-              <a:t>Wang</a:t>
-            </a:r>
-            <a:r>
-              <a:rPr lang="en-US" altLang="ja-JP" sz="800" dirty="0" smtClean="0">
-                <a:latin typeface="+mj-ea"/>
-              </a:rPr>
-              <a:t>;</a:t>
-            </a:r>
-            <a:r>
-              <a:rPr lang="ja-JP" altLang="en-US" sz="1800" dirty="0">
-                <a:latin typeface="+mj-ea"/>
-              </a:rPr>
-              <a:t>，</a:t>
-            </a:r>
-            <a:r>
-              <a:rPr lang="en-US" altLang="ja-JP" sz="1800" dirty="0" smtClean="0">
-                <a:latin typeface="+mj-ea"/>
-              </a:rPr>
-              <a:t> </a:t>
-            </a:r>
-            <a:r>
-              <a:rPr lang="en-US" altLang="ja-JP" sz="1800" dirty="0" err="1">
-                <a:latin typeface="+mj-ea"/>
-              </a:rPr>
-              <a:t>Dawei</a:t>
-            </a:r>
-            <a:r>
-              <a:rPr lang="en-US" altLang="ja-JP" sz="1800" dirty="0">
-                <a:latin typeface="+mj-ea"/>
-              </a:rPr>
-              <a:t> </a:t>
-            </a:r>
-            <a:r>
-              <a:rPr lang="en-US" altLang="ja-JP" sz="1800" dirty="0" smtClean="0">
-                <a:latin typeface="+mj-ea"/>
-              </a:rPr>
-              <a:t>Liang</a:t>
-            </a:r>
-            <a:r>
-              <a:rPr lang="ja-JP" altLang="en-US" sz="1800" dirty="0" err="1" smtClean="0">
-                <a:latin typeface="+mj-ea"/>
-              </a:rPr>
-              <a:t>，</a:t>
-            </a:r>
-            <a:r>
-              <a:rPr lang="en-US" altLang="ja-JP" sz="1800" dirty="0" smtClean="0">
-                <a:latin typeface="+mj-ea"/>
-              </a:rPr>
-              <a:t> </a:t>
-            </a:r>
-            <a:r>
-              <a:rPr lang="en-US" altLang="ja-JP" sz="1800" dirty="0" err="1">
-                <a:latin typeface="+mj-ea"/>
-              </a:rPr>
-              <a:t>Tiejun</a:t>
-            </a:r>
-            <a:r>
-              <a:rPr lang="en-US" altLang="ja-JP" sz="1800" dirty="0">
-                <a:latin typeface="+mj-ea"/>
-              </a:rPr>
-              <a:t> </a:t>
-            </a:r>
-            <a:r>
-              <a:rPr lang="en-US" altLang="ja-JP" sz="1800" dirty="0" smtClean="0">
-                <a:latin typeface="+mj-ea"/>
-              </a:rPr>
-              <a:t>Huang</a:t>
-            </a:r>
-            <a:r>
-              <a:rPr lang="ja-JP" altLang="en-US" sz="1800" dirty="0" err="1" smtClean="0">
-                <a:latin typeface="+mj-ea"/>
-              </a:rPr>
-              <a:t>，</a:t>
-            </a:r>
-            <a:r>
-              <a:rPr lang="en-US" altLang="ja-JP" sz="1800" dirty="0" err="1" smtClean="0">
-                <a:latin typeface="+mj-ea"/>
-              </a:rPr>
-              <a:t>Yonghong</a:t>
-            </a:r>
-            <a:r>
-              <a:rPr lang="en-US" altLang="ja-JP" sz="1800" dirty="0" smtClean="0">
-                <a:latin typeface="+mj-ea"/>
-              </a:rPr>
-              <a:t> Tian</a:t>
-            </a:r>
-            <a:r>
-              <a:rPr lang="ja-JP" altLang="en-US" sz="1800" dirty="0" smtClean="0">
-                <a:latin typeface="+mj-ea"/>
-                <a:ea typeface="+mj-ea"/>
-              </a:rPr>
-              <a:t>「</a:t>
-            </a:r>
-            <a:r>
-              <a:rPr lang="en-US" altLang="ja-JP" sz="1800" dirty="0">
-                <a:latin typeface="+mj-ea"/>
-                <a:ea typeface="+mj-ea"/>
-              </a:rPr>
-              <a:t>CNN vs. SIFT for Image Retrieval: Alternative or</a:t>
-            </a:r>
-            <a:r>
-              <a:rPr lang="ja-JP" altLang="en-US" sz="1800" dirty="0">
-                <a:latin typeface="+mj-ea"/>
-                <a:ea typeface="+mj-ea"/>
-              </a:rPr>
-              <a:t> </a:t>
-            </a:r>
-            <a:r>
-              <a:rPr lang="en-US" altLang="ja-JP" sz="1800" dirty="0">
-                <a:latin typeface="+mj-ea"/>
-                <a:ea typeface="+mj-ea"/>
-              </a:rPr>
-              <a:t>Complementary?</a:t>
-            </a:r>
-            <a:r>
-              <a:rPr lang="ja-JP" altLang="en-US" sz="1800" dirty="0" smtClean="0">
-                <a:latin typeface="+mj-ea"/>
-                <a:ea typeface="+mj-ea"/>
-              </a:rPr>
-              <a:t>」，</a:t>
-            </a:r>
-            <a:r>
-              <a:rPr lang="en-US" altLang="ja-JP" sz="1800" dirty="0">
-                <a:solidFill>
-                  <a:srgbClr val="333333"/>
-                </a:solidFill>
-                <a:latin typeface="+mj-ea"/>
-              </a:rPr>
-              <a:t> </a:t>
-            </a:r>
-          </a:p>
-          <a:p>
-            <a:pPr marL="0" indent="0" algn="just">
-              <a:buNone/>
-            </a:pPr>
-            <a:r>
-              <a:rPr lang="ja-JP" altLang="en-US" sz="1800" dirty="0" smtClean="0">
-                <a:solidFill>
-                  <a:srgbClr val="333333"/>
-                </a:solidFill>
-                <a:latin typeface="+mj-ea"/>
-              </a:rPr>
-              <a:t>　</a:t>
-            </a:r>
-            <a:r>
-              <a:rPr lang="en-US" altLang="ja-JP" sz="1800" dirty="0" smtClean="0">
-                <a:solidFill>
-                  <a:srgbClr val="333333"/>
-                </a:solidFill>
-                <a:latin typeface="+mj-ea"/>
-              </a:rPr>
-              <a:t>MM </a:t>
-            </a:r>
-            <a:r>
-              <a:rPr lang="en-US" altLang="ja-JP" sz="1800" dirty="0">
-                <a:solidFill>
-                  <a:srgbClr val="333333"/>
-                </a:solidFill>
-                <a:latin typeface="+mj-ea"/>
-              </a:rPr>
-              <a:t>‘16: Proceedings of the 24th ACM international </a:t>
-            </a:r>
-            <a:r>
-              <a:rPr lang="en-US" altLang="ja-JP" sz="1800" dirty="0" smtClean="0">
-                <a:solidFill>
-                  <a:srgbClr val="333333"/>
-                </a:solidFill>
-                <a:latin typeface="+mj-ea"/>
-              </a:rPr>
-              <a:t>conference </a:t>
-            </a:r>
-            <a:r>
-              <a:rPr lang="en-US" altLang="ja-JP" sz="1800" dirty="0">
-                <a:solidFill>
-                  <a:srgbClr val="333333"/>
-                </a:solidFill>
-                <a:latin typeface="+mj-ea"/>
-              </a:rPr>
-              <a:t>on </a:t>
-            </a:r>
-            <a:r>
-              <a:rPr lang="en-US" altLang="ja-JP" sz="1800" dirty="0" smtClean="0">
-                <a:solidFill>
-                  <a:srgbClr val="333333"/>
-                </a:solidFill>
-                <a:latin typeface="+mj-ea"/>
-              </a:rPr>
-              <a:t>Multimedia</a:t>
-            </a:r>
-            <a:r>
-              <a:rPr lang="ja-JP" altLang="en-US" sz="1800" dirty="0" err="1" smtClean="0">
-                <a:solidFill>
-                  <a:srgbClr val="333333"/>
-                </a:solidFill>
-                <a:latin typeface="+mj-ea"/>
-              </a:rPr>
-              <a:t>，</a:t>
-            </a:r>
-            <a:r>
-              <a:rPr lang="en-US" altLang="ja-JP" sz="1800" dirty="0" smtClean="0">
-                <a:solidFill>
-                  <a:srgbClr val="333333"/>
-                </a:solidFill>
-                <a:latin typeface="+mj-ea"/>
-              </a:rPr>
-              <a:t>pp.407-pp.411</a:t>
-            </a:r>
-            <a:r>
-              <a:rPr lang="ja-JP" altLang="en-US" sz="1800" dirty="0" err="1" smtClean="0">
-                <a:solidFill>
-                  <a:srgbClr val="333333"/>
-                </a:solidFill>
-                <a:latin typeface="+mj-ea"/>
-              </a:rPr>
-              <a:t>，</a:t>
-            </a:r>
-            <a:r>
-              <a:rPr kumimoji="1" lang="en-US" altLang="ja-JP" sz="1800" dirty="0" smtClean="0">
-                <a:latin typeface="+mj-ea"/>
-                <a:ea typeface="+mj-ea"/>
-              </a:rPr>
-              <a:t>2016/10/01 </a:t>
-            </a:r>
-            <a:endParaRPr lang="en-US" altLang="ja-JP" sz="1800" dirty="0">
-              <a:solidFill>
-                <a:srgbClr val="333333"/>
-              </a:solidFill>
-              <a:latin typeface="+mj-ea"/>
-              <a:ea typeface="+mj-ea"/>
-            </a:endParaRPr>
-          </a:p>
-          <a:p>
-            <a:pPr marL="0" indent="0">
-              <a:buNone/>
-            </a:pPr>
-            <a:r>
-              <a:rPr lang="ja-JP" altLang="en-US" sz="1800" dirty="0">
-                <a:latin typeface="+mj-ea"/>
-                <a:ea typeface="+mj-ea"/>
-              </a:rPr>
-              <a:t>　　</a:t>
-            </a:r>
-            <a:endParaRPr kumimoji="1" lang="ja-JP" altLang="en-US" sz="1800" dirty="0">
-              <a:latin typeface="+mj-ea"/>
-              <a:ea typeface="+mj-ea"/>
-            </a:endParaRPr>
-          </a:p>
-        </p:txBody>
-      </p:sp>
-      <p:sp>
-        <p:nvSpPr>
-          <p:cNvPr id="4" name="スライド番号プレースホルダー 3"/>
-          <p:cNvSpPr>
-            <a:spLocks noGrp="1"/>
-          </p:cNvSpPr>
-          <p:nvPr>
-            <p:ph type="sldNum" sz="quarter" idx="12"/>
-          </p:nvPr>
-        </p:nvSpPr>
-        <p:spPr/>
-        <p:txBody>
-          <a:bodyPr/>
-          <a:lstStyle/>
-          <a:p>
-            <a:fld id="{B4451160-128F-4DAD-AE29-4A8CC0E7B9E9}" type="slidenum">
-              <a:rPr kumimoji="1" lang="ja-JP" altLang="en-US" sz="3200" smtClean="0"/>
-              <a:t>2</a:t>
-            </a:fld>
-            <a:endParaRPr kumimoji="1" lang="ja-JP" altLang="en-US" sz="3200" dirty="0"/>
-          </a:p>
-        </p:txBody>
-      </p:sp>
-    </p:spTree>
-    <p:extLst>
-      <p:ext uri="{BB962C8B-B14F-4D97-AF65-F5344CB8AC3E}">
-        <p14:creationId xmlns:p14="http://schemas.microsoft.com/office/powerpoint/2010/main" val="524967261"/>
-      </p:ext>
-    </p:extLst>
-  </p:cSld>
-  <p:clrMapOvr>
-    <a:masterClrMapping/>
-  </p:clrMapOvr>
-  <mc:AlternateContent xmlns:mc="http://schemas.openxmlformats.org/markup-compatibility/2006" xmlns:p14="http://schemas.microsoft.com/office/powerpoint/2010/main">
-    <mc:Choice Requires="p14">
-      <p:transition spd="slow" p14:dur="2000"/>
-    </mc:Choice>
-    <mc:Fallback xmlns="">
-      <p:transition spd="slow"/>
-    </mc:Fallback>
-  </mc:AlternateContent>
-  <p:timing>
-    <p:tnLst>
-      <p:par>
-        <p:cTn id="1" dur="indefinite" restart="never" nodeType="tmRoot"/>
-      </p:par>
-    </p:tnLst>
-  </p:timing>
-</p:sld>
-</file>
-
-<file path=ppt/slides/slide20.xml><?xml version="1.0" encoding="utf-8"?>
+<file path=ppt/slides/slide22.xml><?xml version="1.0" encoding="utf-8"?>
 <p:sld xmlns:a="http://schemas.openxmlformats.org/drawingml/2006/main" xmlns:r="http://schemas.openxmlformats.org/officeDocument/2006/relationships" xmlns:p="http://schemas.openxmlformats.org/presentationml/2006/main">
   <p:cSld>
     <p:spTree>
@@ -7075,7 +7967,7 @@
           <a:p>
             <a:fld id="{768BF403-63E9-4BE6-AA0B-408C483EA9DC}" type="slidenum">
               <a:rPr kumimoji="1" lang="ja-JP" altLang="en-US" smtClean="0"/>
-              <a:t>20</a:t>
+              <a:t>22</a:t>
             </a:fld>
             <a:endParaRPr kumimoji="1" lang="ja-JP" altLang="en-US"/>
           </a:p>
@@ -7101,7 +7993,7 @@
 </p:sld>
 </file>
 
-<file path=ppt/slides/slide21.xml><?xml version="1.0" encoding="utf-8"?>
+<file path=ppt/slides/slide23.xml><?xml version="1.0" encoding="utf-8"?>
 <p:sld xmlns:a="http://schemas.openxmlformats.org/drawingml/2006/main" xmlns:r="http://schemas.openxmlformats.org/officeDocument/2006/relationships" xmlns:p="http://schemas.openxmlformats.org/presentationml/2006/main">
   <p:cSld>
     <p:spTree>
@@ -7208,7 +8100,7 @@
           <a:p>
             <a:fld id="{768BF403-63E9-4BE6-AA0B-408C483EA9DC}" type="slidenum">
               <a:rPr kumimoji="1" lang="ja-JP" altLang="en-US" smtClean="0"/>
-              <a:t>21</a:t>
+              <a:t>23</a:t>
             </a:fld>
             <a:endParaRPr kumimoji="1" lang="ja-JP" altLang="en-US"/>
           </a:p>
@@ -7619,7 +8511,7 @@
 </p:sld>
 </file>
 
-<file path=ppt/slides/slide22.xml><?xml version="1.0" encoding="utf-8"?>
+<file path=ppt/slides/slide24.xml><?xml version="1.0" encoding="utf-8"?>
 <p:sld xmlns:a="http://schemas.openxmlformats.org/drawingml/2006/main" xmlns:r="http://schemas.openxmlformats.org/officeDocument/2006/relationships" xmlns:p="http://schemas.openxmlformats.org/presentationml/2006/main">
   <p:cSld>
     <p:spTree>
@@ -7769,7 +8661,7 @@
           <a:p>
             <a:fld id="{768BF403-63E9-4BE6-AA0B-408C483EA9DC}" type="slidenum">
               <a:rPr kumimoji="1" lang="ja-JP" altLang="en-US" smtClean="0"/>
-              <a:t>22</a:t>
+              <a:t>24</a:t>
             </a:fld>
             <a:endParaRPr kumimoji="1" lang="ja-JP" altLang="en-US"/>
           </a:p>
@@ -7819,280 +8711,6 @@
     <p:extLst>
       <p:ext uri="{BB962C8B-B14F-4D97-AF65-F5344CB8AC3E}">
         <p14:creationId xmlns:p14="http://schemas.microsoft.com/office/powerpoint/2010/main" val="950403176"/>
-      </p:ext>
-    </p:extLst>
-  </p:cSld>
-  <p:clrMapOvr>
-    <a:masterClrMapping/>
-  </p:clrMapOvr>
-  <p:timing>
-    <p:tnLst>
-      <p:par>
-        <p:cTn id="1" dur="indefinite" restart="never" nodeType="tmRoot"/>
-      </p:par>
-    </p:tnLst>
-  </p:timing>
-</p:sld>
-</file>
-
-<file path=ppt/slides/slide23.xml><?xml version="1.0" encoding="utf-8"?>
-<p:sld xmlns:a="http://schemas.openxmlformats.org/drawingml/2006/main" xmlns:r="http://schemas.openxmlformats.org/officeDocument/2006/relationships" xmlns:p="http://schemas.openxmlformats.org/presentationml/2006/main">
-  <p:cSld>
-    <p:spTree>
-      <p:nvGrpSpPr>
-        <p:cNvPr id="1" name=""/>
-        <p:cNvGrpSpPr/>
-        <p:nvPr/>
-      </p:nvGrpSpPr>
-      <p:grpSpPr>
-        <a:xfrm>
-          <a:off x="0" y="0"/>
-          <a:ext cx="0" cy="0"/>
-          <a:chOff x="0" y="0"/>
-          <a:chExt cx="0" cy="0"/>
-        </a:xfrm>
-      </p:grpSpPr>
-      <p:sp>
-        <p:nvSpPr>
-          <p:cNvPr id="3" name="コンテンツ プレースホルダー 2"/>
-          <p:cNvSpPr>
-            <a:spLocks noGrp="1"/>
-          </p:cNvSpPr>
-          <p:nvPr>
-            <p:ph idx="1"/>
-          </p:nvPr>
-        </p:nvSpPr>
-        <p:spPr/>
-        <p:txBody>
-          <a:bodyPr/>
-          <a:lstStyle/>
-          <a:p>
-            <a:r>
-              <a:rPr lang="ja-JP" altLang="en-US" dirty="0" smtClean="0"/>
-              <a:t>現在，</a:t>
-            </a:r>
-            <a:r>
-              <a:rPr lang="en-US" altLang="ja-JP" dirty="0" smtClean="0"/>
-              <a:t>3</a:t>
-            </a:r>
-            <a:r>
-              <a:rPr lang="ja-JP" altLang="en-US" dirty="0" err="1" smtClean="0"/>
-              <a:t>つの</a:t>
-            </a:r>
-            <a:r>
-              <a:rPr lang="ja-JP" altLang="en-US" dirty="0" smtClean="0"/>
-              <a:t>モデル</a:t>
-            </a:r>
-            <a:r>
-              <a:rPr lang="en-US" altLang="ja-JP" dirty="0" smtClean="0"/>
-              <a:t>(100</a:t>
-            </a:r>
-            <a:r>
-              <a:rPr lang="ja-JP" altLang="en-US" dirty="0" err="1" smtClean="0"/>
-              <a:t>，</a:t>
-            </a:r>
-            <a:r>
-              <a:rPr lang="en-US" altLang="ja-JP" dirty="0" smtClean="0"/>
-              <a:t>1000</a:t>
-            </a:r>
-            <a:r>
-              <a:rPr lang="ja-JP" altLang="en-US" dirty="0" err="1" smtClean="0"/>
-              <a:t>，</a:t>
-            </a:r>
-            <a:r>
-              <a:rPr lang="en-US" altLang="ja-JP" dirty="0" smtClean="0"/>
-              <a:t>2000)</a:t>
-            </a:r>
-            <a:r>
-              <a:rPr lang="ja-JP" altLang="en-US" dirty="0" smtClean="0"/>
-              <a:t>を作成し，それぞれ</a:t>
-            </a:r>
-            <a:r>
-              <a:rPr lang="en-US" altLang="ja-JP" dirty="0" smtClean="0"/>
-              <a:t>cifar10</a:t>
-            </a:r>
-            <a:r>
-              <a:rPr lang="ja-JP" altLang="en-US" dirty="0" smtClean="0"/>
-              <a:t>のテストデータ</a:t>
-            </a:r>
-            <a:r>
-              <a:rPr lang="en-US" altLang="ja-JP" dirty="0" smtClean="0"/>
-              <a:t>1</a:t>
-            </a:r>
-            <a:r>
-              <a:rPr lang="ja-JP" altLang="en-US" dirty="0" smtClean="0"/>
-              <a:t>万件の予測ベクトル情報を取得し，保存した．</a:t>
-            </a:r>
-            <a:endParaRPr kumimoji="1" lang="ja-JP" altLang="en-US" dirty="0"/>
-          </a:p>
-        </p:txBody>
-      </p:sp>
-      <p:sp>
-        <p:nvSpPr>
-          <p:cNvPr id="4" name="スライド番号プレースホルダー 3"/>
-          <p:cNvSpPr>
-            <a:spLocks noGrp="1"/>
-          </p:cNvSpPr>
-          <p:nvPr>
-            <p:ph type="sldNum" sz="quarter" idx="12"/>
-          </p:nvPr>
-        </p:nvSpPr>
-        <p:spPr/>
-        <p:txBody>
-          <a:bodyPr/>
-          <a:lstStyle/>
-          <a:p>
-            <a:fld id="{768BF403-63E9-4BE6-AA0B-408C483EA9DC}" type="slidenum">
-              <a:rPr kumimoji="1" lang="ja-JP" altLang="en-US" smtClean="0"/>
-              <a:t>23</a:t>
-            </a:fld>
-            <a:endParaRPr kumimoji="1" lang="ja-JP" altLang="en-US"/>
-          </a:p>
-        </p:txBody>
-      </p:sp>
-    </p:spTree>
-    <p:extLst>
-      <p:ext uri="{BB962C8B-B14F-4D97-AF65-F5344CB8AC3E}">
-        <p14:creationId xmlns:p14="http://schemas.microsoft.com/office/powerpoint/2010/main" val="3659304633"/>
-      </p:ext>
-    </p:extLst>
-  </p:cSld>
-  <p:clrMapOvr>
-    <a:masterClrMapping/>
-  </p:clrMapOvr>
-  <p:timing>
-    <p:tnLst>
-      <p:par>
-        <p:cTn id="1" dur="indefinite" restart="never" nodeType="tmRoot"/>
-      </p:par>
-    </p:tnLst>
-  </p:timing>
-</p:sld>
-</file>
-
-<file path=ppt/slides/slide24.xml><?xml version="1.0" encoding="utf-8"?>
-<p:sld xmlns:a="http://schemas.openxmlformats.org/drawingml/2006/main" xmlns:r="http://schemas.openxmlformats.org/officeDocument/2006/relationships" xmlns:p="http://schemas.openxmlformats.org/presentationml/2006/main">
-  <p:cSld>
-    <p:spTree>
-      <p:nvGrpSpPr>
-        <p:cNvPr id="1" name=""/>
-        <p:cNvGrpSpPr/>
-        <p:nvPr/>
-      </p:nvGrpSpPr>
-      <p:grpSpPr>
-        <a:xfrm>
-          <a:off x="0" y="0"/>
-          <a:ext cx="0" cy="0"/>
-          <a:chOff x="0" y="0"/>
-          <a:chExt cx="0" cy="0"/>
-        </a:xfrm>
-      </p:grpSpPr>
-      <p:sp>
-        <p:nvSpPr>
-          <p:cNvPr id="2" name="タイトル 1"/>
-          <p:cNvSpPr>
-            <a:spLocks noGrp="1"/>
-          </p:cNvSpPr>
-          <p:nvPr>
-            <p:ph type="title"/>
-          </p:nvPr>
-        </p:nvSpPr>
-        <p:spPr/>
-        <p:txBody>
-          <a:bodyPr/>
-          <a:lstStyle/>
-          <a:p>
-            <a:r>
-              <a:rPr kumimoji="1" lang="ja-JP" altLang="en-US" dirty="0" smtClean="0"/>
-              <a:t>画像検索システム評価</a:t>
-            </a:r>
-            <a:endParaRPr kumimoji="1" lang="ja-JP" altLang="en-US" dirty="0"/>
-          </a:p>
-        </p:txBody>
-      </p:sp>
-      <p:sp>
-        <p:nvSpPr>
-          <p:cNvPr id="3" name="コンテンツ プレースホルダー 2"/>
-          <p:cNvSpPr>
-            <a:spLocks noGrp="1"/>
-          </p:cNvSpPr>
-          <p:nvPr>
-            <p:ph idx="1"/>
-          </p:nvPr>
-        </p:nvSpPr>
-        <p:spPr/>
-        <p:txBody>
-          <a:bodyPr/>
-          <a:lstStyle/>
-          <a:p>
-            <a:r>
-              <a:rPr kumimoji="1" lang="ja-JP" altLang="en-US" dirty="0" smtClean="0"/>
-              <a:t>試しで作ってみました．</a:t>
-            </a:r>
-            <a:endParaRPr kumimoji="1" lang="en-US" altLang="ja-JP" dirty="0" smtClean="0"/>
-          </a:p>
-          <a:p>
-            <a:r>
-              <a:rPr lang="en-US" altLang="ja-JP" dirty="0">
-                <a:hlinkClick r:id="rId2"/>
-              </a:rPr>
-              <a:t>1821005-yoshioka-thesis/</a:t>
-            </a:r>
-            <a:r>
-              <a:rPr lang="en-US" altLang="ja-JP" dirty="0" err="1">
-                <a:hlinkClick r:id="rId2"/>
-              </a:rPr>
-              <a:t>search_image.ipynb</a:t>
-            </a:r>
-            <a:r>
-              <a:rPr lang="en-US" altLang="ja-JP" dirty="0">
-                <a:hlinkClick r:id="rId2"/>
-              </a:rPr>
-              <a:t> at main · </a:t>
-            </a:r>
-            <a:r>
-              <a:rPr lang="en-US" altLang="ja-JP" dirty="0" err="1">
-                <a:hlinkClick r:id="rId2"/>
-              </a:rPr>
-              <a:t>kait-takanolab</a:t>
-            </a:r>
-            <a:r>
-              <a:rPr lang="en-US" altLang="ja-JP" dirty="0">
-                <a:hlinkClick r:id="rId2"/>
-              </a:rPr>
-              <a:t>/1821005-yoshioka-thesis (github.com)</a:t>
-            </a:r>
-            <a:endParaRPr kumimoji="1" lang="ja-JP" altLang="en-US" dirty="0"/>
-          </a:p>
-        </p:txBody>
-      </p:sp>
-      <p:sp>
-        <p:nvSpPr>
-          <p:cNvPr id="4" name="スライド番号プレースホルダー 3"/>
-          <p:cNvSpPr>
-            <a:spLocks noGrp="1"/>
-          </p:cNvSpPr>
-          <p:nvPr>
-            <p:ph type="sldNum" sz="quarter" idx="12"/>
-          </p:nvPr>
-        </p:nvSpPr>
-        <p:spPr/>
-        <p:txBody>
-          <a:bodyPr/>
-          <a:lstStyle/>
-          <a:p>
-            <a:fld id="{768BF403-63E9-4BE6-AA0B-408C483EA9DC}" type="slidenum">
-              <a:rPr kumimoji="1" lang="ja-JP" altLang="en-US" smtClean="0"/>
-              <a:t>24</a:t>
-            </a:fld>
-            <a:endParaRPr kumimoji="1" lang="ja-JP" altLang="en-US"/>
-          </a:p>
-        </p:txBody>
-      </p:sp>
-    </p:spTree>
-    <p:extLst>
-      <p:ext uri="{BB962C8B-B14F-4D97-AF65-F5344CB8AC3E}">
-        <p14:creationId xmlns:p14="http://schemas.microsoft.com/office/powerpoint/2010/main" val="937129225"/>
       </p:ext>
     </p:extLst>
   </p:cSld>
@@ -8128,12 +8746,12 @@
       </p:grpSpPr>
       <p:sp>
         <p:nvSpPr>
-          <p:cNvPr id="2" name="タイトル 1"/>
+          <p:cNvPr id="3" name="コンテンツ プレースホルダー 2"/>
           <p:cNvSpPr>
             <a:spLocks noGrp="1"/>
           </p:cNvSpPr>
           <p:nvPr>
-            <p:ph type="title"/>
+            <p:ph idx="1"/>
           </p:nvPr>
         </p:nvSpPr>
         <p:spPr/>
@@ -8142,92 +8760,61 @@
           <a:lstStyle/>
           <a:p>
             <a:r>
-              <a:rPr kumimoji="1" lang="ja-JP" altLang="en-US" dirty="0" smtClean="0"/>
-              <a:t>システムの概要</a:t>
-            </a:r>
-            <a:endParaRPr kumimoji="1" lang="ja-JP" altLang="en-US" dirty="0"/>
-          </a:p>
-        </p:txBody>
-      </p:sp>
-      <p:sp>
-        <p:nvSpPr>
-          <p:cNvPr id="3" name="コンテンツ プレースホルダー 2"/>
-          <p:cNvSpPr>
-            <a:spLocks noGrp="1"/>
-          </p:cNvSpPr>
-          <p:nvPr>
-            <p:ph idx="1"/>
-          </p:nvPr>
-        </p:nvSpPr>
-        <p:spPr/>
-        <p:txBody>
-          <a:bodyPr/>
-          <a:lstStyle/>
-          <a:p>
-            <a:r>
-              <a:rPr kumimoji="1" lang="en-US" altLang="ja-JP" dirty="0" smtClean="0"/>
-              <a:t>2</a:t>
-            </a:r>
-            <a:r>
-              <a:rPr kumimoji="1" lang="ja-JP" altLang="en-US" dirty="0" err="1" smtClean="0"/>
+              <a:rPr lang="ja-JP" altLang="en-US" dirty="0" smtClean="0"/>
+              <a:t>現在，</a:t>
+            </a:r>
+            <a:r>
+              <a:rPr lang="en-US" altLang="ja-JP" dirty="0" smtClean="0"/>
+              <a:t>3</a:t>
+            </a:r>
+            <a:r>
+              <a:rPr lang="ja-JP" altLang="en-US" dirty="0" err="1" smtClean="0"/>
               <a:t>つの</a:t>
             </a:r>
             <a:r>
-              <a:rPr kumimoji="1" lang="ja-JP" altLang="en-US" dirty="0" smtClean="0"/>
-              <a:t>ベクトルのユークリッド距離を測る．</a:t>
-            </a:r>
-            <a:endParaRPr kumimoji="1" lang="en-US" altLang="ja-JP" dirty="0" smtClean="0"/>
-          </a:p>
-          <a:p>
-            <a:endParaRPr lang="en-US" altLang="ja-JP" dirty="0"/>
-          </a:p>
-          <a:p>
-            <a:r>
-              <a:rPr kumimoji="1" lang="ja-JP" altLang="en-US" dirty="0" smtClean="0"/>
-              <a:t>距離の値が近い順に指定した数取得</a:t>
-            </a:r>
-            <a:endParaRPr kumimoji="1" lang="en-US" altLang="ja-JP" dirty="0" smtClean="0"/>
-          </a:p>
-          <a:p>
-            <a:endParaRPr lang="en-US" altLang="ja-JP" dirty="0"/>
-          </a:p>
-          <a:p>
-            <a:r>
-              <a:rPr kumimoji="1" lang="ja-JP" altLang="en-US" dirty="0" smtClean="0"/>
-              <a:t>上位</a:t>
-            </a:r>
-            <a:r>
-              <a:rPr lang="en-US" altLang="ja-JP" dirty="0" err="1" smtClean="0"/>
-              <a:t>num</a:t>
-            </a:r>
-            <a:r>
               <a:rPr lang="ja-JP" altLang="en-US" dirty="0" smtClean="0"/>
-              <a:t>件について基準の画像と同じラベルがいくつあるかカウントする．</a:t>
-            </a:r>
-            <a:endParaRPr lang="en-US" altLang="ja-JP" dirty="0" smtClean="0"/>
-          </a:p>
-          <a:p>
-            <a:endParaRPr kumimoji="1" lang="en-US" altLang="ja-JP" dirty="0"/>
-          </a:p>
-          <a:p>
+              <a:t>モデル</a:t>
+            </a:r>
+            <a:r>
+              <a:rPr lang="en-US" altLang="ja-JP" dirty="0" smtClean="0"/>
+              <a:t>(100</a:t>
+            </a:r>
+            <a:r>
+              <a:rPr lang="ja-JP" altLang="en-US" dirty="0" err="1" smtClean="0"/>
+              <a:t>，</a:t>
+            </a:r>
+            <a:r>
+              <a:rPr lang="en-US" altLang="ja-JP" dirty="0" smtClean="0"/>
+              <a:t>1000</a:t>
+            </a:r>
+            <a:r>
+              <a:rPr lang="ja-JP" altLang="en-US" dirty="0" err="1" smtClean="0"/>
+              <a:t>，</a:t>
+            </a:r>
+            <a:r>
+              <a:rPr lang="en-US" altLang="ja-JP" dirty="0" smtClean="0"/>
+              <a:t>2000)</a:t>
+            </a:r>
             <a:r>
               <a:rPr lang="ja-JP" altLang="en-US" dirty="0" smtClean="0"/>
-              <a:t>カウントした値からいくつ合っていたか</a:t>
+              <a:t>を作成し，それぞれ</a:t>
             </a:r>
             <a:r>
               <a:rPr lang="en-US" altLang="ja-JP" dirty="0" smtClean="0"/>
-              <a:t>%</a:t>
+              <a:t>cifar10</a:t>
             </a:r>
             <a:r>
               <a:rPr lang="ja-JP" altLang="en-US" dirty="0" smtClean="0"/>
-              <a:t>を出す．</a:t>
-            </a:r>
-            <a:endParaRPr kumimoji="1" lang="en-US" altLang="ja-JP" dirty="0" smtClean="0"/>
-          </a:p>
-          <a:p>
-            <a:endParaRPr lang="en-US" altLang="ja-JP" dirty="0"/>
-          </a:p>
-          <a:p>
+              <a:t>のテストデータ</a:t>
+            </a:r>
+            <a:r>
+              <a:rPr lang="en-US" altLang="ja-JP" dirty="0" smtClean="0"/>
+              <a:t>1</a:t>
+            </a:r>
+            <a:r>
+              <a:rPr lang="ja-JP" altLang="en-US" dirty="0" smtClean="0"/>
+              <a:t>万件の予測ベクトル情報を取得し，保存した．</a:t>
+            </a:r>
             <a:endParaRPr kumimoji="1" lang="ja-JP" altLang="en-US" dirty="0"/>
           </a:p>
         </p:txBody>
@@ -8258,7 +8845,7 @@
     </p:spTree>
     <p:extLst>
       <p:ext uri="{BB962C8B-B14F-4D97-AF65-F5344CB8AC3E}">
-        <p14:creationId xmlns:p14="http://schemas.microsoft.com/office/powerpoint/2010/main" val="1041215149"/>
+        <p14:creationId xmlns:p14="http://schemas.microsoft.com/office/powerpoint/2010/main" val="3659304633"/>
       </p:ext>
     </p:extLst>
   </p:cSld>
@@ -8307,13 +8894,73 @@
           <a:bodyPr/>
           <a:lstStyle/>
           <a:p>
+            <a:r>
+              <a:rPr kumimoji="1" lang="ja-JP" altLang="en-US" dirty="0" smtClean="0"/>
+              <a:t>画像検索システム評価</a:t>
+            </a:r>
             <a:endParaRPr kumimoji="1" lang="ja-JP" altLang="en-US" dirty="0"/>
           </a:p>
         </p:txBody>
       </p:sp>
       <p:sp>
         <p:nvSpPr>
-          <p:cNvPr id="3" name="スライド番号プレースホルダー 2"/>
+          <p:cNvPr id="3" name="コンテンツ プレースホルダー 2"/>
+          <p:cNvSpPr>
+            <a:spLocks noGrp="1"/>
+          </p:cNvSpPr>
+          <p:nvPr>
+            <p:ph idx="1"/>
+          </p:nvPr>
+        </p:nvSpPr>
+        <p:spPr/>
+        <p:txBody>
+          <a:bodyPr/>
+          <a:lstStyle/>
+          <a:p>
+            <a:r>
+              <a:rPr kumimoji="1" lang="ja-JP" altLang="en-US" dirty="0" smtClean="0"/>
+              <a:t>試しで作ってみました．</a:t>
+            </a:r>
+            <a:endParaRPr kumimoji="1" lang="en-US" altLang="ja-JP" dirty="0" smtClean="0"/>
+          </a:p>
+          <a:p>
+            <a:r>
+              <a:rPr lang="en-US" altLang="ja-JP" dirty="0">
+                <a:hlinkClick r:id="rId2"/>
+              </a:rPr>
+              <a:t>1821005-yoshioka-thesis/</a:t>
+            </a:r>
+            <a:r>
+              <a:rPr lang="en-US" altLang="ja-JP" dirty="0" err="1">
+                <a:hlinkClick r:id="rId2"/>
+              </a:rPr>
+              <a:t>search_image.ipynb</a:t>
+            </a:r>
+            <a:r>
+              <a:rPr lang="en-US" altLang="ja-JP" dirty="0">
+                <a:hlinkClick r:id="rId2"/>
+              </a:rPr>
+              <a:t> at main · </a:t>
+            </a:r>
+            <a:r>
+              <a:rPr lang="en-US" altLang="ja-JP" dirty="0" err="1">
+                <a:hlinkClick r:id="rId2"/>
+              </a:rPr>
+              <a:t>kait-takanolab</a:t>
+            </a:r>
+            <a:r>
+              <a:rPr lang="en-US" altLang="ja-JP" dirty="0">
+                <a:hlinkClick r:id="rId2"/>
+              </a:rPr>
+              <a:t>/1821005-yoshioka-thesis (github.com)</a:t>
+            </a:r>
+            <a:endParaRPr kumimoji="1" lang="ja-JP" altLang="en-US" dirty="0"/>
+          </a:p>
+        </p:txBody>
+      </p:sp>
+      <p:sp>
+        <p:nvSpPr>
+          <p:cNvPr id="4" name="スライド番号プレースホルダー 3"/>
           <p:cNvSpPr>
             <a:spLocks noGrp="1"/>
           </p:cNvSpPr>
@@ -8334,1322 +8981,10 @@
           </a:p>
         </p:txBody>
       </p:sp>
-      <p:graphicFrame>
-        <p:nvGraphicFramePr>
-          <p:cNvPr id="4" name="表 3"/>
-          <p:cNvGraphicFramePr>
-            <a:graphicFrameLocks noGrp="1"/>
-          </p:cNvGraphicFramePr>
-          <p:nvPr>
-            <p:extLst>
-              <p:ext uri="{D42A27DB-BD31-4B8C-83A1-F6EECF244321}">
-                <p14:modId xmlns:p14="http://schemas.microsoft.com/office/powerpoint/2010/main" val="2479738449"/>
-              </p:ext>
-            </p:extLst>
-          </p:nvPr>
-        </p:nvGraphicFramePr>
-        <p:xfrm>
-          <a:off x="348916" y="1961150"/>
-          <a:ext cx="8407066" cy="2778197"/>
-        </p:xfrm>
-        <a:graphic>
-          <a:graphicData uri="http://schemas.openxmlformats.org/drawingml/2006/table">
-            <a:tbl>
-              <a:tblPr>
-                <a:tableStyleId>{5C22544A-7EE6-4342-B048-85BDC9FD1C3A}</a:tableStyleId>
-              </a:tblPr>
-              <a:tblGrid>
-                <a:gridCol w="697237">
-                  <a:extLst>
-                    <a:ext uri="{9D8B030D-6E8A-4147-A177-3AD203B41FA5}">
-                      <a16:colId xmlns:a16="http://schemas.microsoft.com/office/drawing/2014/main" val="3938988581"/>
-                    </a:ext>
-                  </a:extLst>
-                </a:gridCol>
-                <a:gridCol w="1407882">
-                  <a:extLst>
-                    <a:ext uri="{9D8B030D-6E8A-4147-A177-3AD203B41FA5}">
-                      <a16:colId xmlns:a16="http://schemas.microsoft.com/office/drawing/2014/main" val="1322013419"/>
-                    </a:ext>
-                  </a:extLst>
-                </a:gridCol>
-                <a:gridCol w="1488332">
-                  <a:extLst>
-                    <a:ext uri="{9D8B030D-6E8A-4147-A177-3AD203B41FA5}">
-                      <a16:colId xmlns:a16="http://schemas.microsoft.com/office/drawing/2014/main" val="478014458"/>
-                    </a:ext>
-                  </a:extLst>
-                </a:gridCol>
-                <a:gridCol w="1488332">
-                  <a:extLst>
-                    <a:ext uri="{9D8B030D-6E8A-4147-A177-3AD203B41FA5}">
-                      <a16:colId xmlns:a16="http://schemas.microsoft.com/office/drawing/2014/main" val="1387663695"/>
-                    </a:ext>
-                  </a:extLst>
-                </a:gridCol>
-                <a:gridCol w="1743092">
-                  <a:extLst>
-                    <a:ext uri="{9D8B030D-6E8A-4147-A177-3AD203B41FA5}">
-                      <a16:colId xmlns:a16="http://schemas.microsoft.com/office/drawing/2014/main" val="1388253068"/>
-                    </a:ext>
-                  </a:extLst>
-                </a:gridCol>
-                <a:gridCol w="1582191">
-                  <a:extLst>
-                    <a:ext uri="{9D8B030D-6E8A-4147-A177-3AD203B41FA5}">
-                      <a16:colId xmlns:a16="http://schemas.microsoft.com/office/drawing/2014/main" val="80668189"/>
-                    </a:ext>
-                  </a:extLst>
-                </a:gridCol>
-              </a:tblGrid>
-              <a:tr h="345960">
-                <a:tc>
-                  <a:txBody>
-                    <a:bodyPr/>
-                    <a:lstStyle/>
-                    <a:p>
-                      <a:pPr algn="l" fontAlgn="b"/>
-                      <a:r>
-                        <a:rPr lang="en-US" sz="1100" u="none" strike="noStrike" dirty="0">
-                          <a:effectLst/>
-                        </a:rPr>
-                        <a:t>model</a:t>
-                      </a:r>
-                      <a:endParaRPr lang="en-US" sz="1100" b="1" i="0" u="none" strike="noStrike" dirty="0">
-                        <a:solidFill>
-                          <a:srgbClr val="FFFFFF"/>
-                        </a:solidFill>
-                        <a:effectLst/>
-                        <a:latin typeface="游ゴシック" panose="020B0400000000000000" pitchFamily="50" charset="-128"/>
-                        <a:ea typeface="游ゴシック" panose="020B0400000000000000" pitchFamily="50" charset="-128"/>
-                      </a:endParaRPr>
-                    </a:p>
-                  </a:txBody>
-                  <a:tcPr marL="6289" marR="6289" marT="6289" marB="0" anchor="b">
-                    <a:solidFill>
-                      <a:schemeClr val="accent1"/>
-                    </a:solidFill>
-                  </a:tcPr>
-                </a:tc>
-                <a:tc>
-                  <a:txBody>
-                    <a:bodyPr/>
-                    <a:lstStyle/>
-                    <a:p>
-                      <a:pPr algn="l" fontAlgn="b"/>
-                      <a:r>
-                        <a:rPr lang="en-US" sz="1100" u="none" strike="noStrike">
-                          <a:effectLst/>
-                        </a:rPr>
-                        <a:t>alexnet_cifar10_10</a:t>
-                      </a:r>
-                      <a:endParaRPr lang="en-US" sz="1100" b="0" i="0" u="none" strike="noStrike">
-                        <a:solidFill>
-                          <a:srgbClr val="000000"/>
-                        </a:solidFill>
-                        <a:effectLst/>
-                        <a:latin typeface="游ゴシック" panose="020B0400000000000000" pitchFamily="50" charset="-128"/>
-                        <a:ea typeface="游ゴシック" panose="020B0400000000000000" pitchFamily="50" charset="-128"/>
-                      </a:endParaRPr>
-                    </a:p>
-                  </a:txBody>
-                  <a:tcPr marL="6289" marR="6289" marT="6289" marB="0" anchor="b"/>
-                </a:tc>
-                <a:tc>
-                  <a:txBody>
-                    <a:bodyPr/>
-                    <a:lstStyle/>
-                    <a:p>
-                      <a:pPr algn="l" fontAlgn="b"/>
-                      <a:r>
-                        <a:rPr lang="en-US" sz="1100" u="none" strike="noStrike" dirty="0">
-                          <a:effectLst/>
-                        </a:rPr>
-                        <a:t>alexnet_cifar10_100</a:t>
-                      </a:r>
-                      <a:endParaRPr lang="en-US" sz="1100" b="0" i="0" u="none" strike="noStrike" dirty="0">
-                        <a:solidFill>
-                          <a:srgbClr val="000000"/>
-                        </a:solidFill>
-                        <a:effectLst/>
-                        <a:latin typeface="游ゴシック" panose="020B0400000000000000" pitchFamily="50" charset="-128"/>
-                        <a:ea typeface="游ゴシック" panose="020B0400000000000000" pitchFamily="50" charset="-128"/>
-                      </a:endParaRPr>
-                    </a:p>
-                  </a:txBody>
-                  <a:tcPr marL="6289" marR="6289" marT="6289" marB="0" anchor="b"/>
-                </a:tc>
-                <a:tc>
-                  <a:txBody>
-                    <a:bodyPr/>
-                    <a:lstStyle/>
-                    <a:p>
-                      <a:pPr algn="l" fontAlgn="b"/>
-                      <a:r>
-                        <a:rPr lang="en-US" sz="1100" u="none" strike="noStrike">
-                          <a:effectLst/>
-                        </a:rPr>
-                        <a:t>alexnet_cifar10_500</a:t>
-                      </a:r>
-                      <a:endParaRPr lang="en-US" sz="1100" b="0" i="0" u="none" strike="noStrike">
-                        <a:solidFill>
-                          <a:srgbClr val="000000"/>
-                        </a:solidFill>
-                        <a:effectLst/>
-                        <a:latin typeface="游ゴシック" panose="020B0400000000000000" pitchFamily="50" charset="-128"/>
-                        <a:ea typeface="游ゴシック" panose="020B0400000000000000" pitchFamily="50" charset="-128"/>
-                      </a:endParaRPr>
-                    </a:p>
-                  </a:txBody>
-                  <a:tcPr marL="6289" marR="6289" marT="6289" marB="0" anchor="b"/>
-                </a:tc>
-                <a:tc>
-                  <a:txBody>
-                    <a:bodyPr/>
-                    <a:lstStyle/>
-                    <a:p>
-                      <a:pPr algn="l" fontAlgn="b"/>
-                      <a:r>
-                        <a:rPr lang="en-US" sz="1100" u="none" strike="noStrike">
-                          <a:effectLst/>
-                        </a:rPr>
-                        <a:t>alexnet_cifar10_1000_2</a:t>
-                      </a:r>
-                      <a:endParaRPr lang="en-US" sz="1100" b="0" i="0" u="none" strike="noStrike">
-                        <a:solidFill>
-                          <a:srgbClr val="000000"/>
-                        </a:solidFill>
-                        <a:effectLst/>
-                        <a:latin typeface="游ゴシック" panose="020B0400000000000000" pitchFamily="50" charset="-128"/>
-                        <a:ea typeface="游ゴシック" panose="020B0400000000000000" pitchFamily="50" charset="-128"/>
-                      </a:endParaRPr>
-                    </a:p>
-                  </a:txBody>
-                  <a:tcPr marL="6289" marR="6289" marT="6289" marB="0" anchor="b"/>
-                </a:tc>
-                <a:tc>
-                  <a:txBody>
-                    <a:bodyPr/>
-                    <a:lstStyle/>
-                    <a:p>
-                      <a:pPr algn="l" fontAlgn="b"/>
-                      <a:r>
-                        <a:rPr lang="en-US" sz="1100" u="none" strike="noStrike">
-                          <a:effectLst/>
-                        </a:rPr>
-                        <a:t>alexnet_cifar10_2000</a:t>
-                      </a:r>
-                      <a:endParaRPr lang="en-US" sz="1100" b="0" i="0" u="none" strike="noStrike">
-                        <a:solidFill>
-                          <a:srgbClr val="000000"/>
-                        </a:solidFill>
-                        <a:effectLst/>
-                        <a:latin typeface="游ゴシック" panose="020B0400000000000000" pitchFamily="50" charset="-128"/>
-                        <a:ea typeface="游ゴシック" panose="020B0400000000000000" pitchFamily="50" charset="-128"/>
-                      </a:endParaRPr>
-                    </a:p>
-                  </a:txBody>
-                  <a:tcPr marL="6289" marR="6289" marT="6289" marB="0" anchor="b"/>
-                </a:tc>
-                <a:extLst>
-                  <a:ext uri="{0D108BD9-81ED-4DB2-BD59-A6C34878D82A}">
-                    <a16:rowId xmlns:a16="http://schemas.microsoft.com/office/drawing/2014/main" val="2108247431"/>
-                  </a:ext>
-                </a:extLst>
-              </a:tr>
-              <a:tr h="356477">
-                <a:tc>
-                  <a:txBody>
-                    <a:bodyPr/>
-                    <a:lstStyle/>
-                    <a:p>
-                      <a:pPr algn="l" fontAlgn="b"/>
-                      <a:r>
-                        <a:rPr lang="ja-JP" altLang="en-US" sz="1100" u="none" strike="noStrike" dirty="0">
-                          <a:effectLst/>
-                        </a:rPr>
-                        <a:t>次元数</a:t>
-                      </a:r>
-                      <a:endParaRPr lang="ja-JP" altLang="en-US" sz="1100" b="1" i="0" u="none" strike="noStrike" dirty="0">
-                        <a:solidFill>
-                          <a:srgbClr val="FFFFFF"/>
-                        </a:solidFill>
-                        <a:effectLst/>
-                        <a:latin typeface="游ゴシック" panose="020B0400000000000000" pitchFamily="50" charset="-128"/>
-                        <a:ea typeface="游ゴシック" panose="020B0400000000000000" pitchFamily="50" charset="-128"/>
-                      </a:endParaRPr>
-                    </a:p>
-                  </a:txBody>
-                  <a:tcPr marL="6289" marR="6289" marT="6289" marB="0" anchor="b">
-                    <a:solidFill>
-                      <a:schemeClr val="accent1"/>
-                    </a:solidFill>
-                  </a:tcPr>
-                </a:tc>
-                <a:tc>
-                  <a:txBody>
-                    <a:bodyPr/>
-                    <a:lstStyle/>
-                    <a:p>
-                      <a:pPr algn="r" fontAlgn="b"/>
-                      <a:r>
-                        <a:rPr lang="en-US" altLang="ja-JP" sz="1100" u="none" strike="noStrike" dirty="0">
-                          <a:effectLst/>
-                        </a:rPr>
-                        <a:t>10</a:t>
-                      </a:r>
-                      <a:endParaRPr lang="en-US" altLang="ja-JP" sz="1100" b="0" i="0" u="none" strike="noStrike" dirty="0">
-                        <a:solidFill>
-                          <a:srgbClr val="000000"/>
-                        </a:solidFill>
-                        <a:effectLst/>
-                        <a:latin typeface="游ゴシック" panose="020B0400000000000000" pitchFamily="50" charset="-128"/>
-                        <a:ea typeface="游ゴシック" panose="020B0400000000000000" pitchFamily="50" charset="-128"/>
-                      </a:endParaRPr>
-                    </a:p>
-                  </a:txBody>
-                  <a:tcPr marL="6289" marR="6289" marT="6289" marB="0" anchor="b"/>
-                </a:tc>
-                <a:tc>
-                  <a:txBody>
-                    <a:bodyPr/>
-                    <a:lstStyle/>
-                    <a:p>
-                      <a:pPr algn="r" fontAlgn="b"/>
-                      <a:r>
-                        <a:rPr lang="en-US" altLang="ja-JP" sz="1100" u="none" strike="noStrike">
-                          <a:effectLst/>
-                        </a:rPr>
-                        <a:t>100</a:t>
-                      </a:r>
-                      <a:endParaRPr lang="en-US" altLang="ja-JP" sz="1100" b="0" i="0" u="none" strike="noStrike">
-                        <a:solidFill>
-                          <a:srgbClr val="000000"/>
-                        </a:solidFill>
-                        <a:effectLst/>
-                        <a:latin typeface="游ゴシック" panose="020B0400000000000000" pitchFamily="50" charset="-128"/>
-                        <a:ea typeface="游ゴシック" panose="020B0400000000000000" pitchFamily="50" charset="-128"/>
-                      </a:endParaRPr>
-                    </a:p>
-                  </a:txBody>
-                  <a:tcPr marL="6289" marR="6289" marT="6289" marB="0" anchor="b"/>
-                </a:tc>
-                <a:tc>
-                  <a:txBody>
-                    <a:bodyPr/>
-                    <a:lstStyle/>
-                    <a:p>
-                      <a:pPr algn="r" fontAlgn="b"/>
-                      <a:r>
-                        <a:rPr lang="en-US" altLang="ja-JP" sz="1100" u="none" strike="noStrike">
-                          <a:effectLst/>
-                        </a:rPr>
-                        <a:t>500</a:t>
-                      </a:r>
-                      <a:endParaRPr lang="en-US" altLang="ja-JP" sz="1100" b="0" i="0" u="none" strike="noStrike">
-                        <a:solidFill>
-                          <a:srgbClr val="000000"/>
-                        </a:solidFill>
-                        <a:effectLst/>
-                        <a:latin typeface="游ゴシック" panose="020B0400000000000000" pitchFamily="50" charset="-128"/>
-                        <a:ea typeface="游ゴシック" panose="020B0400000000000000" pitchFamily="50" charset="-128"/>
-                      </a:endParaRPr>
-                    </a:p>
-                  </a:txBody>
-                  <a:tcPr marL="6289" marR="6289" marT="6289" marB="0" anchor="b"/>
-                </a:tc>
-                <a:tc>
-                  <a:txBody>
-                    <a:bodyPr/>
-                    <a:lstStyle/>
-                    <a:p>
-                      <a:pPr algn="r" fontAlgn="b"/>
-                      <a:r>
-                        <a:rPr lang="en-US" altLang="ja-JP" sz="1100" u="none" strike="noStrike" dirty="0">
-                          <a:effectLst/>
-                        </a:rPr>
-                        <a:t>1000</a:t>
-                      </a:r>
-                      <a:endParaRPr lang="en-US" altLang="ja-JP" sz="1100" b="0" i="0" u="none" strike="noStrike" dirty="0">
-                        <a:solidFill>
-                          <a:srgbClr val="000000"/>
-                        </a:solidFill>
-                        <a:effectLst/>
-                        <a:latin typeface="游ゴシック" panose="020B0400000000000000" pitchFamily="50" charset="-128"/>
-                        <a:ea typeface="游ゴシック" panose="020B0400000000000000" pitchFamily="50" charset="-128"/>
-                      </a:endParaRPr>
-                    </a:p>
-                  </a:txBody>
-                  <a:tcPr marL="6289" marR="6289" marT="6289" marB="0" anchor="b"/>
-                </a:tc>
-                <a:tc>
-                  <a:txBody>
-                    <a:bodyPr/>
-                    <a:lstStyle/>
-                    <a:p>
-                      <a:pPr algn="r" fontAlgn="b"/>
-                      <a:r>
-                        <a:rPr lang="en-US" altLang="ja-JP" sz="1100" u="none" strike="noStrike" dirty="0">
-                          <a:effectLst/>
-                        </a:rPr>
-                        <a:t>2000</a:t>
-                      </a:r>
-                      <a:endParaRPr lang="en-US" altLang="ja-JP" sz="1100" b="0" i="0" u="none" strike="noStrike" dirty="0">
-                        <a:solidFill>
-                          <a:srgbClr val="000000"/>
-                        </a:solidFill>
-                        <a:effectLst/>
-                        <a:latin typeface="游ゴシック" panose="020B0400000000000000" pitchFamily="50" charset="-128"/>
-                        <a:ea typeface="游ゴシック" panose="020B0400000000000000" pitchFamily="50" charset="-128"/>
-                      </a:endParaRPr>
-                    </a:p>
-                  </a:txBody>
-                  <a:tcPr marL="6289" marR="6289" marT="6289" marB="0" anchor="b"/>
-                </a:tc>
-                <a:extLst>
-                  <a:ext uri="{0D108BD9-81ED-4DB2-BD59-A6C34878D82A}">
-                    <a16:rowId xmlns:a16="http://schemas.microsoft.com/office/drawing/2014/main" val="1079259104"/>
-                  </a:ext>
-                </a:extLst>
-              </a:tr>
-              <a:tr h="345960">
-                <a:tc>
-                  <a:txBody>
-                    <a:bodyPr/>
-                    <a:lstStyle/>
-                    <a:p>
-                      <a:pPr algn="l" fontAlgn="b"/>
-                      <a:r>
-                        <a:rPr lang="en-US" sz="1100" u="none" strike="noStrike">
-                          <a:effectLst/>
-                        </a:rPr>
-                        <a:t>epoc</a:t>
-                      </a:r>
-                      <a:endParaRPr lang="en-US" sz="1100" b="1" i="0" u="none" strike="noStrike">
-                        <a:solidFill>
-                          <a:srgbClr val="FFFFFF"/>
-                        </a:solidFill>
-                        <a:effectLst/>
-                        <a:latin typeface="游ゴシック" panose="020B0400000000000000" pitchFamily="50" charset="-128"/>
-                        <a:ea typeface="游ゴシック" panose="020B0400000000000000" pitchFamily="50" charset="-128"/>
-                      </a:endParaRPr>
-                    </a:p>
-                  </a:txBody>
-                  <a:tcPr marL="6289" marR="6289" marT="6289" marB="0" anchor="b">
-                    <a:solidFill>
-                      <a:schemeClr val="accent1"/>
-                    </a:solidFill>
-                  </a:tcPr>
-                </a:tc>
-                <a:tc>
-                  <a:txBody>
-                    <a:bodyPr/>
-                    <a:lstStyle/>
-                    <a:p>
-                      <a:pPr algn="r" fontAlgn="b"/>
-                      <a:r>
-                        <a:rPr lang="en-US" altLang="ja-JP" sz="1100" u="none" strike="noStrike" dirty="0">
-                          <a:effectLst/>
-                        </a:rPr>
-                        <a:t>50</a:t>
-                      </a:r>
-                      <a:endParaRPr lang="en-US" altLang="ja-JP" sz="1100" b="0" i="0" u="none" strike="noStrike" dirty="0">
-                        <a:solidFill>
-                          <a:srgbClr val="000000"/>
-                        </a:solidFill>
-                        <a:effectLst/>
-                        <a:latin typeface="游ゴシック" panose="020B0400000000000000" pitchFamily="50" charset="-128"/>
-                        <a:ea typeface="游ゴシック" panose="020B0400000000000000" pitchFamily="50" charset="-128"/>
-                      </a:endParaRPr>
-                    </a:p>
-                  </a:txBody>
-                  <a:tcPr marL="6289" marR="6289" marT="6289" marB="0" anchor="b"/>
-                </a:tc>
-                <a:tc>
-                  <a:txBody>
-                    <a:bodyPr/>
-                    <a:lstStyle/>
-                    <a:p>
-                      <a:pPr algn="r" fontAlgn="b"/>
-                      <a:r>
-                        <a:rPr lang="en-US" altLang="ja-JP" sz="1100" u="none" strike="noStrike">
-                          <a:effectLst/>
-                        </a:rPr>
-                        <a:t>50</a:t>
-                      </a:r>
-                      <a:endParaRPr lang="en-US" altLang="ja-JP" sz="1100" b="0" i="0" u="none" strike="noStrike">
-                        <a:solidFill>
-                          <a:srgbClr val="000000"/>
-                        </a:solidFill>
-                        <a:effectLst/>
-                        <a:latin typeface="游ゴシック" panose="020B0400000000000000" pitchFamily="50" charset="-128"/>
-                        <a:ea typeface="游ゴシック" panose="020B0400000000000000" pitchFamily="50" charset="-128"/>
-                      </a:endParaRPr>
-                    </a:p>
-                  </a:txBody>
-                  <a:tcPr marL="6289" marR="6289" marT="6289" marB="0" anchor="b"/>
-                </a:tc>
-                <a:tc>
-                  <a:txBody>
-                    <a:bodyPr/>
-                    <a:lstStyle/>
-                    <a:p>
-                      <a:pPr algn="r" fontAlgn="b"/>
-                      <a:r>
-                        <a:rPr lang="en-US" altLang="ja-JP" sz="1100" u="none" strike="noStrike">
-                          <a:effectLst/>
-                        </a:rPr>
-                        <a:t>50</a:t>
-                      </a:r>
-                      <a:endParaRPr lang="en-US" altLang="ja-JP" sz="1100" b="0" i="0" u="none" strike="noStrike">
-                        <a:solidFill>
-                          <a:srgbClr val="000000"/>
-                        </a:solidFill>
-                        <a:effectLst/>
-                        <a:latin typeface="游ゴシック" panose="020B0400000000000000" pitchFamily="50" charset="-128"/>
-                        <a:ea typeface="游ゴシック" panose="020B0400000000000000" pitchFamily="50" charset="-128"/>
-                      </a:endParaRPr>
-                    </a:p>
-                  </a:txBody>
-                  <a:tcPr marL="6289" marR="6289" marT="6289" marB="0" anchor="b"/>
-                </a:tc>
-                <a:tc>
-                  <a:txBody>
-                    <a:bodyPr/>
-                    <a:lstStyle/>
-                    <a:p>
-                      <a:pPr algn="r" fontAlgn="b"/>
-                      <a:r>
-                        <a:rPr lang="en-US" altLang="ja-JP" sz="1100" u="none" strike="noStrike">
-                          <a:effectLst/>
-                        </a:rPr>
-                        <a:t>50</a:t>
-                      </a:r>
-                      <a:endParaRPr lang="en-US" altLang="ja-JP" sz="1100" b="0" i="0" u="none" strike="noStrike">
-                        <a:solidFill>
-                          <a:srgbClr val="000000"/>
-                        </a:solidFill>
-                        <a:effectLst/>
-                        <a:latin typeface="游ゴシック" panose="020B0400000000000000" pitchFamily="50" charset="-128"/>
-                        <a:ea typeface="游ゴシック" panose="020B0400000000000000" pitchFamily="50" charset="-128"/>
-                      </a:endParaRPr>
-                    </a:p>
-                  </a:txBody>
-                  <a:tcPr marL="6289" marR="6289" marT="6289" marB="0" anchor="b"/>
-                </a:tc>
-                <a:tc>
-                  <a:txBody>
-                    <a:bodyPr/>
-                    <a:lstStyle/>
-                    <a:p>
-                      <a:pPr algn="r" fontAlgn="b"/>
-                      <a:r>
-                        <a:rPr lang="en-US" altLang="ja-JP" sz="1100" u="none" strike="noStrike">
-                          <a:effectLst/>
-                        </a:rPr>
-                        <a:t>50</a:t>
-                      </a:r>
-                      <a:endParaRPr lang="en-US" altLang="ja-JP" sz="1100" b="0" i="0" u="none" strike="noStrike">
-                        <a:solidFill>
-                          <a:srgbClr val="000000"/>
-                        </a:solidFill>
-                        <a:effectLst/>
-                        <a:latin typeface="游ゴシック" panose="020B0400000000000000" pitchFamily="50" charset="-128"/>
-                        <a:ea typeface="游ゴシック" panose="020B0400000000000000" pitchFamily="50" charset="-128"/>
-                      </a:endParaRPr>
-                    </a:p>
-                  </a:txBody>
-                  <a:tcPr marL="6289" marR="6289" marT="6289" marB="0" anchor="b"/>
-                </a:tc>
-                <a:extLst>
-                  <a:ext uri="{0D108BD9-81ED-4DB2-BD59-A6C34878D82A}">
-                    <a16:rowId xmlns:a16="http://schemas.microsoft.com/office/drawing/2014/main" val="3069729453"/>
-                  </a:ext>
-                </a:extLst>
-              </a:tr>
-              <a:tr h="345960">
-                <a:tc>
-                  <a:txBody>
-                    <a:bodyPr/>
-                    <a:lstStyle/>
-                    <a:p>
-                      <a:pPr algn="l" fontAlgn="b"/>
-                      <a:r>
-                        <a:rPr lang="en-US" sz="1100" u="none" strike="noStrike">
-                          <a:effectLst/>
-                        </a:rPr>
-                        <a:t>acc</a:t>
-                      </a:r>
-                      <a:endParaRPr lang="en-US" sz="1100" b="1" i="0" u="none" strike="noStrike">
-                        <a:solidFill>
-                          <a:srgbClr val="FFFFFF"/>
-                        </a:solidFill>
-                        <a:effectLst/>
-                        <a:latin typeface="游ゴシック" panose="020B0400000000000000" pitchFamily="50" charset="-128"/>
-                        <a:ea typeface="游ゴシック" panose="020B0400000000000000" pitchFamily="50" charset="-128"/>
-                      </a:endParaRPr>
-                    </a:p>
-                  </a:txBody>
-                  <a:tcPr marL="6289" marR="6289" marT="6289" marB="0" anchor="b">
-                    <a:solidFill>
-                      <a:schemeClr val="accent1"/>
-                    </a:solidFill>
-                  </a:tcPr>
-                </a:tc>
-                <a:tc>
-                  <a:txBody>
-                    <a:bodyPr/>
-                    <a:lstStyle/>
-                    <a:p>
-                      <a:pPr algn="l" fontAlgn="b"/>
-                      <a:r>
-                        <a:rPr lang="ja-JP" altLang="en-US" sz="1100" u="none" strike="noStrike" dirty="0">
-                          <a:effectLst/>
-                        </a:rPr>
-                        <a:t>　</a:t>
-                      </a:r>
-                      <a:endParaRPr lang="ja-JP" altLang="en-US" sz="1100" b="0" i="0" u="none" strike="noStrike" dirty="0">
-                        <a:solidFill>
-                          <a:srgbClr val="000000"/>
-                        </a:solidFill>
-                        <a:effectLst/>
-                        <a:latin typeface="游ゴシック" panose="020B0400000000000000" pitchFamily="50" charset="-128"/>
-                        <a:ea typeface="游ゴシック" panose="020B0400000000000000" pitchFamily="50" charset="-128"/>
-                      </a:endParaRPr>
-                    </a:p>
-                  </a:txBody>
-                  <a:tcPr marL="6289" marR="6289" marT="6289" marB="0" anchor="b"/>
-                </a:tc>
-                <a:tc>
-                  <a:txBody>
-                    <a:bodyPr/>
-                    <a:lstStyle/>
-                    <a:p>
-                      <a:pPr algn="l" fontAlgn="b"/>
-                      <a:r>
-                        <a:rPr lang="ja-JP" altLang="en-US" sz="1100" u="none" strike="noStrike">
-                          <a:effectLst/>
-                        </a:rPr>
-                        <a:t>　</a:t>
-                      </a:r>
-                      <a:endParaRPr lang="ja-JP" altLang="en-US" sz="1100" b="0" i="0" u="none" strike="noStrike">
-                        <a:solidFill>
-                          <a:srgbClr val="000000"/>
-                        </a:solidFill>
-                        <a:effectLst/>
-                        <a:latin typeface="游ゴシック" panose="020B0400000000000000" pitchFamily="50" charset="-128"/>
-                        <a:ea typeface="游ゴシック" panose="020B0400000000000000" pitchFamily="50" charset="-128"/>
-                      </a:endParaRPr>
-                    </a:p>
-                  </a:txBody>
-                  <a:tcPr marL="6289" marR="6289" marT="6289" marB="0" anchor="b"/>
-                </a:tc>
-                <a:tc>
-                  <a:txBody>
-                    <a:bodyPr/>
-                    <a:lstStyle/>
-                    <a:p>
-                      <a:pPr algn="l" fontAlgn="b"/>
-                      <a:r>
-                        <a:rPr lang="ja-JP" altLang="en-US" sz="1100" u="none" strike="noStrike">
-                          <a:effectLst/>
-                        </a:rPr>
-                        <a:t>　</a:t>
-                      </a:r>
-                      <a:endParaRPr lang="ja-JP" altLang="en-US" sz="1100" b="0" i="0" u="none" strike="noStrike">
-                        <a:solidFill>
-                          <a:srgbClr val="000000"/>
-                        </a:solidFill>
-                        <a:effectLst/>
-                        <a:latin typeface="游ゴシック" panose="020B0400000000000000" pitchFamily="50" charset="-128"/>
-                        <a:ea typeface="游ゴシック" panose="020B0400000000000000" pitchFamily="50" charset="-128"/>
-                      </a:endParaRPr>
-                    </a:p>
-                  </a:txBody>
-                  <a:tcPr marL="6289" marR="6289" marT="6289" marB="0" anchor="b"/>
-                </a:tc>
-                <a:tc>
-                  <a:txBody>
-                    <a:bodyPr/>
-                    <a:lstStyle/>
-                    <a:p>
-                      <a:pPr algn="r" fontAlgn="b"/>
-                      <a:r>
-                        <a:rPr lang="en-US" altLang="ja-JP" sz="1100" u="none" strike="noStrike">
-                          <a:effectLst/>
-                        </a:rPr>
-                        <a:t>0.7077</a:t>
-                      </a:r>
-                      <a:endParaRPr lang="en-US" altLang="ja-JP" sz="1100" b="0" i="0" u="none" strike="noStrike">
-                        <a:solidFill>
-                          <a:srgbClr val="000000"/>
-                        </a:solidFill>
-                        <a:effectLst/>
-                        <a:latin typeface="游ゴシック" panose="020B0400000000000000" pitchFamily="50" charset="-128"/>
-                        <a:ea typeface="游ゴシック" panose="020B0400000000000000" pitchFamily="50" charset="-128"/>
-                      </a:endParaRPr>
-                    </a:p>
-                  </a:txBody>
-                  <a:tcPr marL="6289" marR="6289" marT="6289" marB="0" anchor="b"/>
-                </a:tc>
-                <a:tc>
-                  <a:txBody>
-                    <a:bodyPr/>
-                    <a:lstStyle/>
-                    <a:p>
-                      <a:pPr algn="r" fontAlgn="b"/>
-                      <a:r>
-                        <a:rPr lang="en-US" altLang="ja-JP" sz="1100" u="none" strike="noStrike">
-                          <a:effectLst/>
-                        </a:rPr>
-                        <a:t>0.7843</a:t>
-                      </a:r>
-                      <a:endParaRPr lang="en-US" altLang="ja-JP" sz="1100" b="0" i="0" u="none" strike="noStrike">
-                        <a:solidFill>
-                          <a:srgbClr val="000000"/>
-                        </a:solidFill>
-                        <a:effectLst/>
-                        <a:latin typeface="游ゴシック" panose="020B0400000000000000" pitchFamily="50" charset="-128"/>
-                        <a:ea typeface="游ゴシック" panose="020B0400000000000000" pitchFamily="50" charset="-128"/>
-                      </a:endParaRPr>
-                    </a:p>
-                  </a:txBody>
-                  <a:tcPr marL="6289" marR="6289" marT="6289" marB="0" anchor="b"/>
-                </a:tc>
-                <a:extLst>
-                  <a:ext uri="{0D108BD9-81ED-4DB2-BD59-A6C34878D82A}">
-                    <a16:rowId xmlns:a16="http://schemas.microsoft.com/office/drawing/2014/main" val="3393005555"/>
-                  </a:ext>
-                </a:extLst>
-              </a:tr>
-              <a:tr h="345960">
-                <a:tc>
-                  <a:txBody>
-                    <a:bodyPr/>
-                    <a:lstStyle/>
-                    <a:p>
-                      <a:pPr algn="l" fontAlgn="b"/>
-                      <a:r>
-                        <a:rPr lang="en-US" sz="1100" u="none" strike="noStrike" dirty="0">
-                          <a:effectLst/>
-                        </a:rPr>
-                        <a:t>loss</a:t>
-                      </a:r>
-                      <a:endParaRPr lang="en-US" sz="1100" b="1" i="0" u="none" strike="noStrike" dirty="0">
-                        <a:solidFill>
-                          <a:srgbClr val="FFFFFF"/>
-                        </a:solidFill>
-                        <a:effectLst/>
-                        <a:latin typeface="游ゴシック" panose="020B0400000000000000" pitchFamily="50" charset="-128"/>
-                        <a:ea typeface="游ゴシック" panose="020B0400000000000000" pitchFamily="50" charset="-128"/>
-                      </a:endParaRPr>
-                    </a:p>
-                  </a:txBody>
-                  <a:tcPr marL="6289" marR="6289" marT="6289" marB="0" anchor="b">
-                    <a:solidFill>
-                      <a:schemeClr val="accent1"/>
-                    </a:solidFill>
-                  </a:tcPr>
-                </a:tc>
-                <a:tc>
-                  <a:txBody>
-                    <a:bodyPr/>
-                    <a:lstStyle/>
-                    <a:p>
-                      <a:pPr algn="l" fontAlgn="b"/>
-                      <a:r>
-                        <a:rPr lang="ja-JP" altLang="en-US" sz="1100" u="none" strike="noStrike" dirty="0">
-                          <a:effectLst/>
-                        </a:rPr>
-                        <a:t>　</a:t>
-                      </a:r>
-                      <a:endParaRPr lang="ja-JP" altLang="en-US" sz="1100" b="0" i="0" u="none" strike="noStrike" dirty="0">
-                        <a:solidFill>
-                          <a:srgbClr val="000000"/>
-                        </a:solidFill>
-                        <a:effectLst/>
-                        <a:latin typeface="游ゴシック" panose="020B0400000000000000" pitchFamily="50" charset="-128"/>
-                        <a:ea typeface="游ゴシック" panose="020B0400000000000000" pitchFamily="50" charset="-128"/>
-                      </a:endParaRPr>
-                    </a:p>
-                  </a:txBody>
-                  <a:tcPr marL="6289" marR="6289" marT="6289" marB="0" anchor="b"/>
-                </a:tc>
-                <a:tc>
-                  <a:txBody>
-                    <a:bodyPr/>
-                    <a:lstStyle/>
-                    <a:p>
-                      <a:pPr algn="l" fontAlgn="b"/>
-                      <a:r>
-                        <a:rPr lang="ja-JP" altLang="en-US" sz="1100" u="none" strike="noStrike">
-                          <a:effectLst/>
-                        </a:rPr>
-                        <a:t>　</a:t>
-                      </a:r>
-                      <a:endParaRPr lang="ja-JP" altLang="en-US" sz="1100" b="0" i="0" u="none" strike="noStrike">
-                        <a:solidFill>
-                          <a:srgbClr val="000000"/>
-                        </a:solidFill>
-                        <a:effectLst/>
-                        <a:latin typeface="游ゴシック" panose="020B0400000000000000" pitchFamily="50" charset="-128"/>
-                        <a:ea typeface="游ゴシック" panose="020B0400000000000000" pitchFamily="50" charset="-128"/>
-                      </a:endParaRPr>
-                    </a:p>
-                  </a:txBody>
-                  <a:tcPr marL="6289" marR="6289" marT="6289" marB="0" anchor="b"/>
-                </a:tc>
-                <a:tc>
-                  <a:txBody>
-                    <a:bodyPr/>
-                    <a:lstStyle/>
-                    <a:p>
-                      <a:pPr algn="l" fontAlgn="b"/>
-                      <a:r>
-                        <a:rPr lang="ja-JP" altLang="en-US" sz="1100" u="none" strike="noStrike">
-                          <a:effectLst/>
-                        </a:rPr>
-                        <a:t>　</a:t>
-                      </a:r>
-                      <a:endParaRPr lang="ja-JP" altLang="en-US" sz="1100" b="0" i="0" u="none" strike="noStrike">
-                        <a:solidFill>
-                          <a:srgbClr val="000000"/>
-                        </a:solidFill>
-                        <a:effectLst/>
-                        <a:latin typeface="游ゴシック" panose="020B0400000000000000" pitchFamily="50" charset="-128"/>
-                        <a:ea typeface="游ゴシック" panose="020B0400000000000000" pitchFamily="50" charset="-128"/>
-                      </a:endParaRPr>
-                    </a:p>
-                  </a:txBody>
-                  <a:tcPr marL="6289" marR="6289" marT="6289" marB="0" anchor="b"/>
-                </a:tc>
-                <a:tc>
-                  <a:txBody>
-                    <a:bodyPr/>
-                    <a:lstStyle/>
-                    <a:p>
-                      <a:pPr algn="r" fontAlgn="b"/>
-                      <a:r>
-                        <a:rPr lang="en-US" altLang="ja-JP" sz="1100" u="none" strike="noStrike">
-                          <a:effectLst/>
-                        </a:rPr>
-                        <a:t>0.8488</a:t>
-                      </a:r>
-                      <a:endParaRPr lang="en-US" altLang="ja-JP" sz="1100" b="0" i="0" u="none" strike="noStrike">
-                        <a:solidFill>
-                          <a:srgbClr val="000000"/>
-                        </a:solidFill>
-                        <a:effectLst/>
-                        <a:latin typeface="游ゴシック" panose="020B0400000000000000" pitchFamily="50" charset="-128"/>
-                        <a:ea typeface="游ゴシック" panose="020B0400000000000000" pitchFamily="50" charset="-128"/>
-                      </a:endParaRPr>
-                    </a:p>
-                  </a:txBody>
-                  <a:tcPr marL="6289" marR="6289" marT="6289" marB="0" anchor="b"/>
-                </a:tc>
-                <a:tc>
-                  <a:txBody>
-                    <a:bodyPr/>
-                    <a:lstStyle/>
-                    <a:p>
-                      <a:pPr algn="r" fontAlgn="b"/>
-                      <a:r>
-                        <a:rPr lang="en-US" altLang="ja-JP" sz="1100" u="none" strike="noStrike">
-                          <a:effectLst/>
-                        </a:rPr>
-                        <a:t>0.7801</a:t>
-                      </a:r>
-                      <a:endParaRPr lang="en-US" altLang="ja-JP" sz="1100" b="0" i="0" u="none" strike="noStrike">
-                        <a:solidFill>
-                          <a:srgbClr val="000000"/>
-                        </a:solidFill>
-                        <a:effectLst/>
-                        <a:latin typeface="游ゴシック" panose="020B0400000000000000" pitchFamily="50" charset="-128"/>
-                        <a:ea typeface="游ゴシック" panose="020B0400000000000000" pitchFamily="50" charset="-128"/>
-                      </a:endParaRPr>
-                    </a:p>
-                  </a:txBody>
-                  <a:tcPr marL="6289" marR="6289" marT="6289" marB="0" anchor="b"/>
-                </a:tc>
-                <a:extLst>
-                  <a:ext uri="{0D108BD9-81ED-4DB2-BD59-A6C34878D82A}">
-                    <a16:rowId xmlns:a16="http://schemas.microsoft.com/office/drawing/2014/main" val="2691900626"/>
-                  </a:ext>
-                </a:extLst>
-              </a:tr>
-              <a:tr h="345960">
-                <a:tc>
-                  <a:txBody>
-                    <a:bodyPr/>
-                    <a:lstStyle/>
-                    <a:p>
-                      <a:pPr algn="l" fontAlgn="b"/>
-                      <a:r>
-                        <a:rPr lang="ja-JP" altLang="en-US" sz="1100" u="none" strike="noStrike" dirty="0">
-                          <a:effectLst/>
-                        </a:rPr>
-                        <a:t>作成済み</a:t>
-                      </a:r>
-                      <a:endParaRPr lang="ja-JP" altLang="en-US" sz="1100" b="1" i="0" u="none" strike="noStrike" dirty="0">
-                        <a:solidFill>
-                          <a:srgbClr val="FFFFFF"/>
-                        </a:solidFill>
-                        <a:effectLst/>
-                        <a:latin typeface="游ゴシック" panose="020B0400000000000000" pitchFamily="50" charset="-128"/>
-                        <a:ea typeface="游ゴシック" panose="020B0400000000000000" pitchFamily="50" charset="-128"/>
-                      </a:endParaRPr>
-                    </a:p>
-                  </a:txBody>
-                  <a:tcPr marL="6289" marR="6289" marT="6289" marB="0" anchor="b">
-                    <a:solidFill>
-                      <a:schemeClr val="accent1"/>
-                    </a:solidFill>
-                  </a:tcPr>
-                </a:tc>
-                <a:tc>
-                  <a:txBody>
-                    <a:bodyPr/>
-                    <a:lstStyle/>
-                    <a:p>
-                      <a:pPr algn="ctr" fontAlgn="b"/>
-                      <a:r>
-                        <a:rPr lang="ja-JP" altLang="en-US" sz="1100" u="none" strike="noStrike">
-                          <a:effectLst/>
-                        </a:rPr>
-                        <a:t>　</a:t>
-                      </a:r>
-                      <a:endParaRPr lang="ja-JP" altLang="en-US" sz="1100" b="0" i="0" u="none" strike="noStrike">
-                        <a:solidFill>
-                          <a:srgbClr val="000000"/>
-                        </a:solidFill>
-                        <a:effectLst/>
-                        <a:latin typeface="游ゴシック" panose="020B0400000000000000" pitchFamily="50" charset="-128"/>
-                        <a:ea typeface="游ゴシック" panose="020B0400000000000000" pitchFamily="50" charset="-128"/>
-                      </a:endParaRPr>
-                    </a:p>
-                  </a:txBody>
-                  <a:tcPr marL="6289" marR="6289" marT="6289" marB="0" anchor="b"/>
-                </a:tc>
-                <a:tc>
-                  <a:txBody>
-                    <a:bodyPr/>
-                    <a:lstStyle/>
-                    <a:p>
-                      <a:pPr algn="ctr" fontAlgn="b"/>
-                      <a:r>
-                        <a:rPr lang="ja-JP" altLang="en-US" sz="1100" u="none" strike="noStrike">
-                          <a:effectLst/>
-                        </a:rPr>
-                        <a:t>◎</a:t>
-                      </a:r>
-                      <a:endParaRPr lang="ja-JP" altLang="en-US" sz="1100" b="0" i="0" u="none" strike="noStrike">
-                        <a:solidFill>
-                          <a:srgbClr val="000000"/>
-                        </a:solidFill>
-                        <a:effectLst/>
-                        <a:latin typeface="游ゴシック" panose="020B0400000000000000" pitchFamily="50" charset="-128"/>
-                        <a:ea typeface="游ゴシック" panose="020B0400000000000000" pitchFamily="50" charset="-128"/>
-                      </a:endParaRPr>
-                    </a:p>
-                  </a:txBody>
-                  <a:tcPr marL="6289" marR="6289" marT="6289" marB="0" anchor="b"/>
-                </a:tc>
-                <a:tc>
-                  <a:txBody>
-                    <a:bodyPr/>
-                    <a:lstStyle/>
-                    <a:p>
-                      <a:pPr algn="l" fontAlgn="b"/>
-                      <a:r>
-                        <a:rPr lang="ja-JP" altLang="en-US" sz="1100" u="none" strike="noStrike">
-                          <a:effectLst/>
-                        </a:rPr>
-                        <a:t>　</a:t>
-                      </a:r>
-                      <a:endParaRPr lang="ja-JP" altLang="en-US" sz="1100" b="0" i="0" u="none" strike="noStrike">
-                        <a:solidFill>
-                          <a:srgbClr val="000000"/>
-                        </a:solidFill>
-                        <a:effectLst/>
-                        <a:latin typeface="游ゴシック" panose="020B0400000000000000" pitchFamily="50" charset="-128"/>
-                        <a:ea typeface="游ゴシック" panose="020B0400000000000000" pitchFamily="50" charset="-128"/>
-                      </a:endParaRPr>
-                    </a:p>
-                  </a:txBody>
-                  <a:tcPr marL="6289" marR="6289" marT="6289" marB="0" anchor="b"/>
-                </a:tc>
-                <a:tc>
-                  <a:txBody>
-                    <a:bodyPr/>
-                    <a:lstStyle/>
-                    <a:p>
-                      <a:pPr algn="ctr" fontAlgn="b"/>
-                      <a:r>
-                        <a:rPr lang="ja-JP" altLang="en-US" sz="1100" u="none" strike="noStrike">
-                          <a:effectLst/>
-                        </a:rPr>
-                        <a:t>◎</a:t>
-                      </a:r>
-                      <a:endParaRPr lang="ja-JP" altLang="en-US" sz="1100" b="0" i="0" u="none" strike="noStrike">
-                        <a:solidFill>
-                          <a:srgbClr val="000000"/>
-                        </a:solidFill>
-                        <a:effectLst/>
-                        <a:latin typeface="游ゴシック" panose="020B0400000000000000" pitchFamily="50" charset="-128"/>
-                        <a:ea typeface="游ゴシック" panose="020B0400000000000000" pitchFamily="50" charset="-128"/>
-                      </a:endParaRPr>
-                    </a:p>
-                  </a:txBody>
-                  <a:tcPr marL="6289" marR="6289" marT="6289" marB="0" anchor="b"/>
-                </a:tc>
-                <a:tc>
-                  <a:txBody>
-                    <a:bodyPr/>
-                    <a:lstStyle/>
-                    <a:p>
-                      <a:pPr algn="ctr" fontAlgn="b"/>
-                      <a:r>
-                        <a:rPr lang="ja-JP" altLang="en-US" sz="1100" u="none" strike="noStrike">
-                          <a:effectLst/>
-                        </a:rPr>
-                        <a:t>◎</a:t>
-                      </a:r>
-                      <a:endParaRPr lang="ja-JP" altLang="en-US" sz="1100" b="0" i="0" u="none" strike="noStrike">
-                        <a:solidFill>
-                          <a:srgbClr val="000000"/>
-                        </a:solidFill>
-                        <a:effectLst/>
-                        <a:latin typeface="游ゴシック" panose="020B0400000000000000" pitchFamily="50" charset="-128"/>
-                        <a:ea typeface="游ゴシック" panose="020B0400000000000000" pitchFamily="50" charset="-128"/>
-                      </a:endParaRPr>
-                    </a:p>
-                  </a:txBody>
-                  <a:tcPr marL="6289" marR="6289" marT="6289" marB="0" anchor="b"/>
-                </a:tc>
-                <a:extLst>
-                  <a:ext uri="{0D108BD9-81ED-4DB2-BD59-A6C34878D82A}">
-                    <a16:rowId xmlns:a16="http://schemas.microsoft.com/office/drawing/2014/main" val="1974430300"/>
-                  </a:ext>
-                </a:extLst>
-              </a:tr>
-              <a:tr h="345960">
-                <a:tc>
-                  <a:txBody>
-                    <a:bodyPr/>
-                    <a:lstStyle/>
-                    <a:p>
-                      <a:pPr algn="l" fontAlgn="b"/>
-                      <a:r>
-                        <a:rPr lang="ja-JP" altLang="en-US" sz="1100" u="none" strike="noStrike" dirty="0">
-                          <a:effectLst/>
-                        </a:rPr>
-                        <a:t>評価値</a:t>
-                      </a:r>
-                      <a:endParaRPr lang="ja-JP" altLang="en-US" sz="1100" b="1" i="0" u="none" strike="noStrike" dirty="0">
-                        <a:solidFill>
-                          <a:srgbClr val="FFFFFF"/>
-                        </a:solidFill>
-                        <a:effectLst/>
-                        <a:latin typeface="游ゴシック" panose="020B0400000000000000" pitchFamily="50" charset="-128"/>
-                        <a:ea typeface="游ゴシック" panose="020B0400000000000000" pitchFamily="50" charset="-128"/>
-                      </a:endParaRPr>
-                    </a:p>
-                  </a:txBody>
-                  <a:tcPr marL="6289" marR="6289" marT="6289" marB="0" anchor="b">
-                    <a:solidFill>
-                      <a:schemeClr val="accent1"/>
-                    </a:solidFill>
-                  </a:tcPr>
-                </a:tc>
-                <a:tc>
-                  <a:txBody>
-                    <a:bodyPr/>
-                    <a:lstStyle/>
-                    <a:p>
-                      <a:pPr algn="l" fontAlgn="b"/>
-                      <a:r>
-                        <a:rPr lang="ja-JP" altLang="en-US" sz="1100" u="none" strike="noStrike">
-                          <a:effectLst/>
-                        </a:rPr>
-                        <a:t>　</a:t>
-                      </a:r>
-                      <a:endParaRPr lang="ja-JP" altLang="en-US" sz="1100" b="0" i="0" u="none" strike="noStrike">
-                        <a:solidFill>
-                          <a:srgbClr val="000000"/>
-                        </a:solidFill>
-                        <a:effectLst/>
-                        <a:latin typeface="游ゴシック" panose="020B0400000000000000" pitchFamily="50" charset="-128"/>
-                        <a:ea typeface="游ゴシック" panose="020B0400000000000000" pitchFamily="50" charset="-128"/>
-                      </a:endParaRPr>
-                    </a:p>
-                  </a:txBody>
-                  <a:tcPr marL="6289" marR="6289" marT="6289" marB="0" anchor="b"/>
-                </a:tc>
-                <a:tc>
-                  <a:txBody>
-                    <a:bodyPr/>
-                    <a:lstStyle/>
-                    <a:p>
-                      <a:pPr algn="r" fontAlgn="b"/>
-                      <a:r>
-                        <a:rPr lang="en-US" altLang="ja-JP" sz="1100" u="none" strike="noStrike">
-                          <a:effectLst/>
-                        </a:rPr>
-                        <a:t>24246</a:t>
-                      </a:r>
-                      <a:endParaRPr lang="en-US" altLang="ja-JP" sz="1100" b="0" i="0" u="none" strike="noStrike">
-                        <a:solidFill>
-                          <a:srgbClr val="000000"/>
-                        </a:solidFill>
-                        <a:effectLst/>
-                        <a:latin typeface="游ゴシック" panose="020B0400000000000000" pitchFamily="50" charset="-128"/>
-                        <a:ea typeface="游ゴシック" panose="020B0400000000000000" pitchFamily="50" charset="-128"/>
-                      </a:endParaRPr>
-                    </a:p>
-                  </a:txBody>
-                  <a:tcPr marL="6289" marR="6289" marT="6289" marB="0" anchor="b"/>
-                </a:tc>
-                <a:tc>
-                  <a:txBody>
-                    <a:bodyPr/>
-                    <a:lstStyle/>
-                    <a:p>
-                      <a:pPr algn="l" fontAlgn="b"/>
-                      <a:r>
-                        <a:rPr lang="ja-JP" altLang="en-US" sz="1100" u="none" strike="noStrike">
-                          <a:effectLst/>
-                        </a:rPr>
-                        <a:t>　</a:t>
-                      </a:r>
-                      <a:endParaRPr lang="ja-JP" altLang="en-US" sz="1100" b="0" i="0" u="none" strike="noStrike">
-                        <a:solidFill>
-                          <a:srgbClr val="000000"/>
-                        </a:solidFill>
-                        <a:effectLst/>
-                        <a:latin typeface="游ゴシック" panose="020B0400000000000000" pitchFamily="50" charset="-128"/>
-                        <a:ea typeface="游ゴシック" panose="020B0400000000000000" pitchFamily="50" charset="-128"/>
-                      </a:endParaRPr>
-                    </a:p>
-                  </a:txBody>
-                  <a:tcPr marL="6289" marR="6289" marT="6289" marB="0" anchor="b"/>
-                </a:tc>
-                <a:tc>
-                  <a:txBody>
-                    <a:bodyPr/>
-                    <a:lstStyle/>
-                    <a:p>
-                      <a:pPr algn="r" fontAlgn="b"/>
-                      <a:r>
-                        <a:rPr lang="en-US" altLang="ja-JP" sz="1100" u="none" strike="noStrike">
-                          <a:effectLst/>
-                        </a:rPr>
-                        <a:t>26639</a:t>
-                      </a:r>
-                      <a:endParaRPr lang="en-US" altLang="ja-JP" sz="1100" b="0" i="0" u="none" strike="noStrike">
-                        <a:solidFill>
-                          <a:srgbClr val="000000"/>
-                        </a:solidFill>
-                        <a:effectLst/>
-                        <a:latin typeface="游ゴシック" panose="020B0400000000000000" pitchFamily="50" charset="-128"/>
-                        <a:ea typeface="游ゴシック" panose="020B0400000000000000" pitchFamily="50" charset="-128"/>
-                      </a:endParaRPr>
-                    </a:p>
-                  </a:txBody>
-                  <a:tcPr marL="6289" marR="6289" marT="6289" marB="0" anchor="b"/>
-                </a:tc>
-                <a:tc>
-                  <a:txBody>
-                    <a:bodyPr/>
-                    <a:lstStyle/>
-                    <a:p>
-                      <a:pPr algn="r" fontAlgn="b"/>
-                      <a:r>
-                        <a:rPr lang="en-US" altLang="ja-JP" sz="1100" u="none" strike="noStrike">
-                          <a:effectLst/>
-                        </a:rPr>
-                        <a:t>25324</a:t>
-                      </a:r>
-                      <a:endParaRPr lang="en-US" altLang="ja-JP" sz="1100" b="0" i="0" u="none" strike="noStrike">
-                        <a:solidFill>
-                          <a:srgbClr val="000000"/>
-                        </a:solidFill>
-                        <a:effectLst/>
-                        <a:latin typeface="游ゴシック" panose="020B0400000000000000" pitchFamily="50" charset="-128"/>
-                        <a:ea typeface="游ゴシック" panose="020B0400000000000000" pitchFamily="50" charset="-128"/>
-                      </a:endParaRPr>
-                    </a:p>
-                  </a:txBody>
-                  <a:tcPr marL="6289" marR="6289" marT="6289" marB="0" anchor="b"/>
-                </a:tc>
-                <a:extLst>
-                  <a:ext uri="{0D108BD9-81ED-4DB2-BD59-A6C34878D82A}">
-                    <a16:rowId xmlns:a16="http://schemas.microsoft.com/office/drawing/2014/main" val="1912341162"/>
-                  </a:ext>
-                </a:extLst>
-              </a:tr>
-              <a:tr h="345960">
-                <a:tc>
-                  <a:txBody>
-                    <a:bodyPr/>
-                    <a:lstStyle/>
-                    <a:p>
-                      <a:pPr algn="l" fontAlgn="b"/>
-                      <a:r>
-                        <a:rPr lang="en-US" altLang="ja-JP" sz="1100" u="none" strike="noStrike" dirty="0">
-                          <a:effectLst/>
-                        </a:rPr>
-                        <a:t>%</a:t>
-                      </a:r>
-                      <a:endParaRPr lang="en-US" altLang="ja-JP" sz="1100" b="1" i="0" u="none" strike="noStrike" dirty="0">
-                        <a:solidFill>
-                          <a:srgbClr val="FFFFFF"/>
-                        </a:solidFill>
-                        <a:effectLst/>
-                        <a:latin typeface="游ゴシック" panose="020B0400000000000000" pitchFamily="50" charset="-128"/>
-                        <a:ea typeface="游ゴシック" panose="020B0400000000000000" pitchFamily="50" charset="-128"/>
-                      </a:endParaRPr>
-                    </a:p>
-                  </a:txBody>
-                  <a:tcPr marL="6289" marR="6289" marT="6289" marB="0" anchor="b">
-                    <a:solidFill>
-                      <a:schemeClr val="accent1"/>
-                    </a:solidFill>
-                  </a:tcPr>
-                </a:tc>
-                <a:tc>
-                  <a:txBody>
-                    <a:bodyPr/>
-                    <a:lstStyle/>
-                    <a:p>
-                      <a:pPr algn="l" fontAlgn="b"/>
-                      <a:r>
-                        <a:rPr lang="ja-JP" altLang="en-US" sz="1100" u="none" strike="noStrike">
-                          <a:effectLst/>
-                        </a:rPr>
-                        <a:t>　</a:t>
-                      </a:r>
-                      <a:endParaRPr lang="ja-JP" altLang="en-US" sz="1100" b="0" i="0" u="none" strike="noStrike">
-                        <a:solidFill>
-                          <a:srgbClr val="000000"/>
-                        </a:solidFill>
-                        <a:effectLst/>
-                        <a:latin typeface="游ゴシック" panose="020B0400000000000000" pitchFamily="50" charset="-128"/>
-                        <a:ea typeface="游ゴシック" panose="020B0400000000000000" pitchFamily="50" charset="-128"/>
-                      </a:endParaRPr>
-                    </a:p>
-                  </a:txBody>
-                  <a:tcPr marL="6289" marR="6289" marT="6289" marB="0" anchor="b"/>
-                </a:tc>
-                <a:tc>
-                  <a:txBody>
-                    <a:bodyPr/>
-                    <a:lstStyle/>
-                    <a:p>
-                      <a:pPr algn="r" fontAlgn="b"/>
-                      <a:r>
-                        <a:rPr lang="en-US" altLang="ja-JP" sz="1100" u="none" strike="noStrike" dirty="0">
-                          <a:effectLst/>
-                        </a:rPr>
-                        <a:t>35.651</a:t>
-                      </a:r>
-                      <a:endParaRPr lang="en-US" altLang="ja-JP" sz="1100" b="0" i="0" u="none" strike="noStrike" dirty="0">
-                        <a:solidFill>
-                          <a:srgbClr val="000000"/>
-                        </a:solidFill>
-                        <a:effectLst/>
-                        <a:latin typeface="游ゴシック" panose="020B0400000000000000" pitchFamily="50" charset="-128"/>
-                        <a:ea typeface="游ゴシック" panose="020B0400000000000000" pitchFamily="50" charset="-128"/>
-                      </a:endParaRPr>
-                    </a:p>
-                  </a:txBody>
-                  <a:tcPr marL="6289" marR="6289" marT="6289" marB="0" anchor="b"/>
-                </a:tc>
-                <a:tc>
-                  <a:txBody>
-                    <a:bodyPr/>
-                    <a:lstStyle/>
-                    <a:p>
-                      <a:pPr algn="l" fontAlgn="b"/>
-                      <a:r>
-                        <a:rPr lang="ja-JP" altLang="en-US" sz="1100" u="none" strike="noStrike">
-                          <a:effectLst/>
-                        </a:rPr>
-                        <a:t>　</a:t>
-                      </a:r>
-                      <a:endParaRPr lang="ja-JP" altLang="en-US" sz="1100" b="0" i="0" u="none" strike="noStrike">
-                        <a:solidFill>
-                          <a:srgbClr val="000000"/>
-                        </a:solidFill>
-                        <a:effectLst/>
-                        <a:latin typeface="游ゴシック" panose="020B0400000000000000" pitchFamily="50" charset="-128"/>
-                        <a:ea typeface="游ゴシック" panose="020B0400000000000000" pitchFamily="50" charset="-128"/>
-                      </a:endParaRPr>
-                    </a:p>
-                  </a:txBody>
-                  <a:tcPr marL="6289" marR="6289" marT="6289" marB="0" anchor="b"/>
-                </a:tc>
-                <a:tc>
-                  <a:txBody>
-                    <a:bodyPr/>
-                    <a:lstStyle/>
-                    <a:p>
-                      <a:pPr algn="r" fontAlgn="b"/>
-                      <a:r>
-                        <a:rPr lang="en-US" altLang="ja-JP" sz="1100" u="none" strike="noStrike" dirty="0">
-                          <a:effectLst/>
-                        </a:rPr>
-                        <a:t>41.5975</a:t>
-                      </a:r>
-                      <a:endParaRPr lang="en-US" altLang="ja-JP" sz="1100" b="0" i="0" u="none" strike="noStrike" dirty="0">
-                        <a:solidFill>
-                          <a:srgbClr val="000000"/>
-                        </a:solidFill>
-                        <a:effectLst/>
-                        <a:latin typeface="游ゴシック" panose="020B0400000000000000" pitchFamily="50" charset="-128"/>
-                        <a:ea typeface="游ゴシック" panose="020B0400000000000000" pitchFamily="50" charset="-128"/>
-                      </a:endParaRPr>
-                    </a:p>
-                  </a:txBody>
-                  <a:tcPr marL="6289" marR="6289" marT="6289" marB="0" anchor="b"/>
-                </a:tc>
-                <a:tc>
-                  <a:txBody>
-                    <a:bodyPr/>
-                    <a:lstStyle/>
-                    <a:p>
-                      <a:pPr algn="r" fontAlgn="b"/>
-                      <a:r>
-                        <a:rPr lang="en-US" altLang="ja-JP" sz="1100" u="none" strike="noStrike" dirty="0">
-                          <a:effectLst/>
-                        </a:rPr>
-                        <a:t>38.31</a:t>
-                      </a:r>
-                      <a:endParaRPr lang="en-US" altLang="ja-JP" sz="1100" b="0" i="0" u="none" strike="noStrike" dirty="0">
-                        <a:solidFill>
-                          <a:srgbClr val="000000"/>
-                        </a:solidFill>
-                        <a:effectLst/>
-                        <a:latin typeface="游ゴシック" panose="020B0400000000000000" pitchFamily="50" charset="-128"/>
-                        <a:ea typeface="游ゴシック" panose="020B0400000000000000" pitchFamily="50" charset="-128"/>
-                      </a:endParaRPr>
-                    </a:p>
-                  </a:txBody>
-                  <a:tcPr marL="6289" marR="6289" marT="6289" marB="0" anchor="b"/>
-                </a:tc>
-                <a:extLst>
-                  <a:ext uri="{0D108BD9-81ED-4DB2-BD59-A6C34878D82A}">
-                    <a16:rowId xmlns:a16="http://schemas.microsoft.com/office/drawing/2014/main" val="1782470968"/>
-                  </a:ext>
-                </a:extLst>
-              </a:tr>
-            </a:tbl>
-          </a:graphicData>
-        </a:graphic>
-      </p:graphicFrame>
     </p:spTree>
     <p:extLst>
       <p:ext uri="{BB962C8B-B14F-4D97-AF65-F5344CB8AC3E}">
-        <p14:creationId xmlns:p14="http://schemas.microsoft.com/office/powerpoint/2010/main" val="487067129"/>
+        <p14:creationId xmlns:p14="http://schemas.microsoft.com/office/powerpoint/2010/main" val="937129225"/>
       </p:ext>
     </p:extLst>
   </p:cSld>
@@ -9698,6 +9033,10 @@
           <a:bodyPr/>
           <a:lstStyle/>
           <a:p>
+            <a:r>
+              <a:rPr kumimoji="1" lang="ja-JP" altLang="en-US" dirty="0" smtClean="0"/>
+              <a:t>システムの概要</a:t>
+            </a:r>
             <a:endParaRPr kumimoji="1" lang="ja-JP" altLang="en-US" dirty="0"/>
           </a:p>
         </p:txBody>
@@ -9717,7 +9056,71 @@
           <a:bodyPr/>
           <a:lstStyle/>
           <a:p>
-            <a:endParaRPr kumimoji="1" lang="ja-JP" altLang="en-US"/>
+            <a:r>
+              <a:rPr kumimoji="1" lang="en-US" altLang="ja-JP" dirty="0" smtClean="0"/>
+              <a:t>2</a:t>
+            </a:r>
+            <a:r>
+              <a:rPr kumimoji="1" lang="ja-JP" altLang="en-US" dirty="0" err="1" smtClean="0"/>
+              <a:t>つの</a:t>
+            </a:r>
+            <a:r>
+              <a:rPr kumimoji="1" lang="ja-JP" altLang="en-US" dirty="0" smtClean="0"/>
+              <a:t>ベクトルのユークリッド距離を測る．</a:t>
+            </a:r>
+            <a:endParaRPr kumimoji="1" lang="en-US" altLang="ja-JP" dirty="0" smtClean="0"/>
+          </a:p>
+          <a:p>
+            <a:endParaRPr lang="en-US" altLang="ja-JP" dirty="0"/>
+          </a:p>
+          <a:p>
+            <a:r>
+              <a:rPr kumimoji="1" lang="ja-JP" altLang="en-US" dirty="0" smtClean="0"/>
+              <a:t>距離の値が近い順に指定した数取得</a:t>
+            </a:r>
+            <a:endParaRPr kumimoji="1" lang="en-US" altLang="ja-JP" dirty="0" smtClean="0"/>
+          </a:p>
+          <a:p>
+            <a:endParaRPr lang="en-US" altLang="ja-JP" dirty="0"/>
+          </a:p>
+          <a:p>
+            <a:r>
+              <a:rPr kumimoji="1" lang="ja-JP" altLang="en-US" dirty="0" smtClean="0"/>
+              <a:t>上位</a:t>
+            </a:r>
+            <a:r>
+              <a:rPr lang="en-US" altLang="ja-JP" dirty="0" err="1" smtClean="0"/>
+              <a:t>num</a:t>
+            </a:r>
+            <a:r>
+              <a:rPr lang="ja-JP" altLang="en-US" dirty="0" smtClean="0"/>
+              <a:t>件について基準の画像と同じラベルがいくつあるかカウントする．</a:t>
+            </a:r>
+            <a:endParaRPr lang="en-US" altLang="ja-JP" dirty="0" smtClean="0"/>
+          </a:p>
+          <a:p>
+            <a:endParaRPr kumimoji="1" lang="en-US" altLang="ja-JP" dirty="0"/>
+          </a:p>
+          <a:p>
+            <a:r>
+              <a:rPr lang="ja-JP" altLang="en-US" dirty="0" smtClean="0"/>
+              <a:t>カウントした値からいくつ合っていたか</a:t>
+            </a:r>
+            <a:r>
+              <a:rPr lang="en-US" altLang="ja-JP" dirty="0" smtClean="0"/>
+              <a:t>%</a:t>
+            </a:r>
+            <a:r>
+              <a:rPr lang="ja-JP" altLang="en-US" dirty="0" smtClean="0"/>
+              <a:t>を出す．</a:t>
+            </a:r>
+            <a:endParaRPr kumimoji="1" lang="en-US" altLang="ja-JP" dirty="0" smtClean="0"/>
+          </a:p>
+          <a:p>
+            <a:endParaRPr lang="en-US" altLang="ja-JP" dirty="0"/>
+          </a:p>
+          <a:p>
+            <a:endParaRPr kumimoji="1" lang="ja-JP" altLang="en-US" dirty="0"/>
           </a:p>
         </p:txBody>
       </p:sp>
@@ -9739,6 +9142,3585 @@
             <a:fld id="{768BF403-63E9-4BE6-AA0B-408C483EA9DC}" type="slidenum">
               <a:rPr kumimoji="1" lang="ja-JP" altLang="en-US" smtClean="0"/>
               <a:t>27</a:t>
+            </a:fld>
+            <a:endParaRPr kumimoji="1" lang="ja-JP" altLang="en-US"/>
+          </a:p>
+        </p:txBody>
+      </p:sp>
+    </p:spTree>
+    <p:extLst>
+      <p:ext uri="{BB962C8B-B14F-4D97-AF65-F5344CB8AC3E}">
+        <p14:creationId xmlns:p14="http://schemas.microsoft.com/office/powerpoint/2010/main" val="1041215149"/>
+      </p:ext>
+    </p:extLst>
+  </p:cSld>
+  <p:clrMapOvr>
+    <a:masterClrMapping/>
+  </p:clrMapOvr>
+  <p:timing>
+    <p:tnLst>
+      <p:par>
+        <p:cTn id="1" dur="indefinite" restart="never" nodeType="tmRoot"/>
+      </p:par>
+    </p:tnLst>
+  </p:timing>
+</p:sld>
+</file>
+
+<file path=ppt/slides/slide28.xml><?xml version="1.0" encoding="utf-8"?>
+<p:sld xmlns:a="http://schemas.openxmlformats.org/drawingml/2006/main" xmlns:r="http://schemas.openxmlformats.org/officeDocument/2006/relationships" xmlns:p="http://schemas.openxmlformats.org/presentationml/2006/main">
+  <p:cSld>
+    <p:spTree>
+      <p:nvGrpSpPr>
+        <p:cNvPr id="1" name=""/>
+        <p:cNvGrpSpPr/>
+        <p:nvPr/>
+      </p:nvGrpSpPr>
+      <p:grpSpPr>
+        <a:xfrm>
+          <a:off x="0" y="0"/>
+          <a:ext cx="0" cy="0"/>
+          <a:chOff x="0" y="0"/>
+          <a:chExt cx="0" cy="0"/>
+        </a:xfrm>
+      </p:grpSpPr>
+      <p:sp>
+        <p:nvSpPr>
+          <p:cNvPr id="2" name="タイトル 1"/>
+          <p:cNvSpPr>
+            <a:spLocks noGrp="1"/>
+          </p:cNvSpPr>
+          <p:nvPr>
+            <p:ph type="title"/>
+          </p:nvPr>
+        </p:nvSpPr>
+        <p:spPr/>
+        <p:txBody>
+          <a:bodyPr/>
+          <a:lstStyle/>
+          <a:p>
+            <a:endParaRPr kumimoji="1" lang="ja-JP" altLang="en-US" dirty="0"/>
+          </a:p>
+        </p:txBody>
+      </p:sp>
+      <p:sp>
+        <p:nvSpPr>
+          <p:cNvPr id="3" name="スライド番号プレースホルダー 2"/>
+          <p:cNvSpPr>
+            <a:spLocks noGrp="1"/>
+          </p:cNvSpPr>
+          <p:nvPr>
+            <p:ph type="sldNum" sz="quarter" idx="12"/>
+          </p:nvPr>
+        </p:nvSpPr>
+        <p:spPr/>
+        <p:txBody>
+          <a:bodyPr/>
+          <a:lstStyle/>
+          <a:p>
+            <a:fld id="{768BF403-63E9-4BE6-AA0B-408C483EA9DC}" type="slidenum">
+              <a:rPr kumimoji="1" lang="ja-JP" altLang="en-US" smtClean="0"/>
+              <a:t>28</a:t>
+            </a:fld>
+            <a:endParaRPr kumimoji="1" lang="ja-JP" altLang="en-US"/>
+          </a:p>
+        </p:txBody>
+      </p:sp>
+      <p:graphicFrame>
+        <p:nvGraphicFramePr>
+          <p:cNvPr id="6" name="表 5"/>
+          <p:cNvGraphicFramePr>
+            <a:graphicFrameLocks noGrp="1"/>
+          </p:cNvGraphicFramePr>
+          <p:nvPr>
+            <p:extLst>
+              <p:ext uri="{D42A27DB-BD31-4B8C-83A1-F6EECF244321}">
+                <p14:modId xmlns:p14="http://schemas.microsoft.com/office/powerpoint/2010/main" val="2331016660"/>
+              </p:ext>
+            </p:extLst>
+          </p:nvPr>
+        </p:nvGraphicFramePr>
+        <p:xfrm>
+          <a:off x="529391" y="2319685"/>
+          <a:ext cx="7985961" cy="3426598"/>
+        </p:xfrm>
+        <a:graphic>
+          <a:graphicData uri="http://schemas.openxmlformats.org/drawingml/2006/table">
+            <a:tbl>
+              <a:tblPr/>
+              <a:tblGrid>
+                <a:gridCol w="481194">
+                  <a:extLst>
+                    <a:ext uri="{9D8B030D-6E8A-4147-A177-3AD203B41FA5}">
+                      <a16:colId xmlns:a16="http://schemas.microsoft.com/office/drawing/2014/main" val="301156102"/>
+                    </a:ext>
+                  </a:extLst>
+                </a:gridCol>
+                <a:gridCol w="971641">
+                  <a:extLst>
+                    <a:ext uri="{9D8B030D-6E8A-4147-A177-3AD203B41FA5}">
+                      <a16:colId xmlns:a16="http://schemas.microsoft.com/office/drawing/2014/main" val="1186210495"/>
+                    </a:ext>
+                  </a:extLst>
+                </a:gridCol>
+                <a:gridCol w="1027163">
+                  <a:extLst>
+                    <a:ext uri="{9D8B030D-6E8A-4147-A177-3AD203B41FA5}">
+                      <a16:colId xmlns:a16="http://schemas.microsoft.com/office/drawing/2014/main" val="3897068025"/>
+                    </a:ext>
+                  </a:extLst>
+                </a:gridCol>
+                <a:gridCol w="1027163">
+                  <a:extLst>
+                    <a:ext uri="{9D8B030D-6E8A-4147-A177-3AD203B41FA5}">
+                      <a16:colId xmlns:a16="http://schemas.microsoft.com/office/drawing/2014/main" val="401728009"/>
+                    </a:ext>
+                  </a:extLst>
+                </a:gridCol>
+                <a:gridCol w="1202983">
+                  <a:extLst>
+                    <a:ext uri="{9D8B030D-6E8A-4147-A177-3AD203B41FA5}">
+                      <a16:colId xmlns:a16="http://schemas.microsoft.com/office/drawing/2014/main" val="4023409223"/>
+                    </a:ext>
+                  </a:extLst>
+                </a:gridCol>
+                <a:gridCol w="1091939">
+                  <a:extLst>
+                    <a:ext uri="{9D8B030D-6E8A-4147-A177-3AD203B41FA5}">
+                      <a16:colId xmlns:a16="http://schemas.microsoft.com/office/drawing/2014/main" val="1417262550"/>
+                    </a:ext>
+                  </a:extLst>
+                </a:gridCol>
+                <a:gridCol w="1091939">
+                  <a:extLst>
+                    <a:ext uri="{9D8B030D-6E8A-4147-A177-3AD203B41FA5}">
+                      <a16:colId xmlns:a16="http://schemas.microsoft.com/office/drawing/2014/main" val="3112961971"/>
+                    </a:ext>
+                  </a:extLst>
+                </a:gridCol>
+                <a:gridCol w="1091939">
+                  <a:extLst>
+                    <a:ext uri="{9D8B030D-6E8A-4147-A177-3AD203B41FA5}">
+                      <a16:colId xmlns:a16="http://schemas.microsoft.com/office/drawing/2014/main" val="2362622294"/>
+                    </a:ext>
+                  </a:extLst>
+                </a:gridCol>
+              </a:tblGrid>
+              <a:tr h="489514">
+                <a:tc>
+                  <a:txBody>
+                    <a:bodyPr/>
+                    <a:lstStyle/>
+                    <a:p>
+                      <a:pPr algn="l" fontAlgn="b"/>
+                      <a:r>
+                        <a:rPr lang="en-US" sz="800" b="1" i="0" u="none" strike="noStrike">
+                          <a:solidFill>
+                            <a:srgbClr val="FFFFFF"/>
+                          </a:solidFill>
+                          <a:effectLst/>
+                          <a:latin typeface="游ゴシック" panose="020B0400000000000000" pitchFamily="50" charset="-128"/>
+                          <a:ea typeface="游ゴシック" panose="020B0400000000000000" pitchFamily="50" charset="-128"/>
+                        </a:rPr>
+                        <a:t>model</a:t>
+                      </a:r>
+                    </a:p>
+                  </a:txBody>
+                  <a:tcPr marL="4569" marR="4569" marT="4569" marB="0" anchor="b">
+                    <a:lnL w="6350" cap="flat" cmpd="sng" algn="ctr">
+                      <a:solidFill>
+                        <a:srgbClr val="000000"/>
+                      </a:solidFill>
+                      <a:prstDash val="solid"/>
+                      <a:round/>
+                      <a:headEnd type="none" w="med" len="med"/>
+                      <a:tailEnd type="none" w="med" len="med"/>
+                    </a:lnL>
+                    <a:lnR w="6350" cap="flat" cmpd="sng" algn="ctr">
+                      <a:solidFill>
+                        <a:srgbClr val="000000"/>
+                      </a:solidFill>
+                      <a:prstDash val="solid"/>
+                      <a:round/>
+                      <a:headEnd type="none" w="med" len="med"/>
+                      <a:tailEnd type="none" w="med" len="med"/>
+                    </a:lnR>
+                    <a:lnT w="6350" cap="flat" cmpd="sng" algn="ctr">
+                      <a:solidFill>
+                        <a:srgbClr val="000000"/>
+                      </a:solidFill>
+                      <a:prstDash val="solid"/>
+                      <a:round/>
+                      <a:headEnd type="none" w="med" len="med"/>
+                      <a:tailEnd type="none" w="med" len="med"/>
+                    </a:lnT>
+                    <a:lnB w="6350" cap="flat" cmpd="sng" algn="ctr">
+                      <a:solidFill>
+                        <a:srgbClr val="000000"/>
+                      </a:solidFill>
+                      <a:prstDash val="solid"/>
+                      <a:round/>
+                      <a:headEnd type="none" w="med" len="med"/>
+                      <a:tailEnd type="none" w="med" len="med"/>
+                    </a:lnB>
+                    <a:solidFill>
+                      <a:srgbClr val="A5A5A5"/>
+                    </a:solidFill>
+                  </a:tcPr>
+                </a:tc>
+                <a:tc>
+                  <a:txBody>
+                    <a:bodyPr/>
+                    <a:lstStyle/>
+                    <a:p>
+                      <a:pPr algn="l" fontAlgn="b"/>
+                      <a:r>
+                        <a:rPr lang="en-US" sz="800" b="0" i="0" u="none" strike="noStrike">
+                          <a:solidFill>
+                            <a:srgbClr val="000000"/>
+                          </a:solidFill>
+                          <a:effectLst/>
+                          <a:latin typeface="游ゴシック" panose="020B0400000000000000" pitchFamily="50" charset="-128"/>
+                          <a:ea typeface="游ゴシック" panose="020B0400000000000000" pitchFamily="50" charset="-128"/>
+                        </a:rPr>
+                        <a:t>alexnet_cifar10_10</a:t>
+                      </a:r>
+                    </a:p>
+                  </a:txBody>
+                  <a:tcPr marL="4569" marR="4569" marT="4569" marB="0" anchor="b">
+                    <a:lnL w="6350" cap="flat" cmpd="sng" algn="ctr">
+                      <a:solidFill>
+                        <a:srgbClr val="000000"/>
+                      </a:solidFill>
+                      <a:prstDash val="solid"/>
+                      <a:round/>
+                      <a:headEnd type="none" w="med" len="med"/>
+                      <a:tailEnd type="none" w="med" len="med"/>
+                    </a:lnL>
+                    <a:lnR w="6350" cap="flat" cmpd="sng" algn="ctr">
+                      <a:solidFill>
+                        <a:srgbClr val="000000"/>
+                      </a:solidFill>
+                      <a:prstDash val="solid"/>
+                      <a:round/>
+                      <a:headEnd type="none" w="med" len="med"/>
+                      <a:tailEnd type="none" w="med" len="med"/>
+                    </a:lnR>
+                    <a:lnT w="6350" cap="flat" cmpd="sng" algn="ctr">
+                      <a:solidFill>
+                        <a:srgbClr val="000000"/>
+                      </a:solidFill>
+                      <a:prstDash val="solid"/>
+                      <a:round/>
+                      <a:headEnd type="none" w="med" len="med"/>
+                      <a:tailEnd type="none" w="med" len="med"/>
+                    </a:lnT>
+                    <a:lnB w="6350" cap="flat" cmpd="sng" algn="ctr">
+                      <a:solidFill>
+                        <a:srgbClr val="000000"/>
+                      </a:solidFill>
+                      <a:prstDash val="solid"/>
+                      <a:round/>
+                      <a:headEnd type="none" w="med" len="med"/>
+                      <a:tailEnd type="none" w="med" len="med"/>
+                    </a:lnB>
+                  </a:tcPr>
+                </a:tc>
+                <a:tc>
+                  <a:txBody>
+                    <a:bodyPr/>
+                    <a:lstStyle/>
+                    <a:p>
+                      <a:pPr algn="l" fontAlgn="b"/>
+                      <a:r>
+                        <a:rPr lang="en-US" sz="800" b="0" i="0" u="none" strike="noStrike">
+                          <a:solidFill>
+                            <a:srgbClr val="000000"/>
+                          </a:solidFill>
+                          <a:effectLst/>
+                          <a:latin typeface="游ゴシック" panose="020B0400000000000000" pitchFamily="50" charset="-128"/>
+                          <a:ea typeface="游ゴシック" panose="020B0400000000000000" pitchFamily="50" charset="-128"/>
+                        </a:rPr>
+                        <a:t>alexnet_cifar10_100</a:t>
+                      </a:r>
+                    </a:p>
+                  </a:txBody>
+                  <a:tcPr marL="4569" marR="4569" marT="4569" marB="0" anchor="b">
+                    <a:lnL w="6350" cap="flat" cmpd="sng" algn="ctr">
+                      <a:solidFill>
+                        <a:srgbClr val="000000"/>
+                      </a:solidFill>
+                      <a:prstDash val="solid"/>
+                      <a:round/>
+                      <a:headEnd type="none" w="med" len="med"/>
+                      <a:tailEnd type="none" w="med" len="med"/>
+                    </a:lnL>
+                    <a:lnR w="6350" cap="flat" cmpd="sng" algn="ctr">
+                      <a:solidFill>
+                        <a:srgbClr val="000000"/>
+                      </a:solidFill>
+                      <a:prstDash val="solid"/>
+                      <a:round/>
+                      <a:headEnd type="none" w="med" len="med"/>
+                      <a:tailEnd type="none" w="med" len="med"/>
+                    </a:lnR>
+                    <a:lnT w="6350" cap="flat" cmpd="sng" algn="ctr">
+                      <a:solidFill>
+                        <a:srgbClr val="000000"/>
+                      </a:solidFill>
+                      <a:prstDash val="solid"/>
+                      <a:round/>
+                      <a:headEnd type="none" w="med" len="med"/>
+                      <a:tailEnd type="none" w="med" len="med"/>
+                    </a:lnT>
+                    <a:lnB w="6350" cap="flat" cmpd="sng" algn="ctr">
+                      <a:solidFill>
+                        <a:srgbClr val="000000"/>
+                      </a:solidFill>
+                      <a:prstDash val="solid"/>
+                      <a:round/>
+                      <a:headEnd type="none" w="med" len="med"/>
+                      <a:tailEnd type="none" w="med" len="med"/>
+                    </a:lnB>
+                  </a:tcPr>
+                </a:tc>
+                <a:tc>
+                  <a:txBody>
+                    <a:bodyPr/>
+                    <a:lstStyle/>
+                    <a:p>
+                      <a:pPr algn="l" fontAlgn="b"/>
+                      <a:r>
+                        <a:rPr lang="en-US" sz="800" b="0" i="0" u="none" strike="noStrike">
+                          <a:solidFill>
+                            <a:srgbClr val="000000"/>
+                          </a:solidFill>
+                          <a:effectLst/>
+                          <a:latin typeface="游ゴシック" panose="020B0400000000000000" pitchFamily="50" charset="-128"/>
+                          <a:ea typeface="游ゴシック" panose="020B0400000000000000" pitchFamily="50" charset="-128"/>
+                        </a:rPr>
+                        <a:t>alexnet_cifar10_500</a:t>
+                      </a:r>
+                    </a:p>
+                  </a:txBody>
+                  <a:tcPr marL="4569" marR="4569" marT="4569" marB="0" anchor="b">
+                    <a:lnL w="6350" cap="flat" cmpd="sng" algn="ctr">
+                      <a:solidFill>
+                        <a:srgbClr val="000000"/>
+                      </a:solidFill>
+                      <a:prstDash val="solid"/>
+                      <a:round/>
+                      <a:headEnd type="none" w="med" len="med"/>
+                      <a:tailEnd type="none" w="med" len="med"/>
+                    </a:lnL>
+                    <a:lnR w="6350" cap="flat" cmpd="sng" algn="ctr">
+                      <a:solidFill>
+                        <a:srgbClr val="000000"/>
+                      </a:solidFill>
+                      <a:prstDash val="solid"/>
+                      <a:round/>
+                      <a:headEnd type="none" w="med" len="med"/>
+                      <a:tailEnd type="none" w="med" len="med"/>
+                    </a:lnR>
+                    <a:lnT w="6350" cap="flat" cmpd="sng" algn="ctr">
+                      <a:solidFill>
+                        <a:srgbClr val="000000"/>
+                      </a:solidFill>
+                      <a:prstDash val="solid"/>
+                      <a:round/>
+                      <a:headEnd type="none" w="med" len="med"/>
+                      <a:tailEnd type="none" w="med" len="med"/>
+                    </a:lnT>
+                    <a:lnB w="6350" cap="flat" cmpd="sng" algn="ctr">
+                      <a:solidFill>
+                        <a:srgbClr val="000000"/>
+                      </a:solidFill>
+                      <a:prstDash val="solid"/>
+                      <a:round/>
+                      <a:headEnd type="none" w="med" len="med"/>
+                      <a:tailEnd type="none" w="med" len="med"/>
+                    </a:lnB>
+                  </a:tcPr>
+                </a:tc>
+                <a:tc>
+                  <a:txBody>
+                    <a:bodyPr/>
+                    <a:lstStyle/>
+                    <a:p>
+                      <a:pPr algn="l" fontAlgn="b"/>
+                      <a:r>
+                        <a:rPr lang="en-US" sz="800" b="0" i="0" u="none" strike="noStrike">
+                          <a:solidFill>
+                            <a:srgbClr val="000000"/>
+                          </a:solidFill>
+                          <a:effectLst/>
+                          <a:latin typeface="游ゴシック" panose="020B0400000000000000" pitchFamily="50" charset="-128"/>
+                          <a:ea typeface="游ゴシック" panose="020B0400000000000000" pitchFamily="50" charset="-128"/>
+                        </a:rPr>
+                        <a:t>alexnet_cifar10_1000_2</a:t>
+                      </a:r>
+                    </a:p>
+                  </a:txBody>
+                  <a:tcPr marL="4569" marR="4569" marT="4569" marB="0" anchor="b">
+                    <a:lnL w="6350" cap="flat" cmpd="sng" algn="ctr">
+                      <a:solidFill>
+                        <a:srgbClr val="000000"/>
+                      </a:solidFill>
+                      <a:prstDash val="solid"/>
+                      <a:round/>
+                      <a:headEnd type="none" w="med" len="med"/>
+                      <a:tailEnd type="none" w="med" len="med"/>
+                    </a:lnL>
+                    <a:lnR w="6350" cap="flat" cmpd="sng" algn="ctr">
+                      <a:solidFill>
+                        <a:srgbClr val="000000"/>
+                      </a:solidFill>
+                      <a:prstDash val="solid"/>
+                      <a:round/>
+                      <a:headEnd type="none" w="med" len="med"/>
+                      <a:tailEnd type="none" w="med" len="med"/>
+                    </a:lnR>
+                    <a:lnT w="6350" cap="flat" cmpd="sng" algn="ctr">
+                      <a:solidFill>
+                        <a:srgbClr val="000000"/>
+                      </a:solidFill>
+                      <a:prstDash val="solid"/>
+                      <a:round/>
+                      <a:headEnd type="none" w="med" len="med"/>
+                      <a:tailEnd type="none" w="med" len="med"/>
+                    </a:lnT>
+                    <a:lnB w="6350" cap="flat" cmpd="sng" algn="ctr">
+                      <a:solidFill>
+                        <a:srgbClr val="000000"/>
+                      </a:solidFill>
+                      <a:prstDash val="solid"/>
+                      <a:round/>
+                      <a:headEnd type="none" w="med" len="med"/>
+                      <a:tailEnd type="none" w="med" len="med"/>
+                    </a:lnB>
+                  </a:tcPr>
+                </a:tc>
+                <a:tc>
+                  <a:txBody>
+                    <a:bodyPr/>
+                    <a:lstStyle/>
+                    <a:p>
+                      <a:pPr algn="l" fontAlgn="b"/>
+                      <a:r>
+                        <a:rPr lang="en-US" sz="800" b="0" i="0" u="none" strike="noStrike">
+                          <a:solidFill>
+                            <a:srgbClr val="000000"/>
+                          </a:solidFill>
+                          <a:effectLst/>
+                          <a:latin typeface="游ゴシック" panose="020B0400000000000000" pitchFamily="50" charset="-128"/>
+                          <a:ea typeface="游ゴシック" panose="020B0400000000000000" pitchFamily="50" charset="-128"/>
+                        </a:rPr>
+                        <a:t>alexnet_cifar10_2000</a:t>
+                      </a:r>
+                    </a:p>
+                  </a:txBody>
+                  <a:tcPr marL="4569" marR="4569" marT="4569" marB="0" anchor="b">
+                    <a:lnL w="6350" cap="flat" cmpd="sng" algn="ctr">
+                      <a:solidFill>
+                        <a:srgbClr val="000000"/>
+                      </a:solidFill>
+                      <a:prstDash val="solid"/>
+                      <a:round/>
+                      <a:headEnd type="none" w="med" len="med"/>
+                      <a:tailEnd type="none" w="med" len="med"/>
+                    </a:lnL>
+                    <a:lnR w="6350" cap="flat" cmpd="sng" algn="ctr">
+                      <a:solidFill>
+                        <a:srgbClr val="000000"/>
+                      </a:solidFill>
+                      <a:prstDash val="solid"/>
+                      <a:round/>
+                      <a:headEnd type="none" w="med" len="med"/>
+                      <a:tailEnd type="none" w="med" len="med"/>
+                    </a:lnR>
+                    <a:lnT w="6350" cap="flat" cmpd="sng" algn="ctr">
+                      <a:solidFill>
+                        <a:srgbClr val="000000"/>
+                      </a:solidFill>
+                      <a:prstDash val="solid"/>
+                      <a:round/>
+                      <a:headEnd type="none" w="med" len="med"/>
+                      <a:tailEnd type="none" w="med" len="med"/>
+                    </a:lnT>
+                    <a:lnB w="6350" cap="flat" cmpd="sng" algn="ctr">
+                      <a:solidFill>
+                        <a:srgbClr val="000000"/>
+                      </a:solidFill>
+                      <a:prstDash val="solid"/>
+                      <a:round/>
+                      <a:headEnd type="none" w="med" len="med"/>
+                      <a:tailEnd type="none" w="med" len="med"/>
+                    </a:lnB>
+                  </a:tcPr>
+                </a:tc>
+                <a:tc>
+                  <a:txBody>
+                    <a:bodyPr/>
+                    <a:lstStyle/>
+                    <a:p>
+                      <a:pPr algn="l" fontAlgn="b"/>
+                      <a:r>
+                        <a:rPr lang="en-US" sz="800" b="0" i="0" u="none" strike="noStrike">
+                          <a:solidFill>
+                            <a:srgbClr val="000000"/>
+                          </a:solidFill>
+                          <a:effectLst/>
+                          <a:latin typeface="游ゴシック" panose="020B0400000000000000" pitchFamily="50" charset="-128"/>
+                          <a:ea typeface="游ゴシック" panose="020B0400000000000000" pitchFamily="50" charset="-128"/>
+                        </a:rPr>
+                        <a:t>alexnet_cifar10_3000</a:t>
+                      </a:r>
+                    </a:p>
+                  </a:txBody>
+                  <a:tcPr marL="4569" marR="4569" marT="4569" marB="0" anchor="b">
+                    <a:lnL w="6350" cap="flat" cmpd="sng" algn="ctr">
+                      <a:solidFill>
+                        <a:srgbClr val="000000"/>
+                      </a:solidFill>
+                      <a:prstDash val="solid"/>
+                      <a:round/>
+                      <a:headEnd type="none" w="med" len="med"/>
+                      <a:tailEnd type="none" w="med" len="med"/>
+                    </a:lnL>
+                    <a:lnR w="6350" cap="flat" cmpd="sng" algn="ctr">
+                      <a:solidFill>
+                        <a:srgbClr val="000000"/>
+                      </a:solidFill>
+                      <a:prstDash val="solid"/>
+                      <a:round/>
+                      <a:headEnd type="none" w="med" len="med"/>
+                      <a:tailEnd type="none" w="med" len="med"/>
+                    </a:lnR>
+                    <a:lnT w="6350" cap="flat" cmpd="sng" algn="ctr">
+                      <a:solidFill>
+                        <a:srgbClr val="000000"/>
+                      </a:solidFill>
+                      <a:prstDash val="solid"/>
+                      <a:round/>
+                      <a:headEnd type="none" w="med" len="med"/>
+                      <a:tailEnd type="none" w="med" len="med"/>
+                    </a:lnT>
+                    <a:lnB w="6350" cap="flat" cmpd="sng" algn="ctr">
+                      <a:solidFill>
+                        <a:srgbClr val="000000"/>
+                      </a:solidFill>
+                      <a:prstDash val="solid"/>
+                      <a:round/>
+                      <a:headEnd type="none" w="med" len="med"/>
+                      <a:tailEnd type="none" w="med" len="med"/>
+                    </a:lnB>
+                  </a:tcPr>
+                </a:tc>
+                <a:tc>
+                  <a:txBody>
+                    <a:bodyPr/>
+                    <a:lstStyle/>
+                    <a:p>
+                      <a:pPr algn="l" fontAlgn="b"/>
+                      <a:r>
+                        <a:rPr lang="en-US" sz="800" b="0" i="0" u="none" strike="noStrike">
+                          <a:solidFill>
+                            <a:srgbClr val="000000"/>
+                          </a:solidFill>
+                          <a:effectLst/>
+                          <a:latin typeface="游ゴシック" panose="020B0400000000000000" pitchFamily="50" charset="-128"/>
+                          <a:ea typeface="游ゴシック" panose="020B0400000000000000" pitchFamily="50" charset="-128"/>
+                        </a:rPr>
+                        <a:t>alexnet_cifar10_4096</a:t>
+                      </a:r>
+                    </a:p>
+                  </a:txBody>
+                  <a:tcPr marL="4569" marR="4569" marT="4569" marB="0" anchor="b">
+                    <a:lnL w="6350" cap="flat" cmpd="sng" algn="ctr">
+                      <a:solidFill>
+                        <a:srgbClr val="000000"/>
+                      </a:solidFill>
+                      <a:prstDash val="solid"/>
+                      <a:round/>
+                      <a:headEnd type="none" w="med" len="med"/>
+                      <a:tailEnd type="none" w="med" len="med"/>
+                    </a:lnL>
+                    <a:lnR w="6350" cap="flat" cmpd="sng" algn="ctr">
+                      <a:solidFill>
+                        <a:srgbClr val="000000"/>
+                      </a:solidFill>
+                      <a:prstDash val="solid"/>
+                      <a:round/>
+                      <a:headEnd type="none" w="med" len="med"/>
+                      <a:tailEnd type="none" w="med" len="med"/>
+                    </a:lnR>
+                    <a:lnT w="6350" cap="flat" cmpd="sng" algn="ctr">
+                      <a:solidFill>
+                        <a:srgbClr val="000000"/>
+                      </a:solidFill>
+                      <a:prstDash val="solid"/>
+                      <a:round/>
+                      <a:headEnd type="none" w="med" len="med"/>
+                      <a:tailEnd type="none" w="med" len="med"/>
+                    </a:lnT>
+                    <a:lnB w="6350" cap="flat" cmpd="sng" algn="ctr">
+                      <a:solidFill>
+                        <a:srgbClr val="000000"/>
+                      </a:solidFill>
+                      <a:prstDash val="solid"/>
+                      <a:round/>
+                      <a:headEnd type="none" w="med" len="med"/>
+                      <a:tailEnd type="none" w="med" len="med"/>
+                    </a:lnB>
+                  </a:tcPr>
+                </a:tc>
+                <a:extLst>
+                  <a:ext uri="{0D108BD9-81ED-4DB2-BD59-A6C34878D82A}">
+                    <a16:rowId xmlns:a16="http://schemas.microsoft.com/office/drawing/2014/main" val="3037200301"/>
+                  </a:ext>
+                </a:extLst>
+              </a:tr>
+              <a:tr h="489514">
+                <a:tc>
+                  <a:txBody>
+                    <a:bodyPr/>
+                    <a:lstStyle/>
+                    <a:p>
+                      <a:pPr algn="l" fontAlgn="b"/>
+                      <a:r>
+                        <a:rPr lang="ja-JP" altLang="en-US" sz="800" b="1" i="0" u="none" strike="noStrike">
+                          <a:solidFill>
+                            <a:srgbClr val="FFFFFF"/>
+                          </a:solidFill>
+                          <a:effectLst/>
+                          <a:latin typeface="游ゴシック" panose="020B0400000000000000" pitchFamily="50" charset="-128"/>
+                          <a:ea typeface="游ゴシック" panose="020B0400000000000000" pitchFamily="50" charset="-128"/>
+                        </a:rPr>
+                        <a:t>次元数</a:t>
+                      </a:r>
+                    </a:p>
+                  </a:txBody>
+                  <a:tcPr marL="4569" marR="4569" marT="4569" marB="0" anchor="b">
+                    <a:lnL w="6350" cap="flat" cmpd="sng" algn="ctr">
+                      <a:solidFill>
+                        <a:srgbClr val="000000"/>
+                      </a:solidFill>
+                      <a:prstDash val="solid"/>
+                      <a:round/>
+                      <a:headEnd type="none" w="med" len="med"/>
+                      <a:tailEnd type="none" w="med" len="med"/>
+                    </a:lnL>
+                    <a:lnR w="6350" cap="flat" cmpd="sng" algn="ctr">
+                      <a:solidFill>
+                        <a:srgbClr val="000000"/>
+                      </a:solidFill>
+                      <a:prstDash val="solid"/>
+                      <a:round/>
+                      <a:headEnd type="none" w="med" len="med"/>
+                      <a:tailEnd type="none" w="med" len="med"/>
+                    </a:lnR>
+                    <a:lnT w="6350" cap="flat" cmpd="sng" algn="ctr">
+                      <a:solidFill>
+                        <a:srgbClr val="000000"/>
+                      </a:solidFill>
+                      <a:prstDash val="solid"/>
+                      <a:round/>
+                      <a:headEnd type="none" w="med" len="med"/>
+                      <a:tailEnd type="none" w="med" len="med"/>
+                    </a:lnT>
+                    <a:lnB w="6350" cap="flat" cmpd="sng" algn="ctr">
+                      <a:solidFill>
+                        <a:srgbClr val="000000"/>
+                      </a:solidFill>
+                      <a:prstDash val="solid"/>
+                      <a:round/>
+                      <a:headEnd type="none" w="med" len="med"/>
+                      <a:tailEnd type="none" w="med" len="med"/>
+                    </a:lnB>
+                    <a:solidFill>
+                      <a:srgbClr val="A5A5A5"/>
+                    </a:solidFill>
+                  </a:tcPr>
+                </a:tc>
+                <a:tc>
+                  <a:txBody>
+                    <a:bodyPr/>
+                    <a:lstStyle/>
+                    <a:p>
+                      <a:pPr algn="r" fontAlgn="b"/>
+                      <a:r>
+                        <a:rPr lang="en-US" altLang="ja-JP" sz="800" b="0" i="0" u="none" strike="noStrike">
+                          <a:solidFill>
+                            <a:srgbClr val="000000"/>
+                          </a:solidFill>
+                          <a:effectLst/>
+                          <a:latin typeface="游ゴシック" panose="020B0400000000000000" pitchFamily="50" charset="-128"/>
+                          <a:ea typeface="游ゴシック" panose="020B0400000000000000" pitchFamily="50" charset="-128"/>
+                        </a:rPr>
+                        <a:t>10</a:t>
+                      </a:r>
+                    </a:p>
+                  </a:txBody>
+                  <a:tcPr marL="4569" marR="4569" marT="4569" marB="0" anchor="b">
+                    <a:lnL w="6350" cap="flat" cmpd="sng" algn="ctr">
+                      <a:solidFill>
+                        <a:srgbClr val="000000"/>
+                      </a:solidFill>
+                      <a:prstDash val="solid"/>
+                      <a:round/>
+                      <a:headEnd type="none" w="med" len="med"/>
+                      <a:tailEnd type="none" w="med" len="med"/>
+                    </a:lnL>
+                    <a:lnR w="6350" cap="flat" cmpd="sng" algn="ctr">
+                      <a:solidFill>
+                        <a:srgbClr val="000000"/>
+                      </a:solidFill>
+                      <a:prstDash val="solid"/>
+                      <a:round/>
+                      <a:headEnd type="none" w="med" len="med"/>
+                      <a:tailEnd type="none" w="med" len="med"/>
+                    </a:lnR>
+                    <a:lnT w="6350" cap="flat" cmpd="sng" algn="ctr">
+                      <a:solidFill>
+                        <a:srgbClr val="000000"/>
+                      </a:solidFill>
+                      <a:prstDash val="solid"/>
+                      <a:round/>
+                      <a:headEnd type="none" w="med" len="med"/>
+                      <a:tailEnd type="none" w="med" len="med"/>
+                    </a:lnT>
+                    <a:lnB w="6350" cap="flat" cmpd="sng" algn="ctr">
+                      <a:solidFill>
+                        <a:srgbClr val="000000"/>
+                      </a:solidFill>
+                      <a:prstDash val="solid"/>
+                      <a:round/>
+                      <a:headEnd type="none" w="med" len="med"/>
+                      <a:tailEnd type="none" w="med" len="med"/>
+                    </a:lnB>
+                  </a:tcPr>
+                </a:tc>
+                <a:tc>
+                  <a:txBody>
+                    <a:bodyPr/>
+                    <a:lstStyle/>
+                    <a:p>
+                      <a:pPr algn="r" fontAlgn="b"/>
+                      <a:r>
+                        <a:rPr lang="en-US" altLang="ja-JP" sz="800" b="0" i="0" u="none" strike="noStrike">
+                          <a:solidFill>
+                            <a:srgbClr val="000000"/>
+                          </a:solidFill>
+                          <a:effectLst/>
+                          <a:latin typeface="游ゴシック" panose="020B0400000000000000" pitchFamily="50" charset="-128"/>
+                          <a:ea typeface="游ゴシック" panose="020B0400000000000000" pitchFamily="50" charset="-128"/>
+                        </a:rPr>
+                        <a:t>100</a:t>
+                      </a:r>
+                    </a:p>
+                  </a:txBody>
+                  <a:tcPr marL="4569" marR="4569" marT="4569" marB="0" anchor="b">
+                    <a:lnL w="6350" cap="flat" cmpd="sng" algn="ctr">
+                      <a:solidFill>
+                        <a:srgbClr val="000000"/>
+                      </a:solidFill>
+                      <a:prstDash val="solid"/>
+                      <a:round/>
+                      <a:headEnd type="none" w="med" len="med"/>
+                      <a:tailEnd type="none" w="med" len="med"/>
+                    </a:lnL>
+                    <a:lnR w="6350" cap="flat" cmpd="sng" algn="ctr">
+                      <a:solidFill>
+                        <a:srgbClr val="000000"/>
+                      </a:solidFill>
+                      <a:prstDash val="solid"/>
+                      <a:round/>
+                      <a:headEnd type="none" w="med" len="med"/>
+                      <a:tailEnd type="none" w="med" len="med"/>
+                    </a:lnR>
+                    <a:lnT w="6350" cap="flat" cmpd="sng" algn="ctr">
+                      <a:solidFill>
+                        <a:srgbClr val="000000"/>
+                      </a:solidFill>
+                      <a:prstDash val="solid"/>
+                      <a:round/>
+                      <a:headEnd type="none" w="med" len="med"/>
+                      <a:tailEnd type="none" w="med" len="med"/>
+                    </a:lnT>
+                    <a:lnB w="6350" cap="flat" cmpd="sng" algn="ctr">
+                      <a:solidFill>
+                        <a:srgbClr val="000000"/>
+                      </a:solidFill>
+                      <a:prstDash val="solid"/>
+                      <a:round/>
+                      <a:headEnd type="none" w="med" len="med"/>
+                      <a:tailEnd type="none" w="med" len="med"/>
+                    </a:lnB>
+                  </a:tcPr>
+                </a:tc>
+                <a:tc>
+                  <a:txBody>
+                    <a:bodyPr/>
+                    <a:lstStyle/>
+                    <a:p>
+                      <a:pPr algn="r" fontAlgn="b"/>
+                      <a:r>
+                        <a:rPr lang="en-US" altLang="ja-JP" sz="800" b="0" i="0" u="none" strike="noStrike">
+                          <a:solidFill>
+                            <a:srgbClr val="000000"/>
+                          </a:solidFill>
+                          <a:effectLst/>
+                          <a:latin typeface="游ゴシック" panose="020B0400000000000000" pitchFamily="50" charset="-128"/>
+                          <a:ea typeface="游ゴシック" panose="020B0400000000000000" pitchFamily="50" charset="-128"/>
+                        </a:rPr>
+                        <a:t>500</a:t>
+                      </a:r>
+                    </a:p>
+                  </a:txBody>
+                  <a:tcPr marL="4569" marR="4569" marT="4569" marB="0" anchor="b">
+                    <a:lnL w="6350" cap="flat" cmpd="sng" algn="ctr">
+                      <a:solidFill>
+                        <a:srgbClr val="000000"/>
+                      </a:solidFill>
+                      <a:prstDash val="solid"/>
+                      <a:round/>
+                      <a:headEnd type="none" w="med" len="med"/>
+                      <a:tailEnd type="none" w="med" len="med"/>
+                    </a:lnL>
+                    <a:lnR w="6350" cap="flat" cmpd="sng" algn="ctr">
+                      <a:solidFill>
+                        <a:srgbClr val="000000"/>
+                      </a:solidFill>
+                      <a:prstDash val="solid"/>
+                      <a:round/>
+                      <a:headEnd type="none" w="med" len="med"/>
+                      <a:tailEnd type="none" w="med" len="med"/>
+                    </a:lnR>
+                    <a:lnT w="6350" cap="flat" cmpd="sng" algn="ctr">
+                      <a:solidFill>
+                        <a:srgbClr val="000000"/>
+                      </a:solidFill>
+                      <a:prstDash val="solid"/>
+                      <a:round/>
+                      <a:headEnd type="none" w="med" len="med"/>
+                      <a:tailEnd type="none" w="med" len="med"/>
+                    </a:lnT>
+                    <a:lnB w="6350" cap="flat" cmpd="sng" algn="ctr">
+                      <a:solidFill>
+                        <a:srgbClr val="000000"/>
+                      </a:solidFill>
+                      <a:prstDash val="solid"/>
+                      <a:round/>
+                      <a:headEnd type="none" w="med" len="med"/>
+                      <a:tailEnd type="none" w="med" len="med"/>
+                    </a:lnB>
+                  </a:tcPr>
+                </a:tc>
+                <a:tc>
+                  <a:txBody>
+                    <a:bodyPr/>
+                    <a:lstStyle/>
+                    <a:p>
+                      <a:pPr algn="r" fontAlgn="b"/>
+                      <a:r>
+                        <a:rPr lang="en-US" altLang="ja-JP" sz="800" b="0" i="0" u="none" strike="noStrike">
+                          <a:solidFill>
+                            <a:srgbClr val="000000"/>
+                          </a:solidFill>
+                          <a:effectLst/>
+                          <a:latin typeface="游ゴシック" panose="020B0400000000000000" pitchFamily="50" charset="-128"/>
+                          <a:ea typeface="游ゴシック" panose="020B0400000000000000" pitchFamily="50" charset="-128"/>
+                        </a:rPr>
+                        <a:t>1000</a:t>
+                      </a:r>
+                    </a:p>
+                  </a:txBody>
+                  <a:tcPr marL="4569" marR="4569" marT="4569" marB="0" anchor="b">
+                    <a:lnL w="6350" cap="flat" cmpd="sng" algn="ctr">
+                      <a:solidFill>
+                        <a:srgbClr val="000000"/>
+                      </a:solidFill>
+                      <a:prstDash val="solid"/>
+                      <a:round/>
+                      <a:headEnd type="none" w="med" len="med"/>
+                      <a:tailEnd type="none" w="med" len="med"/>
+                    </a:lnL>
+                    <a:lnR w="6350" cap="flat" cmpd="sng" algn="ctr">
+                      <a:solidFill>
+                        <a:srgbClr val="000000"/>
+                      </a:solidFill>
+                      <a:prstDash val="solid"/>
+                      <a:round/>
+                      <a:headEnd type="none" w="med" len="med"/>
+                      <a:tailEnd type="none" w="med" len="med"/>
+                    </a:lnR>
+                    <a:lnT w="6350" cap="flat" cmpd="sng" algn="ctr">
+                      <a:solidFill>
+                        <a:srgbClr val="000000"/>
+                      </a:solidFill>
+                      <a:prstDash val="solid"/>
+                      <a:round/>
+                      <a:headEnd type="none" w="med" len="med"/>
+                      <a:tailEnd type="none" w="med" len="med"/>
+                    </a:lnT>
+                    <a:lnB w="6350" cap="flat" cmpd="sng" algn="ctr">
+                      <a:solidFill>
+                        <a:srgbClr val="000000"/>
+                      </a:solidFill>
+                      <a:prstDash val="solid"/>
+                      <a:round/>
+                      <a:headEnd type="none" w="med" len="med"/>
+                      <a:tailEnd type="none" w="med" len="med"/>
+                    </a:lnB>
+                  </a:tcPr>
+                </a:tc>
+                <a:tc>
+                  <a:txBody>
+                    <a:bodyPr/>
+                    <a:lstStyle/>
+                    <a:p>
+                      <a:pPr algn="r" fontAlgn="b"/>
+                      <a:r>
+                        <a:rPr lang="en-US" altLang="ja-JP" sz="800" b="0" i="0" u="none" strike="noStrike">
+                          <a:solidFill>
+                            <a:srgbClr val="000000"/>
+                          </a:solidFill>
+                          <a:effectLst/>
+                          <a:latin typeface="游ゴシック" panose="020B0400000000000000" pitchFamily="50" charset="-128"/>
+                          <a:ea typeface="游ゴシック" panose="020B0400000000000000" pitchFamily="50" charset="-128"/>
+                        </a:rPr>
+                        <a:t>2000</a:t>
+                      </a:r>
+                    </a:p>
+                  </a:txBody>
+                  <a:tcPr marL="4569" marR="4569" marT="4569" marB="0" anchor="b">
+                    <a:lnL w="6350" cap="flat" cmpd="sng" algn="ctr">
+                      <a:solidFill>
+                        <a:srgbClr val="000000"/>
+                      </a:solidFill>
+                      <a:prstDash val="solid"/>
+                      <a:round/>
+                      <a:headEnd type="none" w="med" len="med"/>
+                      <a:tailEnd type="none" w="med" len="med"/>
+                    </a:lnL>
+                    <a:lnR w="6350" cap="flat" cmpd="sng" algn="ctr">
+                      <a:solidFill>
+                        <a:srgbClr val="000000"/>
+                      </a:solidFill>
+                      <a:prstDash val="solid"/>
+                      <a:round/>
+                      <a:headEnd type="none" w="med" len="med"/>
+                      <a:tailEnd type="none" w="med" len="med"/>
+                    </a:lnR>
+                    <a:lnT w="6350" cap="flat" cmpd="sng" algn="ctr">
+                      <a:solidFill>
+                        <a:srgbClr val="000000"/>
+                      </a:solidFill>
+                      <a:prstDash val="solid"/>
+                      <a:round/>
+                      <a:headEnd type="none" w="med" len="med"/>
+                      <a:tailEnd type="none" w="med" len="med"/>
+                    </a:lnT>
+                    <a:lnB w="6350" cap="flat" cmpd="sng" algn="ctr">
+                      <a:solidFill>
+                        <a:srgbClr val="000000"/>
+                      </a:solidFill>
+                      <a:prstDash val="solid"/>
+                      <a:round/>
+                      <a:headEnd type="none" w="med" len="med"/>
+                      <a:tailEnd type="none" w="med" len="med"/>
+                    </a:lnB>
+                  </a:tcPr>
+                </a:tc>
+                <a:tc>
+                  <a:txBody>
+                    <a:bodyPr/>
+                    <a:lstStyle/>
+                    <a:p>
+                      <a:pPr algn="r" fontAlgn="b"/>
+                      <a:r>
+                        <a:rPr lang="en-US" altLang="ja-JP" sz="800" b="0" i="0" u="none" strike="noStrike">
+                          <a:solidFill>
+                            <a:srgbClr val="000000"/>
+                          </a:solidFill>
+                          <a:effectLst/>
+                          <a:latin typeface="游ゴシック" panose="020B0400000000000000" pitchFamily="50" charset="-128"/>
+                          <a:ea typeface="游ゴシック" panose="020B0400000000000000" pitchFamily="50" charset="-128"/>
+                        </a:rPr>
+                        <a:t>3000</a:t>
+                      </a:r>
+                    </a:p>
+                  </a:txBody>
+                  <a:tcPr marL="4569" marR="4569" marT="4569" marB="0" anchor="b">
+                    <a:lnL w="6350" cap="flat" cmpd="sng" algn="ctr">
+                      <a:solidFill>
+                        <a:srgbClr val="000000"/>
+                      </a:solidFill>
+                      <a:prstDash val="solid"/>
+                      <a:round/>
+                      <a:headEnd type="none" w="med" len="med"/>
+                      <a:tailEnd type="none" w="med" len="med"/>
+                    </a:lnL>
+                    <a:lnR w="6350" cap="flat" cmpd="sng" algn="ctr">
+                      <a:solidFill>
+                        <a:srgbClr val="000000"/>
+                      </a:solidFill>
+                      <a:prstDash val="solid"/>
+                      <a:round/>
+                      <a:headEnd type="none" w="med" len="med"/>
+                      <a:tailEnd type="none" w="med" len="med"/>
+                    </a:lnR>
+                    <a:lnT w="6350" cap="flat" cmpd="sng" algn="ctr">
+                      <a:solidFill>
+                        <a:srgbClr val="000000"/>
+                      </a:solidFill>
+                      <a:prstDash val="solid"/>
+                      <a:round/>
+                      <a:headEnd type="none" w="med" len="med"/>
+                      <a:tailEnd type="none" w="med" len="med"/>
+                    </a:lnT>
+                    <a:lnB w="6350" cap="flat" cmpd="sng" algn="ctr">
+                      <a:solidFill>
+                        <a:srgbClr val="000000"/>
+                      </a:solidFill>
+                      <a:prstDash val="solid"/>
+                      <a:round/>
+                      <a:headEnd type="none" w="med" len="med"/>
+                      <a:tailEnd type="none" w="med" len="med"/>
+                    </a:lnB>
+                  </a:tcPr>
+                </a:tc>
+                <a:tc>
+                  <a:txBody>
+                    <a:bodyPr/>
+                    <a:lstStyle/>
+                    <a:p>
+                      <a:pPr algn="r" fontAlgn="b"/>
+                      <a:r>
+                        <a:rPr lang="en-US" altLang="ja-JP" sz="800" b="0" i="0" u="none" strike="noStrike">
+                          <a:solidFill>
+                            <a:srgbClr val="000000"/>
+                          </a:solidFill>
+                          <a:effectLst/>
+                          <a:latin typeface="游ゴシック" panose="020B0400000000000000" pitchFamily="50" charset="-128"/>
+                          <a:ea typeface="游ゴシック" panose="020B0400000000000000" pitchFamily="50" charset="-128"/>
+                        </a:rPr>
+                        <a:t>4096</a:t>
+                      </a:r>
+                    </a:p>
+                  </a:txBody>
+                  <a:tcPr marL="4569" marR="4569" marT="4569" marB="0" anchor="b">
+                    <a:lnL w="6350" cap="flat" cmpd="sng" algn="ctr">
+                      <a:solidFill>
+                        <a:srgbClr val="000000"/>
+                      </a:solidFill>
+                      <a:prstDash val="solid"/>
+                      <a:round/>
+                      <a:headEnd type="none" w="med" len="med"/>
+                      <a:tailEnd type="none" w="med" len="med"/>
+                    </a:lnL>
+                    <a:lnR w="6350" cap="flat" cmpd="sng" algn="ctr">
+                      <a:solidFill>
+                        <a:srgbClr val="000000"/>
+                      </a:solidFill>
+                      <a:prstDash val="solid"/>
+                      <a:round/>
+                      <a:headEnd type="none" w="med" len="med"/>
+                      <a:tailEnd type="none" w="med" len="med"/>
+                    </a:lnR>
+                    <a:lnT w="6350" cap="flat" cmpd="sng" algn="ctr">
+                      <a:solidFill>
+                        <a:srgbClr val="000000"/>
+                      </a:solidFill>
+                      <a:prstDash val="solid"/>
+                      <a:round/>
+                      <a:headEnd type="none" w="med" len="med"/>
+                      <a:tailEnd type="none" w="med" len="med"/>
+                    </a:lnT>
+                    <a:lnB w="6350" cap="flat" cmpd="sng" algn="ctr">
+                      <a:solidFill>
+                        <a:srgbClr val="000000"/>
+                      </a:solidFill>
+                      <a:prstDash val="solid"/>
+                      <a:round/>
+                      <a:headEnd type="none" w="med" len="med"/>
+                      <a:tailEnd type="none" w="med" len="med"/>
+                    </a:lnB>
+                  </a:tcPr>
+                </a:tc>
+                <a:extLst>
+                  <a:ext uri="{0D108BD9-81ED-4DB2-BD59-A6C34878D82A}">
+                    <a16:rowId xmlns:a16="http://schemas.microsoft.com/office/drawing/2014/main" val="4200806747"/>
+                  </a:ext>
+                </a:extLst>
+              </a:tr>
+              <a:tr h="489514">
+                <a:tc>
+                  <a:txBody>
+                    <a:bodyPr/>
+                    <a:lstStyle/>
+                    <a:p>
+                      <a:pPr algn="l" fontAlgn="b"/>
+                      <a:r>
+                        <a:rPr lang="en-US" sz="800" b="1" i="0" u="none" strike="noStrike">
+                          <a:solidFill>
+                            <a:srgbClr val="FFFFFF"/>
+                          </a:solidFill>
+                          <a:effectLst/>
+                          <a:latin typeface="游ゴシック" panose="020B0400000000000000" pitchFamily="50" charset="-128"/>
+                          <a:ea typeface="游ゴシック" panose="020B0400000000000000" pitchFamily="50" charset="-128"/>
+                        </a:rPr>
+                        <a:t>epocs</a:t>
+                      </a:r>
+                    </a:p>
+                  </a:txBody>
+                  <a:tcPr marL="4569" marR="4569" marT="4569" marB="0" anchor="b">
+                    <a:lnL w="6350" cap="flat" cmpd="sng" algn="ctr">
+                      <a:solidFill>
+                        <a:srgbClr val="000000"/>
+                      </a:solidFill>
+                      <a:prstDash val="solid"/>
+                      <a:round/>
+                      <a:headEnd type="none" w="med" len="med"/>
+                      <a:tailEnd type="none" w="med" len="med"/>
+                    </a:lnL>
+                    <a:lnR w="6350" cap="flat" cmpd="sng" algn="ctr">
+                      <a:solidFill>
+                        <a:srgbClr val="000000"/>
+                      </a:solidFill>
+                      <a:prstDash val="solid"/>
+                      <a:round/>
+                      <a:headEnd type="none" w="med" len="med"/>
+                      <a:tailEnd type="none" w="med" len="med"/>
+                    </a:lnR>
+                    <a:lnT w="6350" cap="flat" cmpd="sng" algn="ctr">
+                      <a:solidFill>
+                        <a:srgbClr val="000000"/>
+                      </a:solidFill>
+                      <a:prstDash val="solid"/>
+                      <a:round/>
+                      <a:headEnd type="none" w="med" len="med"/>
+                      <a:tailEnd type="none" w="med" len="med"/>
+                    </a:lnT>
+                    <a:lnB w="6350" cap="flat" cmpd="sng" algn="ctr">
+                      <a:solidFill>
+                        <a:srgbClr val="000000"/>
+                      </a:solidFill>
+                      <a:prstDash val="solid"/>
+                      <a:round/>
+                      <a:headEnd type="none" w="med" len="med"/>
+                      <a:tailEnd type="none" w="med" len="med"/>
+                    </a:lnB>
+                    <a:solidFill>
+                      <a:srgbClr val="A5A5A5"/>
+                    </a:solidFill>
+                  </a:tcPr>
+                </a:tc>
+                <a:tc>
+                  <a:txBody>
+                    <a:bodyPr/>
+                    <a:lstStyle/>
+                    <a:p>
+                      <a:pPr algn="r" fontAlgn="b"/>
+                      <a:r>
+                        <a:rPr lang="en-US" altLang="ja-JP" sz="800" b="0" i="0" u="none" strike="noStrike">
+                          <a:solidFill>
+                            <a:srgbClr val="000000"/>
+                          </a:solidFill>
+                          <a:effectLst/>
+                          <a:latin typeface="游ゴシック" panose="020B0400000000000000" pitchFamily="50" charset="-128"/>
+                          <a:ea typeface="游ゴシック" panose="020B0400000000000000" pitchFamily="50" charset="-128"/>
+                        </a:rPr>
+                        <a:t>50</a:t>
+                      </a:r>
+                    </a:p>
+                  </a:txBody>
+                  <a:tcPr marL="4569" marR="4569" marT="4569" marB="0" anchor="b">
+                    <a:lnL w="6350" cap="flat" cmpd="sng" algn="ctr">
+                      <a:solidFill>
+                        <a:srgbClr val="000000"/>
+                      </a:solidFill>
+                      <a:prstDash val="solid"/>
+                      <a:round/>
+                      <a:headEnd type="none" w="med" len="med"/>
+                      <a:tailEnd type="none" w="med" len="med"/>
+                    </a:lnL>
+                    <a:lnR w="6350" cap="flat" cmpd="sng" algn="ctr">
+                      <a:solidFill>
+                        <a:srgbClr val="000000"/>
+                      </a:solidFill>
+                      <a:prstDash val="solid"/>
+                      <a:round/>
+                      <a:headEnd type="none" w="med" len="med"/>
+                      <a:tailEnd type="none" w="med" len="med"/>
+                    </a:lnR>
+                    <a:lnT w="6350" cap="flat" cmpd="sng" algn="ctr">
+                      <a:solidFill>
+                        <a:srgbClr val="000000"/>
+                      </a:solidFill>
+                      <a:prstDash val="solid"/>
+                      <a:round/>
+                      <a:headEnd type="none" w="med" len="med"/>
+                      <a:tailEnd type="none" w="med" len="med"/>
+                    </a:lnT>
+                    <a:lnB w="6350" cap="flat" cmpd="sng" algn="ctr">
+                      <a:solidFill>
+                        <a:srgbClr val="000000"/>
+                      </a:solidFill>
+                      <a:prstDash val="solid"/>
+                      <a:round/>
+                      <a:headEnd type="none" w="med" len="med"/>
+                      <a:tailEnd type="none" w="med" len="med"/>
+                    </a:lnB>
+                  </a:tcPr>
+                </a:tc>
+                <a:tc>
+                  <a:txBody>
+                    <a:bodyPr/>
+                    <a:lstStyle/>
+                    <a:p>
+                      <a:pPr algn="r" fontAlgn="b"/>
+                      <a:r>
+                        <a:rPr lang="en-US" altLang="ja-JP" sz="800" b="0" i="0" u="none" strike="noStrike">
+                          <a:solidFill>
+                            <a:srgbClr val="000000"/>
+                          </a:solidFill>
+                          <a:effectLst/>
+                          <a:latin typeface="游ゴシック" panose="020B0400000000000000" pitchFamily="50" charset="-128"/>
+                          <a:ea typeface="游ゴシック" panose="020B0400000000000000" pitchFamily="50" charset="-128"/>
+                        </a:rPr>
+                        <a:t>50</a:t>
+                      </a:r>
+                    </a:p>
+                  </a:txBody>
+                  <a:tcPr marL="4569" marR="4569" marT="4569" marB="0" anchor="b">
+                    <a:lnL w="6350" cap="flat" cmpd="sng" algn="ctr">
+                      <a:solidFill>
+                        <a:srgbClr val="000000"/>
+                      </a:solidFill>
+                      <a:prstDash val="solid"/>
+                      <a:round/>
+                      <a:headEnd type="none" w="med" len="med"/>
+                      <a:tailEnd type="none" w="med" len="med"/>
+                    </a:lnL>
+                    <a:lnR w="6350" cap="flat" cmpd="sng" algn="ctr">
+                      <a:solidFill>
+                        <a:srgbClr val="000000"/>
+                      </a:solidFill>
+                      <a:prstDash val="solid"/>
+                      <a:round/>
+                      <a:headEnd type="none" w="med" len="med"/>
+                      <a:tailEnd type="none" w="med" len="med"/>
+                    </a:lnR>
+                    <a:lnT w="6350" cap="flat" cmpd="sng" algn="ctr">
+                      <a:solidFill>
+                        <a:srgbClr val="000000"/>
+                      </a:solidFill>
+                      <a:prstDash val="solid"/>
+                      <a:round/>
+                      <a:headEnd type="none" w="med" len="med"/>
+                      <a:tailEnd type="none" w="med" len="med"/>
+                    </a:lnT>
+                    <a:lnB w="6350" cap="flat" cmpd="sng" algn="ctr">
+                      <a:solidFill>
+                        <a:srgbClr val="000000"/>
+                      </a:solidFill>
+                      <a:prstDash val="solid"/>
+                      <a:round/>
+                      <a:headEnd type="none" w="med" len="med"/>
+                      <a:tailEnd type="none" w="med" len="med"/>
+                    </a:lnB>
+                  </a:tcPr>
+                </a:tc>
+                <a:tc>
+                  <a:txBody>
+                    <a:bodyPr/>
+                    <a:lstStyle/>
+                    <a:p>
+                      <a:pPr algn="r" fontAlgn="b"/>
+                      <a:r>
+                        <a:rPr lang="en-US" altLang="ja-JP" sz="800" b="0" i="0" u="none" strike="noStrike">
+                          <a:solidFill>
+                            <a:srgbClr val="000000"/>
+                          </a:solidFill>
+                          <a:effectLst/>
+                          <a:latin typeface="游ゴシック" panose="020B0400000000000000" pitchFamily="50" charset="-128"/>
+                          <a:ea typeface="游ゴシック" panose="020B0400000000000000" pitchFamily="50" charset="-128"/>
+                        </a:rPr>
+                        <a:t>50</a:t>
+                      </a:r>
+                    </a:p>
+                  </a:txBody>
+                  <a:tcPr marL="4569" marR="4569" marT="4569" marB="0" anchor="b">
+                    <a:lnL w="6350" cap="flat" cmpd="sng" algn="ctr">
+                      <a:solidFill>
+                        <a:srgbClr val="000000"/>
+                      </a:solidFill>
+                      <a:prstDash val="solid"/>
+                      <a:round/>
+                      <a:headEnd type="none" w="med" len="med"/>
+                      <a:tailEnd type="none" w="med" len="med"/>
+                    </a:lnL>
+                    <a:lnR w="6350" cap="flat" cmpd="sng" algn="ctr">
+                      <a:solidFill>
+                        <a:srgbClr val="000000"/>
+                      </a:solidFill>
+                      <a:prstDash val="solid"/>
+                      <a:round/>
+                      <a:headEnd type="none" w="med" len="med"/>
+                      <a:tailEnd type="none" w="med" len="med"/>
+                    </a:lnR>
+                    <a:lnT w="6350" cap="flat" cmpd="sng" algn="ctr">
+                      <a:solidFill>
+                        <a:srgbClr val="000000"/>
+                      </a:solidFill>
+                      <a:prstDash val="solid"/>
+                      <a:round/>
+                      <a:headEnd type="none" w="med" len="med"/>
+                      <a:tailEnd type="none" w="med" len="med"/>
+                    </a:lnT>
+                    <a:lnB w="6350" cap="flat" cmpd="sng" algn="ctr">
+                      <a:solidFill>
+                        <a:srgbClr val="000000"/>
+                      </a:solidFill>
+                      <a:prstDash val="solid"/>
+                      <a:round/>
+                      <a:headEnd type="none" w="med" len="med"/>
+                      <a:tailEnd type="none" w="med" len="med"/>
+                    </a:lnB>
+                  </a:tcPr>
+                </a:tc>
+                <a:tc>
+                  <a:txBody>
+                    <a:bodyPr/>
+                    <a:lstStyle/>
+                    <a:p>
+                      <a:pPr algn="r" fontAlgn="b"/>
+                      <a:r>
+                        <a:rPr lang="en-US" altLang="ja-JP" sz="800" b="0" i="0" u="none" strike="noStrike">
+                          <a:solidFill>
+                            <a:srgbClr val="000000"/>
+                          </a:solidFill>
+                          <a:effectLst/>
+                          <a:latin typeface="游ゴシック" panose="020B0400000000000000" pitchFamily="50" charset="-128"/>
+                          <a:ea typeface="游ゴシック" panose="020B0400000000000000" pitchFamily="50" charset="-128"/>
+                        </a:rPr>
+                        <a:t>50</a:t>
+                      </a:r>
+                    </a:p>
+                  </a:txBody>
+                  <a:tcPr marL="4569" marR="4569" marT="4569" marB="0" anchor="b">
+                    <a:lnL w="6350" cap="flat" cmpd="sng" algn="ctr">
+                      <a:solidFill>
+                        <a:srgbClr val="000000"/>
+                      </a:solidFill>
+                      <a:prstDash val="solid"/>
+                      <a:round/>
+                      <a:headEnd type="none" w="med" len="med"/>
+                      <a:tailEnd type="none" w="med" len="med"/>
+                    </a:lnL>
+                    <a:lnR w="6350" cap="flat" cmpd="sng" algn="ctr">
+                      <a:solidFill>
+                        <a:srgbClr val="000000"/>
+                      </a:solidFill>
+                      <a:prstDash val="solid"/>
+                      <a:round/>
+                      <a:headEnd type="none" w="med" len="med"/>
+                      <a:tailEnd type="none" w="med" len="med"/>
+                    </a:lnR>
+                    <a:lnT w="6350" cap="flat" cmpd="sng" algn="ctr">
+                      <a:solidFill>
+                        <a:srgbClr val="000000"/>
+                      </a:solidFill>
+                      <a:prstDash val="solid"/>
+                      <a:round/>
+                      <a:headEnd type="none" w="med" len="med"/>
+                      <a:tailEnd type="none" w="med" len="med"/>
+                    </a:lnT>
+                    <a:lnB w="6350" cap="flat" cmpd="sng" algn="ctr">
+                      <a:solidFill>
+                        <a:srgbClr val="000000"/>
+                      </a:solidFill>
+                      <a:prstDash val="solid"/>
+                      <a:round/>
+                      <a:headEnd type="none" w="med" len="med"/>
+                      <a:tailEnd type="none" w="med" len="med"/>
+                    </a:lnB>
+                  </a:tcPr>
+                </a:tc>
+                <a:tc>
+                  <a:txBody>
+                    <a:bodyPr/>
+                    <a:lstStyle/>
+                    <a:p>
+                      <a:pPr algn="r" fontAlgn="b"/>
+                      <a:r>
+                        <a:rPr lang="en-US" altLang="ja-JP" sz="800" b="0" i="0" u="none" strike="noStrike">
+                          <a:solidFill>
+                            <a:srgbClr val="000000"/>
+                          </a:solidFill>
+                          <a:effectLst/>
+                          <a:latin typeface="游ゴシック" panose="020B0400000000000000" pitchFamily="50" charset="-128"/>
+                          <a:ea typeface="游ゴシック" panose="020B0400000000000000" pitchFamily="50" charset="-128"/>
+                        </a:rPr>
+                        <a:t>50</a:t>
+                      </a:r>
+                    </a:p>
+                  </a:txBody>
+                  <a:tcPr marL="4569" marR="4569" marT="4569" marB="0" anchor="b">
+                    <a:lnL w="6350" cap="flat" cmpd="sng" algn="ctr">
+                      <a:solidFill>
+                        <a:srgbClr val="000000"/>
+                      </a:solidFill>
+                      <a:prstDash val="solid"/>
+                      <a:round/>
+                      <a:headEnd type="none" w="med" len="med"/>
+                      <a:tailEnd type="none" w="med" len="med"/>
+                    </a:lnL>
+                    <a:lnR w="6350" cap="flat" cmpd="sng" algn="ctr">
+                      <a:solidFill>
+                        <a:srgbClr val="000000"/>
+                      </a:solidFill>
+                      <a:prstDash val="solid"/>
+                      <a:round/>
+                      <a:headEnd type="none" w="med" len="med"/>
+                      <a:tailEnd type="none" w="med" len="med"/>
+                    </a:lnR>
+                    <a:lnT w="6350" cap="flat" cmpd="sng" algn="ctr">
+                      <a:solidFill>
+                        <a:srgbClr val="000000"/>
+                      </a:solidFill>
+                      <a:prstDash val="solid"/>
+                      <a:round/>
+                      <a:headEnd type="none" w="med" len="med"/>
+                      <a:tailEnd type="none" w="med" len="med"/>
+                    </a:lnT>
+                    <a:lnB w="6350" cap="flat" cmpd="sng" algn="ctr">
+                      <a:solidFill>
+                        <a:srgbClr val="000000"/>
+                      </a:solidFill>
+                      <a:prstDash val="solid"/>
+                      <a:round/>
+                      <a:headEnd type="none" w="med" len="med"/>
+                      <a:tailEnd type="none" w="med" len="med"/>
+                    </a:lnB>
+                  </a:tcPr>
+                </a:tc>
+                <a:tc>
+                  <a:txBody>
+                    <a:bodyPr/>
+                    <a:lstStyle/>
+                    <a:p>
+                      <a:pPr algn="r" fontAlgn="b"/>
+                      <a:r>
+                        <a:rPr lang="en-US" altLang="ja-JP" sz="800" b="0" i="0" u="none" strike="noStrike">
+                          <a:solidFill>
+                            <a:srgbClr val="000000"/>
+                          </a:solidFill>
+                          <a:effectLst/>
+                          <a:latin typeface="游ゴシック" panose="020B0400000000000000" pitchFamily="50" charset="-128"/>
+                          <a:ea typeface="游ゴシック" panose="020B0400000000000000" pitchFamily="50" charset="-128"/>
+                        </a:rPr>
+                        <a:t>50</a:t>
+                      </a:r>
+                    </a:p>
+                  </a:txBody>
+                  <a:tcPr marL="4569" marR="4569" marT="4569" marB="0" anchor="b">
+                    <a:lnL w="6350" cap="flat" cmpd="sng" algn="ctr">
+                      <a:solidFill>
+                        <a:srgbClr val="000000"/>
+                      </a:solidFill>
+                      <a:prstDash val="solid"/>
+                      <a:round/>
+                      <a:headEnd type="none" w="med" len="med"/>
+                      <a:tailEnd type="none" w="med" len="med"/>
+                    </a:lnL>
+                    <a:lnR w="6350" cap="flat" cmpd="sng" algn="ctr">
+                      <a:solidFill>
+                        <a:srgbClr val="000000"/>
+                      </a:solidFill>
+                      <a:prstDash val="solid"/>
+                      <a:round/>
+                      <a:headEnd type="none" w="med" len="med"/>
+                      <a:tailEnd type="none" w="med" len="med"/>
+                    </a:lnR>
+                    <a:lnT w="6350" cap="flat" cmpd="sng" algn="ctr">
+                      <a:solidFill>
+                        <a:srgbClr val="000000"/>
+                      </a:solidFill>
+                      <a:prstDash val="solid"/>
+                      <a:round/>
+                      <a:headEnd type="none" w="med" len="med"/>
+                      <a:tailEnd type="none" w="med" len="med"/>
+                    </a:lnT>
+                    <a:lnB w="6350" cap="flat" cmpd="sng" algn="ctr">
+                      <a:solidFill>
+                        <a:srgbClr val="000000"/>
+                      </a:solidFill>
+                      <a:prstDash val="solid"/>
+                      <a:round/>
+                      <a:headEnd type="none" w="med" len="med"/>
+                      <a:tailEnd type="none" w="med" len="med"/>
+                    </a:lnB>
+                  </a:tcPr>
+                </a:tc>
+                <a:tc>
+                  <a:txBody>
+                    <a:bodyPr/>
+                    <a:lstStyle/>
+                    <a:p>
+                      <a:pPr algn="r" fontAlgn="b"/>
+                      <a:r>
+                        <a:rPr lang="en-US" altLang="ja-JP" sz="800" b="0" i="0" u="none" strike="noStrike">
+                          <a:solidFill>
+                            <a:srgbClr val="000000"/>
+                          </a:solidFill>
+                          <a:effectLst/>
+                          <a:latin typeface="游ゴシック" panose="020B0400000000000000" pitchFamily="50" charset="-128"/>
+                          <a:ea typeface="游ゴシック" panose="020B0400000000000000" pitchFamily="50" charset="-128"/>
+                        </a:rPr>
+                        <a:t>100</a:t>
+                      </a:r>
+                    </a:p>
+                  </a:txBody>
+                  <a:tcPr marL="4569" marR="4569" marT="4569" marB="0" anchor="b">
+                    <a:lnL w="6350" cap="flat" cmpd="sng" algn="ctr">
+                      <a:solidFill>
+                        <a:srgbClr val="000000"/>
+                      </a:solidFill>
+                      <a:prstDash val="solid"/>
+                      <a:round/>
+                      <a:headEnd type="none" w="med" len="med"/>
+                      <a:tailEnd type="none" w="med" len="med"/>
+                    </a:lnL>
+                    <a:lnR w="6350" cap="flat" cmpd="sng" algn="ctr">
+                      <a:solidFill>
+                        <a:srgbClr val="000000"/>
+                      </a:solidFill>
+                      <a:prstDash val="solid"/>
+                      <a:round/>
+                      <a:headEnd type="none" w="med" len="med"/>
+                      <a:tailEnd type="none" w="med" len="med"/>
+                    </a:lnR>
+                    <a:lnT w="6350" cap="flat" cmpd="sng" algn="ctr">
+                      <a:solidFill>
+                        <a:srgbClr val="000000"/>
+                      </a:solidFill>
+                      <a:prstDash val="solid"/>
+                      <a:round/>
+                      <a:headEnd type="none" w="med" len="med"/>
+                      <a:tailEnd type="none" w="med" len="med"/>
+                    </a:lnT>
+                    <a:lnB w="6350" cap="flat" cmpd="sng" algn="ctr">
+                      <a:solidFill>
+                        <a:srgbClr val="000000"/>
+                      </a:solidFill>
+                      <a:prstDash val="solid"/>
+                      <a:round/>
+                      <a:headEnd type="none" w="med" len="med"/>
+                      <a:tailEnd type="none" w="med" len="med"/>
+                    </a:lnB>
+                  </a:tcPr>
+                </a:tc>
+                <a:extLst>
+                  <a:ext uri="{0D108BD9-81ED-4DB2-BD59-A6C34878D82A}">
+                    <a16:rowId xmlns:a16="http://schemas.microsoft.com/office/drawing/2014/main" val="3323978536"/>
+                  </a:ext>
+                </a:extLst>
+              </a:tr>
+              <a:tr h="489514">
+                <a:tc>
+                  <a:txBody>
+                    <a:bodyPr/>
+                    <a:lstStyle/>
+                    <a:p>
+                      <a:pPr algn="l" fontAlgn="b"/>
+                      <a:r>
+                        <a:rPr lang="en-US" sz="800" b="1" i="0" u="none" strike="noStrike">
+                          <a:solidFill>
+                            <a:srgbClr val="FFFFFF"/>
+                          </a:solidFill>
+                          <a:effectLst/>
+                          <a:latin typeface="游ゴシック" panose="020B0400000000000000" pitchFamily="50" charset="-128"/>
+                          <a:ea typeface="游ゴシック" panose="020B0400000000000000" pitchFamily="50" charset="-128"/>
+                        </a:rPr>
+                        <a:t>acc</a:t>
+                      </a:r>
+                    </a:p>
+                  </a:txBody>
+                  <a:tcPr marL="4569" marR="4569" marT="4569" marB="0" anchor="b">
+                    <a:lnL w="6350" cap="flat" cmpd="sng" algn="ctr">
+                      <a:solidFill>
+                        <a:srgbClr val="000000"/>
+                      </a:solidFill>
+                      <a:prstDash val="solid"/>
+                      <a:round/>
+                      <a:headEnd type="none" w="med" len="med"/>
+                      <a:tailEnd type="none" w="med" len="med"/>
+                    </a:lnL>
+                    <a:lnR w="6350" cap="flat" cmpd="sng" algn="ctr">
+                      <a:solidFill>
+                        <a:srgbClr val="000000"/>
+                      </a:solidFill>
+                      <a:prstDash val="solid"/>
+                      <a:round/>
+                      <a:headEnd type="none" w="med" len="med"/>
+                      <a:tailEnd type="none" w="med" len="med"/>
+                    </a:lnR>
+                    <a:lnT w="6350" cap="flat" cmpd="sng" algn="ctr">
+                      <a:solidFill>
+                        <a:srgbClr val="000000"/>
+                      </a:solidFill>
+                      <a:prstDash val="solid"/>
+                      <a:round/>
+                      <a:headEnd type="none" w="med" len="med"/>
+                      <a:tailEnd type="none" w="med" len="med"/>
+                    </a:lnT>
+                    <a:lnB w="6350" cap="flat" cmpd="sng" algn="ctr">
+                      <a:solidFill>
+                        <a:srgbClr val="000000"/>
+                      </a:solidFill>
+                      <a:prstDash val="solid"/>
+                      <a:round/>
+                      <a:headEnd type="none" w="med" len="med"/>
+                      <a:tailEnd type="none" w="med" len="med"/>
+                    </a:lnB>
+                    <a:solidFill>
+                      <a:srgbClr val="A5A5A5"/>
+                    </a:solidFill>
+                  </a:tcPr>
+                </a:tc>
+                <a:tc>
+                  <a:txBody>
+                    <a:bodyPr/>
+                    <a:lstStyle/>
+                    <a:p>
+                      <a:pPr algn="r" fontAlgn="b"/>
+                      <a:r>
+                        <a:rPr lang="en-US" altLang="ja-JP" sz="800" b="0" i="0" u="none" strike="noStrike">
+                          <a:solidFill>
+                            <a:srgbClr val="000000"/>
+                          </a:solidFill>
+                          <a:effectLst/>
+                          <a:latin typeface="游ゴシック" panose="020B0400000000000000" pitchFamily="50" charset="-128"/>
+                          <a:ea typeface="游ゴシック" panose="020B0400000000000000" pitchFamily="50" charset="-128"/>
+                        </a:rPr>
+                        <a:t>0.3595</a:t>
+                      </a:r>
+                    </a:p>
+                  </a:txBody>
+                  <a:tcPr marL="4569" marR="4569" marT="4569" marB="0" anchor="b">
+                    <a:lnL w="6350" cap="flat" cmpd="sng" algn="ctr">
+                      <a:solidFill>
+                        <a:srgbClr val="000000"/>
+                      </a:solidFill>
+                      <a:prstDash val="solid"/>
+                      <a:round/>
+                      <a:headEnd type="none" w="med" len="med"/>
+                      <a:tailEnd type="none" w="med" len="med"/>
+                    </a:lnL>
+                    <a:lnR w="6350" cap="flat" cmpd="sng" algn="ctr">
+                      <a:solidFill>
+                        <a:srgbClr val="000000"/>
+                      </a:solidFill>
+                      <a:prstDash val="solid"/>
+                      <a:round/>
+                      <a:headEnd type="none" w="med" len="med"/>
+                      <a:tailEnd type="none" w="med" len="med"/>
+                    </a:lnR>
+                    <a:lnT w="6350" cap="flat" cmpd="sng" algn="ctr">
+                      <a:solidFill>
+                        <a:srgbClr val="000000"/>
+                      </a:solidFill>
+                      <a:prstDash val="solid"/>
+                      <a:round/>
+                      <a:headEnd type="none" w="med" len="med"/>
+                      <a:tailEnd type="none" w="med" len="med"/>
+                    </a:lnT>
+                    <a:lnB w="6350" cap="flat" cmpd="sng" algn="ctr">
+                      <a:solidFill>
+                        <a:srgbClr val="000000"/>
+                      </a:solidFill>
+                      <a:prstDash val="solid"/>
+                      <a:round/>
+                      <a:headEnd type="none" w="med" len="med"/>
+                      <a:tailEnd type="none" w="med" len="med"/>
+                    </a:lnB>
+                  </a:tcPr>
+                </a:tc>
+                <a:tc>
+                  <a:txBody>
+                    <a:bodyPr/>
+                    <a:lstStyle/>
+                    <a:p>
+                      <a:pPr algn="r" fontAlgn="b"/>
+                      <a:r>
+                        <a:rPr lang="en-US" altLang="ja-JP" sz="800" b="0" i="0" u="none" strike="noStrike">
+                          <a:solidFill>
+                            <a:srgbClr val="000000"/>
+                          </a:solidFill>
+                          <a:effectLst/>
+                          <a:latin typeface="游ゴシック" panose="020B0400000000000000" pitchFamily="50" charset="-128"/>
+                          <a:ea typeface="游ゴシック" panose="020B0400000000000000" pitchFamily="50" charset="-128"/>
+                        </a:rPr>
+                        <a:t>0.7651</a:t>
+                      </a:r>
+                    </a:p>
+                  </a:txBody>
+                  <a:tcPr marL="4569" marR="4569" marT="4569" marB="0" anchor="b">
+                    <a:lnL w="6350" cap="flat" cmpd="sng" algn="ctr">
+                      <a:solidFill>
+                        <a:srgbClr val="000000"/>
+                      </a:solidFill>
+                      <a:prstDash val="solid"/>
+                      <a:round/>
+                      <a:headEnd type="none" w="med" len="med"/>
+                      <a:tailEnd type="none" w="med" len="med"/>
+                    </a:lnL>
+                    <a:lnR w="6350" cap="flat" cmpd="sng" algn="ctr">
+                      <a:solidFill>
+                        <a:srgbClr val="000000"/>
+                      </a:solidFill>
+                      <a:prstDash val="solid"/>
+                      <a:round/>
+                      <a:headEnd type="none" w="med" len="med"/>
+                      <a:tailEnd type="none" w="med" len="med"/>
+                    </a:lnR>
+                    <a:lnT w="6350" cap="flat" cmpd="sng" algn="ctr">
+                      <a:solidFill>
+                        <a:srgbClr val="000000"/>
+                      </a:solidFill>
+                      <a:prstDash val="solid"/>
+                      <a:round/>
+                      <a:headEnd type="none" w="med" len="med"/>
+                      <a:tailEnd type="none" w="med" len="med"/>
+                    </a:lnT>
+                    <a:lnB w="6350" cap="flat" cmpd="sng" algn="ctr">
+                      <a:solidFill>
+                        <a:srgbClr val="000000"/>
+                      </a:solidFill>
+                      <a:prstDash val="solid"/>
+                      <a:round/>
+                      <a:headEnd type="none" w="med" len="med"/>
+                      <a:tailEnd type="none" w="med" len="med"/>
+                    </a:lnB>
+                  </a:tcPr>
+                </a:tc>
+                <a:tc>
+                  <a:txBody>
+                    <a:bodyPr/>
+                    <a:lstStyle/>
+                    <a:p>
+                      <a:pPr algn="r" fontAlgn="b"/>
+                      <a:r>
+                        <a:rPr lang="en-US" altLang="ja-JP" sz="800" b="0" i="0" u="none" strike="noStrike">
+                          <a:solidFill>
+                            <a:srgbClr val="000000"/>
+                          </a:solidFill>
+                          <a:effectLst/>
+                          <a:latin typeface="游ゴシック" panose="020B0400000000000000" pitchFamily="50" charset="-128"/>
+                          <a:ea typeface="游ゴシック" panose="020B0400000000000000" pitchFamily="50" charset="-128"/>
+                        </a:rPr>
+                        <a:t>0.7999</a:t>
+                      </a:r>
+                    </a:p>
+                  </a:txBody>
+                  <a:tcPr marL="4569" marR="4569" marT="4569" marB="0" anchor="b">
+                    <a:lnL w="6350" cap="flat" cmpd="sng" algn="ctr">
+                      <a:solidFill>
+                        <a:srgbClr val="000000"/>
+                      </a:solidFill>
+                      <a:prstDash val="solid"/>
+                      <a:round/>
+                      <a:headEnd type="none" w="med" len="med"/>
+                      <a:tailEnd type="none" w="med" len="med"/>
+                    </a:lnL>
+                    <a:lnR w="6350" cap="flat" cmpd="sng" algn="ctr">
+                      <a:solidFill>
+                        <a:srgbClr val="000000"/>
+                      </a:solidFill>
+                      <a:prstDash val="solid"/>
+                      <a:round/>
+                      <a:headEnd type="none" w="med" len="med"/>
+                      <a:tailEnd type="none" w="med" len="med"/>
+                    </a:lnR>
+                    <a:lnT w="6350" cap="flat" cmpd="sng" algn="ctr">
+                      <a:solidFill>
+                        <a:srgbClr val="000000"/>
+                      </a:solidFill>
+                      <a:prstDash val="solid"/>
+                      <a:round/>
+                      <a:headEnd type="none" w="med" len="med"/>
+                      <a:tailEnd type="none" w="med" len="med"/>
+                    </a:lnT>
+                    <a:lnB w="6350" cap="flat" cmpd="sng" algn="ctr">
+                      <a:solidFill>
+                        <a:srgbClr val="000000"/>
+                      </a:solidFill>
+                      <a:prstDash val="solid"/>
+                      <a:round/>
+                      <a:headEnd type="none" w="med" len="med"/>
+                      <a:tailEnd type="none" w="med" len="med"/>
+                    </a:lnB>
+                  </a:tcPr>
+                </a:tc>
+                <a:tc>
+                  <a:txBody>
+                    <a:bodyPr/>
+                    <a:lstStyle/>
+                    <a:p>
+                      <a:pPr algn="r" fontAlgn="b"/>
+                      <a:r>
+                        <a:rPr lang="en-US" altLang="ja-JP" sz="800" b="0" i="0" u="none" strike="noStrike">
+                          <a:solidFill>
+                            <a:srgbClr val="000000"/>
+                          </a:solidFill>
+                          <a:effectLst/>
+                          <a:latin typeface="游ゴシック" panose="020B0400000000000000" pitchFamily="50" charset="-128"/>
+                          <a:ea typeface="游ゴシック" panose="020B0400000000000000" pitchFamily="50" charset="-128"/>
+                        </a:rPr>
+                        <a:t>0.7077</a:t>
+                      </a:r>
+                    </a:p>
+                  </a:txBody>
+                  <a:tcPr marL="4569" marR="4569" marT="4569" marB="0" anchor="b">
+                    <a:lnL w="6350" cap="flat" cmpd="sng" algn="ctr">
+                      <a:solidFill>
+                        <a:srgbClr val="000000"/>
+                      </a:solidFill>
+                      <a:prstDash val="solid"/>
+                      <a:round/>
+                      <a:headEnd type="none" w="med" len="med"/>
+                      <a:tailEnd type="none" w="med" len="med"/>
+                    </a:lnL>
+                    <a:lnR w="6350" cap="flat" cmpd="sng" algn="ctr">
+                      <a:solidFill>
+                        <a:srgbClr val="000000"/>
+                      </a:solidFill>
+                      <a:prstDash val="solid"/>
+                      <a:round/>
+                      <a:headEnd type="none" w="med" len="med"/>
+                      <a:tailEnd type="none" w="med" len="med"/>
+                    </a:lnR>
+                    <a:lnT w="6350" cap="flat" cmpd="sng" algn="ctr">
+                      <a:solidFill>
+                        <a:srgbClr val="000000"/>
+                      </a:solidFill>
+                      <a:prstDash val="solid"/>
+                      <a:round/>
+                      <a:headEnd type="none" w="med" len="med"/>
+                      <a:tailEnd type="none" w="med" len="med"/>
+                    </a:lnT>
+                    <a:lnB w="6350" cap="flat" cmpd="sng" algn="ctr">
+                      <a:solidFill>
+                        <a:srgbClr val="000000"/>
+                      </a:solidFill>
+                      <a:prstDash val="solid"/>
+                      <a:round/>
+                      <a:headEnd type="none" w="med" len="med"/>
+                      <a:tailEnd type="none" w="med" len="med"/>
+                    </a:lnB>
+                  </a:tcPr>
+                </a:tc>
+                <a:tc>
+                  <a:txBody>
+                    <a:bodyPr/>
+                    <a:lstStyle/>
+                    <a:p>
+                      <a:pPr algn="r" fontAlgn="b"/>
+                      <a:r>
+                        <a:rPr lang="en-US" altLang="ja-JP" sz="800" b="0" i="0" u="none" strike="noStrike">
+                          <a:solidFill>
+                            <a:srgbClr val="000000"/>
+                          </a:solidFill>
+                          <a:effectLst/>
+                          <a:latin typeface="游ゴシック" panose="020B0400000000000000" pitchFamily="50" charset="-128"/>
+                          <a:ea typeface="游ゴシック" panose="020B0400000000000000" pitchFamily="50" charset="-128"/>
+                        </a:rPr>
+                        <a:t>0.7843</a:t>
+                      </a:r>
+                    </a:p>
+                  </a:txBody>
+                  <a:tcPr marL="4569" marR="4569" marT="4569" marB="0" anchor="b">
+                    <a:lnL w="6350" cap="flat" cmpd="sng" algn="ctr">
+                      <a:solidFill>
+                        <a:srgbClr val="000000"/>
+                      </a:solidFill>
+                      <a:prstDash val="solid"/>
+                      <a:round/>
+                      <a:headEnd type="none" w="med" len="med"/>
+                      <a:tailEnd type="none" w="med" len="med"/>
+                    </a:lnL>
+                    <a:lnR w="6350" cap="flat" cmpd="sng" algn="ctr">
+                      <a:solidFill>
+                        <a:srgbClr val="000000"/>
+                      </a:solidFill>
+                      <a:prstDash val="solid"/>
+                      <a:round/>
+                      <a:headEnd type="none" w="med" len="med"/>
+                      <a:tailEnd type="none" w="med" len="med"/>
+                    </a:lnR>
+                    <a:lnT w="6350" cap="flat" cmpd="sng" algn="ctr">
+                      <a:solidFill>
+                        <a:srgbClr val="000000"/>
+                      </a:solidFill>
+                      <a:prstDash val="solid"/>
+                      <a:round/>
+                      <a:headEnd type="none" w="med" len="med"/>
+                      <a:tailEnd type="none" w="med" len="med"/>
+                    </a:lnT>
+                    <a:lnB w="6350" cap="flat" cmpd="sng" algn="ctr">
+                      <a:solidFill>
+                        <a:srgbClr val="000000"/>
+                      </a:solidFill>
+                      <a:prstDash val="solid"/>
+                      <a:round/>
+                      <a:headEnd type="none" w="med" len="med"/>
+                      <a:tailEnd type="none" w="med" len="med"/>
+                    </a:lnB>
+                  </a:tcPr>
+                </a:tc>
+                <a:tc>
+                  <a:txBody>
+                    <a:bodyPr/>
+                    <a:lstStyle/>
+                    <a:p>
+                      <a:pPr algn="r" fontAlgn="b"/>
+                      <a:r>
+                        <a:rPr lang="en-US" altLang="ja-JP" sz="800" b="0" i="0" u="none" strike="noStrike">
+                          <a:solidFill>
+                            <a:srgbClr val="000000"/>
+                          </a:solidFill>
+                          <a:effectLst/>
+                          <a:latin typeface="游ゴシック" panose="020B0400000000000000" pitchFamily="50" charset="-128"/>
+                          <a:ea typeface="游ゴシック" panose="020B0400000000000000" pitchFamily="50" charset="-128"/>
+                        </a:rPr>
+                        <a:t>0.8148</a:t>
+                      </a:r>
+                    </a:p>
+                  </a:txBody>
+                  <a:tcPr marL="4569" marR="4569" marT="4569" marB="0" anchor="b">
+                    <a:lnL w="6350" cap="flat" cmpd="sng" algn="ctr">
+                      <a:solidFill>
+                        <a:srgbClr val="000000"/>
+                      </a:solidFill>
+                      <a:prstDash val="solid"/>
+                      <a:round/>
+                      <a:headEnd type="none" w="med" len="med"/>
+                      <a:tailEnd type="none" w="med" len="med"/>
+                    </a:lnL>
+                    <a:lnR w="6350" cap="flat" cmpd="sng" algn="ctr">
+                      <a:solidFill>
+                        <a:srgbClr val="000000"/>
+                      </a:solidFill>
+                      <a:prstDash val="solid"/>
+                      <a:round/>
+                      <a:headEnd type="none" w="med" len="med"/>
+                      <a:tailEnd type="none" w="med" len="med"/>
+                    </a:lnR>
+                    <a:lnT w="6350" cap="flat" cmpd="sng" algn="ctr">
+                      <a:solidFill>
+                        <a:srgbClr val="000000"/>
+                      </a:solidFill>
+                      <a:prstDash val="solid"/>
+                      <a:round/>
+                      <a:headEnd type="none" w="med" len="med"/>
+                      <a:tailEnd type="none" w="med" len="med"/>
+                    </a:lnT>
+                    <a:lnB w="6350" cap="flat" cmpd="sng" algn="ctr">
+                      <a:solidFill>
+                        <a:srgbClr val="000000"/>
+                      </a:solidFill>
+                      <a:prstDash val="solid"/>
+                      <a:round/>
+                      <a:headEnd type="none" w="med" len="med"/>
+                      <a:tailEnd type="none" w="med" len="med"/>
+                    </a:lnB>
+                  </a:tcPr>
+                </a:tc>
+                <a:tc>
+                  <a:txBody>
+                    <a:bodyPr/>
+                    <a:lstStyle/>
+                    <a:p>
+                      <a:pPr algn="r" fontAlgn="b"/>
+                      <a:r>
+                        <a:rPr lang="en-US" altLang="ja-JP" sz="800" b="0" i="0" u="none" strike="noStrike">
+                          <a:solidFill>
+                            <a:srgbClr val="000000"/>
+                          </a:solidFill>
+                          <a:effectLst/>
+                          <a:latin typeface="游ゴシック" panose="020B0400000000000000" pitchFamily="50" charset="-128"/>
+                          <a:ea typeface="游ゴシック" panose="020B0400000000000000" pitchFamily="50" charset="-128"/>
+                        </a:rPr>
+                        <a:t>0.8281</a:t>
+                      </a:r>
+                    </a:p>
+                  </a:txBody>
+                  <a:tcPr marL="4569" marR="4569" marT="4569" marB="0" anchor="b">
+                    <a:lnL w="6350" cap="flat" cmpd="sng" algn="ctr">
+                      <a:solidFill>
+                        <a:srgbClr val="000000"/>
+                      </a:solidFill>
+                      <a:prstDash val="solid"/>
+                      <a:round/>
+                      <a:headEnd type="none" w="med" len="med"/>
+                      <a:tailEnd type="none" w="med" len="med"/>
+                    </a:lnL>
+                    <a:lnR w="6350" cap="flat" cmpd="sng" algn="ctr">
+                      <a:solidFill>
+                        <a:srgbClr val="000000"/>
+                      </a:solidFill>
+                      <a:prstDash val="solid"/>
+                      <a:round/>
+                      <a:headEnd type="none" w="med" len="med"/>
+                      <a:tailEnd type="none" w="med" len="med"/>
+                    </a:lnR>
+                    <a:lnT w="6350" cap="flat" cmpd="sng" algn="ctr">
+                      <a:solidFill>
+                        <a:srgbClr val="000000"/>
+                      </a:solidFill>
+                      <a:prstDash val="solid"/>
+                      <a:round/>
+                      <a:headEnd type="none" w="med" len="med"/>
+                      <a:tailEnd type="none" w="med" len="med"/>
+                    </a:lnT>
+                    <a:lnB w="6350" cap="flat" cmpd="sng" algn="ctr">
+                      <a:solidFill>
+                        <a:srgbClr val="000000"/>
+                      </a:solidFill>
+                      <a:prstDash val="solid"/>
+                      <a:round/>
+                      <a:headEnd type="none" w="med" len="med"/>
+                      <a:tailEnd type="none" w="med" len="med"/>
+                    </a:lnB>
+                  </a:tcPr>
+                </a:tc>
+                <a:extLst>
+                  <a:ext uri="{0D108BD9-81ED-4DB2-BD59-A6C34878D82A}">
+                    <a16:rowId xmlns:a16="http://schemas.microsoft.com/office/drawing/2014/main" val="3156757431"/>
+                  </a:ext>
+                </a:extLst>
+              </a:tr>
+              <a:tr h="489514">
+                <a:tc>
+                  <a:txBody>
+                    <a:bodyPr/>
+                    <a:lstStyle/>
+                    <a:p>
+                      <a:pPr algn="l" fontAlgn="b"/>
+                      <a:r>
+                        <a:rPr lang="en-US" sz="800" b="1" i="0" u="none" strike="noStrike">
+                          <a:solidFill>
+                            <a:srgbClr val="FFFFFF"/>
+                          </a:solidFill>
+                          <a:effectLst/>
+                          <a:latin typeface="游ゴシック" panose="020B0400000000000000" pitchFamily="50" charset="-128"/>
+                          <a:ea typeface="游ゴシック" panose="020B0400000000000000" pitchFamily="50" charset="-128"/>
+                        </a:rPr>
+                        <a:t>loss</a:t>
+                      </a:r>
+                    </a:p>
+                  </a:txBody>
+                  <a:tcPr marL="4569" marR="4569" marT="4569" marB="0" anchor="b">
+                    <a:lnL w="6350" cap="flat" cmpd="sng" algn="ctr">
+                      <a:solidFill>
+                        <a:srgbClr val="000000"/>
+                      </a:solidFill>
+                      <a:prstDash val="solid"/>
+                      <a:round/>
+                      <a:headEnd type="none" w="med" len="med"/>
+                      <a:tailEnd type="none" w="med" len="med"/>
+                    </a:lnL>
+                    <a:lnR w="6350" cap="flat" cmpd="sng" algn="ctr">
+                      <a:solidFill>
+                        <a:srgbClr val="000000"/>
+                      </a:solidFill>
+                      <a:prstDash val="solid"/>
+                      <a:round/>
+                      <a:headEnd type="none" w="med" len="med"/>
+                      <a:tailEnd type="none" w="med" len="med"/>
+                    </a:lnR>
+                    <a:lnT w="6350" cap="flat" cmpd="sng" algn="ctr">
+                      <a:solidFill>
+                        <a:srgbClr val="000000"/>
+                      </a:solidFill>
+                      <a:prstDash val="solid"/>
+                      <a:round/>
+                      <a:headEnd type="none" w="med" len="med"/>
+                      <a:tailEnd type="none" w="med" len="med"/>
+                    </a:lnT>
+                    <a:lnB w="6350" cap="flat" cmpd="sng" algn="ctr">
+                      <a:solidFill>
+                        <a:srgbClr val="000000"/>
+                      </a:solidFill>
+                      <a:prstDash val="solid"/>
+                      <a:round/>
+                      <a:headEnd type="none" w="med" len="med"/>
+                      <a:tailEnd type="none" w="med" len="med"/>
+                    </a:lnB>
+                    <a:solidFill>
+                      <a:srgbClr val="A5A5A5"/>
+                    </a:solidFill>
+                  </a:tcPr>
+                </a:tc>
+                <a:tc>
+                  <a:txBody>
+                    <a:bodyPr/>
+                    <a:lstStyle/>
+                    <a:p>
+                      <a:pPr algn="r" fontAlgn="b"/>
+                      <a:r>
+                        <a:rPr lang="en-US" altLang="ja-JP" sz="800" b="0" i="0" u="none" strike="noStrike">
+                          <a:solidFill>
+                            <a:srgbClr val="000000"/>
+                          </a:solidFill>
+                          <a:effectLst/>
+                          <a:latin typeface="游ゴシック" panose="020B0400000000000000" pitchFamily="50" charset="-128"/>
+                          <a:ea typeface="游ゴシック" panose="020B0400000000000000" pitchFamily="50" charset="-128"/>
+                        </a:rPr>
+                        <a:t>1.8305</a:t>
+                      </a:r>
+                    </a:p>
+                  </a:txBody>
+                  <a:tcPr marL="4569" marR="4569" marT="4569" marB="0" anchor="b">
+                    <a:lnL w="6350" cap="flat" cmpd="sng" algn="ctr">
+                      <a:solidFill>
+                        <a:srgbClr val="000000"/>
+                      </a:solidFill>
+                      <a:prstDash val="solid"/>
+                      <a:round/>
+                      <a:headEnd type="none" w="med" len="med"/>
+                      <a:tailEnd type="none" w="med" len="med"/>
+                    </a:lnL>
+                    <a:lnR w="6350" cap="flat" cmpd="sng" algn="ctr">
+                      <a:solidFill>
+                        <a:srgbClr val="000000"/>
+                      </a:solidFill>
+                      <a:prstDash val="solid"/>
+                      <a:round/>
+                      <a:headEnd type="none" w="med" len="med"/>
+                      <a:tailEnd type="none" w="med" len="med"/>
+                    </a:lnR>
+                    <a:lnT w="6350" cap="flat" cmpd="sng" algn="ctr">
+                      <a:solidFill>
+                        <a:srgbClr val="000000"/>
+                      </a:solidFill>
+                      <a:prstDash val="solid"/>
+                      <a:round/>
+                      <a:headEnd type="none" w="med" len="med"/>
+                      <a:tailEnd type="none" w="med" len="med"/>
+                    </a:lnT>
+                    <a:lnB w="6350" cap="flat" cmpd="sng" algn="ctr">
+                      <a:solidFill>
+                        <a:srgbClr val="000000"/>
+                      </a:solidFill>
+                      <a:prstDash val="solid"/>
+                      <a:round/>
+                      <a:headEnd type="none" w="med" len="med"/>
+                      <a:tailEnd type="none" w="med" len="med"/>
+                    </a:lnB>
+                  </a:tcPr>
+                </a:tc>
+                <a:tc>
+                  <a:txBody>
+                    <a:bodyPr/>
+                    <a:lstStyle/>
+                    <a:p>
+                      <a:pPr algn="r" fontAlgn="b"/>
+                      <a:r>
+                        <a:rPr lang="en-US" altLang="ja-JP" sz="800" b="0" i="0" u="none" strike="noStrike">
+                          <a:solidFill>
+                            <a:srgbClr val="000000"/>
+                          </a:solidFill>
+                          <a:effectLst/>
+                          <a:latin typeface="游ゴシック" panose="020B0400000000000000" pitchFamily="50" charset="-128"/>
+                          <a:ea typeface="游ゴシック" panose="020B0400000000000000" pitchFamily="50" charset="-128"/>
+                        </a:rPr>
+                        <a:t>0.7414</a:t>
+                      </a:r>
+                    </a:p>
+                  </a:txBody>
+                  <a:tcPr marL="4569" marR="4569" marT="4569" marB="0" anchor="b">
+                    <a:lnL w="6350" cap="flat" cmpd="sng" algn="ctr">
+                      <a:solidFill>
+                        <a:srgbClr val="000000"/>
+                      </a:solidFill>
+                      <a:prstDash val="solid"/>
+                      <a:round/>
+                      <a:headEnd type="none" w="med" len="med"/>
+                      <a:tailEnd type="none" w="med" len="med"/>
+                    </a:lnL>
+                    <a:lnR w="6350" cap="flat" cmpd="sng" algn="ctr">
+                      <a:solidFill>
+                        <a:srgbClr val="000000"/>
+                      </a:solidFill>
+                      <a:prstDash val="solid"/>
+                      <a:round/>
+                      <a:headEnd type="none" w="med" len="med"/>
+                      <a:tailEnd type="none" w="med" len="med"/>
+                    </a:lnR>
+                    <a:lnT w="6350" cap="flat" cmpd="sng" algn="ctr">
+                      <a:solidFill>
+                        <a:srgbClr val="000000"/>
+                      </a:solidFill>
+                      <a:prstDash val="solid"/>
+                      <a:round/>
+                      <a:headEnd type="none" w="med" len="med"/>
+                      <a:tailEnd type="none" w="med" len="med"/>
+                    </a:lnT>
+                    <a:lnB w="6350" cap="flat" cmpd="sng" algn="ctr">
+                      <a:solidFill>
+                        <a:srgbClr val="000000"/>
+                      </a:solidFill>
+                      <a:prstDash val="solid"/>
+                      <a:round/>
+                      <a:headEnd type="none" w="med" len="med"/>
+                      <a:tailEnd type="none" w="med" len="med"/>
+                    </a:lnB>
+                  </a:tcPr>
+                </a:tc>
+                <a:tc>
+                  <a:txBody>
+                    <a:bodyPr/>
+                    <a:lstStyle/>
+                    <a:p>
+                      <a:pPr algn="r" fontAlgn="b"/>
+                      <a:r>
+                        <a:rPr lang="en-US" altLang="ja-JP" sz="800" b="0" i="0" u="none" strike="noStrike">
+                          <a:solidFill>
+                            <a:srgbClr val="000000"/>
+                          </a:solidFill>
+                          <a:effectLst/>
+                          <a:latin typeface="游ゴシック" panose="020B0400000000000000" pitchFamily="50" charset="-128"/>
+                          <a:ea typeface="游ゴシック" panose="020B0400000000000000" pitchFamily="50" charset="-128"/>
+                        </a:rPr>
+                        <a:t>0.6792</a:t>
+                      </a:r>
+                    </a:p>
+                  </a:txBody>
+                  <a:tcPr marL="4569" marR="4569" marT="4569" marB="0" anchor="b">
+                    <a:lnL w="6350" cap="flat" cmpd="sng" algn="ctr">
+                      <a:solidFill>
+                        <a:srgbClr val="000000"/>
+                      </a:solidFill>
+                      <a:prstDash val="solid"/>
+                      <a:round/>
+                      <a:headEnd type="none" w="med" len="med"/>
+                      <a:tailEnd type="none" w="med" len="med"/>
+                    </a:lnL>
+                    <a:lnR w="6350" cap="flat" cmpd="sng" algn="ctr">
+                      <a:solidFill>
+                        <a:srgbClr val="000000"/>
+                      </a:solidFill>
+                      <a:prstDash val="solid"/>
+                      <a:round/>
+                      <a:headEnd type="none" w="med" len="med"/>
+                      <a:tailEnd type="none" w="med" len="med"/>
+                    </a:lnR>
+                    <a:lnT w="6350" cap="flat" cmpd="sng" algn="ctr">
+                      <a:solidFill>
+                        <a:srgbClr val="000000"/>
+                      </a:solidFill>
+                      <a:prstDash val="solid"/>
+                      <a:round/>
+                      <a:headEnd type="none" w="med" len="med"/>
+                      <a:tailEnd type="none" w="med" len="med"/>
+                    </a:lnT>
+                    <a:lnB w="6350" cap="flat" cmpd="sng" algn="ctr">
+                      <a:solidFill>
+                        <a:srgbClr val="000000"/>
+                      </a:solidFill>
+                      <a:prstDash val="solid"/>
+                      <a:round/>
+                      <a:headEnd type="none" w="med" len="med"/>
+                      <a:tailEnd type="none" w="med" len="med"/>
+                    </a:lnB>
+                  </a:tcPr>
+                </a:tc>
+                <a:tc>
+                  <a:txBody>
+                    <a:bodyPr/>
+                    <a:lstStyle/>
+                    <a:p>
+                      <a:pPr algn="r" fontAlgn="b"/>
+                      <a:r>
+                        <a:rPr lang="en-US" altLang="ja-JP" sz="800" b="0" i="0" u="none" strike="noStrike">
+                          <a:solidFill>
+                            <a:srgbClr val="000000"/>
+                          </a:solidFill>
+                          <a:effectLst/>
+                          <a:latin typeface="游ゴシック" panose="020B0400000000000000" pitchFamily="50" charset="-128"/>
+                          <a:ea typeface="游ゴシック" panose="020B0400000000000000" pitchFamily="50" charset="-128"/>
+                        </a:rPr>
+                        <a:t>0.8488</a:t>
+                      </a:r>
+                    </a:p>
+                  </a:txBody>
+                  <a:tcPr marL="4569" marR="4569" marT="4569" marB="0" anchor="b">
+                    <a:lnL w="6350" cap="flat" cmpd="sng" algn="ctr">
+                      <a:solidFill>
+                        <a:srgbClr val="000000"/>
+                      </a:solidFill>
+                      <a:prstDash val="solid"/>
+                      <a:round/>
+                      <a:headEnd type="none" w="med" len="med"/>
+                      <a:tailEnd type="none" w="med" len="med"/>
+                    </a:lnL>
+                    <a:lnR w="6350" cap="flat" cmpd="sng" algn="ctr">
+                      <a:solidFill>
+                        <a:srgbClr val="000000"/>
+                      </a:solidFill>
+                      <a:prstDash val="solid"/>
+                      <a:round/>
+                      <a:headEnd type="none" w="med" len="med"/>
+                      <a:tailEnd type="none" w="med" len="med"/>
+                    </a:lnR>
+                    <a:lnT w="6350" cap="flat" cmpd="sng" algn="ctr">
+                      <a:solidFill>
+                        <a:srgbClr val="000000"/>
+                      </a:solidFill>
+                      <a:prstDash val="solid"/>
+                      <a:round/>
+                      <a:headEnd type="none" w="med" len="med"/>
+                      <a:tailEnd type="none" w="med" len="med"/>
+                    </a:lnT>
+                    <a:lnB w="6350" cap="flat" cmpd="sng" algn="ctr">
+                      <a:solidFill>
+                        <a:srgbClr val="000000"/>
+                      </a:solidFill>
+                      <a:prstDash val="solid"/>
+                      <a:round/>
+                      <a:headEnd type="none" w="med" len="med"/>
+                      <a:tailEnd type="none" w="med" len="med"/>
+                    </a:lnB>
+                  </a:tcPr>
+                </a:tc>
+                <a:tc>
+                  <a:txBody>
+                    <a:bodyPr/>
+                    <a:lstStyle/>
+                    <a:p>
+                      <a:pPr algn="r" fontAlgn="b"/>
+                      <a:r>
+                        <a:rPr lang="en-US" altLang="ja-JP" sz="800" b="0" i="0" u="none" strike="noStrike">
+                          <a:solidFill>
+                            <a:srgbClr val="000000"/>
+                          </a:solidFill>
+                          <a:effectLst/>
+                          <a:latin typeface="游ゴシック" panose="020B0400000000000000" pitchFamily="50" charset="-128"/>
+                          <a:ea typeface="游ゴシック" panose="020B0400000000000000" pitchFamily="50" charset="-128"/>
+                        </a:rPr>
+                        <a:t>0.7801</a:t>
+                      </a:r>
+                    </a:p>
+                  </a:txBody>
+                  <a:tcPr marL="4569" marR="4569" marT="4569" marB="0" anchor="b">
+                    <a:lnL w="6350" cap="flat" cmpd="sng" algn="ctr">
+                      <a:solidFill>
+                        <a:srgbClr val="000000"/>
+                      </a:solidFill>
+                      <a:prstDash val="solid"/>
+                      <a:round/>
+                      <a:headEnd type="none" w="med" len="med"/>
+                      <a:tailEnd type="none" w="med" len="med"/>
+                    </a:lnL>
+                    <a:lnR w="6350" cap="flat" cmpd="sng" algn="ctr">
+                      <a:solidFill>
+                        <a:srgbClr val="000000"/>
+                      </a:solidFill>
+                      <a:prstDash val="solid"/>
+                      <a:round/>
+                      <a:headEnd type="none" w="med" len="med"/>
+                      <a:tailEnd type="none" w="med" len="med"/>
+                    </a:lnR>
+                    <a:lnT w="6350" cap="flat" cmpd="sng" algn="ctr">
+                      <a:solidFill>
+                        <a:srgbClr val="000000"/>
+                      </a:solidFill>
+                      <a:prstDash val="solid"/>
+                      <a:round/>
+                      <a:headEnd type="none" w="med" len="med"/>
+                      <a:tailEnd type="none" w="med" len="med"/>
+                    </a:lnT>
+                    <a:lnB w="6350" cap="flat" cmpd="sng" algn="ctr">
+                      <a:solidFill>
+                        <a:srgbClr val="000000"/>
+                      </a:solidFill>
+                      <a:prstDash val="solid"/>
+                      <a:round/>
+                      <a:headEnd type="none" w="med" len="med"/>
+                      <a:tailEnd type="none" w="med" len="med"/>
+                    </a:lnB>
+                  </a:tcPr>
+                </a:tc>
+                <a:tc>
+                  <a:txBody>
+                    <a:bodyPr/>
+                    <a:lstStyle/>
+                    <a:p>
+                      <a:pPr algn="r" fontAlgn="b"/>
+                      <a:r>
+                        <a:rPr lang="en-US" altLang="ja-JP" sz="800" b="0" i="0" u="none" strike="noStrike">
+                          <a:solidFill>
+                            <a:srgbClr val="000000"/>
+                          </a:solidFill>
+                          <a:effectLst/>
+                          <a:latin typeface="游ゴシック" panose="020B0400000000000000" pitchFamily="50" charset="-128"/>
+                          <a:ea typeface="游ゴシック" panose="020B0400000000000000" pitchFamily="50" charset="-128"/>
+                        </a:rPr>
+                        <a:t>0.6749</a:t>
+                      </a:r>
+                    </a:p>
+                  </a:txBody>
+                  <a:tcPr marL="4569" marR="4569" marT="4569" marB="0" anchor="b">
+                    <a:lnL w="6350" cap="flat" cmpd="sng" algn="ctr">
+                      <a:solidFill>
+                        <a:srgbClr val="000000"/>
+                      </a:solidFill>
+                      <a:prstDash val="solid"/>
+                      <a:round/>
+                      <a:headEnd type="none" w="med" len="med"/>
+                      <a:tailEnd type="none" w="med" len="med"/>
+                    </a:lnL>
+                    <a:lnR w="6350" cap="flat" cmpd="sng" algn="ctr">
+                      <a:solidFill>
+                        <a:srgbClr val="000000"/>
+                      </a:solidFill>
+                      <a:prstDash val="solid"/>
+                      <a:round/>
+                      <a:headEnd type="none" w="med" len="med"/>
+                      <a:tailEnd type="none" w="med" len="med"/>
+                    </a:lnR>
+                    <a:lnT w="6350" cap="flat" cmpd="sng" algn="ctr">
+                      <a:solidFill>
+                        <a:srgbClr val="000000"/>
+                      </a:solidFill>
+                      <a:prstDash val="solid"/>
+                      <a:round/>
+                      <a:headEnd type="none" w="med" len="med"/>
+                      <a:tailEnd type="none" w="med" len="med"/>
+                    </a:lnT>
+                    <a:lnB w="6350" cap="flat" cmpd="sng" algn="ctr">
+                      <a:solidFill>
+                        <a:srgbClr val="000000"/>
+                      </a:solidFill>
+                      <a:prstDash val="solid"/>
+                      <a:round/>
+                      <a:headEnd type="none" w="med" len="med"/>
+                      <a:tailEnd type="none" w="med" len="med"/>
+                    </a:lnB>
+                  </a:tcPr>
+                </a:tc>
+                <a:tc>
+                  <a:txBody>
+                    <a:bodyPr/>
+                    <a:lstStyle/>
+                    <a:p>
+                      <a:pPr algn="r" fontAlgn="b"/>
+                      <a:r>
+                        <a:rPr lang="en-US" altLang="ja-JP" sz="800" b="0" i="0" u="none" strike="noStrike">
+                          <a:solidFill>
+                            <a:srgbClr val="000000"/>
+                          </a:solidFill>
+                          <a:effectLst/>
+                          <a:latin typeface="游ゴシック" panose="020B0400000000000000" pitchFamily="50" charset="-128"/>
+                          <a:ea typeface="游ゴシック" panose="020B0400000000000000" pitchFamily="50" charset="-128"/>
+                        </a:rPr>
+                        <a:t>0.8583</a:t>
+                      </a:r>
+                    </a:p>
+                  </a:txBody>
+                  <a:tcPr marL="4569" marR="4569" marT="4569" marB="0" anchor="b">
+                    <a:lnL w="6350" cap="flat" cmpd="sng" algn="ctr">
+                      <a:solidFill>
+                        <a:srgbClr val="000000"/>
+                      </a:solidFill>
+                      <a:prstDash val="solid"/>
+                      <a:round/>
+                      <a:headEnd type="none" w="med" len="med"/>
+                      <a:tailEnd type="none" w="med" len="med"/>
+                    </a:lnL>
+                    <a:lnR w="6350" cap="flat" cmpd="sng" algn="ctr">
+                      <a:solidFill>
+                        <a:srgbClr val="000000"/>
+                      </a:solidFill>
+                      <a:prstDash val="solid"/>
+                      <a:round/>
+                      <a:headEnd type="none" w="med" len="med"/>
+                      <a:tailEnd type="none" w="med" len="med"/>
+                    </a:lnR>
+                    <a:lnT w="6350" cap="flat" cmpd="sng" algn="ctr">
+                      <a:solidFill>
+                        <a:srgbClr val="000000"/>
+                      </a:solidFill>
+                      <a:prstDash val="solid"/>
+                      <a:round/>
+                      <a:headEnd type="none" w="med" len="med"/>
+                      <a:tailEnd type="none" w="med" len="med"/>
+                    </a:lnT>
+                    <a:lnB w="6350" cap="flat" cmpd="sng" algn="ctr">
+                      <a:solidFill>
+                        <a:srgbClr val="000000"/>
+                      </a:solidFill>
+                      <a:prstDash val="solid"/>
+                      <a:round/>
+                      <a:headEnd type="none" w="med" len="med"/>
+                      <a:tailEnd type="none" w="med" len="med"/>
+                    </a:lnB>
+                  </a:tcPr>
+                </a:tc>
+                <a:extLst>
+                  <a:ext uri="{0D108BD9-81ED-4DB2-BD59-A6C34878D82A}">
+                    <a16:rowId xmlns:a16="http://schemas.microsoft.com/office/drawing/2014/main" val="4164087299"/>
+                  </a:ext>
+                </a:extLst>
+              </a:tr>
+              <a:tr h="489514">
+                <a:tc>
+                  <a:txBody>
+                    <a:bodyPr/>
+                    <a:lstStyle/>
+                    <a:p>
+                      <a:pPr algn="l" fontAlgn="b"/>
+                      <a:r>
+                        <a:rPr lang="ja-JP" altLang="en-US" sz="800" b="1" i="0" u="none" strike="noStrike">
+                          <a:solidFill>
+                            <a:srgbClr val="FFFFFF"/>
+                          </a:solidFill>
+                          <a:effectLst/>
+                          <a:latin typeface="游ゴシック" panose="020B0400000000000000" pitchFamily="50" charset="-128"/>
+                          <a:ea typeface="游ゴシック" panose="020B0400000000000000" pitchFamily="50" charset="-128"/>
+                        </a:rPr>
+                        <a:t>評価値</a:t>
+                      </a:r>
+                    </a:p>
+                  </a:txBody>
+                  <a:tcPr marL="4569" marR="4569" marT="4569" marB="0" anchor="b">
+                    <a:lnL w="6350" cap="flat" cmpd="sng" algn="ctr">
+                      <a:solidFill>
+                        <a:srgbClr val="000000"/>
+                      </a:solidFill>
+                      <a:prstDash val="solid"/>
+                      <a:round/>
+                      <a:headEnd type="none" w="med" len="med"/>
+                      <a:tailEnd type="none" w="med" len="med"/>
+                    </a:lnL>
+                    <a:lnR w="6350" cap="flat" cmpd="sng" algn="ctr">
+                      <a:solidFill>
+                        <a:srgbClr val="000000"/>
+                      </a:solidFill>
+                      <a:prstDash val="solid"/>
+                      <a:round/>
+                      <a:headEnd type="none" w="med" len="med"/>
+                      <a:tailEnd type="none" w="med" len="med"/>
+                    </a:lnR>
+                    <a:lnT w="6350" cap="flat" cmpd="sng" algn="ctr">
+                      <a:solidFill>
+                        <a:srgbClr val="000000"/>
+                      </a:solidFill>
+                      <a:prstDash val="solid"/>
+                      <a:round/>
+                      <a:headEnd type="none" w="med" len="med"/>
+                      <a:tailEnd type="none" w="med" len="med"/>
+                    </a:lnT>
+                    <a:lnB w="6350" cap="flat" cmpd="sng" algn="ctr">
+                      <a:solidFill>
+                        <a:srgbClr val="000000"/>
+                      </a:solidFill>
+                      <a:prstDash val="solid"/>
+                      <a:round/>
+                      <a:headEnd type="none" w="med" len="med"/>
+                      <a:tailEnd type="none" w="med" len="med"/>
+                    </a:lnB>
+                    <a:solidFill>
+                      <a:srgbClr val="A5A5A5"/>
+                    </a:solidFill>
+                  </a:tcPr>
+                </a:tc>
+                <a:tc>
+                  <a:txBody>
+                    <a:bodyPr/>
+                    <a:lstStyle/>
+                    <a:p>
+                      <a:pPr algn="r" fontAlgn="b"/>
+                      <a:r>
+                        <a:rPr lang="en-US" altLang="ja-JP" sz="800" b="0" i="0" u="none" strike="noStrike">
+                          <a:solidFill>
+                            <a:srgbClr val="000000"/>
+                          </a:solidFill>
+                          <a:effectLst/>
+                          <a:latin typeface="游ゴシック" panose="020B0400000000000000" pitchFamily="50" charset="-128"/>
+                          <a:ea typeface="游ゴシック" panose="020B0400000000000000" pitchFamily="50" charset="-128"/>
+                        </a:rPr>
+                        <a:t>9583</a:t>
+                      </a:r>
+                    </a:p>
+                  </a:txBody>
+                  <a:tcPr marL="4569" marR="4569" marT="4569" marB="0" anchor="b">
+                    <a:lnL w="6350" cap="flat" cmpd="sng" algn="ctr">
+                      <a:solidFill>
+                        <a:srgbClr val="000000"/>
+                      </a:solidFill>
+                      <a:prstDash val="solid"/>
+                      <a:round/>
+                      <a:headEnd type="none" w="med" len="med"/>
+                      <a:tailEnd type="none" w="med" len="med"/>
+                    </a:lnL>
+                    <a:lnR w="6350" cap="flat" cmpd="sng" algn="ctr">
+                      <a:solidFill>
+                        <a:srgbClr val="000000"/>
+                      </a:solidFill>
+                      <a:prstDash val="solid"/>
+                      <a:round/>
+                      <a:headEnd type="none" w="med" len="med"/>
+                      <a:tailEnd type="none" w="med" len="med"/>
+                    </a:lnR>
+                    <a:lnT w="6350" cap="flat" cmpd="sng" algn="ctr">
+                      <a:solidFill>
+                        <a:srgbClr val="000000"/>
+                      </a:solidFill>
+                      <a:prstDash val="solid"/>
+                      <a:round/>
+                      <a:headEnd type="none" w="med" len="med"/>
+                      <a:tailEnd type="none" w="med" len="med"/>
+                    </a:lnT>
+                    <a:lnB w="6350" cap="flat" cmpd="sng" algn="ctr">
+                      <a:solidFill>
+                        <a:srgbClr val="000000"/>
+                      </a:solidFill>
+                      <a:prstDash val="solid"/>
+                      <a:round/>
+                      <a:headEnd type="none" w="med" len="med"/>
+                      <a:tailEnd type="none" w="med" len="med"/>
+                    </a:lnB>
+                  </a:tcPr>
+                </a:tc>
+                <a:tc>
+                  <a:txBody>
+                    <a:bodyPr/>
+                    <a:lstStyle/>
+                    <a:p>
+                      <a:pPr algn="r" fontAlgn="b"/>
+                      <a:r>
+                        <a:rPr lang="en-US" altLang="ja-JP" sz="800" b="0" i="0" u="none" strike="noStrike">
+                          <a:solidFill>
+                            <a:srgbClr val="000000"/>
+                          </a:solidFill>
+                          <a:effectLst/>
+                          <a:latin typeface="游ゴシック" panose="020B0400000000000000" pitchFamily="50" charset="-128"/>
+                          <a:ea typeface="游ゴシック" panose="020B0400000000000000" pitchFamily="50" charset="-128"/>
+                        </a:rPr>
+                        <a:t>24246</a:t>
+                      </a:r>
+                    </a:p>
+                  </a:txBody>
+                  <a:tcPr marL="4569" marR="4569" marT="4569" marB="0" anchor="b">
+                    <a:lnL w="6350" cap="flat" cmpd="sng" algn="ctr">
+                      <a:solidFill>
+                        <a:srgbClr val="000000"/>
+                      </a:solidFill>
+                      <a:prstDash val="solid"/>
+                      <a:round/>
+                      <a:headEnd type="none" w="med" len="med"/>
+                      <a:tailEnd type="none" w="med" len="med"/>
+                    </a:lnL>
+                    <a:lnR w="6350" cap="flat" cmpd="sng" algn="ctr">
+                      <a:solidFill>
+                        <a:srgbClr val="000000"/>
+                      </a:solidFill>
+                      <a:prstDash val="solid"/>
+                      <a:round/>
+                      <a:headEnd type="none" w="med" len="med"/>
+                      <a:tailEnd type="none" w="med" len="med"/>
+                    </a:lnR>
+                    <a:lnT w="6350" cap="flat" cmpd="sng" algn="ctr">
+                      <a:solidFill>
+                        <a:srgbClr val="000000"/>
+                      </a:solidFill>
+                      <a:prstDash val="solid"/>
+                      <a:round/>
+                      <a:headEnd type="none" w="med" len="med"/>
+                      <a:tailEnd type="none" w="med" len="med"/>
+                    </a:lnT>
+                    <a:lnB w="6350" cap="flat" cmpd="sng" algn="ctr">
+                      <a:solidFill>
+                        <a:srgbClr val="000000"/>
+                      </a:solidFill>
+                      <a:prstDash val="solid"/>
+                      <a:round/>
+                      <a:headEnd type="none" w="med" len="med"/>
+                      <a:tailEnd type="none" w="med" len="med"/>
+                    </a:lnB>
+                  </a:tcPr>
+                </a:tc>
+                <a:tc>
+                  <a:txBody>
+                    <a:bodyPr/>
+                    <a:lstStyle/>
+                    <a:p>
+                      <a:pPr algn="r" fontAlgn="b"/>
+                      <a:r>
+                        <a:rPr lang="en-US" altLang="ja-JP" sz="800" b="0" i="0" u="none" strike="noStrike">
+                          <a:solidFill>
+                            <a:srgbClr val="000000"/>
+                          </a:solidFill>
+                          <a:effectLst/>
+                          <a:latin typeface="游ゴシック" panose="020B0400000000000000" pitchFamily="50" charset="-128"/>
+                          <a:ea typeface="游ゴシック" panose="020B0400000000000000" pitchFamily="50" charset="-128"/>
+                        </a:rPr>
+                        <a:t>20768</a:t>
+                      </a:r>
+                    </a:p>
+                  </a:txBody>
+                  <a:tcPr marL="4569" marR="4569" marT="4569" marB="0" anchor="b">
+                    <a:lnL w="6350" cap="flat" cmpd="sng" algn="ctr">
+                      <a:solidFill>
+                        <a:srgbClr val="000000"/>
+                      </a:solidFill>
+                      <a:prstDash val="solid"/>
+                      <a:round/>
+                      <a:headEnd type="none" w="med" len="med"/>
+                      <a:tailEnd type="none" w="med" len="med"/>
+                    </a:lnL>
+                    <a:lnR w="6350" cap="flat" cmpd="sng" algn="ctr">
+                      <a:solidFill>
+                        <a:srgbClr val="000000"/>
+                      </a:solidFill>
+                      <a:prstDash val="solid"/>
+                      <a:round/>
+                      <a:headEnd type="none" w="med" len="med"/>
+                      <a:tailEnd type="none" w="med" len="med"/>
+                    </a:lnR>
+                    <a:lnT w="6350" cap="flat" cmpd="sng" algn="ctr">
+                      <a:solidFill>
+                        <a:srgbClr val="000000"/>
+                      </a:solidFill>
+                      <a:prstDash val="solid"/>
+                      <a:round/>
+                      <a:headEnd type="none" w="med" len="med"/>
+                      <a:tailEnd type="none" w="med" len="med"/>
+                    </a:lnT>
+                    <a:lnB w="6350" cap="flat" cmpd="sng" algn="ctr">
+                      <a:solidFill>
+                        <a:srgbClr val="000000"/>
+                      </a:solidFill>
+                      <a:prstDash val="solid"/>
+                      <a:round/>
+                      <a:headEnd type="none" w="med" len="med"/>
+                      <a:tailEnd type="none" w="med" len="med"/>
+                    </a:lnB>
+                  </a:tcPr>
+                </a:tc>
+                <a:tc>
+                  <a:txBody>
+                    <a:bodyPr/>
+                    <a:lstStyle/>
+                    <a:p>
+                      <a:pPr algn="r" fontAlgn="b"/>
+                      <a:r>
+                        <a:rPr lang="en-US" altLang="ja-JP" sz="800" b="0" i="0" u="none" strike="noStrike">
+                          <a:solidFill>
+                            <a:srgbClr val="000000"/>
+                          </a:solidFill>
+                          <a:effectLst/>
+                          <a:latin typeface="游ゴシック" panose="020B0400000000000000" pitchFamily="50" charset="-128"/>
+                          <a:ea typeface="游ゴシック" panose="020B0400000000000000" pitchFamily="50" charset="-128"/>
+                        </a:rPr>
+                        <a:t>26639</a:t>
+                      </a:r>
+                    </a:p>
+                  </a:txBody>
+                  <a:tcPr marL="4569" marR="4569" marT="4569" marB="0" anchor="b">
+                    <a:lnL w="6350" cap="flat" cmpd="sng" algn="ctr">
+                      <a:solidFill>
+                        <a:srgbClr val="000000"/>
+                      </a:solidFill>
+                      <a:prstDash val="solid"/>
+                      <a:round/>
+                      <a:headEnd type="none" w="med" len="med"/>
+                      <a:tailEnd type="none" w="med" len="med"/>
+                    </a:lnL>
+                    <a:lnR w="6350" cap="flat" cmpd="sng" algn="ctr">
+                      <a:solidFill>
+                        <a:srgbClr val="000000"/>
+                      </a:solidFill>
+                      <a:prstDash val="solid"/>
+                      <a:round/>
+                      <a:headEnd type="none" w="med" len="med"/>
+                      <a:tailEnd type="none" w="med" len="med"/>
+                    </a:lnR>
+                    <a:lnT w="6350" cap="flat" cmpd="sng" algn="ctr">
+                      <a:solidFill>
+                        <a:srgbClr val="000000"/>
+                      </a:solidFill>
+                      <a:prstDash val="solid"/>
+                      <a:round/>
+                      <a:headEnd type="none" w="med" len="med"/>
+                      <a:tailEnd type="none" w="med" len="med"/>
+                    </a:lnT>
+                    <a:lnB w="6350" cap="flat" cmpd="sng" algn="ctr">
+                      <a:solidFill>
+                        <a:srgbClr val="000000"/>
+                      </a:solidFill>
+                      <a:prstDash val="solid"/>
+                      <a:round/>
+                      <a:headEnd type="none" w="med" len="med"/>
+                      <a:tailEnd type="none" w="med" len="med"/>
+                    </a:lnB>
+                  </a:tcPr>
+                </a:tc>
+                <a:tc>
+                  <a:txBody>
+                    <a:bodyPr/>
+                    <a:lstStyle/>
+                    <a:p>
+                      <a:pPr algn="r" fontAlgn="b"/>
+                      <a:r>
+                        <a:rPr lang="en-US" altLang="ja-JP" sz="800" b="0" i="0" u="none" strike="noStrike">
+                          <a:solidFill>
+                            <a:srgbClr val="000000"/>
+                          </a:solidFill>
+                          <a:effectLst/>
+                          <a:latin typeface="游ゴシック" panose="020B0400000000000000" pitchFamily="50" charset="-128"/>
+                          <a:ea typeface="游ゴシック" panose="020B0400000000000000" pitchFamily="50" charset="-128"/>
+                        </a:rPr>
+                        <a:t>25324</a:t>
+                      </a:r>
+                    </a:p>
+                  </a:txBody>
+                  <a:tcPr marL="4569" marR="4569" marT="4569" marB="0" anchor="b">
+                    <a:lnL w="6350" cap="flat" cmpd="sng" algn="ctr">
+                      <a:solidFill>
+                        <a:srgbClr val="000000"/>
+                      </a:solidFill>
+                      <a:prstDash val="solid"/>
+                      <a:round/>
+                      <a:headEnd type="none" w="med" len="med"/>
+                      <a:tailEnd type="none" w="med" len="med"/>
+                    </a:lnL>
+                    <a:lnR w="6350" cap="flat" cmpd="sng" algn="ctr">
+                      <a:solidFill>
+                        <a:srgbClr val="000000"/>
+                      </a:solidFill>
+                      <a:prstDash val="solid"/>
+                      <a:round/>
+                      <a:headEnd type="none" w="med" len="med"/>
+                      <a:tailEnd type="none" w="med" len="med"/>
+                    </a:lnR>
+                    <a:lnT w="6350" cap="flat" cmpd="sng" algn="ctr">
+                      <a:solidFill>
+                        <a:srgbClr val="000000"/>
+                      </a:solidFill>
+                      <a:prstDash val="solid"/>
+                      <a:round/>
+                      <a:headEnd type="none" w="med" len="med"/>
+                      <a:tailEnd type="none" w="med" len="med"/>
+                    </a:lnT>
+                    <a:lnB w="6350" cap="flat" cmpd="sng" algn="ctr">
+                      <a:solidFill>
+                        <a:srgbClr val="000000"/>
+                      </a:solidFill>
+                      <a:prstDash val="solid"/>
+                      <a:round/>
+                      <a:headEnd type="none" w="med" len="med"/>
+                      <a:tailEnd type="none" w="med" len="med"/>
+                    </a:lnB>
+                  </a:tcPr>
+                </a:tc>
+                <a:tc>
+                  <a:txBody>
+                    <a:bodyPr/>
+                    <a:lstStyle/>
+                    <a:p>
+                      <a:pPr algn="r" fontAlgn="b"/>
+                      <a:r>
+                        <a:rPr lang="en-US" altLang="ja-JP" sz="800" b="0" i="0" u="none" strike="noStrike">
+                          <a:solidFill>
+                            <a:srgbClr val="000000"/>
+                          </a:solidFill>
+                          <a:effectLst/>
+                          <a:latin typeface="游ゴシック" panose="020B0400000000000000" pitchFamily="50" charset="-128"/>
+                          <a:ea typeface="游ゴシック" panose="020B0400000000000000" pitchFamily="50" charset="-128"/>
+                        </a:rPr>
+                        <a:t>25773</a:t>
+                      </a:r>
+                    </a:p>
+                  </a:txBody>
+                  <a:tcPr marL="4569" marR="4569" marT="4569" marB="0" anchor="b">
+                    <a:lnL w="6350" cap="flat" cmpd="sng" algn="ctr">
+                      <a:solidFill>
+                        <a:srgbClr val="000000"/>
+                      </a:solidFill>
+                      <a:prstDash val="solid"/>
+                      <a:round/>
+                      <a:headEnd type="none" w="med" len="med"/>
+                      <a:tailEnd type="none" w="med" len="med"/>
+                    </a:lnL>
+                    <a:lnR w="6350" cap="flat" cmpd="sng" algn="ctr">
+                      <a:solidFill>
+                        <a:srgbClr val="000000"/>
+                      </a:solidFill>
+                      <a:prstDash val="solid"/>
+                      <a:round/>
+                      <a:headEnd type="none" w="med" len="med"/>
+                      <a:tailEnd type="none" w="med" len="med"/>
+                    </a:lnR>
+                    <a:lnT w="6350" cap="flat" cmpd="sng" algn="ctr">
+                      <a:solidFill>
+                        <a:srgbClr val="000000"/>
+                      </a:solidFill>
+                      <a:prstDash val="solid"/>
+                      <a:round/>
+                      <a:headEnd type="none" w="med" len="med"/>
+                      <a:tailEnd type="none" w="med" len="med"/>
+                    </a:lnT>
+                    <a:lnB w="6350" cap="flat" cmpd="sng" algn="ctr">
+                      <a:solidFill>
+                        <a:srgbClr val="000000"/>
+                      </a:solidFill>
+                      <a:prstDash val="solid"/>
+                      <a:round/>
+                      <a:headEnd type="none" w="med" len="med"/>
+                      <a:tailEnd type="none" w="med" len="med"/>
+                    </a:lnB>
+                  </a:tcPr>
+                </a:tc>
+                <a:tc>
+                  <a:txBody>
+                    <a:bodyPr/>
+                    <a:lstStyle/>
+                    <a:p>
+                      <a:pPr algn="r" fontAlgn="b"/>
+                      <a:r>
+                        <a:rPr lang="en-US" altLang="ja-JP" sz="800" b="0" i="0" u="none" strike="noStrike">
+                          <a:solidFill>
+                            <a:srgbClr val="000000"/>
+                          </a:solidFill>
+                          <a:effectLst/>
+                          <a:latin typeface="游ゴシック" panose="020B0400000000000000" pitchFamily="50" charset="-128"/>
+                          <a:ea typeface="游ゴシック" panose="020B0400000000000000" pitchFamily="50" charset="-128"/>
+                        </a:rPr>
+                        <a:t>24785</a:t>
+                      </a:r>
+                    </a:p>
+                  </a:txBody>
+                  <a:tcPr marL="4569" marR="4569" marT="4569" marB="0" anchor="b">
+                    <a:lnL w="6350" cap="flat" cmpd="sng" algn="ctr">
+                      <a:solidFill>
+                        <a:srgbClr val="000000"/>
+                      </a:solidFill>
+                      <a:prstDash val="solid"/>
+                      <a:round/>
+                      <a:headEnd type="none" w="med" len="med"/>
+                      <a:tailEnd type="none" w="med" len="med"/>
+                    </a:lnL>
+                    <a:lnR w="6350" cap="flat" cmpd="sng" algn="ctr">
+                      <a:solidFill>
+                        <a:srgbClr val="000000"/>
+                      </a:solidFill>
+                      <a:prstDash val="solid"/>
+                      <a:round/>
+                      <a:headEnd type="none" w="med" len="med"/>
+                      <a:tailEnd type="none" w="med" len="med"/>
+                    </a:lnR>
+                    <a:lnT w="6350" cap="flat" cmpd="sng" algn="ctr">
+                      <a:solidFill>
+                        <a:srgbClr val="000000"/>
+                      </a:solidFill>
+                      <a:prstDash val="solid"/>
+                      <a:round/>
+                      <a:headEnd type="none" w="med" len="med"/>
+                      <a:tailEnd type="none" w="med" len="med"/>
+                    </a:lnT>
+                    <a:lnB w="6350" cap="flat" cmpd="sng" algn="ctr">
+                      <a:solidFill>
+                        <a:srgbClr val="000000"/>
+                      </a:solidFill>
+                      <a:prstDash val="solid"/>
+                      <a:round/>
+                      <a:headEnd type="none" w="med" len="med"/>
+                      <a:tailEnd type="none" w="med" len="med"/>
+                    </a:lnB>
+                  </a:tcPr>
+                </a:tc>
+                <a:extLst>
+                  <a:ext uri="{0D108BD9-81ED-4DB2-BD59-A6C34878D82A}">
+                    <a16:rowId xmlns:a16="http://schemas.microsoft.com/office/drawing/2014/main" val="4276585860"/>
+                  </a:ext>
+                </a:extLst>
+              </a:tr>
+              <a:tr h="489514">
+                <a:tc>
+                  <a:txBody>
+                    <a:bodyPr/>
+                    <a:lstStyle/>
+                    <a:p>
+                      <a:pPr algn="l" fontAlgn="b"/>
+                      <a:r>
+                        <a:rPr lang="en-US" altLang="ja-JP" sz="800" b="1" i="0" u="none" strike="noStrike">
+                          <a:solidFill>
+                            <a:srgbClr val="FFFFFF"/>
+                          </a:solidFill>
+                          <a:effectLst/>
+                          <a:latin typeface="游ゴシック" panose="020B0400000000000000" pitchFamily="50" charset="-128"/>
+                          <a:ea typeface="游ゴシック" panose="020B0400000000000000" pitchFamily="50" charset="-128"/>
+                        </a:rPr>
+                        <a:t>%</a:t>
+                      </a:r>
+                    </a:p>
+                  </a:txBody>
+                  <a:tcPr marL="4569" marR="4569" marT="4569" marB="0" anchor="b">
+                    <a:lnL w="6350" cap="flat" cmpd="sng" algn="ctr">
+                      <a:solidFill>
+                        <a:srgbClr val="000000"/>
+                      </a:solidFill>
+                      <a:prstDash val="solid"/>
+                      <a:round/>
+                      <a:headEnd type="none" w="med" len="med"/>
+                      <a:tailEnd type="none" w="med" len="med"/>
+                    </a:lnL>
+                    <a:lnR w="6350" cap="flat" cmpd="sng" algn="ctr">
+                      <a:solidFill>
+                        <a:srgbClr val="000000"/>
+                      </a:solidFill>
+                      <a:prstDash val="solid"/>
+                      <a:round/>
+                      <a:headEnd type="none" w="med" len="med"/>
+                      <a:tailEnd type="none" w="med" len="med"/>
+                    </a:lnR>
+                    <a:lnT w="6350" cap="flat" cmpd="sng" algn="ctr">
+                      <a:solidFill>
+                        <a:srgbClr val="000000"/>
+                      </a:solidFill>
+                      <a:prstDash val="solid"/>
+                      <a:round/>
+                      <a:headEnd type="none" w="med" len="med"/>
+                      <a:tailEnd type="none" w="med" len="med"/>
+                    </a:lnT>
+                    <a:lnB w="6350" cap="flat" cmpd="sng" algn="ctr">
+                      <a:solidFill>
+                        <a:srgbClr val="000000"/>
+                      </a:solidFill>
+                      <a:prstDash val="solid"/>
+                      <a:round/>
+                      <a:headEnd type="none" w="med" len="med"/>
+                      <a:tailEnd type="none" w="med" len="med"/>
+                    </a:lnB>
+                    <a:solidFill>
+                      <a:srgbClr val="A5A5A5"/>
+                    </a:solidFill>
+                  </a:tcPr>
+                </a:tc>
+                <a:tc>
+                  <a:txBody>
+                    <a:bodyPr/>
+                    <a:lstStyle/>
+                    <a:p>
+                      <a:pPr algn="r" fontAlgn="b"/>
+                      <a:r>
+                        <a:rPr lang="en-US" altLang="ja-JP" sz="800" b="0" i="0" u="none" strike="noStrike">
+                          <a:solidFill>
+                            <a:srgbClr val="000000"/>
+                          </a:solidFill>
+                          <a:effectLst/>
+                          <a:latin typeface="游ゴシック" panose="020B0400000000000000" pitchFamily="50" charset="-128"/>
+                          <a:ea typeface="游ゴシック" panose="020B0400000000000000" pitchFamily="50" charset="-128"/>
+                        </a:rPr>
+                        <a:t>-1.0425</a:t>
+                      </a:r>
+                    </a:p>
+                  </a:txBody>
+                  <a:tcPr marL="4569" marR="4569" marT="4569" marB="0" anchor="b">
+                    <a:lnL w="6350" cap="flat" cmpd="sng" algn="ctr">
+                      <a:solidFill>
+                        <a:srgbClr val="000000"/>
+                      </a:solidFill>
+                      <a:prstDash val="solid"/>
+                      <a:round/>
+                      <a:headEnd type="none" w="med" len="med"/>
+                      <a:tailEnd type="none" w="med" len="med"/>
+                    </a:lnL>
+                    <a:lnR w="6350" cap="flat" cmpd="sng" algn="ctr">
+                      <a:solidFill>
+                        <a:srgbClr val="000000"/>
+                      </a:solidFill>
+                      <a:prstDash val="solid"/>
+                      <a:round/>
+                      <a:headEnd type="none" w="med" len="med"/>
+                      <a:tailEnd type="none" w="med" len="med"/>
+                    </a:lnR>
+                    <a:lnT w="6350" cap="flat" cmpd="sng" algn="ctr">
+                      <a:solidFill>
+                        <a:srgbClr val="000000"/>
+                      </a:solidFill>
+                      <a:prstDash val="solid"/>
+                      <a:round/>
+                      <a:headEnd type="none" w="med" len="med"/>
+                      <a:tailEnd type="none" w="med" len="med"/>
+                    </a:lnT>
+                    <a:lnB w="6350" cap="flat" cmpd="sng" algn="ctr">
+                      <a:solidFill>
+                        <a:srgbClr val="000000"/>
+                      </a:solidFill>
+                      <a:prstDash val="solid"/>
+                      <a:round/>
+                      <a:headEnd type="none" w="med" len="med"/>
+                      <a:tailEnd type="none" w="med" len="med"/>
+                    </a:lnB>
+                  </a:tcPr>
+                </a:tc>
+                <a:tc>
+                  <a:txBody>
+                    <a:bodyPr/>
+                    <a:lstStyle/>
+                    <a:p>
+                      <a:pPr algn="r" fontAlgn="b"/>
+                      <a:r>
+                        <a:rPr lang="en-US" altLang="ja-JP" sz="800" b="0" i="0" u="none" strike="noStrike">
+                          <a:solidFill>
+                            <a:srgbClr val="000000"/>
+                          </a:solidFill>
+                          <a:effectLst/>
+                          <a:latin typeface="游ゴシック" panose="020B0400000000000000" pitchFamily="50" charset="-128"/>
+                          <a:ea typeface="游ゴシック" panose="020B0400000000000000" pitchFamily="50" charset="-128"/>
+                        </a:rPr>
+                        <a:t>35.651</a:t>
+                      </a:r>
+                    </a:p>
+                  </a:txBody>
+                  <a:tcPr marL="4569" marR="4569" marT="4569" marB="0" anchor="b">
+                    <a:lnL w="6350" cap="flat" cmpd="sng" algn="ctr">
+                      <a:solidFill>
+                        <a:srgbClr val="000000"/>
+                      </a:solidFill>
+                      <a:prstDash val="solid"/>
+                      <a:round/>
+                      <a:headEnd type="none" w="med" len="med"/>
+                      <a:tailEnd type="none" w="med" len="med"/>
+                    </a:lnL>
+                    <a:lnR w="6350" cap="flat" cmpd="sng" algn="ctr">
+                      <a:solidFill>
+                        <a:srgbClr val="000000"/>
+                      </a:solidFill>
+                      <a:prstDash val="solid"/>
+                      <a:round/>
+                      <a:headEnd type="none" w="med" len="med"/>
+                      <a:tailEnd type="none" w="med" len="med"/>
+                    </a:lnR>
+                    <a:lnT w="6350" cap="flat" cmpd="sng" algn="ctr">
+                      <a:solidFill>
+                        <a:srgbClr val="000000"/>
+                      </a:solidFill>
+                      <a:prstDash val="solid"/>
+                      <a:round/>
+                      <a:headEnd type="none" w="med" len="med"/>
+                      <a:tailEnd type="none" w="med" len="med"/>
+                    </a:lnT>
+                    <a:lnB w="6350" cap="flat" cmpd="sng" algn="ctr">
+                      <a:solidFill>
+                        <a:srgbClr val="000000"/>
+                      </a:solidFill>
+                      <a:prstDash val="solid"/>
+                      <a:round/>
+                      <a:headEnd type="none" w="med" len="med"/>
+                      <a:tailEnd type="none" w="med" len="med"/>
+                    </a:lnB>
+                  </a:tcPr>
+                </a:tc>
+                <a:tc>
+                  <a:txBody>
+                    <a:bodyPr/>
+                    <a:lstStyle/>
+                    <a:p>
+                      <a:pPr algn="r" fontAlgn="b"/>
+                      <a:r>
+                        <a:rPr lang="en-US" altLang="ja-JP" sz="800" b="0" i="0" u="none" strike="noStrike">
+                          <a:solidFill>
+                            <a:srgbClr val="000000"/>
+                          </a:solidFill>
+                          <a:effectLst/>
+                          <a:latin typeface="游ゴシック" panose="020B0400000000000000" pitchFamily="50" charset="-128"/>
+                          <a:ea typeface="游ゴシック" panose="020B0400000000000000" pitchFamily="50" charset="-128"/>
+                        </a:rPr>
+                        <a:t>26.92</a:t>
+                      </a:r>
+                    </a:p>
+                  </a:txBody>
+                  <a:tcPr marL="4569" marR="4569" marT="4569" marB="0" anchor="b">
+                    <a:lnL w="6350" cap="flat" cmpd="sng" algn="ctr">
+                      <a:solidFill>
+                        <a:srgbClr val="000000"/>
+                      </a:solidFill>
+                      <a:prstDash val="solid"/>
+                      <a:round/>
+                      <a:headEnd type="none" w="med" len="med"/>
+                      <a:tailEnd type="none" w="med" len="med"/>
+                    </a:lnL>
+                    <a:lnR w="6350" cap="flat" cmpd="sng" algn="ctr">
+                      <a:solidFill>
+                        <a:srgbClr val="000000"/>
+                      </a:solidFill>
+                      <a:prstDash val="solid"/>
+                      <a:round/>
+                      <a:headEnd type="none" w="med" len="med"/>
+                      <a:tailEnd type="none" w="med" len="med"/>
+                    </a:lnR>
+                    <a:lnT w="6350" cap="flat" cmpd="sng" algn="ctr">
+                      <a:solidFill>
+                        <a:srgbClr val="000000"/>
+                      </a:solidFill>
+                      <a:prstDash val="solid"/>
+                      <a:round/>
+                      <a:headEnd type="none" w="med" len="med"/>
+                      <a:tailEnd type="none" w="med" len="med"/>
+                    </a:lnT>
+                    <a:lnB w="6350" cap="flat" cmpd="sng" algn="ctr">
+                      <a:solidFill>
+                        <a:srgbClr val="000000"/>
+                      </a:solidFill>
+                      <a:prstDash val="solid"/>
+                      <a:round/>
+                      <a:headEnd type="none" w="med" len="med"/>
+                      <a:tailEnd type="none" w="med" len="med"/>
+                    </a:lnB>
+                  </a:tcPr>
+                </a:tc>
+                <a:tc>
+                  <a:txBody>
+                    <a:bodyPr/>
+                    <a:lstStyle/>
+                    <a:p>
+                      <a:pPr algn="r" fontAlgn="b"/>
+                      <a:r>
+                        <a:rPr lang="en-US" altLang="ja-JP" sz="800" b="0" i="0" u="none" strike="noStrike">
+                          <a:solidFill>
+                            <a:srgbClr val="000000"/>
+                          </a:solidFill>
+                          <a:effectLst/>
+                          <a:latin typeface="游ゴシック" panose="020B0400000000000000" pitchFamily="50" charset="-128"/>
+                          <a:ea typeface="游ゴシック" panose="020B0400000000000000" pitchFamily="50" charset="-128"/>
+                        </a:rPr>
+                        <a:t>41.5975</a:t>
+                      </a:r>
+                    </a:p>
+                  </a:txBody>
+                  <a:tcPr marL="4569" marR="4569" marT="4569" marB="0" anchor="b">
+                    <a:lnL w="6350" cap="flat" cmpd="sng" algn="ctr">
+                      <a:solidFill>
+                        <a:srgbClr val="000000"/>
+                      </a:solidFill>
+                      <a:prstDash val="solid"/>
+                      <a:round/>
+                      <a:headEnd type="none" w="med" len="med"/>
+                      <a:tailEnd type="none" w="med" len="med"/>
+                    </a:lnL>
+                    <a:lnR w="6350" cap="flat" cmpd="sng" algn="ctr">
+                      <a:solidFill>
+                        <a:srgbClr val="000000"/>
+                      </a:solidFill>
+                      <a:prstDash val="solid"/>
+                      <a:round/>
+                      <a:headEnd type="none" w="med" len="med"/>
+                      <a:tailEnd type="none" w="med" len="med"/>
+                    </a:lnR>
+                    <a:lnT w="6350" cap="flat" cmpd="sng" algn="ctr">
+                      <a:solidFill>
+                        <a:srgbClr val="000000"/>
+                      </a:solidFill>
+                      <a:prstDash val="solid"/>
+                      <a:round/>
+                      <a:headEnd type="none" w="med" len="med"/>
+                      <a:tailEnd type="none" w="med" len="med"/>
+                    </a:lnT>
+                    <a:lnB w="6350" cap="flat" cmpd="sng" algn="ctr">
+                      <a:solidFill>
+                        <a:srgbClr val="000000"/>
+                      </a:solidFill>
+                      <a:prstDash val="solid"/>
+                      <a:round/>
+                      <a:headEnd type="none" w="med" len="med"/>
+                      <a:tailEnd type="none" w="med" len="med"/>
+                    </a:lnB>
+                  </a:tcPr>
+                </a:tc>
+                <a:tc>
+                  <a:txBody>
+                    <a:bodyPr/>
+                    <a:lstStyle/>
+                    <a:p>
+                      <a:pPr algn="r" fontAlgn="b"/>
+                      <a:r>
+                        <a:rPr lang="en-US" altLang="ja-JP" sz="800" b="0" i="0" u="none" strike="noStrike">
+                          <a:solidFill>
+                            <a:srgbClr val="000000"/>
+                          </a:solidFill>
+                          <a:effectLst/>
+                          <a:latin typeface="游ゴシック" panose="020B0400000000000000" pitchFamily="50" charset="-128"/>
+                          <a:ea typeface="游ゴシック" panose="020B0400000000000000" pitchFamily="50" charset="-128"/>
+                        </a:rPr>
+                        <a:t>38.31</a:t>
+                      </a:r>
+                    </a:p>
+                  </a:txBody>
+                  <a:tcPr marL="4569" marR="4569" marT="4569" marB="0" anchor="b">
+                    <a:lnL w="6350" cap="flat" cmpd="sng" algn="ctr">
+                      <a:solidFill>
+                        <a:srgbClr val="000000"/>
+                      </a:solidFill>
+                      <a:prstDash val="solid"/>
+                      <a:round/>
+                      <a:headEnd type="none" w="med" len="med"/>
+                      <a:tailEnd type="none" w="med" len="med"/>
+                    </a:lnL>
+                    <a:lnR w="6350" cap="flat" cmpd="sng" algn="ctr">
+                      <a:solidFill>
+                        <a:srgbClr val="000000"/>
+                      </a:solidFill>
+                      <a:prstDash val="solid"/>
+                      <a:round/>
+                      <a:headEnd type="none" w="med" len="med"/>
+                      <a:tailEnd type="none" w="med" len="med"/>
+                    </a:lnR>
+                    <a:lnT w="6350" cap="flat" cmpd="sng" algn="ctr">
+                      <a:solidFill>
+                        <a:srgbClr val="000000"/>
+                      </a:solidFill>
+                      <a:prstDash val="solid"/>
+                      <a:round/>
+                      <a:headEnd type="none" w="med" len="med"/>
+                      <a:tailEnd type="none" w="med" len="med"/>
+                    </a:lnT>
+                    <a:lnB w="6350" cap="flat" cmpd="sng" algn="ctr">
+                      <a:solidFill>
+                        <a:srgbClr val="000000"/>
+                      </a:solidFill>
+                      <a:prstDash val="solid"/>
+                      <a:round/>
+                      <a:headEnd type="none" w="med" len="med"/>
+                      <a:tailEnd type="none" w="med" len="med"/>
+                    </a:lnB>
+                  </a:tcPr>
+                </a:tc>
+                <a:tc>
+                  <a:txBody>
+                    <a:bodyPr/>
+                    <a:lstStyle/>
+                    <a:p>
+                      <a:pPr algn="r" fontAlgn="b"/>
+                      <a:r>
+                        <a:rPr lang="en-US" altLang="ja-JP" sz="800" b="0" i="0" u="none" strike="noStrike">
+                          <a:solidFill>
+                            <a:srgbClr val="000000"/>
+                          </a:solidFill>
+                          <a:effectLst/>
+                          <a:latin typeface="游ゴシック" panose="020B0400000000000000" pitchFamily="50" charset="-128"/>
+                          <a:ea typeface="游ゴシック" panose="020B0400000000000000" pitchFamily="50" charset="-128"/>
+                        </a:rPr>
+                        <a:t>39.4325</a:t>
+                      </a:r>
+                    </a:p>
+                  </a:txBody>
+                  <a:tcPr marL="4569" marR="4569" marT="4569" marB="0" anchor="b">
+                    <a:lnL w="6350" cap="flat" cmpd="sng" algn="ctr">
+                      <a:solidFill>
+                        <a:srgbClr val="000000"/>
+                      </a:solidFill>
+                      <a:prstDash val="solid"/>
+                      <a:round/>
+                      <a:headEnd type="none" w="med" len="med"/>
+                      <a:tailEnd type="none" w="med" len="med"/>
+                    </a:lnL>
+                    <a:lnR w="6350" cap="flat" cmpd="sng" algn="ctr">
+                      <a:solidFill>
+                        <a:srgbClr val="000000"/>
+                      </a:solidFill>
+                      <a:prstDash val="solid"/>
+                      <a:round/>
+                      <a:headEnd type="none" w="med" len="med"/>
+                      <a:tailEnd type="none" w="med" len="med"/>
+                    </a:lnR>
+                    <a:lnT w="6350" cap="flat" cmpd="sng" algn="ctr">
+                      <a:solidFill>
+                        <a:srgbClr val="000000"/>
+                      </a:solidFill>
+                      <a:prstDash val="solid"/>
+                      <a:round/>
+                      <a:headEnd type="none" w="med" len="med"/>
+                      <a:tailEnd type="none" w="med" len="med"/>
+                    </a:lnT>
+                    <a:lnB w="6350" cap="flat" cmpd="sng" algn="ctr">
+                      <a:solidFill>
+                        <a:srgbClr val="000000"/>
+                      </a:solidFill>
+                      <a:prstDash val="solid"/>
+                      <a:round/>
+                      <a:headEnd type="none" w="med" len="med"/>
+                      <a:tailEnd type="none" w="med" len="med"/>
+                    </a:lnB>
+                  </a:tcPr>
+                </a:tc>
+                <a:tc>
+                  <a:txBody>
+                    <a:bodyPr/>
+                    <a:lstStyle/>
+                    <a:p>
+                      <a:pPr algn="r" fontAlgn="b"/>
+                      <a:r>
+                        <a:rPr lang="en-US" altLang="ja-JP" sz="800" b="0" i="0" u="none" strike="noStrike" dirty="0">
+                          <a:solidFill>
+                            <a:srgbClr val="000000"/>
+                          </a:solidFill>
+                          <a:effectLst/>
+                          <a:latin typeface="游ゴシック" panose="020B0400000000000000" pitchFamily="50" charset="-128"/>
+                          <a:ea typeface="游ゴシック" panose="020B0400000000000000" pitchFamily="50" charset="-128"/>
+                        </a:rPr>
+                        <a:t>36.9625</a:t>
+                      </a:r>
+                    </a:p>
+                  </a:txBody>
+                  <a:tcPr marL="4569" marR="4569" marT="4569" marB="0" anchor="b">
+                    <a:lnL w="6350" cap="flat" cmpd="sng" algn="ctr">
+                      <a:solidFill>
+                        <a:srgbClr val="000000"/>
+                      </a:solidFill>
+                      <a:prstDash val="solid"/>
+                      <a:round/>
+                      <a:headEnd type="none" w="med" len="med"/>
+                      <a:tailEnd type="none" w="med" len="med"/>
+                    </a:lnL>
+                    <a:lnR w="6350" cap="flat" cmpd="sng" algn="ctr">
+                      <a:solidFill>
+                        <a:srgbClr val="000000"/>
+                      </a:solidFill>
+                      <a:prstDash val="solid"/>
+                      <a:round/>
+                      <a:headEnd type="none" w="med" len="med"/>
+                      <a:tailEnd type="none" w="med" len="med"/>
+                    </a:lnR>
+                    <a:lnT w="6350" cap="flat" cmpd="sng" algn="ctr">
+                      <a:solidFill>
+                        <a:srgbClr val="000000"/>
+                      </a:solidFill>
+                      <a:prstDash val="solid"/>
+                      <a:round/>
+                      <a:headEnd type="none" w="med" len="med"/>
+                      <a:tailEnd type="none" w="med" len="med"/>
+                    </a:lnT>
+                    <a:lnB w="6350" cap="flat" cmpd="sng" algn="ctr">
+                      <a:solidFill>
+                        <a:srgbClr val="000000"/>
+                      </a:solidFill>
+                      <a:prstDash val="solid"/>
+                      <a:round/>
+                      <a:headEnd type="none" w="med" len="med"/>
+                      <a:tailEnd type="none" w="med" len="med"/>
+                    </a:lnB>
+                  </a:tcPr>
+                </a:tc>
+                <a:extLst>
+                  <a:ext uri="{0D108BD9-81ED-4DB2-BD59-A6C34878D82A}">
+                    <a16:rowId xmlns:a16="http://schemas.microsoft.com/office/drawing/2014/main" val="3277157250"/>
+                  </a:ext>
+                </a:extLst>
+              </a:tr>
+            </a:tbl>
+          </a:graphicData>
+        </a:graphic>
+      </p:graphicFrame>
+    </p:spTree>
+    <p:extLst>
+      <p:ext uri="{BB962C8B-B14F-4D97-AF65-F5344CB8AC3E}">
+        <p14:creationId xmlns:p14="http://schemas.microsoft.com/office/powerpoint/2010/main" val="487067129"/>
+      </p:ext>
+    </p:extLst>
+  </p:cSld>
+  <p:clrMapOvr>
+    <a:masterClrMapping/>
+  </p:clrMapOvr>
+  <p:timing>
+    <p:tnLst>
+      <p:par>
+        <p:cTn id="1" dur="indefinite" restart="never" nodeType="tmRoot"/>
+      </p:par>
+    </p:tnLst>
+  </p:timing>
+</p:sld>
+</file>
+
+<file path=ppt/slides/slide29.xml><?xml version="1.0" encoding="utf-8"?>
+<p:sld xmlns:a="http://schemas.openxmlformats.org/drawingml/2006/main" xmlns:r="http://schemas.openxmlformats.org/officeDocument/2006/relationships" xmlns:p="http://schemas.openxmlformats.org/presentationml/2006/main">
+  <p:cSld>
+    <p:spTree>
+      <p:nvGrpSpPr>
+        <p:cNvPr id="1" name=""/>
+        <p:cNvGrpSpPr/>
+        <p:nvPr/>
+      </p:nvGrpSpPr>
+      <p:grpSpPr>
+        <a:xfrm>
+          <a:off x="0" y="0"/>
+          <a:ext cx="0" cy="0"/>
+          <a:chOff x="0" y="0"/>
+          <a:chExt cx="0" cy="0"/>
+        </a:xfrm>
+      </p:grpSpPr>
+      <p:sp>
+        <p:nvSpPr>
+          <p:cNvPr id="2" name="タイトル 1"/>
+          <p:cNvSpPr>
+            <a:spLocks noGrp="1"/>
+          </p:cNvSpPr>
+          <p:nvPr>
+            <p:ph type="title"/>
+          </p:nvPr>
+        </p:nvSpPr>
+        <p:spPr/>
+        <p:txBody>
+          <a:bodyPr/>
+          <a:lstStyle/>
+          <a:p>
+            <a:endParaRPr kumimoji="1" lang="ja-JP" altLang="en-US" dirty="0"/>
+          </a:p>
+        </p:txBody>
+      </p:sp>
+      <p:sp>
+        <p:nvSpPr>
+          <p:cNvPr id="3" name="コンテンツ プレースホルダー 2"/>
+          <p:cNvSpPr>
+            <a:spLocks noGrp="1"/>
+          </p:cNvSpPr>
+          <p:nvPr>
+            <p:ph idx="1"/>
+          </p:nvPr>
+        </p:nvSpPr>
+        <p:spPr/>
+        <p:txBody>
+          <a:bodyPr/>
+          <a:lstStyle/>
+          <a:p>
+            <a:endParaRPr kumimoji="1" lang="ja-JP" altLang="en-US"/>
+          </a:p>
+        </p:txBody>
+      </p:sp>
+      <p:sp>
+        <p:nvSpPr>
+          <p:cNvPr id="4" name="スライド番号プレースホルダー 3"/>
+          <p:cNvSpPr>
+            <a:spLocks noGrp="1"/>
+          </p:cNvSpPr>
+          <p:nvPr>
+            <p:ph type="sldNum" sz="quarter" idx="12"/>
+          </p:nvPr>
+        </p:nvSpPr>
+        <p:spPr/>
+        <p:txBody>
+          <a:bodyPr/>
+          <a:lstStyle/>
+          <a:p>
+            <a:fld id="{768BF403-63E9-4BE6-AA0B-408C483EA9DC}" type="slidenum">
+              <a:rPr kumimoji="1" lang="ja-JP" altLang="en-US" smtClean="0"/>
+              <a:t>29</a:t>
             </a:fld>
             <a:endParaRPr kumimoji="1" lang="ja-JP" altLang="en-US"/>
           </a:p>

--- a/ゼミ発表資料/1821005_1206.pptx
+++ b/ゼミ発表資料/1821005_1206.pptx
@@ -141,6 +141,980 @@
     </p:ext>
   </p:extLst>
 </p:presentation>
+</file>
+
+<file path=ppt/charts/chart1.xml><?xml version="1.0" encoding="utf-8"?>
+<c:chartSpace xmlns:c="http://schemas.openxmlformats.org/drawingml/2006/chart" xmlns:a="http://schemas.openxmlformats.org/drawingml/2006/main" xmlns:r="http://schemas.openxmlformats.org/officeDocument/2006/relationships" xmlns:c16r2="http://schemas.microsoft.com/office/drawing/2015/06/chart">
+  <c:date1904 val="0"/>
+  <c:lang val="ja-JP"/>
+  <c:roundedCorners val="0"/>
+  <mc:AlternateContent xmlns:mc="http://schemas.openxmlformats.org/markup-compatibility/2006">
+    <mc:Choice xmlns:c14="http://schemas.microsoft.com/office/drawing/2007/8/2/chart" Requires="c14">
+      <c14:style val="102"/>
+    </mc:Choice>
+    <mc:Fallback>
+      <c:style val="2"/>
+    </mc:Fallback>
+  </mc:AlternateContent>
+  <c:chart>
+    <c:title>
+      <c:tx>
+        <c:rich>
+          <a:bodyPr rot="0" spcFirstLastPara="1" vertOverflow="ellipsis" vert="horz" wrap="square" anchor="ctr" anchorCtr="1"/>
+          <a:lstStyle/>
+          <a:p>
+            <a:pPr>
+              <a:defRPr sz="1400" b="0" i="0" u="none" strike="noStrike" kern="1200" spc="0" baseline="0">
+                <a:solidFill>
+                  <a:schemeClr val="tx1">
+                    <a:lumMod val="65000"/>
+                    <a:lumOff val="35000"/>
+                  </a:schemeClr>
+                </a:solidFill>
+                <a:latin typeface="+mn-lt"/>
+                <a:ea typeface="+mn-ea"/>
+                <a:cs typeface="+mn-cs"/>
+              </a:defRPr>
+            </a:pPr>
+            <a:r>
+              <a:rPr lang="ja-JP" altLang="en-US"/>
+              <a:t>評価グラフ</a:t>
+            </a:r>
+          </a:p>
+        </c:rich>
+      </c:tx>
+      <c:layout>
+        <c:manualLayout>
+          <c:xMode val="edge"/>
+          <c:yMode val="edge"/>
+          <c:x val="0.35115966754155731"/>
+          <c:y val="4.1666666666666664E-2"/>
+        </c:manualLayout>
+      </c:layout>
+      <c:overlay val="0"/>
+      <c:spPr>
+        <a:noFill/>
+        <a:ln>
+          <a:noFill/>
+        </a:ln>
+        <a:effectLst/>
+      </c:spPr>
+      <c:txPr>
+        <a:bodyPr rot="0" spcFirstLastPara="1" vertOverflow="ellipsis" vert="horz" wrap="square" anchor="ctr" anchorCtr="1"/>
+        <a:lstStyle/>
+        <a:p>
+          <a:pPr>
+            <a:defRPr sz="1400" b="0" i="0" u="none" strike="noStrike" kern="1200" spc="0" baseline="0">
+              <a:solidFill>
+                <a:schemeClr val="tx1">
+                  <a:lumMod val="65000"/>
+                  <a:lumOff val="35000"/>
+                </a:schemeClr>
+              </a:solidFill>
+              <a:latin typeface="+mn-lt"/>
+              <a:ea typeface="+mn-ea"/>
+              <a:cs typeface="+mn-cs"/>
+            </a:defRPr>
+          </a:pPr>
+          <a:endParaRPr lang="ja-JP"/>
+        </a:p>
+      </c:txPr>
+    </c:title>
+    <c:autoTitleDeleted val="0"/>
+    <c:plotArea>
+      <c:layout/>
+      <c:barChart>
+        <c:barDir val="col"/>
+        <c:grouping val="clustered"/>
+        <c:varyColors val="0"/>
+        <c:ser>
+          <c:idx val="0"/>
+          <c:order val="0"/>
+          <c:spPr>
+            <a:solidFill>
+              <a:schemeClr val="accent1"/>
+            </a:solidFill>
+            <a:ln>
+              <a:noFill/>
+            </a:ln>
+            <a:effectLst/>
+          </c:spPr>
+          <c:invertIfNegative val="0"/>
+          <c:cat>
+            <c:numRef>
+              <c:f>Sheet1!$B$14:$H$14</c:f>
+              <c:numCache>
+                <c:formatCode>General</c:formatCode>
+                <c:ptCount val="7"/>
+                <c:pt idx="0">
+                  <c:v>10</c:v>
+                </c:pt>
+                <c:pt idx="1">
+                  <c:v>100</c:v>
+                </c:pt>
+                <c:pt idx="2">
+                  <c:v>500</c:v>
+                </c:pt>
+                <c:pt idx="3">
+                  <c:v>1000</c:v>
+                </c:pt>
+                <c:pt idx="4">
+                  <c:v>2000</c:v>
+                </c:pt>
+                <c:pt idx="5">
+                  <c:v>3000</c:v>
+                </c:pt>
+                <c:pt idx="6">
+                  <c:v>4096</c:v>
+                </c:pt>
+              </c:numCache>
+            </c:numRef>
+          </c:cat>
+          <c:val>
+            <c:numRef>
+              <c:f>Sheet1!$B$15:$H$15</c:f>
+              <c:numCache>
+                <c:formatCode>General</c:formatCode>
+                <c:ptCount val="7"/>
+                <c:pt idx="0">
+                  <c:v>-1.0425</c:v>
+                </c:pt>
+                <c:pt idx="1">
+                  <c:v>35.651000000000003</c:v>
+                </c:pt>
+                <c:pt idx="2">
+                  <c:v>26.919999999999899</c:v>
+                </c:pt>
+                <c:pt idx="3">
+                  <c:v>41.597499999999997</c:v>
+                </c:pt>
+                <c:pt idx="4">
+                  <c:v>38.31</c:v>
+                </c:pt>
+                <c:pt idx="5">
+                  <c:v>39.432499999999997</c:v>
+                </c:pt>
+                <c:pt idx="6">
+                  <c:v>36.962499999999999</c:v>
+                </c:pt>
+              </c:numCache>
+            </c:numRef>
+          </c:val>
+          <c:extLst>
+            <c:ext xmlns:c16="http://schemas.microsoft.com/office/drawing/2014/chart" uri="{C3380CC4-5D6E-409C-BE32-E72D297353CC}">
+              <c16:uniqueId val="{00000000-FD25-43BF-83D1-EDF27729ACC6}"/>
+            </c:ext>
+          </c:extLst>
+        </c:ser>
+        <c:dLbls>
+          <c:showLegendKey val="0"/>
+          <c:showVal val="0"/>
+          <c:showCatName val="0"/>
+          <c:showSerName val="0"/>
+          <c:showPercent val="0"/>
+          <c:showBubbleSize val="0"/>
+        </c:dLbls>
+        <c:gapWidth val="219"/>
+        <c:overlap val="-27"/>
+        <c:axId val="1980485968"/>
+        <c:axId val="1980481392"/>
+      </c:barChart>
+      <c:catAx>
+        <c:axId val="1980485968"/>
+        <c:scaling>
+          <c:orientation val="minMax"/>
+        </c:scaling>
+        <c:delete val="0"/>
+        <c:axPos val="b"/>
+        <c:title>
+          <c:tx>
+            <c:rich>
+              <a:bodyPr rot="0" spcFirstLastPara="1" vertOverflow="ellipsis" vert="horz" wrap="square" anchor="ctr" anchorCtr="1"/>
+              <a:lstStyle/>
+              <a:p>
+                <a:pPr>
+                  <a:defRPr sz="1000" b="0" i="0" u="none" strike="noStrike" kern="1200" baseline="0">
+                    <a:solidFill>
+                      <a:schemeClr val="tx1">
+                        <a:lumMod val="65000"/>
+                        <a:lumOff val="35000"/>
+                      </a:schemeClr>
+                    </a:solidFill>
+                    <a:latin typeface="+mn-lt"/>
+                    <a:ea typeface="+mn-ea"/>
+                    <a:cs typeface="+mn-cs"/>
+                  </a:defRPr>
+                </a:pPr>
+                <a:r>
+                  <a:rPr lang="en-US" altLang="ja-JP"/>
+                  <a:t>epocs</a:t>
+                </a:r>
+                <a:endParaRPr lang="ja-JP" altLang="en-US"/>
+              </a:p>
+            </c:rich>
+          </c:tx>
+          <c:layout/>
+          <c:overlay val="0"/>
+          <c:spPr>
+            <a:noFill/>
+            <a:ln>
+              <a:noFill/>
+            </a:ln>
+            <a:effectLst/>
+          </c:spPr>
+          <c:txPr>
+            <a:bodyPr rot="0" spcFirstLastPara="1" vertOverflow="ellipsis" vert="horz" wrap="square" anchor="ctr" anchorCtr="1"/>
+            <a:lstStyle/>
+            <a:p>
+              <a:pPr>
+                <a:defRPr sz="1000" b="0" i="0" u="none" strike="noStrike" kern="1200" baseline="0">
+                  <a:solidFill>
+                    <a:schemeClr val="tx1">
+                      <a:lumMod val="65000"/>
+                      <a:lumOff val="35000"/>
+                    </a:schemeClr>
+                  </a:solidFill>
+                  <a:latin typeface="+mn-lt"/>
+                  <a:ea typeface="+mn-ea"/>
+                  <a:cs typeface="+mn-cs"/>
+                </a:defRPr>
+              </a:pPr>
+              <a:endParaRPr lang="ja-JP"/>
+            </a:p>
+          </c:txPr>
+        </c:title>
+        <c:numFmt formatCode="General" sourceLinked="1"/>
+        <c:majorTickMark val="none"/>
+        <c:minorTickMark val="none"/>
+        <c:tickLblPos val="nextTo"/>
+        <c:spPr>
+          <a:noFill/>
+          <a:ln w="9525" cap="flat" cmpd="sng" algn="ctr">
+            <a:solidFill>
+              <a:schemeClr val="tx1">
+                <a:lumMod val="15000"/>
+                <a:lumOff val="85000"/>
+              </a:schemeClr>
+            </a:solidFill>
+            <a:round/>
+          </a:ln>
+          <a:effectLst/>
+        </c:spPr>
+        <c:txPr>
+          <a:bodyPr rot="-60000000" spcFirstLastPara="1" vertOverflow="ellipsis" vert="horz" wrap="square" anchor="ctr" anchorCtr="1"/>
+          <a:lstStyle/>
+          <a:p>
+            <a:pPr>
+              <a:defRPr sz="900" b="0" i="0" u="none" strike="noStrike" kern="1200" baseline="0">
+                <a:solidFill>
+                  <a:schemeClr val="tx1">
+                    <a:lumMod val="65000"/>
+                    <a:lumOff val="35000"/>
+                  </a:schemeClr>
+                </a:solidFill>
+                <a:latin typeface="+mn-lt"/>
+                <a:ea typeface="+mn-ea"/>
+                <a:cs typeface="+mn-cs"/>
+              </a:defRPr>
+            </a:pPr>
+            <a:endParaRPr lang="ja-JP"/>
+          </a:p>
+        </c:txPr>
+        <c:crossAx val="1980481392"/>
+        <c:crosses val="autoZero"/>
+        <c:auto val="1"/>
+        <c:lblAlgn val="ctr"/>
+        <c:lblOffset val="100"/>
+        <c:noMultiLvlLbl val="0"/>
+      </c:catAx>
+      <c:valAx>
+        <c:axId val="1980481392"/>
+        <c:scaling>
+          <c:orientation val="minMax"/>
+        </c:scaling>
+        <c:delete val="0"/>
+        <c:axPos val="l"/>
+        <c:majorGridlines>
+          <c:spPr>
+            <a:ln w="9525" cap="flat" cmpd="sng" algn="ctr">
+              <a:solidFill>
+                <a:schemeClr val="tx1">
+                  <a:lumMod val="15000"/>
+                  <a:lumOff val="85000"/>
+                </a:schemeClr>
+              </a:solidFill>
+              <a:round/>
+            </a:ln>
+            <a:effectLst/>
+          </c:spPr>
+        </c:majorGridlines>
+        <c:title>
+          <c:tx>
+            <c:rich>
+              <a:bodyPr rot="-5400000" spcFirstLastPara="1" vertOverflow="ellipsis" vert="horz" wrap="square" anchor="ctr" anchorCtr="1"/>
+              <a:lstStyle/>
+              <a:p>
+                <a:pPr>
+                  <a:defRPr sz="1000" b="0" i="0" u="none" strike="noStrike" kern="1200" baseline="0">
+                    <a:solidFill>
+                      <a:schemeClr val="tx1">
+                        <a:lumMod val="65000"/>
+                        <a:lumOff val="35000"/>
+                      </a:schemeClr>
+                    </a:solidFill>
+                    <a:latin typeface="+mn-lt"/>
+                    <a:ea typeface="+mn-ea"/>
+                    <a:cs typeface="+mn-cs"/>
+                  </a:defRPr>
+                </a:pPr>
+                <a:r>
+                  <a:rPr lang="ja-JP" altLang="en-US"/>
+                  <a:t>正答率</a:t>
+                </a:r>
+              </a:p>
+            </c:rich>
+          </c:tx>
+          <c:layout/>
+          <c:overlay val="0"/>
+          <c:spPr>
+            <a:noFill/>
+            <a:ln>
+              <a:noFill/>
+            </a:ln>
+            <a:effectLst/>
+          </c:spPr>
+          <c:txPr>
+            <a:bodyPr rot="-5400000" spcFirstLastPara="1" vertOverflow="ellipsis" vert="horz" wrap="square" anchor="ctr" anchorCtr="1"/>
+            <a:lstStyle/>
+            <a:p>
+              <a:pPr>
+                <a:defRPr sz="1000" b="0" i="0" u="none" strike="noStrike" kern="1200" baseline="0">
+                  <a:solidFill>
+                    <a:schemeClr val="tx1">
+                      <a:lumMod val="65000"/>
+                      <a:lumOff val="35000"/>
+                    </a:schemeClr>
+                  </a:solidFill>
+                  <a:latin typeface="+mn-lt"/>
+                  <a:ea typeface="+mn-ea"/>
+                  <a:cs typeface="+mn-cs"/>
+                </a:defRPr>
+              </a:pPr>
+              <a:endParaRPr lang="ja-JP"/>
+            </a:p>
+          </c:txPr>
+        </c:title>
+        <c:numFmt formatCode="General" sourceLinked="1"/>
+        <c:majorTickMark val="none"/>
+        <c:minorTickMark val="none"/>
+        <c:tickLblPos val="nextTo"/>
+        <c:spPr>
+          <a:noFill/>
+          <a:ln>
+            <a:noFill/>
+          </a:ln>
+          <a:effectLst/>
+        </c:spPr>
+        <c:txPr>
+          <a:bodyPr rot="-60000000" spcFirstLastPara="1" vertOverflow="ellipsis" vert="horz" wrap="square" anchor="ctr" anchorCtr="1"/>
+          <a:lstStyle/>
+          <a:p>
+            <a:pPr>
+              <a:defRPr sz="900" b="0" i="0" u="none" strike="noStrike" kern="1200" baseline="0">
+                <a:solidFill>
+                  <a:schemeClr val="tx1">
+                    <a:lumMod val="65000"/>
+                    <a:lumOff val="35000"/>
+                  </a:schemeClr>
+                </a:solidFill>
+                <a:latin typeface="+mn-lt"/>
+                <a:ea typeface="+mn-ea"/>
+                <a:cs typeface="+mn-cs"/>
+              </a:defRPr>
+            </a:pPr>
+            <a:endParaRPr lang="ja-JP"/>
+          </a:p>
+        </c:txPr>
+        <c:crossAx val="1980485968"/>
+        <c:crosses val="autoZero"/>
+        <c:crossBetween val="between"/>
+      </c:valAx>
+      <c:spPr>
+        <a:noFill/>
+        <a:ln>
+          <a:noFill/>
+        </a:ln>
+        <a:effectLst/>
+      </c:spPr>
+    </c:plotArea>
+    <c:plotVisOnly val="1"/>
+    <c:dispBlanksAs val="gap"/>
+    <c:showDLblsOverMax val="0"/>
+  </c:chart>
+  <c:spPr>
+    <a:noFill/>
+    <a:ln>
+      <a:noFill/>
+    </a:ln>
+    <a:effectLst/>
+  </c:spPr>
+  <c:txPr>
+    <a:bodyPr/>
+    <a:lstStyle/>
+    <a:p>
+      <a:pPr>
+        <a:defRPr/>
+      </a:pPr>
+      <a:endParaRPr lang="ja-JP"/>
+    </a:p>
+  </c:txPr>
+  <c:externalData r:id="rId3">
+    <c:autoUpdate val="0"/>
+  </c:externalData>
+</c:chartSpace>
+</file>
+
+<file path=ppt/charts/colors1.xml><?xml version="1.0" encoding="utf-8"?>
+<cs:colorStyle xmlns:cs="http://schemas.microsoft.com/office/drawing/2012/chartStyle" xmlns:a="http://schemas.openxmlformats.org/drawingml/2006/main" meth="cycle" id="10">
+  <a:schemeClr val="accent1"/>
+  <a:schemeClr val="accent2"/>
+  <a:schemeClr val="accent3"/>
+  <a:schemeClr val="accent4"/>
+  <a:schemeClr val="accent5"/>
+  <a:schemeClr val="accent6"/>
+  <cs:variation/>
+  <cs:variation>
+    <a:lumMod val="60000"/>
+  </cs:variation>
+  <cs:variation>
+    <a:lumMod val="80000"/>
+    <a:lumOff val="20000"/>
+  </cs:variation>
+  <cs:variation>
+    <a:lumMod val="80000"/>
+  </cs:variation>
+  <cs:variation>
+    <a:lumMod val="60000"/>
+    <a:lumOff val="40000"/>
+  </cs:variation>
+  <cs:variation>
+    <a:lumMod val="50000"/>
+  </cs:variation>
+  <cs:variation>
+    <a:lumMod val="70000"/>
+    <a:lumOff val="30000"/>
+  </cs:variation>
+  <cs:variation>
+    <a:lumMod val="70000"/>
+  </cs:variation>
+  <cs:variation>
+    <a:lumMod val="50000"/>
+    <a:lumOff val="50000"/>
+  </cs:variation>
+</cs:colorStyle>
+</file>
+
+<file path=ppt/charts/style1.xml><?xml version="1.0" encoding="utf-8"?>
+<cs:chartStyle xmlns:cs="http://schemas.microsoft.com/office/drawing/2012/chartStyle" xmlns:a="http://schemas.openxmlformats.org/drawingml/2006/main" id="201">
+  <cs:axisTitle>
+    <cs:lnRef idx="0"/>
+    <cs:fillRef idx="0"/>
+    <cs:effectRef idx="0"/>
+    <cs:fontRef idx="minor">
+      <a:schemeClr val="tx1">
+        <a:lumMod val="65000"/>
+        <a:lumOff val="35000"/>
+      </a:schemeClr>
+    </cs:fontRef>
+    <cs:defRPr sz="1000" kern="1200"/>
+  </cs:axisTitle>
+  <cs:categoryAxis>
+    <cs:lnRef idx="0"/>
+    <cs:fillRef idx="0"/>
+    <cs:effectRef idx="0"/>
+    <cs:fontRef idx="minor">
+      <a:schemeClr val="tx1">
+        <a:lumMod val="65000"/>
+        <a:lumOff val="35000"/>
+      </a:schemeClr>
+    </cs:fontRef>
+    <cs:spPr>
+      <a:ln w="9525" cap="flat" cmpd="sng" algn="ctr">
+        <a:solidFill>
+          <a:schemeClr val="tx1">
+            <a:lumMod val="15000"/>
+            <a:lumOff val="85000"/>
+          </a:schemeClr>
+        </a:solidFill>
+        <a:round/>
+      </a:ln>
+    </cs:spPr>
+    <cs:defRPr sz="900" kern="1200"/>
+  </cs:categoryAxis>
+  <cs:chartArea mods="allowNoFillOverride allowNoLineOverride">
+    <cs:lnRef idx="0"/>
+    <cs:fillRef idx="0"/>
+    <cs:effectRef idx="0"/>
+    <cs:fontRef idx="minor">
+      <a:schemeClr val="tx1"/>
+    </cs:fontRef>
+    <cs:spPr>
+      <a:solidFill>
+        <a:schemeClr val="bg1"/>
+      </a:solidFill>
+      <a:ln w="9525" cap="flat" cmpd="sng" algn="ctr">
+        <a:solidFill>
+          <a:schemeClr val="tx1">
+            <a:lumMod val="15000"/>
+            <a:lumOff val="85000"/>
+          </a:schemeClr>
+        </a:solidFill>
+        <a:round/>
+      </a:ln>
+    </cs:spPr>
+    <cs:defRPr sz="1000" kern="1200"/>
+  </cs:chartArea>
+  <cs:dataLabel>
+    <cs:lnRef idx="0"/>
+    <cs:fillRef idx="0"/>
+    <cs:effectRef idx="0"/>
+    <cs:fontRef idx="minor">
+      <a:schemeClr val="tx1">
+        <a:lumMod val="75000"/>
+        <a:lumOff val="25000"/>
+      </a:schemeClr>
+    </cs:fontRef>
+    <cs:defRPr sz="900" kern="1200"/>
+  </cs:dataLabel>
+  <cs:dataLabelCallout>
+    <cs:lnRef idx="0"/>
+    <cs:fillRef idx="0"/>
+    <cs:effectRef idx="0"/>
+    <cs:fontRef idx="minor">
+      <a:schemeClr val="dk1">
+        <a:lumMod val="65000"/>
+        <a:lumOff val="35000"/>
+      </a:schemeClr>
+    </cs:fontRef>
+    <cs:spPr>
+      <a:solidFill>
+        <a:schemeClr val="lt1"/>
+      </a:solidFill>
+      <a:ln>
+        <a:solidFill>
+          <a:schemeClr val="dk1">
+            <a:lumMod val="25000"/>
+            <a:lumOff val="75000"/>
+          </a:schemeClr>
+        </a:solidFill>
+      </a:ln>
+    </cs:spPr>
+    <cs:defRPr sz="900" kern="1200"/>
+    <cs:bodyPr rot="0" spcFirstLastPara="1" vertOverflow="clip" horzOverflow="clip" vert="horz" wrap="square" lIns="36576" tIns="18288" rIns="36576" bIns="18288" anchor="ctr" anchorCtr="1">
+      <a:spAutoFit/>
+    </cs:bodyPr>
+  </cs:dataLabelCallout>
+  <cs:dataPoint>
+    <cs:lnRef idx="0"/>
+    <cs:fillRef idx="1">
+      <cs:styleClr val="auto"/>
+    </cs:fillRef>
+    <cs:effectRef idx="0"/>
+    <cs:fontRef idx="minor">
+      <a:schemeClr val="tx1"/>
+    </cs:fontRef>
+  </cs:dataPoint>
+  <cs:dataPoint3D>
+    <cs:lnRef idx="0"/>
+    <cs:fillRef idx="1">
+      <cs:styleClr val="auto"/>
+    </cs:fillRef>
+    <cs:effectRef idx="0"/>
+    <cs:fontRef idx="minor">
+      <a:schemeClr val="tx1"/>
+    </cs:fontRef>
+  </cs:dataPoint3D>
+  <cs:dataPointLine>
+    <cs:lnRef idx="0">
+      <cs:styleClr val="auto"/>
+    </cs:lnRef>
+    <cs:fillRef idx="1"/>
+    <cs:effectRef idx="0"/>
+    <cs:fontRef idx="minor">
+      <a:schemeClr val="tx1"/>
+    </cs:fontRef>
+    <cs:spPr>
+      <a:ln w="28575" cap="rnd">
+        <a:solidFill>
+          <a:schemeClr val="phClr"/>
+        </a:solidFill>
+        <a:round/>
+      </a:ln>
+    </cs:spPr>
+  </cs:dataPointLine>
+  <cs:dataPointMarker>
+    <cs:lnRef idx="0">
+      <cs:styleClr val="auto"/>
+    </cs:lnRef>
+    <cs:fillRef idx="1">
+      <cs:styleClr val="auto"/>
+    </cs:fillRef>
+    <cs:effectRef idx="0"/>
+    <cs:fontRef idx="minor">
+      <a:schemeClr val="tx1"/>
+    </cs:fontRef>
+    <cs:spPr>
+      <a:ln w="9525">
+        <a:solidFill>
+          <a:schemeClr val="phClr"/>
+        </a:solidFill>
+      </a:ln>
+    </cs:spPr>
+  </cs:dataPointMarker>
+  <cs:dataPointMarkerLayout symbol="circle" size="5"/>
+  <cs:dataPointWireframe>
+    <cs:lnRef idx="0">
+      <cs:styleClr val="auto"/>
+    </cs:lnRef>
+    <cs:fillRef idx="1"/>
+    <cs:effectRef idx="0"/>
+    <cs:fontRef idx="minor">
+      <a:schemeClr val="tx1"/>
+    </cs:fontRef>
+    <cs:spPr>
+      <a:ln w="9525" cap="rnd">
+        <a:solidFill>
+          <a:schemeClr val="phClr"/>
+        </a:solidFill>
+        <a:round/>
+      </a:ln>
+    </cs:spPr>
+  </cs:dataPointWireframe>
+  <cs:dataTable>
+    <cs:lnRef idx="0"/>
+    <cs:fillRef idx="0"/>
+    <cs:effectRef idx="0"/>
+    <cs:fontRef idx="minor">
+      <a:schemeClr val="tx1">
+        <a:lumMod val="65000"/>
+        <a:lumOff val="35000"/>
+      </a:schemeClr>
+    </cs:fontRef>
+    <cs:spPr>
+      <a:noFill/>
+      <a:ln w="9525" cap="flat" cmpd="sng" algn="ctr">
+        <a:solidFill>
+          <a:schemeClr val="tx1">
+            <a:lumMod val="15000"/>
+            <a:lumOff val="85000"/>
+          </a:schemeClr>
+        </a:solidFill>
+        <a:round/>
+      </a:ln>
+    </cs:spPr>
+    <cs:defRPr sz="900" kern="1200"/>
+  </cs:dataTable>
+  <cs:downBar>
+    <cs:lnRef idx="0"/>
+    <cs:fillRef idx="0"/>
+    <cs:effectRef idx="0"/>
+    <cs:fontRef idx="minor">
+      <a:schemeClr val="dk1"/>
+    </cs:fontRef>
+    <cs:spPr>
+      <a:solidFill>
+        <a:schemeClr val="dk1">
+          <a:lumMod val="65000"/>
+          <a:lumOff val="35000"/>
+        </a:schemeClr>
+      </a:solidFill>
+      <a:ln w="9525">
+        <a:solidFill>
+          <a:schemeClr val="tx1">
+            <a:lumMod val="65000"/>
+            <a:lumOff val="35000"/>
+          </a:schemeClr>
+        </a:solidFill>
+      </a:ln>
+    </cs:spPr>
+  </cs:downBar>
+  <cs:dropLine>
+    <cs:lnRef idx="0"/>
+    <cs:fillRef idx="0"/>
+    <cs:effectRef idx="0"/>
+    <cs:fontRef idx="minor">
+      <a:schemeClr val="tx1"/>
+    </cs:fontRef>
+    <cs:spPr>
+      <a:ln w="9525" cap="flat" cmpd="sng" algn="ctr">
+        <a:solidFill>
+          <a:schemeClr val="tx1">
+            <a:lumMod val="35000"/>
+            <a:lumOff val="65000"/>
+          </a:schemeClr>
+        </a:solidFill>
+        <a:round/>
+      </a:ln>
+    </cs:spPr>
+  </cs:dropLine>
+  <cs:errorBar>
+    <cs:lnRef idx="0"/>
+    <cs:fillRef idx="0"/>
+    <cs:effectRef idx="0"/>
+    <cs:fontRef idx="minor">
+      <a:schemeClr val="tx1"/>
+    </cs:fontRef>
+    <cs:spPr>
+      <a:ln w="9525" cap="flat" cmpd="sng" algn="ctr">
+        <a:solidFill>
+          <a:schemeClr val="tx1">
+            <a:lumMod val="65000"/>
+            <a:lumOff val="35000"/>
+          </a:schemeClr>
+        </a:solidFill>
+        <a:round/>
+      </a:ln>
+    </cs:spPr>
+  </cs:errorBar>
+  <cs:floor>
+    <cs:lnRef idx="0"/>
+    <cs:fillRef idx="0"/>
+    <cs:effectRef idx="0"/>
+    <cs:fontRef idx="minor">
+      <a:schemeClr val="tx1"/>
+    </cs:fontRef>
+    <cs:spPr>
+      <a:noFill/>
+      <a:ln>
+        <a:noFill/>
+      </a:ln>
+    </cs:spPr>
+  </cs:floor>
+  <cs:gridlineMajor>
+    <cs:lnRef idx="0"/>
+    <cs:fillRef idx="0"/>
+    <cs:effectRef idx="0"/>
+    <cs:fontRef idx="minor">
+      <a:schemeClr val="tx1"/>
+    </cs:fontRef>
+    <cs:spPr>
+      <a:ln w="9525" cap="flat" cmpd="sng" algn="ctr">
+        <a:solidFill>
+          <a:schemeClr val="tx1">
+            <a:lumMod val="15000"/>
+            <a:lumOff val="85000"/>
+          </a:schemeClr>
+        </a:solidFill>
+        <a:round/>
+      </a:ln>
+    </cs:spPr>
+  </cs:gridlineMajor>
+  <cs:gridlineMinor>
+    <cs:lnRef idx="0"/>
+    <cs:fillRef idx="0"/>
+    <cs:effectRef idx="0"/>
+    <cs:fontRef idx="minor">
+      <a:schemeClr val="tx1"/>
+    </cs:fontRef>
+    <cs:spPr>
+      <a:ln w="9525" cap="flat" cmpd="sng" algn="ctr">
+        <a:solidFill>
+          <a:schemeClr val="tx1">
+            <a:lumMod val="5000"/>
+            <a:lumOff val="95000"/>
+          </a:schemeClr>
+        </a:solidFill>
+        <a:round/>
+      </a:ln>
+    </cs:spPr>
+  </cs:gridlineMinor>
+  <cs:hiLoLine>
+    <cs:lnRef idx="0"/>
+    <cs:fillRef idx="0"/>
+    <cs:effectRef idx="0"/>
+    <cs:fontRef idx="minor">
+      <a:schemeClr val="tx1"/>
+    </cs:fontRef>
+    <cs:spPr>
+      <a:ln w="9525" cap="flat" cmpd="sng" algn="ctr">
+        <a:solidFill>
+          <a:schemeClr val="tx1">
+            <a:lumMod val="75000"/>
+            <a:lumOff val="25000"/>
+          </a:schemeClr>
+        </a:solidFill>
+        <a:round/>
+      </a:ln>
+    </cs:spPr>
+  </cs:hiLoLine>
+  <cs:leaderLine>
+    <cs:lnRef idx="0"/>
+    <cs:fillRef idx="0"/>
+    <cs:effectRef idx="0"/>
+    <cs:fontRef idx="minor">
+      <a:schemeClr val="tx1"/>
+    </cs:fontRef>
+    <cs:spPr>
+      <a:ln w="9525" cap="flat" cmpd="sng" algn="ctr">
+        <a:solidFill>
+          <a:schemeClr val="tx1">
+            <a:lumMod val="35000"/>
+            <a:lumOff val="65000"/>
+          </a:schemeClr>
+        </a:solidFill>
+        <a:round/>
+      </a:ln>
+    </cs:spPr>
+  </cs:leaderLine>
+  <cs:legend>
+    <cs:lnRef idx="0"/>
+    <cs:fillRef idx="0"/>
+    <cs:effectRef idx="0"/>
+    <cs:fontRef idx="minor">
+      <a:schemeClr val="tx1">
+        <a:lumMod val="65000"/>
+        <a:lumOff val="35000"/>
+      </a:schemeClr>
+    </cs:fontRef>
+    <cs:defRPr sz="900" kern="1200"/>
+  </cs:legend>
+  <cs:plotArea mods="allowNoFillOverride allowNoLineOverride">
+    <cs:lnRef idx="0"/>
+    <cs:fillRef idx="0"/>
+    <cs:effectRef idx="0"/>
+    <cs:fontRef idx="minor">
+      <a:schemeClr val="tx1"/>
+    </cs:fontRef>
+  </cs:plotArea>
+  <cs:plotArea3D mods="allowNoFillOverride allowNoLineOverride">
+    <cs:lnRef idx="0"/>
+    <cs:fillRef idx="0"/>
+    <cs:effectRef idx="0"/>
+    <cs:fontRef idx="minor">
+      <a:schemeClr val="tx1"/>
+    </cs:fontRef>
+  </cs:plotArea3D>
+  <cs:seriesAxis>
+    <cs:lnRef idx="0"/>
+    <cs:fillRef idx="0"/>
+    <cs:effectRef idx="0"/>
+    <cs:fontRef idx="minor">
+      <a:schemeClr val="tx1">
+        <a:lumMod val="65000"/>
+        <a:lumOff val="35000"/>
+      </a:schemeClr>
+    </cs:fontRef>
+    <cs:defRPr sz="900" kern="1200"/>
+  </cs:seriesAxis>
+  <cs:seriesLine>
+    <cs:lnRef idx="0"/>
+    <cs:fillRef idx="0"/>
+    <cs:effectRef idx="0"/>
+    <cs:fontRef idx="minor">
+      <a:schemeClr val="tx1"/>
+    </cs:fontRef>
+    <cs:spPr>
+      <a:ln w="9525" cap="flat" cmpd="sng" algn="ctr">
+        <a:solidFill>
+          <a:schemeClr val="tx1">
+            <a:lumMod val="35000"/>
+            <a:lumOff val="65000"/>
+          </a:schemeClr>
+        </a:solidFill>
+        <a:round/>
+      </a:ln>
+    </cs:spPr>
+  </cs:seriesLine>
+  <cs:title>
+    <cs:lnRef idx="0"/>
+    <cs:fillRef idx="0"/>
+    <cs:effectRef idx="0"/>
+    <cs:fontRef idx="minor">
+      <a:schemeClr val="tx1">
+        <a:lumMod val="65000"/>
+        <a:lumOff val="35000"/>
+      </a:schemeClr>
+    </cs:fontRef>
+    <cs:defRPr sz="1400" b="0" kern="1200" spc="0" baseline="0"/>
+  </cs:title>
+  <cs:trendline>
+    <cs:lnRef idx="0">
+      <cs:styleClr val="auto"/>
+    </cs:lnRef>
+    <cs:fillRef idx="0"/>
+    <cs:effectRef idx="0"/>
+    <cs:fontRef idx="minor">
+      <a:schemeClr val="tx1"/>
+    </cs:fontRef>
+    <cs:spPr>
+      <a:ln w="19050" cap="rnd">
+        <a:solidFill>
+          <a:schemeClr val="phClr"/>
+        </a:solidFill>
+        <a:prstDash val="sysDot"/>
+      </a:ln>
+    </cs:spPr>
+  </cs:trendline>
+  <cs:trendlineLabel>
+    <cs:lnRef idx="0"/>
+    <cs:fillRef idx="0"/>
+    <cs:effectRef idx="0"/>
+    <cs:fontRef idx="minor">
+      <a:schemeClr val="tx1">
+        <a:lumMod val="65000"/>
+        <a:lumOff val="35000"/>
+      </a:schemeClr>
+    </cs:fontRef>
+    <cs:defRPr sz="900" kern="1200"/>
+  </cs:trendlineLabel>
+  <cs:upBar>
+    <cs:lnRef idx="0"/>
+    <cs:fillRef idx="0"/>
+    <cs:effectRef idx="0"/>
+    <cs:fontRef idx="minor">
+      <a:schemeClr val="dk1"/>
+    </cs:fontRef>
+    <cs:spPr>
+      <a:solidFill>
+        <a:schemeClr val="lt1"/>
+      </a:solidFill>
+      <a:ln w="9525">
+        <a:solidFill>
+          <a:schemeClr val="tx1">
+            <a:lumMod val="15000"/>
+            <a:lumOff val="85000"/>
+          </a:schemeClr>
+        </a:solidFill>
+      </a:ln>
+    </cs:spPr>
+  </cs:upBar>
+  <cs:valueAxis>
+    <cs:lnRef idx="0"/>
+    <cs:fillRef idx="0"/>
+    <cs:effectRef idx="0"/>
+    <cs:fontRef idx="minor">
+      <a:schemeClr val="tx1">
+        <a:lumMod val="65000"/>
+        <a:lumOff val="35000"/>
+      </a:schemeClr>
+    </cs:fontRef>
+    <cs:defRPr sz="900" kern="1200"/>
+  </cs:valueAxis>
+  <cs:wall>
+    <cs:lnRef idx="0"/>
+    <cs:fillRef idx="0"/>
+    <cs:effectRef idx="0"/>
+    <cs:fontRef idx="minor">
+      <a:schemeClr val="tx1"/>
+    </cs:fontRef>
+    <cs:spPr>
+      <a:noFill/>
+      <a:ln>
+        <a:noFill/>
+      </a:ln>
+    </cs:spPr>
+  </cs:wall>
+</cs:chartStyle>
 </file>
 
 <file path=ppt/notesMasters/notesMaster1.xml><?xml version="1.0" encoding="utf-8"?>
@@ -4153,8 +5127,8 @@
           </a:p>
         </p:txBody>
       </p:sp>
-      <mc:AlternateContent xmlns:mc="http://schemas.openxmlformats.org/markup-compatibility/2006" xmlns:a14="http://schemas.microsoft.com/office/drawing/2010/main">
-        <mc:Choice Requires="a14">
+      <mc:AlternateContent xmlns:mc="http://schemas.openxmlformats.org/markup-compatibility/2006">
+        <mc:Choice xmlns:a14="http://schemas.microsoft.com/office/drawing/2010/main" Requires="a14">
           <p:sp>
             <p:nvSpPr>
               <p:cNvPr id="3" name="コンテンツ プレースホルダー 2"/>
@@ -4173,7 +5147,7 @@
             </p:spPr>
             <p:txBody>
               <a:bodyPr>
-                <a:normAutofit fontScale="77500" lnSpcReduction="20000"/>
+                <a:normAutofit fontScale="85000" lnSpcReduction="20000"/>
               </a:bodyPr>
               <a:lstStyle/>
               <a:p>
@@ -4306,7 +5280,7 @@
             </p:txBody>
           </p:sp>
         </mc:Choice>
-        <mc:Fallback xmlns="">
+        <mc:Fallback>
           <p:sp>
             <p:nvSpPr>
               <p:cNvPr id="3" name="コンテンツ プレースホルダー 2"/>
@@ -4325,7 +5299,7 @@
               <a:blipFill>
                 <a:blip r:embed="rId3"/>
                 <a:stretch>
-                  <a:fillRect l="-1005" t="-2911" r="-1314"/>
+                  <a:fillRect l="-1159" t="-3202" b="-582"/>
                 </a:stretch>
               </a:blipFill>
             </p:spPr>
@@ -5280,11 +6254,7 @@
                 <a:pPr algn="ctr"/>
                 <a:r>
                   <a:rPr lang="en-US" altLang="ja-JP" sz="1350" dirty="0" err="1"/>
-                  <a:t>s</a:t>
-                </a:r>
-                <a:r>
-                  <a:rPr lang="en-US" altLang="ja-JP" sz="1350" dirty="0" err="1"/>
-                  <a:t>earch_image.jpynb</a:t>
+                  <a:t>search_image.jpynb</a:t>
                 </a:r>
                 <a:endParaRPr lang="ja-JP" altLang="en-US" sz="1350" dirty="0"/>
               </a:p>
@@ -5356,11 +6326,7 @@
                     <a:pPr algn="ctr"/>
                     <a:r>
                       <a:rPr lang="en-US" altLang="ja-JP" sz="1350" dirty="0"/>
-                      <a:t>c</a:t>
-                    </a:r>
-                    <a:r>
-                      <a:rPr lang="en-US" altLang="ja-JP" sz="1350" dirty="0"/>
-                      <a:t>ifar10_vector_pickle.jpynb</a:t>
+                      <a:t>cifar10_vector_pickle.jpynb</a:t>
                     </a:r>
                     <a:endParaRPr lang="ja-JP" altLang="en-US" sz="1350" dirty="0"/>
                   </a:p>
@@ -5418,11 +6384,7 @@
                       <a:pPr algn="ctr"/>
                       <a:r>
                         <a:rPr lang="en-US" altLang="ja-JP" sz="1350" dirty="0" err="1"/>
-                        <a:t>c</a:t>
-                      </a:r>
-                      <a:r>
-                        <a:rPr lang="en-US" altLang="ja-JP" sz="1350" dirty="0" err="1"/>
-                        <a:t>reate_model.jpynb</a:t>
+                        <a:t>create_model.jpynb</a:t>
                       </a:r>
                       <a:endParaRPr lang="ja-JP" altLang="en-US" sz="1350" dirty="0"/>
                     </a:p>
@@ -5547,17 +6509,12 @@
                     <a:p>
                       <a:r>
                         <a:rPr lang="en-US" altLang="ja-JP" sz="1350" dirty="0"/>
-                        <a:t>m</a:t>
-                      </a:r>
-                      <a:r>
-                        <a:rPr lang="en-US" altLang="ja-JP" sz="1350" dirty="0"/>
-                        <a:t>odel</a:t>
+                        <a:t>model</a:t>
                       </a:r>
                       <a:r>
                         <a:rPr lang="ja-JP" altLang="en-US" sz="1350" dirty="0"/>
                         <a:t>作成</a:t>
                       </a:r>
-                      <a:endParaRPr lang="ja-JP" altLang="en-US" sz="1350" dirty="0"/>
                     </a:p>
                   </p:txBody>
                 </p:sp>
@@ -5627,7 +6584,6 @@
                       <a:rPr lang="ja-JP" altLang="en-US" sz="1350" dirty="0"/>
                       <a:t>読込</a:t>
                     </a:r>
-                    <a:endParaRPr lang="ja-JP" altLang="en-US" sz="1350" dirty="0"/>
                   </a:p>
                 </p:txBody>
               </p:sp>
@@ -5682,21 +6638,8 @@
                         <a:schemeClr val="tx1"/>
                       </a:solidFill>
                     </a:rPr>
-                    <a:t>特徴</a:t>
+                    <a:t>特徴ベクトル</a:t>
                   </a:r>
-                  <a:r>
-                    <a:rPr lang="ja-JP" altLang="en-US" sz="1350" dirty="0">
-                      <a:solidFill>
-                        <a:schemeClr val="tx1"/>
-                      </a:solidFill>
-                    </a:rPr>
-                    <a:t>ベクトル</a:t>
-                  </a:r>
-                  <a:endParaRPr lang="ja-JP" altLang="en-US" sz="1350" dirty="0">
-                    <a:solidFill>
-                      <a:schemeClr val="tx1"/>
-                    </a:solidFill>
-                  </a:endParaRPr>
                 </a:p>
               </p:txBody>
             </p:sp>
@@ -5762,7 +6705,6 @@
                     <a:rPr lang="ja-JP" altLang="en-US" sz="1350" dirty="0"/>
                     <a:t>特徴ベクトル抽出</a:t>
                   </a:r>
-                  <a:endParaRPr lang="ja-JP" altLang="en-US" sz="1350" dirty="0"/>
                 </a:p>
               </p:txBody>
             </p:sp>
@@ -5827,13 +6769,8 @@
               <a:p>
                 <a:r>
                   <a:rPr lang="ja-JP" altLang="en-US" sz="1350" dirty="0"/>
-                  <a:t>特徴</a:t>
+                  <a:t>特徴ベクトル読込</a:t>
                 </a:r>
-                <a:r>
-                  <a:rPr lang="ja-JP" altLang="en-US" sz="1350" dirty="0"/>
-                  <a:t>ベクトル読込</a:t>
-                </a:r>
-                <a:endParaRPr lang="ja-JP" altLang="en-US" sz="1350" dirty="0"/>
               </a:p>
             </p:txBody>
           </p:sp>
@@ -12686,25 +13623,6 @@
       </p:sp>
       <p:sp>
         <p:nvSpPr>
-          <p:cNvPr id="3" name="コンテンツ プレースホルダー 2"/>
-          <p:cNvSpPr>
-            <a:spLocks noGrp="1"/>
-          </p:cNvSpPr>
-          <p:nvPr>
-            <p:ph idx="1"/>
-          </p:nvPr>
-        </p:nvSpPr>
-        <p:spPr/>
-        <p:txBody>
-          <a:bodyPr/>
-          <a:lstStyle/>
-          <a:p>
-            <a:endParaRPr kumimoji="1" lang="ja-JP" altLang="en-US"/>
-          </a:p>
-        </p:txBody>
-      </p:sp>
-      <p:sp>
-        <p:nvSpPr>
           <p:cNvPr id="4" name="スライド番号プレースホルダー 3"/>
           <p:cNvSpPr>
             <a:spLocks noGrp="1"/>
@@ -12726,6 +13644,31 @@
           </a:p>
         </p:txBody>
       </p:sp>
+      <p:graphicFrame>
+        <p:nvGraphicFramePr>
+          <p:cNvPr id="5" name="コンテンツ プレースホルダー 4"/>
+          <p:cNvGraphicFramePr>
+            <a:graphicFrameLocks noGrp="1"/>
+          </p:cNvGraphicFramePr>
+          <p:nvPr>
+            <p:ph idx="1"/>
+            <p:extLst>
+              <p:ext uri="{D42A27DB-BD31-4B8C-83A1-F6EECF244321}">
+                <p14:modId xmlns:p14="http://schemas.microsoft.com/office/powerpoint/2010/main" val="2078942856"/>
+              </p:ext>
+            </p:extLst>
+          </p:nvPr>
+        </p:nvGraphicFramePr>
+        <p:xfrm>
+          <a:off x="628650" y="1825625"/>
+          <a:ext cx="7886700" cy="4351338"/>
+        </p:xfrm>
+        <a:graphic>
+          <a:graphicData uri="http://schemas.openxmlformats.org/drawingml/2006/chart">
+            <c:chart xmlns:c="http://schemas.openxmlformats.org/drawingml/2006/chart" xmlns:r="http://schemas.openxmlformats.org/officeDocument/2006/relationships" r:id="rId2"/>
+          </a:graphicData>
+        </a:graphic>
+      </p:graphicFrame>
     </p:spTree>
     <p:extLst>
       <p:ext uri="{BB962C8B-B14F-4D97-AF65-F5344CB8AC3E}">

--- a/ゼミ発表資料/1821005_1206.pptx
+++ b/ゼミ発表資料/1821005_1206.pptx
@@ -5299,7 +5299,7 @@
               <a:blipFill>
                 <a:blip r:embed="rId3"/>
                 <a:stretch>
-                  <a:fillRect l="-1159" t="-3202" b="-582"/>
+                  <a:fillRect l="-1159" t="-3202" r="-3091"/>
                 </a:stretch>
               </a:blipFill>
             </p:spPr>
@@ -13747,11 +13747,35 @@
             <a:pPr algn="just"/>
             <a:r>
               <a:rPr lang="ja-JP" altLang="ja-JP" dirty="0" smtClean="0"/>
-              <a:t>ソーシャルネットワーキングサービス</a:t>
+              <a:t>ソーシャル</a:t>
+            </a:r>
+            <a:r>
+              <a:rPr lang="ja-JP" altLang="en-US" dirty="0" smtClean="0"/>
+              <a:t>・</a:t>
+            </a:r>
+            <a:r>
+              <a:rPr lang="ja-JP" altLang="ja-JP" dirty="0" smtClean="0"/>
+              <a:t>ネットワーキング</a:t>
+            </a:r>
+            <a:r>
+              <a:rPr lang="ja-JP" altLang="en-US" dirty="0" smtClean="0"/>
+              <a:t>・</a:t>
+            </a:r>
+            <a:r>
+              <a:rPr lang="ja-JP" altLang="ja-JP" dirty="0" smtClean="0"/>
+              <a:t>サービス</a:t>
+            </a:r>
+            <a:r>
+              <a:rPr lang="en-US" altLang="ja-JP" dirty="0" smtClean="0"/>
+              <a:t>(SNS)</a:t>
+            </a:r>
+            <a:r>
+              <a:rPr lang="ja-JP" altLang="en-US" dirty="0" smtClean="0"/>
+              <a:t>に</a:t>
             </a:r>
             <a:r>
               <a:rPr lang="ja-JP" altLang="en-US" dirty="0"/>
-              <a:t>において写真や画像の投稿が盛んになっており，大量の写真や画像が蓄積されている．</a:t>
+              <a:t>おいて写真や画像の投稿が盛んになっており，大量の写真や画像が蓄積されている．</a:t>
             </a:r>
             <a:endParaRPr lang="en-US" altLang="ja-JP" dirty="0"/>
           </a:p>

--- a/ゼミ発表資料/1821005_1206.pptx
+++ b/ゼミ発表資料/1821005_1206.pptx
@@ -1199,7 +1199,7 @@
           <a:p>
             <a:fld id="{D359827B-A45A-42A3-8D19-3E0C9B79B6AF}" type="datetimeFigureOut">
               <a:rPr kumimoji="1" lang="ja-JP" altLang="en-US" smtClean="0"/>
-              <a:t>2021/12/6</a:t>
+              <a:t>2021/12/8</a:t>
             </a:fld>
             <a:endParaRPr kumimoji="1" lang="ja-JP" altLang="en-US"/>
           </a:p>
@@ -1960,7 +1960,7 @@
           <a:p>
             <a:fld id="{F97256E2-A65E-4B77-B264-911586924883}" type="datetime1">
               <a:rPr kumimoji="1" lang="ja-JP" altLang="en-US" smtClean="0"/>
-              <a:t>2021/12/6</a:t>
+              <a:t>2021/12/8</a:t>
             </a:fld>
             <a:endParaRPr kumimoji="1" lang="ja-JP" altLang="en-US"/>
           </a:p>
@@ -2162,7 +2162,7 @@
           <a:p>
             <a:fld id="{7D14B865-5DC8-45B1-AA67-F8656352C909}" type="datetime1">
               <a:rPr kumimoji="1" lang="ja-JP" altLang="en-US" smtClean="0"/>
-              <a:t>2021/12/6</a:t>
+              <a:t>2021/12/8</a:t>
             </a:fld>
             <a:endParaRPr kumimoji="1" lang="ja-JP" altLang="en-US"/>
           </a:p>
@@ -2374,7 +2374,7 @@
           <a:p>
             <a:fld id="{02A15EFD-2DFF-458B-A902-73BF4EFB1164}" type="datetime1">
               <a:rPr kumimoji="1" lang="ja-JP" altLang="en-US" smtClean="0"/>
-              <a:t>2021/12/6</a:t>
+              <a:t>2021/12/8</a:t>
             </a:fld>
             <a:endParaRPr kumimoji="1" lang="ja-JP" altLang="en-US"/>
           </a:p>
@@ -2576,7 +2576,7 @@
           <a:p>
             <a:fld id="{9EBF459C-F29A-4B20-A8B3-856EFF20B301}" type="datetime1">
               <a:rPr kumimoji="1" lang="ja-JP" altLang="en-US" smtClean="0"/>
-              <a:t>2021/12/6</a:t>
+              <a:t>2021/12/8</a:t>
             </a:fld>
             <a:endParaRPr kumimoji="1" lang="ja-JP" altLang="en-US"/>
           </a:p>
@@ -2820,7 +2820,7 @@
           <a:p>
             <a:fld id="{E2F1D19E-D3ED-426D-8C0C-A7E859C70D82}" type="datetime1">
               <a:rPr kumimoji="1" lang="ja-JP" altLang="en-US" smtClean="0"/>
-              <a:t>2021/12/6</a:t>
+              <a:t>2021/12/8</a:t>
             </a:fld>
             <a:endParaRPr kumimoji="1" lang="ja-JP" altLang="en-US"/>
           </a:p>
@@ -3116,7 +3116,7 @@
           <a:p>
             <a:fld id="{AC85B4AF-0CA0-4CE4-B5F2-9615981BDB42}" type="datetime1">
               <a:rPr kumimoji="1" lang="ja-JP" altLang="en-US" smtClean="0"/>
-              <a:t>2021/12/6</a:t>
+              <a:t>2021/12/8</a:t>
             </a:fld>
             <a:endParaRPr kumimoji="1" lang="ja-JP" altLang="en-US"/>
           </a:p>
@@ -3547,7 +3547,7 @@
           <a:p>
             <a:fld id="{41CEF983-C0A5-4267-8E2C-E552BBDE4CE2}" type="datetime1">
               <a:rPr kumimoji="1" lang="ja-JP" altLang="en-US" smtClean="0"/>
-              <a:t>2021/12/6</a:t>
+              <a:t>2021/12/8</a:t>
             </a:fld>
             <a:endParaRPr kumimoji="1" lang="ja-JP" altLang="en-US"/>
           </a:p>
@@ -3665,7 +3665,7 @@
           <a:p>
             <a:fld id="{88BDB93D-AD42-430C-B431-09BCC7ABE956}" type="datetime1">
               <a:rPr kumimoji="1" lang="ja-JP" altLang="en-US" smtClean="0"/>
-              <a:t>2021/12/6</a:t>
+              <a:t>2021/12/8</a:t>
             </a:fld>
             <a:endParaRPr kumimoji="1" lang="ja-JP" altLang="en-US"/>
           </a:p>
@@ -3760,7 +3760,7 @@
           <a:p>
             <a:fld id="{D271579B-5523-45D2-8886-921D1D44EEED}" type="datetime1">
               <a:rPr kumimoji="1" lang="ja-JP" altLang="en-US" smtClean="0"/>
-              <a:t>2021/12/6</a:t>
+              <a:t>2021/12/8</a:t>
             </a:fld>
             <a:endParaRPr kumimoji="1" lang="ja-JP" altLang="en-US"/>
           </a:p>
@@ -4069,7 +4069,7 @@
           <a:p>
             <a:fld id="{0E7742D9-CD6D-4362-A175-904BAA441680}" type="datetime1">
               <a:rPr kumimoji="1" lang="ja-JP" altLang="en-US" smtClean="0"/>
-              <a:t>2021/12/6</a:t>
+              <a:t>2021/12/8</a:t>
             </a:fld>
             <a:endParaRPr kumimoji="1" lang="ja-JP" altLang="en-US"/>
           </a:p>
@@ -4326,7 +4326,7 @@
           <a:p>
             <a:fld id="{81F08DD8-F1CF-472A-B406-5FCD361CD16E}" type="datetime1">
               <a:rPr kumimoji="1" lang="ja-JP" altLang="en-US" smtClean="0"/>
-              <a:t>2021/12/6</a:t>
+              <a:t>2021/12/8</a:t>
             </a:fld>
             <a:endParaRPr kumimoji="1" lang="ja-JP" altLang="en-US"/>
           </a:p>
@@ -4571,7 +4571,7 @@
           <a:p>
             <a:fld id="{12578FE9-280D-4954-B807-C67AC8024AE2}" type="datetime1">
               <a:rPr kumimoji="1" lang="ja-JP" altLang="en-US" smtClean="0"/>
-              <a:t>2021/12/6</a:t>
+              <a:t>2021/12/8</a:t>
             </a:fld>
             <a:endParaRPr kumimoji="1" lang="ja-JP" altLang="en-US"/>
           </a:p>
@@ -5127,8 +5127,8 @@
           </a:p>
         </p:txBody>
       </p:sp>
-      <mc:AlternateContent xmlns:mc="http://schemas.openxmlformats.org/markup-compatibility/2006">
-        <mc:Choice xmlns:a14="http://schemas.microsoft.com/office/drawing/2010/main" Requires="a14">
+      <mc:AlternateContent xmlns:mc="http://schemas.openxmlformats.org/markup-compatibility/2006" xmlns:a14="http://schemas.microsoft.com/office/drawing/2010/main">
+        <mc:Choice Requires="a14">
           <p:sp>
             <p:nvSpPr>
               <p:cNvPr id="3" name="コンテンツ プレースホルダー 2"/>
@@ -5280,7 +5280,7 @@
             </p:txBody>
           </p:sp>
         </mc:Choice>
-        <mc:Fallback>
+        <mc:Fallback xmlns="">
           <p:sp>
             <p:nvSpPr>
               <p:cNvPr id="3" name="コンテンツ プレースホルダー 2"/>
@@ -6886,6 +6886,13 @@
   <p:clrMapOvr>
     <a:masterClrMapping/>
   </p:clrMapOvr>
+  <p:timing>
+    <p:tnLst>
+      <p:par>
+        <p:cTn id="1" dur="indefinite" restart="never" nodeType="tmRoot"/>
+      </p:par>
+    </p:tnLst>
+  </p:timing>
 </p:sld>
 </file>
 
@@ -8356,6 +8363,13 @@
   <p:clrMapOvr>
     <a:masterClrMapping/>
   </p:clrMapOvr>
+  <p:timing>
+    <p:tnLst>
+      <p:par>
+        <p:cTn id="1" dur="indefinite" restart="never" nodeType="tmRoot"/>
+      </p:par>
+    </p:tnLst>
+  </p:timing>
 </p:sld>
 </file>
 
@@ -11734,7 +11748,7 @@
                     <a:p>
                       <a:pPr algn="r" fontAlgn="b"/>
                       <a:r>
-                        <a:rPr lang="en-US" altLang="ja-JP" sz="800" b="0" i="0" u="none" strike="noStrike">
+                        <a:rPr lang="en-US" altLang="ja-JP" sz="800" b="0" i="0" u="none" strike="noStrike" dirty="0">
                           <a:solidFill>
                             <a:srgbClr val="000000"/>
                           </a:solidFill>
@@ -11792,7 +11806,7 @@
                     <a:p>
                       <a:pPr algn="r" fontAlgn="b"/>
                       <a:r>
-                        <a:rPr lang="en-US" altLang="ja-JP" sz="800" b="0" i="0" u="none" strike="noStrike">
+                        <a:rPr lang="en-US" altLang="ja-JP" sz="800" b="0" i="0" u="none" strike="noStrike" dirty="0">
                           <a:solidFill>
                             <a:srgbClr val="000000"/>
                           </a:solidFill>
@@ -11908,7 +11922,7 @@
                     <a:p>
                       <a:pPr algn="r" fontAlgn="b"/>
                       <a:r>
-                        <a:rPr lang="en-US" altLang="ja-JP" sz="800" b="0" i="0" u="none" strike="noStrike">
+                        <a:rPr lang="en-US" altLang="ja-JP" sz="800" b="0" i="0" u="none" strike="noStrike" dirty="0">
                           <a:solidFill>
                             <a:srgbClr val="000000"/>
                           </a:solidFill>
@@ -11966,7 +11980,7 @@
                     <a:p>
                       <a:pPr algn="r" fontAlgn="b"/>
                       <a:r>
-                        <a:rPr lang="en-US" altLang="ja-JP" sz="800" b="0" i="0" u="none" strike="noStrike">
+                        <a:rPr lang="en-US" altLang="ja-JP" sz="800" b="0" i="0" u="none" strike="noStrike" dirty="0">
                           <a:solidFill>
                             <a:srgbClr val="000000"/>
                           </a:solidFill>
@@ -12082,7 +12096,7 @@
                     <a:p>
                       <a:pPr algn="r" fontAlgn="b"/>
                       <a:r>
-                        <a:rPr lang="en-US" altLang="ja-JP" sz="800" b="0" i="0" u="none" strike="noStrike">
+                        <a:rPr lang="en-US" altLang="ja-JP" sz="800" b="0" i="0" u="none" strike="noStrike" dirty="0">
                           <a:solidFill>
                             <a:srgbClr val="000000"/>
                           </a:solidFill>
